--- a/Documents/ClassDiagram.pptx
+++ b/Documents/ClassDiagram.pptx
@@ -288,7 +288,8 @@
           <a:p>
             <a:fld id="{BAF09E74-5774-F145-AC14-13E3AE904401}" type="datetimeFigureOut">
               <a:rPr lang="nl-NL" smtClean="0"/>
-              <a:t>19/05/15</a:t>
+              <a:pPr/>
+              <a:t>20-5-2015</a:t>
             </a:fld>
             <a:endParaRPr lang="nl-NL"/>
           </a:p>
@@ -330,7 +331,8 @@
           <a:p>
             <a:fld id="{6D59DADF-35B0-8442-AF3F-7D54891C5B27}" type="slidenum">
               <a:rPr lang="nl-NL" smtClean="0"/>
-              <a:t>‹nr.›</a:t>
+              <a:pPr/>
+              <a:t>‹#›</a:t>
             </a:fld>
             <a:endParaRPr lang="nl-NL"/>
           </a:p>
@@ -339,7 +341,7 @@
     </p:spTree>
     <p:extLst>
       <p:ext uri="{BB962C8B-B14F-4D97-AF65-F5344CB8AC3E}">
-        <p14:creationId xmlns:p14="http://schemas.microsoft.com/office/powerpoint/2010/main" val="2833105150"/>
+        <p14:creationId xmlns:p14="http://schemas.microsoft.com/office/powerpoint/2010/main" xmlns="" val="2833105150"/>
       </p:ext>
     </p:extLst>
   </p:cSld>
@@ -458,7 +460,8 @@
           <a:p>
             <a:fld id="{BAF09E74-5774-F145-AC14-13E3AE904401}" type="datetimeFigureOut">
               <a:rPr lang="nl-NL" smtClean="0"/>
-              <a:t>19/05/15</a:t>
+              <a:pPr/>
+              <a:t>20-5-2015</a:t>
             </a:fld>
             <a:endParaRPr lang="nl-NL"/>
           </a:p>
@@ -500,7 +503,8 @@
           <a:p>
             <a:fld id="{6D59DADF-35B0-8442-AF3F-7D54891C5B27}" type="slidenum">
               <a:rPr lang="nl-NL" smtClean="0"/>
-              <a:t>‹nr.›</a:t>
+              <a:pPr/>
+              <a:t>‹#›</a:t>
             </a:fld>
             <a:endParaRPr lang="nl-NL"/>
           </a:p>
@@ -509,7 +513,7 @@
     </p:spTree>
     <p:extLst>
       <p:ext uri="{BB962C8B-B14F-4D97-AF65-F5344CB8AC3E}">
-        <p14:creationId xmlns:p14="http://schemas.microsoft.com/office/powerpoint/2010/main" val="547624687"/>
+        <p14:creationId xmlns:p14="http://schemas.microsoft.com/office/powerpoint/2010/main" xmlns="" val="547624687"/>
       </p:ext>
     </p:extLst>
   </p:cSld>
@@ -638,7 +642,8 @@
           <a:p>
             <a:fld id="{BAF09E74-5774-F145-AC14-13E3AE904401}" type="datetimeFigureOut">
               <a:rPr lang="nl-NL" smtClean="0"/>
-              <a:t>19/05/15</a:t>
+              <a:pPr/>
+              <a:t>20-5-2015</a:t>
             </a:fld>
             <a:endParaRPr lang="nl-NL"/>
           </a:p>
@@ -680,7 +685,8 @@
           <a:p>
             <a:fld id="{6D59DADF-35B0-8442-AF3F-7D54891C5B27}" type="slidenum">
               <a:rPr lang="nl-NL" smtClean="0"/>
-              <a:t>‹nr.›</a:t>
+              <a:pPr/>
+              <a:t>‹#›</a:t>
             </a:fld>
             <a:endParaRPr lang="nl-NL"/>
           </a:p>
@@ -689,7 +695,7 @@
     </p:spTree>
     <p:extLst>
       <p:ext uri="{BB962C8B-B14F-4D97-AF65-F5344CB8AC3E}">
-        <p14:creationId xmlns:p14="http://schemas.microsoft.com/office/powerpoint/2010/main" val="3832215252"/>
+        <p14:creationId xmlns:p14="http://schemas.microsoft.com/office/powerpoint/2010/main" xmlns="" val="3832215252"/>
       </p:ext>
     </p:extLst>
   </p:cSld>
@@ -808,7 +814,8 @@
           <a:p>
             <a:fld id="{BAF09E74-5774-F145-AC14-13E3AE904401}" type="datetimeFigureOut">
               <a:rPr lang="nl-NL" smtClean="0"/>
-              <a:t>19/05/15</a:t>
+              <a:pPr/>
+              <a:t>20-5-2015</a:t>
             </a:fld>
             <a:endParaRPr lang="nl-NL"/>
           </a:p>
@@ -850,7 +857,8 @@
           <a:p>
             <a:fld id="{6D59DADF-35B0-8442-AF3F-7D54891C5B27}" type="slidenum">
               <a:rPr lang="nl-NL" smtClean="0"/>
-              <a:t>‹nr.›</a:t>
+              <a:pPr/>
+              <a:t>‹#›</a:t>
             </a:fld>
             <a:endParaRPr lang="nl-NL"/>
           </a:p>
@@ -859,7 +867,7 @@
     </p:spTree>
     <p:extLst>
       <p:ext uri="{BB962C8B-B14F-4D97-AF65-F5344CB8AC3E}">
-        <p14:creationId xmlns:p14="http://schemas.microsoft.com/office/powerpoint/2010/main" val="406829104"/>
+        <p14:creationId xmlns:p14="http://schemas.microsoft.com/office/powerpoint/2010/main" xmlns="" val="406829104"/>
       </p:ext>
     </p:extLst>
   </p:cSld>
@@ -1054,7 +1062,8 @@
           <a:p>
             <a:fld id="{BAF09E74-5774-F145-AC14-13E3AE904401}" type="datetimeFigureOut">
               <a:rPr lang="nl-NL" smtClean="0"/>
-              <a:t>19/05/15</a:t>
+              <a:pPr/>
+              <a:t>20-5-2015</a:t>
             </a:fld>
             <a:endParaRPr lang="nl-NL"/>
           </a:p>
@@ -1096,7 +1105,8 @@
           <a:p>
             <a:fld id="{6D59DADF-35B0-8442-AF3F-7D54891C5B27}" type="slidenum">
               <a:rPr lang="nl-NL" smtClean="0"/>
-              <a:t>‹nr.›</a:t>
+              <a:pPr/>
+              <a:t>‹#›</a:t>
             </a:fld>
             <a:endParaRPr lang="nl-NL"/>
           </a:p>
@@ -1105,7 +1115,7 @@
     </p:spTree>
     <p:extLst>
       <p:ext uri="{BB962C8B-B14F-4D97-AF65-F5344CB8AC3E}">
-        <p14:creationId xmlns:p14="http://schemas.microsoft.com/office/powerpoint/2010/main" val="4032166571"/>
+        <p14:creationId xmlns:p14="http://schemas.microsoft.com/office/powerpoint/2010/main" xmlns="" val="4032166571"/>
       </p:ext>
     </p:extLst>
   </p:cSld>
@@ -1342,7 +1352,8 @@
           <a:p>
             <a:fld id="{BAF09E74-5774-F145-AC14-13E3AE904401}" type="datetimeFigureOut">
               <a:rPr lang="nl-NL" smtClean="0"/>
-              <a:t>19/05/15</a:t>
+              <a:pPr/>
+              <a:t>20-5-2015</a:t>
             </a:fld>
             <a:endParaRPr lang="nl-NL"/>
           </a:p>
@@ -1384,7 +1395,8 @@
           <a:p>
             <a:fld id="{6D59DADF-35B0-8442-AF3F-7D54891C5B27}" type="slidenum">
               <a:rPr lang="nl-NL" smtClean="0"/>
-              <a:t>‹nr.›</a:t>
+              <a:pPr/>
+              <a:t>‹#›</a:t>
             </a:fld>
             <a:endParaRPr lang="nl-NL"/>
           </a:p>
@@ -1393,7 +1405,7 @@
     </p:spTree>
     <p:extLst>
       <p:ext uri="{BB962C8B-B14F-4D97-AF65-F5344CB8AC3E}">
-        <p14:creationId xmlns:p14="http://schemas.microsoft.com/office/powerpoint/2010/main" val="1494689933"/>
+        <p14:creationId xmlns:p14="http://schemas.microsoft.com/office/powerpoint/2010/main" xmlns="" val="1494689933"/>
       </p:ext>
     </p:extLst>
   </p:cSld>
@@ -1764,7 +1776,8 @@
           <a:p>
             <a:fld id="{BAF09E74-5774-F145-AC14-13E3AE904401}" type="datetimeFigureOut">
               <a:rPr lang="nl-NL" smtClean="0"/>
-              <a:t>19/05/15</a:t>
+              <a:pPr/>
+              <a:t>20-5-2015</a:t>
             </a:fld>
             <a:endParaRPr lang="nl-NL"/>
           </a:p>
@@ -1806,7 +1819,8 @@
           <a:p>
             <a:fld id="{6D59DADF-35B0-8442-AF3F-7D54891C5B27}" type="slidenum">
               <a:rPr lang="nl-NL" smtClean="0"/>
-              <a:t>‹nr.›</a:t>
+              <a:pPr/>
+              <a:t>‹#›</a:t>
             </a:fld>
             <a:endParaRPr lang="nl-NL"/>
           </a:p>
@@ -1815,7 +1829,7 @@
     </p:spTree>
     <p:extLst>
       <p:ext uri="{BB962C8B-B14F-4D97-AF65-F5344CB8AC3E}">
-        <p14:creationId xmlns:p14="http://schemas.microsoft.com/office/powerpoint/2010/main" val="1221107075"/>
+        <p14:creationId xmlns:p14="http://schemas.microsoft.com/office/powerpoint/2010/main" xmlns="" val="1221107075"/>
       </p:ext>
     </p:extLst>
   </p:cSld>
@@ -1882,7 +1896,8 @@
           <a:p>
             <a:fld id="{BAF09E74-5774-F145-AC14-13E3AE904401}" type="datetimeFigureOut">
               <a:rPr lang="nl-NL" smtClean="0"/>
-              <a:t>19/05/15</a:t>
+              <a:pPr/>
+              <a:t>20-5-2015</a:t>
             </a:fld>
             <a:endParaRPr lang="nl-NL"/>
           </a:p>
@@ -1924,7 +1939,8 @@
           <a:p>
             <a:fld id="{6D59DADF-35B0-8442-AF3F-7D54891C5B27}" type="slidenum">
               <a:rPr lang="nl-NL" smtClean="0"/>
-              <a:t>‹nr.›</a:t>
+              <a:pPr/>
+              <a:t>‹#›</a:t>
             </a:fld>
             <a:endParaRPr lang="nl-NL"/>
           </a:p>
@@ -1933,7 +1949,7 @@
     </p:spTree>
     <p:extLst>
       <p:ext uri="{BB962C8B-B14F-4D97-AF65-F5344CB8AC3E}">
-        <p14:creationId xmlns:p14="http://schemas.microsoft.com/office/powerpoint/2010/main" val="23264191"/>
+        <p14:creationId xmlns:p14="http://schemas.microsoft.com/office/powerpoint/2010/main" xmlns="" val="23264191"/>
       </p:ext>
     </p:extLst>
   </p:cSld>
@@ -1977,7 +1993,8 @@
           <a:p>
             <a:fld id="{BAF09E74-5774-F145-AC14-13E3AE904401}" type="datetimeFigureOut">
               <a:rPr lang="nl-NL" smtClean="0"/>
-              <a:t>19/05/15</a:t>
+              <a:pPr/>
+              <a:t>20-5-2015</a:t>
             </a:fld>
             <a:endParaRPr lang="nl-NL"/>
           </a:p>
@@ -2019,7 +2036,8 @@
           <a:p>
             <a:fld id="{6D59DADF-35B0-8442-AF3F-7D54891C5B27}" type="slidenum">
               <a:rPr lang="nl-NL" smtClean="0"/>
-              <a:t>‹nr.›</a:t>
+              <a:pPr/>
+              <a:t>‹#›</a:t>
             </a:fld>
             <a:endParaRPr lang="nl-NL"/>
           </a:p>
@@ -2028,7 +2046,7 @@
     </p:spTree>
     <p:extLst>
       <p:ext uri="{BB962C8B-B14F-4D97-AF65-F5344CB8AC3E}">
-        <p14:creationId xmlns:p14="http://schemas.microsoft.com/office/powerpoint/2010/main" val="461564456"/>
+        <p14:creationId xmlns:p14="http://schemas.microsoft.com/office/powerpoint/2010/main" xmlns="" val="461564456"/>
       </p:ext>
     </p:extLst>
   </p:cSld>
@@ -2254,7 +2272,8 @@
           <a:p>
             <a:fld id="{BAF09E74-5774-F145-AC14-13E3AE904401}" type="datetimeFigureOut">
               <a:rPr lang="nl-NL" smtClean="0"/>
-              <a:t>19/05/15</a:t>
+              <a:pPr/>
+              <a:t>20-5-2015</a:t>
             </a:fld>
             <a:endParaRPr lang="nl-NL"/>
           </a:p>
@@ -2296,7 +2315,8 @@
           <a:p>
             <a:fld id="{6D59DADF-35B0-8442-AF3F-7D54891C5B27}" type="slidenum">
               <a:rPr lang="nl-NL" smtClean="0"/>
-              <a:t>‹nr.›</a:t>
+              <a:pPr/>
+              <a:t>‹#›</a:t>
             </a:fld>
             <a:endParaRPr lang="nl-NL"/>
           </a:p>
@@ -2305,7 +2325,7 @@
     </p:spTree>
     <p:extLst>
       <p:ext uri="{BB962C8B-B14F-4D97-AF65-F5344CB8AC3E}">
-        <p14:creationId xmlns:p14="http://schemas.microsoft.com/office/powerpoint/2010/main" val="3656418691"/>
+        <p14:creationId xmlns:p14="http://schemas.microsoft.com/office/powerpoint/2010/main" xmlns="" val="3656418691"/>
       </p:ext>
     </p:extLst>
   </p:cSld>
@@ -2507,7 +2527,8 @@
           <a:p>
             <a:fld id="{BAF09E74-5774-F145-AC14-13E3AE904401}" type="datetimeFigureOut">
               <a:rPr lang="nl-NL" smtClean="0"/>
-              <a:t>19/05/15</a:t>
+              <a:pPr/>
+              <a:t>20-5-2015</a:t>
             </a:fld>
             <a:endParaRPr lang="nl-NL"/>
           </a:p>
@@ -2549,7 +2570,8 @@
           <a:p>
             <a:fld id="{6D59DADF-35B0-8442-AF3F-7D54891C5B27}" type="slidenum">
               <a:rPr lang="nl-NL" smtClean="0"/>
-              <a:t>‹nr.›</a:t>
+              <a:pPr/>
+              <a:t>‹#›</a:t>
             </a:fld>
             <a:endParaRPr lang="nl-NL"/>
           </a:p>
@@ -2558,7 +2580,7 @@
     </p:spTree>
     <p:extLst>
       <p:ext uri="{BB962C8B-B14F-4D97-AF65-F5344CB8AC3E}">
-        <p14:creationId xmlns:p14="http://schemas.microsoft.com/office/powerpoint/2010/main" val="2512410003"/>
+        <p14:creationId xmlns:p14="http://schemas.microsoft.com/office/powerpoint/2010/main" xmlns="" val="2512410003"/>
       </p:ext>
     </p:extLst>
   </p:cSld>
@@ -2720,7 +2742,8 @@
           <a:p>
             <a:fld id="{BAF09E74-5774-F145-AC14-13E3AE904401}" type="datetimeFigureOut">
               <a:rPr lang="nl-NL" smtClean="0"/>
-              <a:t>19/05/15</a:t>
+              <a:pPr/>
+              <a:t>20-5-2015</a:t>
             </a:fld>
             <a:endParaRPr lang="nl-NL"/>
           </a:p>
@@ -2798,7 +2821,8 @@
           <a:p>
             <a:fld id="{6D59DADF-35B0-8442-AF3F-7D54891C5B27}" type="slidenum">
               <a:rPr lang="nl-NL" smtClean="0"/>
-              <a:t>‹nr.›</a:t>
+              <a:pPr/>
+              <a:t>‹#›</a:t>
             </a:fld>
             <a:endParaRPr lang="nl-NL"/>
           </a:p>
@@ -2807,7 +2831,7 @@
     </p:spTree>
     <p:extLst>
       <p:ext uri="{BB962C8B-B14F-4D97-AF65-F5344CB8AC3E}">
-        <p14:creationId xmlns:p14="http://schemas.microsoft.com/office/powerpoint/2010/main" val="3782918827"/>
+        <p14:creationId xmlns:p14="http://schemas.microsoft.com/office/powerpoint/2010/main" xmlns="" val="3782918827"/>
       </p:ext>
     </p:extLst>
   </p:cSld>
@@ -3488,7 +3512,7 @@
         </p:nvSpPr>
         <p:spPr>
           <a:xfrm>
-            <a:off x="6884609" y="1896701"/>
+            <a:off x="6878259" y="996135"/>
             <a:ext cx="1884400" cy="534949"/>
           </a:xfrm>
           <a:prstGeom prst="roundRect">
@@ -3574,7 +3598,7 @@
         </p:nvSpPr>
         <p:spPr>
           <a:xfrm>
-            <a:off x="6884609" y="3636540"/>
+            <a:off x="6871909" y="2587775"/>
             <a:ext cx="1884400" cy="534949"/>
           </a:xfrm>
           <a:prstGeom prst="roundRect">
@@ -3617,7 +3641,7 @@
         </p:nvSpPr>
         <p:spPr>
           <a:xfrm>
-            <a:off x="6884609" y="2768591"/>
+            <a:off x="6878259" y="1701799"/>
             <a:ext cx="1884400" cy="534949"/>
           </a:xfrm>
           <a:prstGeom prst="roundRect">
@@ -3660,7 +3684,7 @@
         </p:nvSpPr>
         <p:spPr>
           <a:xfrm>
-            <a:off x="-2578010" y="996135"/>
+            <a:off x="-2578010" y="996133"/>
             <a:ext cx="1884400" cy="534949"/>
           </a:xfrm>
           <a:prstGeom prst="roundRect">
@@ -3703,7 +3727,7 @@
         </p:nvSpPr>
         <p:spPr>
           <a:xfrm>
-            <a:off x="-2146809" y="5388997"/>
+            <a:off x="-2578009" y="0"/>
             <a:ext cx="1884400" cy="534949"/>
           </a:xfrm>
           <a:prstGeom prst="roundRect">
@@ -3794,39 +3818,6 @@
           <a:xfrm>
             <a:off x="4392295" y="614320"/>
             <a:ext cx="0" cy="381815"/>
-          </a:xfrm>
-          <a:prstGeom prst="line">
-            <a:avLst/>
-          </a:prstGeom>
-        </p:spPr>
-        <p:style>
-          <a:lnRef idx="2">
-            <a:schemeClr val="accent1"/>
-          </a:lnRef>
-          <a:fillRef idx="0">
-            <a:schemeClr val="accent1"/>
-          </a:fillRef>
-          <a:effectRef idx="1">
-            <a:schemeClr val="accent1"/>
-          </a:effectRef>
-          <a:fontRef idx="minor">
-            <a:schemeClr val="tx1"/>
-          </a:fontRef>
-        </p:style>
-      </p:cxnSp>
-      <p:cxnSp>
-        <p:nvCxnSpPr>
-          <p:cNvPr id="29" name="Rechte verbindingslijn 28"/>
-          <p:cNvCxnSpPr>
-            <a:stCxn id="8" idx="1"/>
-            <a:endCxn id="18" idx="3"/>
-          </p:cNvCxnSpPr>
-          <p:nvPr/>
-        </p:nvCxnSpPr>
-        <p:spPr>
-          <a:xfrm flipH="1">
-            <a:off x="1621991" y="1263610"/>
-            <a:ext cx="1828104" cy="0"/>
           </a:xfrm>
           <a:prstGeom prst="line">
             <a:avLst/>
@@ -3852,13 +3843,14 @@
           <p:cNvPr id="31" name="Rechte verbindingslijn 30"/>
           <p:cNvCxnSpPr>
             <a:stCxn id="8" idx="2"/>
+            <a:endCxn id="15" idx="0"/>
           </p:cNvCxnSpPr>
           <p:nvPr/>
         </p:nvCxnSpPr>
         <p:spPr>
           <a:xfrm>
             <a:off x="4392295" y="1531084"/>
-            <a:ext cx="0" cy="537202"/>
+            <a:ext cx="0" cy="365617"/>
           </a:xfrm>
           <a:prstGeom prst="line">
             <a:avLst/>
@@ -3891,10 +3883,12 @@
         <p:spPr>
           <a:xfrm>
             <a:off x="5334495" y="1263610"/>
-            <a:ext cx="1550114" cy="900566"/>
+            <a:ext cx="1543764" cy="12700"/>
           </a:xfrm>
           <a:prstGeom prst="bentConnector3">
-            <a:avLst/>
+            <a:avLst>
+              <a:gd name="adj1" fmla="val 50000"/>
+            </a:avLst>
           </a:prstGeom>
         </p:spPr>
         <p:style>
@@ -3915,19 +3909,18 @@
       <p:cxnSp>
         <p:nvCxnSpPr>
           <p:cNvPr id="37" name="Gebogen verbindingslijn 36"/>
-          <p:cNvCxnSpPr>
-            <a:stCxn id="8" idx="3"/>
-            <a:endCxn id="20" idx="1"/>
-          </p:cNvCxnSpPr>
+          <p:cNvCxnSpPr/>
           <p:nvPr/>
         </p:nvCxnSpPr>
         <p:spPr>
           <a:xfrm>
-            <a:off x="5334495" y="1263610"/>
-            <a:ext cx="1550114" cy="1772456"/>
+            <a:off x="5334495" y="1408176"/>
+            <a:ext cx="1543764" cy="488525"/>
           </a:xfrm>
           <a:prstGeom prst="bentConnector3">
-            <a:avLst/>
+            <a:avLst>
+              <a:gd name="adj1" fmla="val 50000"/>
+            </a:avLst>
           </a:prstGeom>
         </p:spPr>
         <p:style>
@@ -3955,8 +3948,8 @@
         </p:nvCxnSpPr>
         <p:spPr>
           <a:xfrm rot="10800000" flipV="1">
-            <a:off x="2902857" y="1263610"/>
-            <a:ext cx="547238" cy="2039930"/>
+            <a:off x="2902857" y="1263609"/>
+            <a:ext cx="547239" cy="2005625"/>
           </a:xfrm>
           <a:prstGeom prst="bentConnector2">
             <a:avLst/>
@@ -3981,18 +3974,19 @@
         <p:nvCxnSpPr>
           <p:cNvPr id="41" name="Gebogen verbindingslijn 40"/>
           <p:cNvCxnSpPr>
-            <a:stCxn id="15" idx="2"/>
             <a:endCxn id="14" idx="0"/>
           </p:cNvCxnSpPr>
           <p:nvPr/>
         </p:nvCxnSpPr>
         <p:spPr>
           <a:xfrm rot="5400000">
-            <a:off x="3429007" y="2305946"/>
-            <a:ext cx="837585" cy="1088993"/>
+            <a:off x="3281115" y="2453838"/>
+            <a:ext cx="837584" cy="793210"/>
           </a:xfrm>
           <a:prstGeom prst="bentConnector3">
-            <a:avLst/>
+            <a:avLst>
+              <a:gd name="adj1" fmla="val 50000"/>
+            </a:avLst>
           </a:prstGeom>
         </p:spPr>
         <p:style>
@@ -4015,17 +4009,18 @@
           <p:cNvPr id="43" name="Gebogen verbindingslijn 42"/>
           <p:cNvCxnSpPr>
             <a:stCxn id="15" idx="3"/>
+            <a:endCxn id="20" idx="1"/>
           </p:cNvCxnSpPr>
           <p:nvPr/>
         </p:nvCxnSpPr>
         <p:spPr>
-          <a:xfrm>
-            <a:off x="5334495" y="2164176"/>
-            <a:ext cx="1550114" cy="978517"/>
+          <a:xfrm flipV="1">
+            <a:off x="5334495" y="1969274"/>
+            <a:ext cx="1543764" cy="194902"/>
           </a:xfrm>
           <a:prstGeom prst="bentConnector3">
             <a:avLst>
-              <a:gd name="adj1" fmla="val 34394"/>
+              <a:gd name="adj1" fmla="val 50000"/>
             </a:avLst>
           </a:prstGeom>
         </p:spPr>
@@ -4048,18 +4043,19 @@
         <p:nvCxnSpPr>
           <p:cNvPr id="48" name="Gebogen verbindingslijn 47"/>
           <p:cNvCxnSpPr>
-            <a:stCxn id="15" idx="2"/>
             <a:endCxn id="13" idx="0"/>
           </p:cNvCxnSpPr>
           <p:nvPr/>
         </p:nvCxnSpPr>
         <p:spPr>
           <a:xfrm rot="16200000" flipH="1">
-            <a:off x="3777382" y="3046563"/>
-            <a:ext cx="2568920" cy="1339094"/>
+            <a:off x="4082117" y="3351297"/>
+            <a:ext cx="2568923" cy="729621"/>
           </a:xfrm>
           <a:prstGeom prst="bentConnector3">
-            <a:avLst/>
+            <a:avLst>
+              <a:gd name="adj1" fmla="val 50000"/>
+            </a:avLst>
           </a:prstGeom>
         </p:spPr>
         <p:style>
@@ -4081,14 +4077,15 @@
         <p:nvCxnSpPr>
           <p:cNvPr id="55" name="Gebogen verbindingslijn 54"/>
           <p:cNvCxnSpPr>
+            <a:stCxn id="15" idx="2"/>
             <a:endCxn id="12" idx="3"/>
           </p:cNvCxnSpPr>
           <p:nvPr/>
         </p:nvCxnSpPr>
         <p:spPr>
           <a:xfrm rot="5400000">
-            <a:off x="3104762" y="3980510"/>
-            <a:ext cx="2428275" cy="146794"/>
+            <a:off x="2900702" y="3776451"/>
+            <a:ext cx="2836395" cy="146793"/>
           </a:xfrm>
           <a:prstGeom prst="bentConnector2">
             <a:avLst/>
@@ -4154,40 +4151,8 @@
             <a:ext cx="387049" cy="446156"/>
           </a:xfrm>
           <a:prstGeom prst="bentConnector3">
-            <a:avLst/>
-          </a:prstGeom>
-        </p:spPr>
-        <p:style>
-          <a:lnRef idx="2">
-            <a:schemeClr val="accent1"/>
-          </a:lnRef>
-          <a:fillRef idx="0">
-            <a:schemeClr val="accent1"/>
-          </a:fillRef>
-          <a:effectRef idx="1">
-            <a:schemeClr val="accent1"/>
-          </a:effectRef>
-          <a:fontRef idx="minor">
-            <a:schemeClr val="tx1"/>
-          </a:fontRef>
-        </p:style>
-      </p:cxnSp>
-      <p:cxnSp>
-        <p:nvCxnSpPr>
-          <p:cNvPr id="64" name="Gebogen verbindingslijn 63"/>
-          <p:cNvCxnSpPr>
-            <a:stCxn id="14" idx="3"/>
-          </p:cNvCxnSpPr>
-          <p:nvPr/>
-        </p:nvCxnSpPr>
-        <p:spPr>
-          <a:xfrm>
-            <a:off x="4245502" y="3536710"/>
-            <a:ext cx="1802117" cy="1463860"/>
-          </a:xfrm>
-          <a:prstGeom prst="bentConnector3">
             <a:avLst>
-              <a:gd name="adj1" fmla="val 100338"/>
+              <a:gd name="adj1" fmla="val 35965"/>
             </a:avLst>
           </a:prstGeom>
         </p:spPr>
@@ -4221,41 +4186,6 @@
           </a:xfrm>
           <a:prstGeom prst="bentConnector2">
             <a:avLst/>
-          </a:prstGeom>
-        </p:spPr>
-        <p:style>
-          <a:lnRef idx="2">
-            <a:schemeClr val="accent1"/>
-          </a:lnRef>
-          <a:fillRef idx="0">
-            <a:schemeClr val="accent1"/>
-          </a:fillRef>
-          <a:effectRef idx="1">
-            <a:schemeClr val="accent1"/>
-          </a:effectRef>
-          <a:fontRef idx="minor">
-            <a:schemeClr val="tx1"/>
-          </a:fontRef>
-        </p:style>
-      </p:cxnSp>
-      <p:cxnSp>
-        <p:nvCxnSpPr>
-          <p:cNvPr id="70" name="Gebogen verbindingslijn 69"/>
-          <p:cNvCxnSpPr>
-            <a:endCxn id="12" idx="1"/>
-          </p:cNvCxnSpPr>
-          <p:nvPr/>
-        </p:nvCxnSpPr>
-        <p:spPr>
-          <a:xfrm rot="5400000">
-            <a:off x="1730717" y="4434571"/>
-            <a:ext cx="1463859" cy="203088"/>
-          </a:xfrm>
-          <a:prstGeom prst="bentConnector4">
-            <a:avLst>
-              <a:gd name="adj1" fmla="val 16903"/>
-              <a:gd name="adj2" fmla="val 194694"/>
-            </a:avLst>
           </a:prstGeom>
         </p:spPr>
         <p:style>
@@ -4317,11 +4247,13 @@
         </p:nvCxnSpPr>
         <p:spPr>
           <a:xfrm rot="10800000">
-            <a:off x="-693609" y="1263610"/>
-            <a:ext cx="431201" cy="12700"/>
+            <a:off x="-693609" y="1263608"/>
+            <a:ext cx="431201" cy="2"/>
           </a:xfrm>
           <a:prstGeom prst="bentConnector3">
-            <a:avLst/>
+            <a:avLst>
+              <a:gd name="adj1" fmla="val 50000"/>
+            </a:avLst>
           </a:prstGeom>
           <a:ln>
             <a:tailEnd type="arrow"/>
@@ -4450,11 +4382,13 @@
         </p:nvCxnSpPr>
         <p:spPr>
           <a:xfrm rot="5400000" flipH="1" flipV="1">
-            <a:off x="7658339" y="2600121"/>
-            <a:ext cx="336941" cy="12700"/>
+            <a:off x="7735102" y="1616442"/>
+            <a:ext cx="170715" cy="12700"/>
           </a:xfrm>
           <a:prstGeom prst="bentConnector3">
-            <a:avLst/>
+            <a:avLst>
+              <a:gd name="adj1" fmla="val 50000"/>
+            </a:avLst>
           </a:prstGeom>
         </p:spPr>
         <p:style>
@@ -4549,9 +4483,9 @@
           <p:nvPr/>
         </p:nvCxnSpPr>
         <p:spPr>
-          <a:xfrm>
-            <a:off x="7826809" y="3303540"/>
-            <a:ext cx="0" cy="333000"/>
+          <a:xfrm flipH="1">
+            <a:off x="7814109" y="2236748"/>
+            <a:ext cx="6350" cy="351027"/>
           </a:xfrm>
           <a:prstGeom prst="line">
             <a:avLst/>
@@ -4582,8 +4516,8 @@
         </p:nvCxnSpPr>
         <p:spPr>
           <a:xfrm flipV="1">
-            <a:off x="4245502" y="4171489"/>
-            <a:ext cx="3581307" cy="146511"/>
+            <a:off x="4232802" y="3122724"/>
+            <a:ext cx="3581307" cy="1127616"/>
           </a:xfrm>
           <a:prstGeom prst="bentConnector2">
             <a:avLst/>
@@ -4609,17 +4543,18 @@
           <p:cNvPr id="113" name="Gebogen verbindingslijn 112"/>
           <p:cNvCxnSpPr>
             <a:stCxn id="19" idx="1"/>
+            <a:endCxn id="14" idx="3"/>
           </p:cNvCxnSpPr>
           <p:nvPr/>
         </p:nvCxnSpPr>
         <p:spPr>
-          <a:xfrm rot="10800000">
-            <a:off x="4245503" y="3410857"/>
-            <a:ext cx="2639107" cy="493158"/>
+          <a:xfrm rot="10800000" flipV="1">
+            <a:off x="4245503" y="2855250"/>
+            <a:ext cx="2626407" cy="681460"/>
           </a:xfrm>
           <a:prstGeom prst="bentConnector3">
             <a:avLst>
-              <a:gd name="adj1" fmla="val 15627"/>
+              <a:gd name="adj1" fmla="val 13444"/>
             </a:avLst>
           </a:prstGeom>
         </p:spPr>
@@ -4646,11 +4581,13 @@
         </p:nvCxnSpPr>
         <p:spPr>
           <a:xfrm flipV="1">
-            <a:off x="4245502" y="3269235"/>
-            <a:ext cx="2639107" cy="34305"/>
+            <a:off x="4245502" y="2164176"/>
+            <a:ext cx="2632757" cy="1246682"/>
           </a:xfrm>
           <a:prstGeom prst="bentConnector3">
-            <a:avLst/>
+            <a:avLst>
+              <a:gd name="adj1" fmla="val 78827"/>
+            </a:avLst>
           </a:prstGeom>
         </p:spPr>
         <p:style>
@@ -4679,12 +4616,12 @@
         </p:nvCxnSpPr>
         <p:spPr>
           <a:xfrm flipH="1">
-            <a:off x="4245502" y="3036066"/>
-            <a:ext cx="4523507" cy="1402898"/>
+            <a:off x="4245502" y="1969274"/>
+            <a:ext cx="4517157" cy="2469690"/>
           </a:xfrm>
           <a:prstGeom prst="bentConnector3">
             <a:avLst>
-              <a:gd name="adj1" fmla="val -5054"/>
+              <a:gd name="adj1" fmla="val -5061"/>
             </a:avLst>
           </a:prstGeom>
         </p:spPr>
@@ -4770,17 +4707,20 @@
         <p:nvCxnSpPr>
           <p:cNvPr id="144" name="Gebogen verbindingslijn 143"/>
           <p:cNvCxnSpPr>
-            <a:stCxn id="22" idx="1"/>
+            <a:stCxn id="22" idx="2"/>
+            <a:endCxn id="21" idx="0"/>
           </p:cNvCxnSpPr>
           <p:nvPr/>
         </p:nvCxnSpPr>
         <p:spPr>
-          <a:xfrm rot="10800000">
-            <a:off x="-2296695" y="1531084"/>
-            <a:ext cx="149886" cy="4125388"/>
-          </a:xfrm>
-          <a:prstGeom prst="bentConnector2">
-            <a:avLst/>
+          <a:xfrm rot="5400000">
+            <a:off x="-1866401" y="765541"/>
+            <a:ext cx="461184" cy="1"/>
+          </a:xfrm>
+          <a:prstGeom prst="bentConnector3">
+            <a:avLst>
+              <a:gd name="adj1" fmla="val 50000"/>
+            </a:avLst>
           </a:prstGeom>
           <a:ln>
             <a:tailEnd type="arrow"/>
@@ -4811,13 +4751,13 @@
         </p:nvCxnSpPr>
         <p:spPr>
           <a:xfrm rot="10800000" flipV="1">
-            <a:off x="1031854" y="4171488"/>
-            <a:ext cx="6999385" cy="78851"/>
+            <a:off x="1031853" y="3122724"/>
+            <a:ext cx="6999386" cy="1127616"/>
           </a:xfrm>
           <a:prstGeom prst="bentConnector4">
             <a:avLst>
-              <a:gd name="adj1" fmla="val -278"/>
-              <a:gd name="adj2" fmla="val 2414710"/>
+              <a:gd name="adj1" fmla="val 942"/>
+              <a:gd name="adj2" fmla="val 272725"/>
             </a:avLst>
           </a:prstGeom>
         </p:spPr>
@@ -4868,10 +4808,80 @@
           </a:fontRef>
         </p:style>
       </p:cxnSp>
+      <p:cxnSp>
+        <p:nvCxnSpPr>
+          <p:cNvPr id="83" name="Elbow Connector 82"/>
+          <p:cNvCxnSpPr>
+            <a:stCxn id="18" idx="3"/>
+          </p:cNvCxnSpPr>
+          <p:nvPr/>
+        </p:nvCxnSpPr>
+        <p:spPr>
+          <a:xfrm flipV="1">
+            <a:off x="1621991" y="1133856"/>
+            <a:ext cx="1828104" cy="129754"/>
+          </a:xfrm>
+          <a:prstGeom prst="bentConnector3">
+            <a:avLst>
+              <a:gd name="adj1" fmla="val 50000"/>
+            </a:avLst>
+          </a:prstGeom>
+        </p:spPr>
+        <p:style>
+          <a:lnRef idx="2">
+            <a:schemeClr val="accent1"/>
+          </a:lnRef>
+          <a:fillRef idx="0">
+            <a:schemeClr val="accent1"/>
+          </a:fillRef>
+          <a:effectRef idx="1">
+            <a:schemeClr val="accent1"/>
+          </a:effectRef>
+          <a:fontRef idx="minor">
+            <a:schemeClr val="tx1"/>
+          </a:fontRef>
+        </p:style>
+      </p:cxnSp>
+      <p:cxnSp>
+        <p:nvCxnSpPr>
+          <p:cNvPr id="163" name="Shape 162"/>
+          <p:cNvCxnSpPr>
+            <a:endCxn id="12" idx="2"/>
+          </p:cNvCxnSpPr>
+          <p:nvPr/>
+        </p:nvCxnSpPr>
+        <p:spPr>
+          <a:xfrm rot="16200000" flipH="1">
+            <a:off x="2164843" y="4397059"/>
+            <a:ext cx="1731333" cy="545586"/>
+          </a:xfrm>
+          <a:prstGeom prst="bentConnector5">
+            <a:avLst>
+              <a:gd name="adj1" fmla="val 16772"/>
+              <a:gd name="adj2" fmla="val -113530"/>
+              <a:gd name="adj3" fmla="val 109021"/>
+            </a:avLst>
+          </a:prstGeom>
+        </p:spPr>
+        <p:style>
+          <a:lnRef idx="2">
+            <a:schemeClr val="accent1"/>
+          </a:lnRef>
+          <a:fillRef idx="0">
+            <a:schemeClr val="accent1"/>
+          </a:fillRef>
+          <a:effectRef idx="1">
+            <a:schemeClr val="accent1"/>
+          </a:effectRef>
+          <a:fontRef idx="minor">
+            <a:schemeClr val="tx1"/>
+          </a:fontRef>
+        </p:style>
+      </p:cxnSp>
     </p:spTree>
     <p:extLst>
       <p:ext uri="{BB962C8B-B14F-4D97-AF65-F5344CB8AC3E}">
-        <p14:creationId xmlns:p14="http://schemas.microsoft.com/office/powerpoint/2010/main" val="907461295"/>
+        <p14:creationId xmlns:p14="http://schemas.microsoft.com/office/powerpoint/2010/main" xmlns="" val="907461295"/>
       </p:ext>
     </p:extLst>
   </p:cSld>
@@ -4881,7 +4891,7 @@
   <p:timing>
     <p:tnLst>
       <p:par>
-        <p:cTn xmlns:p14="http://schemas.microsoft.com/office/powerpoint/2010/main" id="1" dur="indefinite" restart="never" nodeType="tmRoot"/>
+        <p:cTn id="1" dur="indefinite" restart="never" nodeType="tmRoot"/>
       </p:par>
     </p:tnLst>
   </p:timing>

--- a/Documents/ClassDiagram.pptx
+++ b/Documents/ClassDiagram.pptx
@@ -6,6 +6,8 @@
   </p:sldMasterIdLst>
   <p:sldIdLst>
     <p:sldId id="257" r:id="rId2"/>
+    <p:sldId id="258" r:id="rId3"/>
+    <p:sldId id="259" r:id="rId4"/>
   </p:sldIdLst>
   <p:sldSz cx="9144000" cy="6858000" type="screen4x3"/>
   <p:notesSz cx="6858000" cy="9144000"/>
@@ -289,7 +291,7 @@
             <a:fld id="{BAF09E74-5774-F145-AC14-13E3AE904401}" type="datetimeFigureOut">
               <a:rPr lang="nl-NL" smtClean="0"/>
               <a:pPr/>
-              <a:t>20-5-2015</a:t>
+              <a:t>21-5-2015</a:t>
             </a:fld>
             <a:endParaRPr lang="nl-NL"/>
           </a:p>
@@ -341,7 +343,7 @@
     </p:spTree>
     <p:extLst>
       <p:ext uri="{BB962C8B-B14F-4D97-AF65-F5344CB8AC3E}">
-        <p14:creationId xmlns:p14="http://schemas.microsoft.com/office/powerpoint/2010/main" xmlns="" val="2833105150"/>
+        <p14:creationId xmlns="" xmlns:p14="http://schemas.microsoft.com/office/powerpoint/2010/main" val="2833105150"/>
       </p:ext>
     </p:extLst>
   </p:cSld>
@@ -461,7 +463,7 @@
             <a:fld id="{BAF09E74-5774-F145-AC14-13E3AE904401}" type="datetimeFigureOut">
               <a:rPr lang="nl-NL" smtClean="0"/>
               <a:pPr/>
-              <a:t>20-5-2015</a:t>
+              <a:t>21-5-2015</a:t>
             </a:fld>
             <a:endParaRPr lang="nl-NL"/>
           </a:p>
@@ -513,7 +515,7 @@
     </p:spTree>
     <p:extLst>
       <p:ext uri="{BB962C8B-B14F-4D97-AF65-F5344CB8AC3E}">
-        <p14:creationId xmlns:p14="http://schemas.microsoft.com/office/powerpoint/2010/main" xmlns="" val="547624687"/>
+        <p14:creationId xmlns="" xmlns:p14="http://schemas.microsoft.com/office/powerpoint/2010/main" val="547624687"/>
       </p:ext>
     </p:extLst>
   </p:cSld>
@@ -643,7 +645,7 @@
             <a:fld id="{BAF09E74-5774-F145-AC14-13E3AE904401}" type="datetimeFigureOut">
               <a:rPr lang="nl-NL" smtClean="0"/>
               <a:pPr/>
-              <a:t>20-5-2015</a:t>
+              <a:t>21-5-2015</a:t>
             </a:fld>
             <a:endParaRPr lang="nl-NL"/>
           </a:p>
@@ -695,7 +697,7 @@
     </p:spTree>
     <p:extLst>
       <p:ext uri="{BB962C8B-B14F-4D97-AF65-F5344CB8AC3E}">
-        <p14:creationId xmlns:p14="http://schemas.microsoft.com/office/powerpoint/2010/main" xmlns="" val="3832215252"/>
+        <p14:creationId xmlns="" xmlns:p14="http://schemas.microsoft.com/office/powerpoint/2010/main" val="3832215252"/>
       </p:ext>
     </p:extLst>
   </p:cSld>
@@ -815,7 +817,7 @@
             <a:fld id="{BAF09E74-5774-F145-AC14-13E3AE904401}" type="datetimeFigureOut">
               <a:rPr lang="nl-NL" smtClean="0"/>
               <a:pPr/>
-              <a:t>20-5-2015</a:t>
+              <a:t>21-5-2015</a:t>
             </a:fld>
             <a:endParaRPr lang="nl-NL"/>
           </a:p>
@@ -867,7 +869,7 @@
     </p:spTree>
     <p:extLst>
       <p:ext uri="{BB962C8B-B14F-4D97-AF65-F5344CB8AC3E}">
-        <p14:creationId xmlns:p14="http://schemas.microsoft.com/office/powerpoint/2010/main" xmlns="" val="406829104"/>
+        <p14:creationId xmlns="" xmlns:p14="http://schemas.microsoft.com/office/powerpoint/2010/main" val="406829104"/>
       </p:ext>
     </p:extLst>
   </p:cSld>
@@ -1063,7 +1065,7 @@
             <a:fld id="{BAF09E74-5774-F145-AC14-13E3AE904401}" type="datetimeFigureOut">
               <a:rPr lang="nl-NL" smtClean="0"/>
               <a:pPr/>
-              <a:t>20-5-2015</a:t>
+              <a:t>21-5-2015</a:t>
             </a:fld>
             <a:endParaRPr lang="nl-NL"/>
           </a:p>
@@ -1115,7 +1117,7 @@
     </p:spTree>
     <p:extLst>
       <p:ext uri="{BB962C8B-B14F-4D97-AF65-F5344CB8AC3E}">
-        <p14:creationId xmlns:p14="http://schemas.microsoft.com/office/powerpoint/2010/main" xmlns="" val="4032166571"/>
+        <p14:creationId xmlns="" xmlns:p14="http://schemas.microsoft.com/office/powerpoint/2010/main" val="4032166571"/>
       </p:ext>
     </p:extLst>
   </p:cSld>
@@ -1353,7 +1355,7 @@
             <a:fld id="{BAF09E74-5774-F145-AC14-13E3AE904401}" type="datetimeFigureOut">
               <a:rPr lang="nl-NL" smtClean="0"/>
               <a:pPr/>
-              <a:t>20-5-2015</a:t>
+              <a:t>21-5-2015</a:t>
             </a:fld>
             <a:endParaRPr lang="nl-NL"/>
           </a:p>
@@ -1405,7 +1407,7 @@
     </p:spTree>
     <p:extLst>
       <p:ext uri="{BB962C8B-B14F-4D97-AF65-F5344CB8AC3E}">
-        <p14:creationId xmlns:p14="http://schemas.microsoft.com/office/powerpoint/2010/main" xmlns="" val="1494689933"/>
+        <p14:creationId xmlns="" xmlns:p14="http://schemas.microsoft.com/office/powerpoint/2010/main" val="1494689933"/>
       </p:ext>
     </p:extLst>
   </p:cSld>
@@ -1777,7 +1779,7 @@
             <a:fld id="{BAF09E74-5774-F145-AC14-13E3AE904401}" type="datetimeFigureOut">
               <a:rPr lang="nl-NL" smtClean="0"/>
               <a:pPr/>
-              <a:t>20-5-2015</a:t>
+              <a:t>21-5-2015</a:t>
             </a:fld>
             <a:endParaRPr lang="nl-NL"/>
           </a:p>
@@ -1829,7 +1831,7 @@
     </p:spTree>
     <p:extLst>
       <p:ext uri="{BB962C8B-B14F-4D97-AF65-F5344CB8AC3E}">
-        <p14:creationId xmlns:p14="http://schemas.microsoft.com/office/powerpoint/2010/main" xmlns="" val="1221107075"/>
+        <p14:creationId xmlns="" xmlns:p14="http://schemas.microsoft.com/office/powerpoint/2010/main" val="1221107075"/>
       </p:ext>
     </p:extLst>
   </p:cSld>
@@ -1897,7 +1899,7 @@
             <a:fld id="{BAF09E74-5774-F145-AC14-13E3AE904401}" type="datetimeFigureOut">
               <a:rPr lang="nl-NL" smtClean="0"/>
               <a:pPr/>
-              <a:t>20-5-2015</a:t>
+              <a:t>21-5-2015</a:t>
             </a:fld>
             <a:endParaRPr lang="nl-NL"/>
           </a:p>
@@ -1949,7 +1951,7 @@
     </p:spTree>
     <p:extLst>
       <p:ext uri="{BB962C8B-B14F-4D97-AF65-F5344CB8AC3E}">
-        <p14:creationId xmlns:p14="http://schemas.microsoft.com/office/powerpoint/2010/main" xmlns="" val="23264191"/>
+        <p14:creationId xmlns="" xmlns:p14="http://schemas.microsoft.com/office/powerpoint/2010/main" val="23264191"/>
       </p:ext>
     </p:extLst>
   </p:cSld>
@@ -1994,7 +1996,7 @@
             <a:fld id="{BAF09E74-5774-F145-AC14-13E3AE904401}" type="datetimeFigureOut">
               <a:rPr lang="nl-NL" smtClean="0"/>
               <a:pPr/>
-              <a:t>20-5-2015</a:t>
+              <a:t>21-5-2015</a:t>
             </a:fld>
             <a:endParaRPr lang="nl-NL"/>
           </a:p>
@@ -2046,7 +2048,7 @@
     </p:spTree>
     <p:extLst>
       <p:ext uri="{BB962C8B-B14F-4D97-AF65-F5344CB8AC3E}">
-        <p14:creationId xmlns:p14="http://schemas.microsoft.com/office/powerpoint/2010/main" xmlns="" val="461564456"/>
+        <p14:creationId xmlns="" xmlns:p14="http://schemas.microsoft.com/office/powerpoint/2010/main" val="461564456"/>
       </p:ext>
     </p:extLst>
   </p:cSld>
@@ -2273,7 +2275,7 @@
             <a:fld id="{BAF09E74-5774-F145-AC14-13E3AE904401}" type="datetimeFigureOut">
               <a:rPr lang="nl-NL" smtClean="0"/>
               <a:pPr/>
-              <a:t>20-5-2015</a:t>
+              <a:t>21-5-2015</a:t>
             </a:fld>
             <a:endParaRPr lang="nl-NL"/>
           </a:p>
@@ -2325,7 +2327,7 @@
     </p:spTree>
     <p:extLst>
       <p:ext uri="{BB962C8B-B14F-4D97-AF65-F5344CB8AC3E}">
-        <p14:creationId xmlns:p14="http://schemas.microsoft.com/office/powerpoint/2010/main" xmlns="" val="3656418691"/>
+        <p14:creationId xmlns="" xmlns:p14="http://schemas.microsoft.com/office/powerpoint/2010/main" val="3656418691"/>
       </p:ext>
     </p:extLst>
   </p:cSld>
@@ -2528,7 +2530,7 @@
             <a:fld id="{BAF09E74-5774-F145-AC14-13E3AE904401}" type="datetimeFigureOut">
               <a:rPr lang="nl-NL" smtClean="0"/>
               <a:pPr/>
-              <a:t>20-5-2015</a:t>
+              <a:t>21-5-2015</a:t>
             </a:fld>
             <a:endParaRPr lang="nl-NL"/>
           </a:p>
@@ -2580,7 +2582,7 @@
     </p:spTree>
     <p:extLst>
       <p:ext uri="{BB962C8B-B14F-4D97-AF65-F5344CB8AC3E}">
-        <p14:creationId xmlns:p14="http://schemas.microsoft.com/office/powerpoint/2010/main" xmlns="" val="2512410003"/>
+        <p14:creationId xmlns="" xmlns:p14="http://schemas.microsoft.com/office/powerpoint/2010/main" val="2512410003"/>
       </p:ext>
     </p:extLst>
   </p:cSld>
@@ -2743,7 +2745,7 @@
             <a:fld id="{BAF09E74-5774-F145-AC14-13E3AE904401}" type="datetimeFigureOut">
               <a:rPr lang="nl-NL" smtClean="0"/>
               <a:pPr/>
-              <a:t>20-5-2015</a:t>
+              <a:t>21-5-2015</a:t>
             </a:fld>
             <a:endParaRPr lang="nl-NL"/>
           </a:p>
@@ -2831,7 +2833,7 @@
     </p:spTree>
     <p:extLst>
       <p:ext uri="{BB962C8B-B14F-4D97-AF65-F5344CB8AC3E}">
-        <p14:creationId xmlns:p14="http://schemas.microsoft.com/office/powerpoint/2010/main" xmlns="" val="3782918827"/>
+        <p14:creationId xmlns="" xmlns:p14="http://schemas.microsoft.com/office/powerpoint/2010/main" val="3782918827"/>
       </p:ext>
     </p:extLst>
   </p:cSld>
@@ -4151,9 +4153,7 @@
             <a:ext cx="387049" cy="446156"/>
           </a:xfrm>
           <a:prstGeom prst="bentConnector3">
-            <a:avLst>
-              <a:gd name="adj1" fmla="val 35965"/>
-            </a:avLst>
+            <a:avLst/>
           </a:prstGeom>
         </p:spPr>
         <p:style>
@@ -4341,19 +4341,18 @@
       <p:cxnSp>
         <p:nvCxnSpPr>
           <p:cNvPr id="89" name="Gebogen verbindingslijn 88"/>
-          <p:cNvCxnSpPr>
-            <a:stCxn id="18" idx="2"/>
-            <a:endCxn id="16" idx="0"/>
-          </p:cNvCxnSpPr>
+          <p:cNvCxnSpPr/>
           <p:nvPr/>
         </p:nvCxnSpPr>
         <p:spPr>
-          <a:xfrm rot="16200000" flipH="1">
-            <a:off x="931797" y="1279078"/>
-            <a:ext cx="438189" cy="942200"/>
+          <a:xfrm rot="5400000">
+            <a:off x="815935" y="1753355"/>
+            <a:ext cx="431838" cy="12700"/>
           </a:xfrm>
           <a:prstGeom prst="bentConnector3">
-            <a:avLst/>
+            <a:avLst>
+              <a:gd name="adj1" fmla="val 50000"/>
+            </a:avLst>
           </a:prstGeom>
         </p:spPr>
         <p:style>
@@ -4410,18 +4409,19 @@
         <p:nvCxnSpPr>
           <p:cNvPr id="95" name="Gebogen verbindingslijn 94"/>
           <p:cNvCxnSpPr>
-            <a:stCxn id="16" idx="2"/>
             <a:endCxn id="9" idx="0"/>
           </p:cNvCxnSpPr>
           <p:nvPr/>
         </p:nvCxnSpPr>
         <p:spPr>
-          <a:xfrm rot="5400000">
-            <a:off x="721338" y="2814737"/>
-            <a:ext cx="1211169" cy="590138"/>
+          <a:xfrm rot="16200000" flipH="1">
+            <a:off x="386809" y="3070347"/>
+            <a:ext cx="1283738" cy="6349"/>
           </a:xfrm>
           <a:prstGeom prst="bentConnector3">
-            <a:avLst/>
+            <a:avLst>
+              <a:gd name="adj1" fmla="val 50000"/>
+            </a:avLst>
           </a:prstGeom>
         </p:spPr>
         <p:style>
@@ -4675,18 +4675,1719 @@
       </p:cxnSp>
       <p:cxnSp>
         <p:nvCxnSpPr>
-          <p:cNvPr id="140" name="Gebogen verbindingslijn 139"/>
+          <p:cNvPr id="144" name="Gebogen verbindingslijn 143"/>
+          <p:cNvCxnSpPr>
+            <a:stCxn id="22" idx="2"/>
+            <a:endCxn id="21" idx="0"/>
+          </p:cNvCxnSpPr>
+          <p:nvPr/>
+        </p:nvCxnSpPr>
+        <p:spPr>
+          <a:xfrm rot="5400000">
+            <a:off x="-1866401" y="765541"/>
+            <a:ext cx="461184" cy="1"/>
+          </a:xfrm>
+          <a:prstGeom prst="bentConnector3">
+            <a:avLst>
+              <a:gd name="adj1" fmla="val 50000"/>
+            </a:avLst>
+          </a:prstGeom>
+          <a:ln>
+            <a:tailEnd type="arrow"/>
+          </a:ln>
+        </p:spPr>
+        <p:style>
+          <a:lnRef idx="2">
+            <a:schemeClr val="accent1"/>
+          </a:lnRef>
+          <a:fillRef idx="0">
+            <a:schemeClr val="accent1"/>
+          </a:fillRef>
+          <a:effectRef idx="1">
+            <a:schemeClr val="accent1"/>
+          </a:effectRef>
+          <a:fontRef idx="minor">
+            <a:schemeClr val="tx1"/>
+          </a:fontRef>
+        </p:style>
+      </p:cxnSp>
+      <p:cxnSp>
+        <p:nvCxnSpPr>
+          <p:cNvPr id="28" name="Gebogen verbindingslijn 27"/>
+          <p:cNvCxnSpPr>
+            <a:endCxn id="9" idx="2"/>
+          </p:cNvCxnSpPr>
+          <p:nvPr/>
+        </p:nvCxnSpPr>
+        <p:spPr>
+          <a:xfrm rot="10800000" flipV="1">
+            <a:off x="1031853" y="3122724"/>
+            <a:ext cx="6999386" cy="1127616"/>
+          </a:xfrm>
+          <a:prstGeom prst="bentConnector4">
+            <a:avLst>
+              <a:gd name="adj1" fmla="val 942"/>
+              <a:gd name="adj2" fmla="val 272725"/>
+            </a:avLst>
+          </a:prstGeom>
+        </p:spPr>
+        <p:style>
+          <a:lnRef idx="2">
+            <a:schemeClr val="accent1"/>
+          </a:lnRef>
+          <a:fillRef idx="0">
+            <a:schemeClr val="accent1"/>
+          </a:fillRef>
+          <a:effectRef idx="1">
+            <a:schemeClr val="accent1"/>
+          </a:effectRef>
+          <a:fontRef idx="minor">
+            <a:schemeClr val="tx1"/>
+          </a:fontRef>
+        </p:style>
+      </p:cxnSp>
+      <p:cxnSp>
+        <p:nvCxnSpPr>
+          <p:cNvPr id="35" name="Gebogen verbindingslijn 34"/>
           <p:cNvCxnSpPr/>
           <p:nvPr/>
         </p:nvCxnSpPr>
         <p:spPr>
-          <a:xfrm rot="10800000">
-            <a:off x="4245503" y="4559915"/>
-            <a:ext cx="543687" cy="829081"/>
+          <a:xfrm rot="10800000" flipV="1">
+            <a:off x="-556380" y="3410856"/>
+            <a:ext cx="2917483" cy="125851"/>
+          </a:xfrm>
+          <a:prstGeom prst="bentConnector3">
+            <a:avLst>
+              <a:gd name="adj1" fmla="val 100164"/>
+            </a:avLst>
+          </a:prstGeom>
+        </p:spPr>
+        <p:style>
+          <a:lnRef idx="2">
+            <a:schemeClr val="accent1"/>
+          </a:lnRef>
+          <a:fillRef idx="0">
+            <a:schemeClr val="accent1"/>
+          </a:fillRef>
+          <a:effectRef idx="1">
+            <a:schemeClr val="accent1"/>
+          </a:effectRef>
+          <a:fontRef idx="minor">
+            <a:schemeClr val="tx1"/>
+          </a:fontRef>
+        </p:style>
+      </p:cxnSp>
+      <p:cxnSp>
+        <p:nvCxnSpPr>
+          <p:cNvPr id="83" name="Elbow Connector 82"/>
+          <p:cNvCxnSpPr>
+            <a:stCxn id="18" idx="3"/>
+          </p:cNvCxnSpPr>
+          <p:nvPr/>
+        </p:nvCxnSpPr>
+        <p:spPr>
+          <a:xfrm flipV="1">
+            <a:off x="1621991" y="1133856"/>
+            <a:ext cx="1828104" cy="129754"/>
+          </a:xfrm>
+          <a:prstGeom prst="bentConnector3">
+            <a:avLst>
+              <a:gd name="adj1" fmla="val 50000"/>
+            </a:avLst>
+          </a:prstGeom>
+        </p:spPr>
+        <p:style>
+          <a:lnRef idx="2">
+            <a:schemeClr val="accent1"/>
+          </a:lnRef>
+          <a:fillRef idx="0">
+            <a:schemeClr val="accent1"/>
+          </a:fillRef>
+          <a:effectRef idx="1">
+            <a:schemeClr val="accent1"/>
+          </a:effectRef>
+          <a:fontRef idx="minor">
+            <a:schemeClr val="tx1"/>
+          </a:fontRef>
+        </p:style>
+      </p:cxnSp>
+    </p:spTree>
+    <p:extLst>
+      <p:ext uri="{BB962C8B-B14F-4D97-AF65-F5344CB8AC3E}">
+        <p14:creationId xmlns="" xmlns:p14="http://schemas.microsoft.com/office/powerpoint/2010/main" val="907461295"/>
+      </p:ext>
+    </p:extLst>
+  </p:cSld>
+  <p:clrMapOvr>
+    <a:masterClrMapping/>
+  </p:clrMapOvr>
+  <p:timing>
+    <p:tnLst>
+      <p:par>
+        <p:cTn id="1" dur="indefinite" restart="never" nodeType="tmRoot"/>
+      </p:par>
+    </p:tnLst>
+  </p:timing>
+</p:sld>
+</file>
+
+<file path=ppt/slides/slide2.xml><?xml version="1.0" encoding="utf-8"?>
+<p:sld xmlns:a="http://schemas.openxmlformats.org/drawingml/2006/main" xmlns:r="http://schemas.openxmlformats.org/officeDocument/2006/relationships" xmlns:p="http://schemas.openxmlformats.org/presentationml/2006/main">
+  <p:cSld>
+    <p:spTree>
+      <p:nvGrpSpPr>
+        <p:cNvPr id="1" name=""/>
+        <p:cNvGrpSpPr/>
+        <p:nvPr/>
+      </p:nvGrpSpPr>
+      <p:grpSpPr>
+        <a:xfrm>
+          <a:off x="0" y="0"/>
+          <a:ext cx="0" cy="0"/>
+          <a:chOff x="0" y="0"/>
+          <a:chExt cx="0" cy="0"/>
+        </a:xfrm>
+      </p:grpSpPr>
+      <p:sp>
+        <p:nvSpPr>
+          <p:cNvPr id="8" name="Afgeronde rechthoek 7"/>
+          <p:cNvSpPr/>
+          <p:nvPr/>
+        </p:nvSpPr>
+        <p:spPr>
+          <a:xfrm>
+            <a:off x="3450095" y="996135"/>
+            <a:ext cx="1884400" cy="534949"/>
+          </a:xfrm>
+          <a:prstGeom prst="roundRect">
+            <a:avLst/>
+          </a:prstGeom>
+          <a:ln/>
+        </p:spPr>
+        <p:style>
+          <a:lnRef idx="1">
+            <a:schemeClr val="accent1"/>
+          </a:lnRef>
+          <a:fillRef idx="3">
+            <a:schemeClr val="accent1"/>
+          </a:fillRef>
+          <a:effectRef idx="2">
+            <a:schemeClr val="accent1"/>
+          </a:effectRef>
+          <a:fontRef idx="minor">
+            <a:schemeClr val="lt1"/>
+          </a:fontRef>
+        </p:style>
+        <p:txBody>
+          <a:bodyPr/>
+          <a:lstStyle/>
+          <a:p>
+            <a:pPr algn="ctr"/>
+            <a:r>
+              <a:rPr lang="nl-NL" dirty="0" err="1" smtClean="0"/>
+              <a:t>MainWindow</a:t>
+            </a:r>
+            <a:endParaRPr lang="nl-NL" dirty="0"/>
+          </a:p>
+        </p:txBody>
+      </p:sp>
+      <p:sp>
+        <p:nvSpPr>
+          <p:cNvPr id="9" name="Afgeronde rechthoek 8"/>
+          <p:cNvSpPr/>
+          <p:nvPr/>
+        </p:nvSpPr>
+        <p:spPr>
+          <a:xfrm>
+            <a:off x="679791" y="4177837"/>
+            <a:ext cx="1884400" cy="534949"/>
+          </a:xfrm>
+          <a:prstGeom prst="roundRect">
+            <a:avLst/>
+          </a:prstGeom>
+          <a:ln/>
+        </p:spPr>
+        <p:style>
+          <a:lnRef idx="1">
+            <a:schemeClr val="accent1"/>
+          </a:lnRef>
+          <a:fillRef idx="3">
+            <a:schemeClr val="accent1"/>
+          </a:fillRef>
+          <a:effectRef idx="2">
+            <a:schemeClr val="accent1"/>
+          </a:effectRef>
+          <a:fontRef idx="minor">
+            <a:schemeClr val="lt1"/>
+          </a:fontRef>
+        </p:style>
+        <p:txBody>
+          <a:bodyPr/>
+          <a:lstStyle/>
+          <a:p>
+            <a:pPr algn="ctr"/>
+            <a:r>
+              <a:rPr lang="nl-NL" dirty="0" err="1" smtClean="0"/>
+              <a:t>DataType</a:t>
+            </a:r>
+            <a:endParaRPr lang="nl-NL" dirty="0"/>
+          </a:p>
+        </p:txBody>
+      </p:sp>
+      <p:sp>
+        <p:nvSpPr>
+          <p:cNvPr id="10" name="Afgeronde rechthoek 9"/>
+          <p:cNvSpPr/>
+          <p:nvPr/>
+        </p:nvSpPr>
+        <p:spPr>
+          <a:xfrm>
+            <a:off x="-1884401" y="3269232"/>
+            <a:ext cx="1884400" cy="534949"/>
+          </a:xfrm>
+          <a:prstGeom prst="roundRect">
+            <a:avLst/>
+          </a:prstGeom>
+          <a:ln/>
+        </p:spPr>
+        <p:style>
+          <a:lnRef idx="1">
+            <a:schemeClr val="accent1"/>
+          </a:lnRef>
+          <a:fillRef idx="3">
+            <a:schemeClr val="accent1"/>
+          </a:fillRef>
+          <a:effectRef idx="2">
+            <a:schemeClr val="accent1"/>
+          </a:effectRef>
+          <a:fontRef idx="minor">
+            <a:schemeClr val="lt1"/>
+          </a:fontRef>
+        </p:style>
+        <p:txBody>
+          <a:bodyPr/>
+          <a:lstStyle/>
+          <a:p>
+            <a:pPr algn="ctr"/>
+            <a:r>
+              <a:rPr lang="nl-NL" dirty="0" smtClean="0"/>
+              <a:t>Argument</a:t>
+            </a:r>
+            <a:endParaRPr lang="nl-NL" dirty="0"/>
+          </a:p>
+        </p:txBody>
+      </p:sp>
+      <p:sp>
+        <p:nvSpPr>
+          <p:cNvPr id="11" name="Afgeronde rechthoek 10"/>
+          <p:cNvSpPr/>
+          <p:nvPr/>
+        </p:nvSpPr>
+        <p:spPr>
+          <a:xfrm>
+            <a:off x="3450096" y="4171487"/>
+            <a:ext cx="1884400" cy="534949"/>
+          </a:xfrm>
+          <a:prstGeom prst="roundRect">
+            <a:avLst/>
+          </a:prstGeom>
+          <a:ln>
+            <a:solidFill>
+              <a:srgbClr val="FF0000"/>
+            </a:solidFill>
+          </a:ln>
+        </p:spPr>
+        <p:style>
+          <a:lnRef idx="1">
+            <a:schemeClr val="accent1"/>
+          </a:lnRef>
+          <a:fillRef idx="3">
+            <a:schemeClr val="accent1"/>
+          </a:fillRef>
+          <a:effectRef idx="2">
+            <a:schemeClr val="accent1"/>
+          </a:effectRef>
+          <a:fontRef idx="minor">
+            <a:schemeClr val="lt1"/>
+          </a:fontRef>
+        </p:style>
+        <p:txBody>
+          <a:bodyPr/>
+          <a:lstStyle/>
+          <a:p>
+            <a:pPr algn="ctr"/>
+            <a:r>
+              <a:rPr lang="nl-NL" dirty="0" err="1" smtClean="0"/>
+              <a:t>PortPair</a:t>
+            </a:r>
+            <a:endParaRPr lang="nl-NL" dirty="0"/>
+          </a:p>
+        </p:txBody>
+      </p:sp>
+      <p:sp>
+        <p:nvSpPr>
+          <p:cNvPr id="12" name="Afgeronde rechthoek 11"/>
+          <p:cNvSpPr/>
+          <p:nvPr/>
+        </p:nvSpPr>
+        <p:spPr>
+          <a:xfrm>
+            <a:off x="3450096" y="5000568"/>
+            <a:ext cx="1884400" cy="534949"/>
+          </a:xfrm>
+          <a:prstGeom prst="roundRect">
+            <a:avLst/>
+          </a:prstGeom>
+          <a:ln>
+            <a:solidFill>
+              <a:srgbClr val="FF0000"/>
+            </a:solidFill>
+          </a:ln>
+        </p:spPr>
+        <p:style>
+          <a:lnRef idx="1">
+            <a:schemeClr val="accent1"/>
+          </a:lnRef>
+          <a:fillRef idx="3">
+            <a:schemeClr val="accent1"/>
+          </a:fillRef>
+          <a:effectRef idx="2">
+            <a:schemeClr val="accent1"/>
+          </a:effectRef>
+          <a:fontRef idx="minor">
+            <a:schemeClr val="lt1"/>
+          </a:fontRef>
+        </p:style>
+        <p:txBody>
+          <a:bodyPr/>
+          <a:lstStyle/>
+          <a:p>
+            <a:pPr algn="ctr"/>
+            <a:r>
+              <a:rPr lang="nl-NL" dirty="0" smtClean="0"/>
+              <a:t>Port</a:t>
+            </a:r>
+          </a:p>
+        </p:txBody>
+      </p:sp>
+      <p:sp>
+        <p:nvSpPr>
+          <p:cNvPr id="13" name="Afgeronde rechthoek 12"/>
+          <p:cNvSpPr/>
+          <p:nvPr/>
+        </p:nvSpPr>
+        <p:spPr>
+          <a:xfrm>
+            <a:off x="5538655" y="3709112"/>
+            <a:ext cx="1884400" cy="534949"/>
+          </a:xfrm>
+          <a:prstGeom prst="roundRect">
+            <a:avLst/>
+          </a:prstGeom>
+          <a:ln>
+            <a:solidFill>
+              <a:srgbClr val="FF0000"/>
+            </a:solidFill>
+          </a:ln>
+        </p:spPr>
+        <p:style>
+          <a:lnRef idx="1">
+            <a:schemeClr val="accent1"/>
+          </a:lnRef>
+          <a:fillRef idx="3">
+            <a:schemeClr val="accent1"/>
+          </a:fillRef>
+          <a:effectRef idx="2">
+            <a:schemeClr val="accent1"/>
+          </a:effectRef>
+          <a:fontRef idx="minor">
+            <a:schemeClr val="lt1"/>
+          </a:fontRef>
+        </p:style>
+        <p:txBody>
+          <a:bodyPr/>
+          <a:lstStyle/>
+          <a:p>
+            <a:pPr algn="ctr"/>
+            <a:r>
+              <a:rPr lang="nl-NL" dirty="0" smtClean="0"/>
+              <a:t>Link</a:t>
+            </a:r>
+            <a:endParaRPr lang="nl-NL" dirty="0"/>
+          </a:p>
+        </p:txBody>
+      </p:sp>
+      <p:sp>
+        <p:nvSpPr>
+          <p:cNvPr id="14" name="Afgeronde rechthoek 13"/>
+          <p:cNvSpPr/>
+          <p:nvPr/>
+        </p:nvSpPr>
+        <p:spPr>
+          <a:xfrm>
+            <a:off x="3450096" y="3269233"/>
+            <a:ext cx="1884400" cy="534949"/>
+          </a:xfrm>
+          <a:prstGeom prst="roundRect">
+            <a:avLst/>
+          </a:prstGeom>
+          <a:ln>
+            <a:solidFill>
+              <a:srgbClr val="FF0000"/>
+            </a:solidFill>
+          </a:ln>
+        </p:spPr>
+        <p:style>
+          <a:lnRef idx="1">
+            <a:schemeClr val="accent1"/>
+          </a:lnRef>
+          <a:fillRef idx="3">
+            <a:schemeClr val="accent1"/>
+          </a:fillRef>
+          <a:effectRef idx="2">
+            <a:schemeClr val="accent1"/>
+          </a:effectRef>
+          <a:fontRef idx="minor">
+            <a:schemeClr val="lt1"/>
+          </a:fontRef>
+        </p:style>
+        <p:txBody>
+          <a:bodyPr/>
+          <a:lstStyle/>
+          <a:p>
+            <a:pPr algn="ctr"/>
+            <a:r>
+              <a:rPr lang="nl-NL" dirty="0" smtClean="0"/>
+              <a:t>Node</a:t>
+            </a:r>
+          </a:p>
+        </p:txBody>
+      </p:sp>
+      <p:sp>
+        <p:nvSpPr>
+          <p:cNvPr id="15" name="Afgeronde rechthoek 14"/>
+          <p:cNvSpPr/>
+          <p:nvPr/>
+        </p:nvSpPr>
+        <p:spPr>
+          <a:xfrm>
+            <a:off x="3443746" y="2320300"/>
+            <a:ext cx="1884400" cy="534949"/>
+          </a:xfrm>
+          <a:prstGeom prst="roundRect">
+            <a:avLst/>
+          </a:prstGeom>
+          <a:ln>
+            <a:solidFill>
+              <a:srgbClr val="FF0000"/>
+            </a:solidFill>
+          </a:ln>
+        </p:spPr>
+        <p:style>
+          <a:lnRef idx="1">
+            <a:schemeClr val="accent1"/>
+          </a:lnRef>
+          <a:fillRef idx="3">
+            <a:schemeClr val="accent1"/>
+          </a:fillRef>
+          <a:effectRef idx="2">
+            <a:schemeClr val="accent1"/>
+          </a:effectRef>
+          <a:fontRef idx="minor">
+            <a:schemeClr val="lt1"/>
+          </a:fontRef>
+        </p:style>
+        <p:txBody>
+          <a:bodyPr/>
+          <a:lstStyle/>
+          <a:p>
+            <a:pPr algn="ctr"/>
+            <a:r>
+              <a:rPr lang="nl-NL" dirty="0" err="1" smtClean="0"/>
+              <a:t>NodeEditor</a:t>
+            </a:r>
+            <a:endParaRPr lang="nl-NL" dirty="0"/>
+          </a:p>
+        </p:txBody>
+      </p:sp>
+      <p:sp>
+        <p:nvSpPr>
+          <p:cNvPr id="16" name="Afgeronde rechthoek 15"/>
+          <p:cNvSpPr/>
+          <p:nvPr/>
+        </p:nvSpPr>
+        <p:spPr>
+          <a:xfrm>
+            <a:off x="686142" y="2431650"/>
+            <a:ext cx="1884400" cy="534949"/>
+          </a:xfrm>
+          <a:prstGeom prst="roundRect">
+            <a:avLst/>
+          </a:prstGeom>
+          <a:ln/>
+        </p:spPr>
+        <p:style>
+          <a:lnRef idx="1">
+            <a:schemeClr val="accent1"/>
+          </a:lnRef>
+          <a:fillRef idx="3">
+            <a:schemeClr val="accent1"/>
+          </a:fillRef>
+          <a:effectRef idx="2">
+            <a:schemeClr val="accent1"/>
+          </a:effectRef>
+          <a:fontRef idx="minor">
+            <a:schemeClr val="lt1"/>
+          </a:fontRef>
+        </p:style>
+        <p:txBody>
+          <a:bodyPr/>
+          <a:lstStyle/>
+          <a:p>
+            <a:pPr algn="ctr"/>
+            <a:r>
+              <a:rPr lang="nl-NL" dirty="0" err="1" smtClean="0"/>
+              <a:t>NodeSetting</a:t>
+            </a:r>
+            <a:endParaRPr lang="nl-NL" dirty="0"/>
+          </a:p>
+        </p:txBody>
+      </p:sp>
+      <p:sp>
+        <p:nvSpPr>
+          <p:cNvPr id="17" name="Afgeronde rechthoek 16"/>
+          <p:cNvSpPr/>
+          <p:nvPr/>
+        </p:nvSpPr>
+        <p:spPr>
+          <a:xfrm>
+            <a:off x="6878260" y="534949"/>
+            <a:ext cx="1884400" cy="534949"/>
+          </a:xfrm>
+          <a:prstGeom prst="roundRect">
+            <a:avLst/>
+          </a:prstGeom>
+          <a:ln/>
+        </p:spPr>
+        <p:style>
+          <a:lnRef idx="1">
+            <a:schemeClr val="accent1"/>
+          </a:lnRef>
+          <a:fillRef idx="3">
+            <a:schemeClr val="accent1"/>
+          </a:fillRef>
+          <a:effectRef idx="2">
+            <a:schemeClr val="accent1"/>
+          </a:effectRef>
+          <a:fontRef idx="minor">
+            <a:schemeClr val="lt1"/>
+          </a:fontRef>
+        </p:style>
+        <p:txBody>
+          <a:bodyPr/>
+          <a:lstStyle/>
+          <a:p>
+            <a:pPr algn="ctr"/>
+            <a:r>
+              <a:rPr lang="nl-NL" dirty="0" err="1" smtClean="0"/>
+              <a:t>NodeListView</a:t>
+            </a:r>
+            <a:endParaRPr lang="nl-NL" dirty="0"/>
+          </a:p>
+        </p:txBody>
+      </p:sp>
+      <p:sp>
+        <p:nvSpPr>
+          <p:cNvPr id="18" name="Afgeronde rechthoek 17"/>
+          <p:cNvSpPr/>
+          <p:nvPr/>
+        </p:nvSpPr>
+        <p:spPr>
+          <a:xfrm>
+            <a:off x="-487784" y="996131"/>
+            <a:ext cx="1884400" cy="534949"/>
+          </a:xfrm>
+          <a:prstGeom prst="roundRect">
+            <a:avLst/>
+          </a:prstGeom>
+          <a:ln/>
+        </p:spPr>
+        <p:style>
+          <a:lnRef idx="1">
+            <a:schemeClr val="accent1"/>
+          </a:lnRef>
+          <a:fillRef idx="3">
+            <a:schemeClr val="accent1"/>
+          </a:fillRef>
+          <a:effectRef idx="2">
+            <a:schemeClr val="accent1"/>
+          </a:effectRef>
+          <a:fontRef idx="minor">
+            <a:schemeClr val="lt1"/>
+          </a:fontRef>
+        </p:style>
+        <p:txBody>
+          <a:bodyPr/>
+          <a:lstStyle/>
+          <a:p>
+            <a:pPr algn="ctr"/>
+            <a:r>
+              <a:rPr lang="nl-NL" dirty="0" err="1" smtClean="0"/>
+              <a:t>NodeLibrary</a:t>
+            </a:r>
+            <a:endParaRPr lang="nl-NL" dirty="0"/>
+          </a:p>
+        </p:txBody>
+      </p:sp>
+      <p:sp>
+        <p:nvSpPr>
+          <p:cNvPr id="19" name="Afgeronde rechthoek 18"/>
+          <p:cNvSpPr/>
+          <p:nvPr/>
+        </p:nvSpPr>
+        <p:spPr>
+          <a:xfrm>
+            <a:off x="6871909" y="2587775"/>
+            <a:ext cx="1884400" cy="534949"/>
+          </a:xfrm>
+          <a:prstGeom prst="roundRect">
+            <a:avLst/>
+          </a:prstGeom>
+          <a:ln/>
+        </p:spPr>
+        <p:style>
+          <a:lnRef idx="1">
+            <a:schemeClr val="accent1"/>
+          </a:lnRef>
+          <a:fillRef idx="3">
+            <a:schemeClr val="accent1"/>
+          </a:fillRef>
+          <a:effectRef idx="2">
+            <a:schemeClr val="accent1"/>
+          </a:effectRef>
+          <a:fontRef idx="minor">
+            <a:schemeClr val="lt1"/>
+          </a:fontRef>
+        </p:style>
+        <p:txBody>
+          <a:bodyPr/>
+          <a:lstStyle/>
+          <a:p>
+            <a:pPr algn="ctr"/>
+            <a:r>
+              <a:rPr lang="nl-NL" dirty="0" err="1" smtClean="0"/>
+              <a:t>NodeTreeItem</a:t>
+            </a:r>
+            <a:endParaRPr lang="nl-NL" dirty="0"/>
+          </a:p>
+        </p:txBody>
+      </p:sp>
+      <p:sp>
+        <p:nvSpPr>
+          <p:cNvPr id="20" name="Afgeronde rechthoek 19"/>
+          <p:cNvSpPr/>
+          <p:nvPr/>
+        </p:nvSpPr>
+        <p:spPr>
+          <a:xfrm>
+            <a:off x="6871909" y="1701799"/>
+            <a:ext cx="1884400" cy="534949"/>
+          </a:xfrm>
+          <a:prstGeom prst="roundRect">
+            <a:avLst/>
+          </a:prstGeom>
+          <a:ln/>
+        </p:spPr>
+        <p:style>
+          <a:lnRef idx="1">
+            <a:schemeClr val="accent1"/>
+          </a:lnRef>
+          <a:fillRef idx="3">
+            <a:schemeClr val="accent1"/>
+          </a:fillRef>
+          <a:effectRef idx="2">
+            <a:schemeClr val="accent1"/>
+          </a:effectRef>
+          <a:fontRef idx="minor">
+            <a:schemeClr val="lt1"/>
+          </a:fontRef>
+        </p:style>
+        <p:txBody>
+          <a:bodyPr/>
+          <a:lstStyle/>
+          <a:p>
+            <a:pPr algn="ctr"/>
+            <a:r>
+              <a:rPr lang="nl-NL" dirty="0" err="1" smtClean="0"/>
+              <a:t>NodeTreeModel</a:t>
+            </a:r>
+            <a:endParaRPr lang="nl-NL" dirty="0"/>
+          </a:p>
+        </p:txBody>
+      </p:sp>
+      <p:sp>
+        <p:nvSpPr>
+          <p:cNvPr id="21" name="Afgeronde rechthoek 20"/>
+          <p:cNvSpPr/>
+          <p:nvPr/>
+        </p:nvSpPr>
+        <p:spPr>
+          <a:xfrm>
+            <a:off x="-2578010" y="996133"/>
+            <a:ext cx="1884400" cy="534949"/>
+          </a:xfrm>
+          <a:prstGeom prst="roundRect">
+            <a:avLst/>
+          </a:prstGeom>
+          <a:ln/>
+        </p:spPr>
+        <p:style>
+          <a:lnRef idx="1">
+            <a:schemeClr val="accent1"/>
+          </a:lnRef>
+          <a:fillRef idx="3">
+            <a:schemeClr val="accent1"/>
+          </a:fillRef>
+          <a:effectRef idx="2">
+            <a:schemeClr val="accent1"/>
+          </a:effectRef>
+          <a:fontRef idx="minor">
+            <a:schemeClr val="lt1"/>
+          </a:fontRef>
+        </p:style>
+        <p:txBody>
+          <a:bodyPr/>
+          <a:lstStyle/>
+          <a:p>
+            <a:pPr algn="ctr"/>
+            <a:r>
+              <a:rPr lang="nl-NL" dirty="0" smtClean="0"/>
+              <a:t>Singleton</a:t>
+            </a:r>
+            <a:endParaRPr lang="nl-NL" dirty="0"/>
+          </a:p>
+        </p:txBody>
+      </p:sp>
+      <p:sp>
+        <p:nvSpPr>
+          <p:cNvPr id="22" name="Afgeronde rechthoek 21"/>
+          <p:cNvSpPr/>
+          <p:nvPr/>
+        </p:nvSpPr>
+        <p:spPr>
+          <a:xfrm>
+            <a:off x="-2578009" y="0"/>
+            <a:ext cx="1884400" cy="534949"/>
+          </a:xfrm>
+          <a:prstGeom prst="roundRect">
+            <a:avLst/>
+          </a:prstGeom>
+          <a:ln/>
+        </p:spPr>
+        <p:style>
+          <a:lnRef idx="1">
+            <a:schemeClr val="accent1"/>
+          </a:lnRef>
+          <a:fillRef idx="3">
+            <a:schemeClr val="accent1"/>
+          </a:fillRef>
+          <a:effectRef idx="2">
+            <a:schemeClr val="accent1"/>
+          </a:effectRef>
+          <a:fontRef idx="minor">
+            <a:schemeClr val="lt1"/>
+          </a:fontRef>
+        </p:style>
+        <p:txBody>
+          <a:bodyPr/>
+          <a:lstStyle/>
+          <a:p>
+            <a:pPr algn="ctr"/>
+            <a:r>
+              <a:rPr lang="nl-NL" dirty="0" err="1" smtClean="0"/>
+              <a:t>Preferences</a:t>
+            </a:r>
+            <a:endParaRPr lang="nl-NL" dirty="0"/>
+          </a:p>
+        </p:txBody>
+      </p:sp>
+      <p:sp>
+        <p:nvSpPr>
+          <p:cNvPr id="25" name="Afgeronde rechthoek 24"/>
+          <p:cNvSpPr/>
+          <p:nvPr/>
+        </p:nvSpPr>
+        <p:spPr>
+          <a:xfrm>
+            <a:off x="3450095" y="79371"/>
+            <a:ext cx="1884400" cy="534949"/>
+          </a:xfrm>
+          <a:prstGeom prst="roundRect">
+            <a:avLst/>
+          </a:prstGeom>
+          <a:ln/>
+        </p:spPr>
+        <p:style>
+          <a:lnRef idx="1">
+            <a:schemeClr val="accent1"/>
+          </a:lnRef>
+          <a:fillRef idx="3">
+            <a:schemeClr val="accent1"/>
+          </a:fillRef>
+          <a:effectRef idx="2">
+            <a:schemeClr val="accent1"/>
+          </a:effectRef>
+          <a:fontRef idx="minor">
+            <a:schemeClr val="lt1"/>
+          </a:fontRef>
+        </p:style>
+        <p:txBody>
+          <a:bodyPr/>
+          <a:lstStyle/>
+          <a:p>
+            <a:pPr algn="ctr"/>
+            <a:r>
+              <a:rPr lang="nl-NL" dirty="0" err="1" smtClean="0"/>
+              <a:t>main</a:t>
+            </a:r>
+            <a:endParaRPr lang="nl-NL" dirty="0"/>
+          </a:p>
+        </p:txBody>
+      </p:sp>
+      <p:cxnSp>
+        <p:nvCxnSpPr>
+          <p:cNvPr id="27" name="Rechte verbindingslijn 26"/>
+          <p:cNvCxnSpPr>
+            <a:stCxn id="25" idx="2"/>
+            <a:endCxn id="8" idx="0"/>
+          </p:cNvCxnSpPr>
+          <p:nvPr/>
+        </p:nvCxnSpPr>
+        <p:spPr>
+          <a:xfrm>
+            <a:off x="4392295" y="614320"/>
+            <a:ext cx="0" cy="381815"/>
+          </a:xfrm>
+          <a:prstGeom prst="line">
+            <a:avLst/>
+          </a:prstGeom>
+        </p:spPr>
+        <p:style>
+          <a:lnRef idx="2">
+            <a:schemeClr val="accent1"/>
+          </a:lnRef>
+          <a:fillRef idx="0">
+            <a:schemeClr val="accent1"/>
+          </a:fillRef>
+          <a:effectRef idx="1">
+            <a:schemeClr val="accent1"/>
+          </a:effectRef>
+          <a:fontRef idx="minor">
+            <a:schemeClr val="tx1"/>
+          </a:fontRef>
+        </p:style>
+      </p:cxnSp>
+      <p:cxnSp>
+        <p:nvCxnSpPr>
+          <p:cNvPr id="31" name="Rechte verbindingslijn 30"/>
+          <p:cNvCxnSpPr>
+            <a:stCxn id="8" idx="2"/>
+            <a:endCxn id="15" idx="0"/>
+          </p:cNvCxnSpPr>
+          <p:nvPr/>
+        </p:nvCxnSpPr>
+        <p:spPr>
+          <a:xfrm flipH="1">
+            <a:off x="4385946" y="1531084"/>
+            <a:ext cx="6349" cy="789216"/>
+          </a:xfrm>
+          <a:prstGeom prst="line">
+            <a:avLst/>
+          </a:prstGeom>
+        </p:spPr>
+        <p:style>
+          <a:lnRef idx="2">
+            <a:schemeClr val="accent1"/>
+          </a:lnRef>
+          <a:fillRef idx="0">
+            <a:schemeClr val="accent1"/>
+          </a:fillRef>
+          <a:effectRef idx="1">
+            <a:schemeClr val="accent1"/>
+          </a:effectRef>
+          <a:fontRef idx="minor">
+            <a:schemeClr val="tx1"/>
+          </a:fontRef>
+        </p:style>
+      </p:cxnSp>
+      <p:cxnSp>
+        <p:nvCxnSpPr>
+          <p:cNvPr id="33" name="Gebogen verbindingslijn 32"/>
+          <p:cNvCxnSpPr>
+            <a:stCxn id="8" idx="3"/>
+            <a:endCxn id="17" idx="1"/>
+          </p:cNvCxnSpPr>
+          <p:nvPr/>
+        </p:nvCxnSpPr>
+        <p:spPr>
+          <a:xfrm flipV="1">
+            <a:off x="5334495" y="802424"/>
+            <a:ext cx="1543765" cy="461186"/>
+          </a:xfrm>
+          <a:prstGeom prst="bentConnector3">
+            <a:avLst>
+              <a:gd name="adj1" fmla="val 50811"/>
+            </a:avLst>
+          </a:prstGeom>
+        </p:spPr>
+        <p:style>
+          <a:lnRef idx="2">
+            <a:schemeClr val="accent1"/>
+          </a:lnRef>
+          <a:fillRef idx="0">
+            <a:schemeClr val="accent1"/>
+          </a:fillRef>
+          <a:effectRef idx="1">
+            <a:schemeClr val="accent1"/>
+          </a:effectRef>
+          <a:fontRef idx="minor">
+            <a:schemeClr val="tx1"/>
+          </a:fontRef>
+        </p:style>
+      </p:cxnSp>
+      <p:cxnSp>
+        <p:nvCxnSpPr>
+          <p:cNvPr id="37" name="Gebogen verbindingslijn 36"/>
+          <p:cNvCxnSpPr>
+            <a:endCxn id="20" idx="1"/>
+          </p:cNvCxnSpPr>
+          <p:nvPr/>
+        </p:nvCxnSpPr>
+        <p:spPr>
+          <a:xfrm>
+            <a:off x="5525436" y="1263611"/>
+            <a:ext cx="1346473" cy="705663"/>
+          </a:xfrm>
+          <a:prstGeom prst="bentConnector3">
+            <a:avLst>
+              <a:gd name="adj1" fmla="val 76048"/>
+            </a:avLst>
+          </a:prstGeom>
+        </p:spPr>
+        <p:style>
+          <a:lnRef idx="2">
+            <a:schemeClr val="accent1"/>
+          </a:lnRef>
+          <a:fillRef idx="0">
+            <a:schemeClr val="accent1"/>
+          </a:fillRef>
+          <a:effectRef idx="1">
+            <a:schemeClr val="accent1"/>
+          </a:effectRef>
+          <a:fontRef idx="minor">
+            <a:schemeClr val="tx1"/>
+          </a:fontRef>
+        </p:style>
+      </p:cxnSp>
+      <p:cxnSp>
+        <p:nvCxnSpPr>
+          <p:cNvPr id="39" name="Gebogen verbindingslijn 38"/>
+          <p:cNvCxnSpPr>
+            <a:stCxn id="8" idx="1"/>
+            <a:endCxn id="14" idx="1"/>
+          </p:cNvCxnSpPr>
+          <p:nvPr/>
+        </p:nvCxnSpPr>
+        <p:spPr>
+          <a:xfrm rot="10800000" flipH="1" flipV="1">
+            <a:off x="3450094" y="1263610"/>
+            <a:ext cx="1" cy="2273098"/>
+          </a:xfrm>
+          <a:prstGeom prst="bentConnector3">
+            <a:avLst>
+              <a:gd name="adj1" fmla="val -22860000000"/>
+            </a:avLst>
+          </a:prstGeom>
+        </p:spPr>
+        <p:style>
+          <a:lnRef idx="2">
+            <a:schemeClr val="accent1"/>
+          </a:lnRef>
+          <a:fillRef idx="0">
+            <a:schemeClr val="accent1"/>
+          </a:fillRef>
+          <a:effectRef idx="1">
+            <a:schemeClr val="accent1"/>
+          </a:effectRef>
+          <a:fontRef idx="minor">
+            <a:schemeClr val="tx1"/>
+          </a:fontRef>
+        </p:style>
+      </p:cxnSp>
+      <p:cxnSp>
+        <p:nvCxnSpPr>
+          <p:cNvPr id="41" name="Gebogen verbindingslijn 40"/>
+          <p:cNvCxnSpPr>
+            <a:stCxn id="15" idx="2"/>
+            <a:endCxn id="14" idx="0"/>
+          </p:cNvCxnSpPr>
+          <p:nvPr/>
+        </p:nvCxnSpPr>
+        <p:spPr>
+          <a:xfrm rot="16200000" flipH="1">
+            <a:off x="4182129" y="3059066"/>
+            <a:ext cx="413984" cy="6350"/>
+          </a:xfrm>
+          <a:prstGeom prst="bentConnector3">
+            <a:avLst>
+              <a:gd name="adj1" fmla="val 50000"/>
+            </a:avLst>
+          </a:prstGeom>
+          <a:ln>
+            <a:solidFill>
+              <a:srgbClr val="FF0000"/>
+            </a:solidFill>
+          </a:ln>
+        </p:spPr>
+        <p:style>
+          <a:lnRef idx="2">
+            <a:schemeClr val="accent1"/>
+          </a:lnRef>
+          <a:fillRef idx="0">
+            <a:schemeClr val="accent1"/>
+          </a:fillRef>
+          <a:effectRef idx="1">
+            <a:schemeClr val="accent1"/>
+          </a:effectRef>
+          <a:fontRef idx="minor">
+            <a:schemeClr val="tx1"/>
+          </a:fontRef>
+        </p:style>
+      </p:cxnSp>
+      <p:cxnSp>
+        <p:nvCxnSpPr>
+          <p:cNvPr id="43" name="Gebogen verbindingslijn 42"/>
+          <p:cNvCxnSpPr>
+            <a:stCxn id="15" idx="3"/>
+            <a:endCxn id="20" idx="1"/>
+          </p:cNvCxnSpPr>
+          <p:nvPr/>
+        </p:nvCxnSpPr>
+        <p:spPr>
+          <a:xfrm flipV="1">
+            <a:off x="5328146" y="1969274"/>
+            <a:ext cx="1543763" cy="618501"/>
+          </a:xfrm>
+          <a:prstGeom prst="bentConnector3">
+            <a:avLst>
+              <a:gd name="adj1" fmla="val 50000"/>
+            </a:avLst>
+          </a:prstGeom>
+        </p:spPr>
+        <p:style>
+          <a:lnRef idx="2">
+            <a:schemeClr val="accent1"/>
+          </a:lnRef>
+          <a:fillRef idx="0">
+            <a:schemeClr val="accent1"/>
+          </a:fillRef>
+          <a:effectRef idx="1">
+            <a:schemeClr val="accent1"/>
+          </a:effectRef>
+          <a:fontRef idx="minor">
+            <a:schemeClr val="tx1"/>
+          </a:fontRef>
+        </p:style>
+      </p:cxnSp>
+      <p:cxnSp>
+        <p:nvCxnSpPr>
+          <p:cNvPr id="48" name="Gebogen verbindingslijn 47"/>
+          <p:cNvCxnSpPr>
+            <a:stCxn id="15" idx="3"/>
+            <a:endCxn id="13" idx="0"/>
+          </p:cNvCxnSpPr>
+          <p:nvPr/>
+        </p:nvCxnSpPr>
+        <p:spPr>
+          <a:xfrm>
+            <a:off x="5328146" y="2587775"/>
+            <a:ext cx="1152709" cy="1121337"/>
+          </a:xfrm>
+          <a:prstGeom prst="bentConnector2">
+            <a:avLst/>
+          </a:prstGeom>
+          <a:ln>
+            <a:solidFill>
+              <a:srgbClr val="FF0000"/>
+            </a:solidFill>
+          </a:ln>
+        </p:spPr>
+        <p:style>
+          <a:lnRef idx="2">
+            <a:schemeClr val="accent1"/>
+          </a:lnRef>
+          <a:fillRef idx="0">
+            <a:schemeClr val="accent1"/>
+          </a:fillRef>
+          <a:effectRef idx="1">
+            <a:schemeClr val="accent1"/>
+          </a:effectRef>
+          <a:fontRef idx="minor">
+            <a:schemeClr val="tx1"/>
+          </a:fontRef>
+        </p:style>
+      </p:cxnSp>
+      <p:cxnSp>
+        <p:nvCxnSpPr>
+          <p:cNvPr id="55" name="Gebogen verbindingslijn 54"/>
+          <p:cNvCxnSpPr>
+            <a:stCxn id="15" idx="1"/>
+            <a:endCxn id="12" idx="1"/>
+          </p:cNvCxnSpPr>
+          <p:nvPr/>
+        </p:nvCxnSpPr>
+        <p:spPr>
+          <a:xfrm rot="10800000" flipH="1" flipV="1">
+            <a:off x="3443746" y="2587775"/>
+            <a:ext cx="6350" cy="2680268"/>
+          </a:xfrm>
+          <a:prstGeom prst="bentConnector3">
+            <a:avLst>
+              <a:gd name="adj1" fmla="val -3600000"/>
+            </a:avLst>
+          </a:prstGeom>
+          <a:ln>
+            <a:solidFill>
+              <a:srgbClr val="FF0000"/>
+            </a:solidFill>
+          </a:ln>
+        </p:spPr>
+        <p:style>
+          <a:lnRef idx="2">
+            <a:schemeClr val="accent1"/>
+          </a:lnRef>
+          <a:fillRef idx="0">
+            <a:schemeClr val="accent1"/>
+          </a:fillRef>
+          <a:effectRef idx="1">
+            <a:schemeClr val="accent1"/>
+          </a:effectRef>
+          <a:fontRef idx="minor">
+            <a:schemeClr val="tx1"/>
+          </a:fontRef>
+        </p:style>
+      </p:cxnSp>
+      <p:cxnSp>
+        <p:nvCxnSpPr>
+          <p:cNvPr id="62" name="Gebogen verbindingslijn 61"/>
+          <p:cNvCxnSpPr>
+            <a:stCxn id="14" idx="1"/>
+            <a:endCxn id="9" idx="3"/>
+          </p:cNvCxnSpPr>
+          <p:nvPr/>
+        </p:nvCxnSpPr>
+        <p:spPr>
+          <a:xfrm rot="10800000" flipV="1">
+            <a:off x="2564192" y="3536708"/>
+            <a:ext cx="885905" cy="908604"/>
+          </a:xfrm>
+          <a:prstGeom prst="bentConnector3">
+            <a:avLst>
+              <a:gd name="adj1" fmla="val 50000"/>
+            </a:avLst>
+          </a:prstGeom>
+        </p:spPr>
+        <p:style>
+          <a:lnRef idx="2">
+            <a:schemeClr val="accent1"/>
+          </a:lnRef>
+          <a:fillRef idx="0">
+            <a:schemeClr val="accent1"/>
+          </a:fillRef>
+          <a:effectRef idx="1">
+            <a:schemeClr val="accent1"/>
+          </a:effectRef>
+          <a:fontRef idx="minor">
+            <a:schemeClr val="tx1"/>
+          </a:fontRef>
+        </p:style>
+      </p:cxnSp>
+      <p:cxnSp>
+        <p:nvCxnSpPr>
+          <p:cNvPr id="68" name="Gebogen verbindingslijn 67"/>
+          <p:cNvCxnSpPr>
+            <a:stCxn id="16" idx="3"/>
+            <a:endCxn id="14" idx="1"/>
+          </p:cNvCxnSpPr>
+          <p:nvPr/>
+        </p:nvCxnSpPr>
+        <p:spPr>
+          <a:xfrm>
+            <a:off x="2570542" y="2699125"/>
+            <a:ext cx="879554" cy="837583"/>
+          </a:xfrm>
+          <a:prstGeom prst="bentConnector3">
+            <a:avLst>
+              <a:gd name="adj1" fmla="val 50000"/>
+            </a:avLst>
+          </a:prstGeom>
+        </p:spPr>
+        <p:style>
+          <a:lnRef idx="2">
+            <a:schemeClr val="accent1"/>
+          </a:lnRef>
+          <a:fillRef idx="0">
+            <a:schemeClr val="accent1"/>
+          </a:fillRef>
+          <a:effectRef idx="1">
+            <a:schemeClr val="accent1"/>
+          </a:effectRef>
+          <a:fontRef idx="minor">
+            <a:schemeClr val="tx1"/>
+          </a:fontRef>
+        </p:style>
+      </p:cxnSp>
+      <p:cxnSp>
+        <p:nvCxnSpPr>
+          <p:cNvPr id="77" name="Rechte verbindingslijn 76"/>
+          <p:cNvCxnSpPr>
+            <a:stCxn id="14" idx="2"/>
+            <a:endCxn id="11" idx="0"/>
+          </p:cNvCxnSpPr>
+          <p:nvPr/>
+        </p:nvCxnSpPr>
+        <p:spPr>
+          <a:xfrm>
+            <a:off x="4392296" y="3804182"/>
+            <a:ext cx="0" cy="367305"/>
+          </a:xfrm>
+          <a:prstGeom prst="line">
+            <a:avLst/>
+          </a:prstGeom>
+          <a:ln>
+            <a:solidFill>
+              <a:srgbClr val="FF0000"/>
+            </a:solidFill>
+          </a:ln>
+        </p:spPr>
+        <p:style>
+          <a:lnRef idx="2">
+            <a:schemeClr val="accent1"/>
+          </a:lnRef>
+          <a:fillRef idx="0">
+            <a:schemeClr val="accent1"/>
+          </a:fillRef>
+          <a:effectRef idx="1">
+            <a:schemeClr val="accent1"/>
+          </a:effectRef>
+          <a:fontRef idx="minor">
+            <a:schemeClr val="tx1"/>
+          </a:fontRef>
+        </p:style>
+      </p:cxnSp>
+      <p:cxnSp>
+        <p:nvCxnSpPr>
+          <p:cNvPr id="81" name="Gebogen verbindingslijn 80"/>
+          <p:cNvCxnSpPr>
+            <a:stCxn id="18" idx="1"/>
+            <a:endCxn id="21" idx="3"/>
+          </p:cNvCxnSpPr>
+          <p:nvPr/>
+        </p:nvCxnSpPr>
+        <p:spPr>
+          <a:xfrm rot="10800000" flipV="1">
+            <a:off x="-693610" y="1263606"/>
+            <a:ext cx="205826" cy="2"/>
+          </a:xfrm>
+          <a:prstGeom prst="bentConnector3">
+            <a:avLst>
+              <a:gd name="adj1" fmla="val 50000"/>
+            </a:avLst>
+          </a:prstGeom>
+          <a:ln>
+            <a:tailEnd type="arrow"/>
+          </a:ln>
+        </p:spPr>
+        <p:style>
+          <a:lnRef idx="2">
+            <a:schemeClr val="accent1"/>
+          </a:lnRef>
+          <a:fillRef idx="0">
+            <a:schemeClr val="accent1"/>
+          </a:fillRef>
+          <a:effectRef idx="1">
+            <a:schemeClr val="accent1"/>
+          </a:effectRef>
+          <a:fontRef idx="minor">
+            <a:schemeClr val="tx1"/>
+          </a:fontRef>
+        </p:style>
+      </p:cxnSp>
+      <p:cxnSp>
+        <p:nvCxnSpPr>
+          <p:cNvPr id="85" name="Gebogen verbindingslijn 84"/>
+          <p:cNvCxnSpPr>
+            <a:stCxn id="18" idx="2"/>
+            <a:endCxn id="10" idx="0"/>
+          </p:cNvCxnSpPr>
+          <p:nvPr/>
+        </p:nvCxnSpPr>
+        <p:spPr>
+          <a:xfrm rot="5400000">
+            <a:off x="-1112968" y="1701848"/>
+            <a:ext cx="1738152" cy="1396617"/>
+          </a:xfrm>
+          <a:prstGeom prst="bentConnector3">
+            <a:avLst>
+              <a:gd name="adj1" fmla="val 50000"/>
+            </a:avLst>
+          </a:prstGeom>
+        </p:spPr>
+        <p:style>
+          <a:lnRef idx="2">
+            <a:schemeClr val="accent1"/>
+          </a:lnRef>
+          <a:fillRef idx="0">
+            <a:schemeClr val="accent1"/>
+          </a:fillRef>
+          <a:effectRef idx="1">
+            <a:schemeClr val="accent1"/>
+          </a:effectRef>
+          <a:fontRef idx="minor">
+            <a:schemeClr val="tx1"/>
+          </a:fontRef>
+        </p:style>
+      </p:cxnSp>
+      <p:cxnSp>
+        <p:nvCxnSpPr>
+          <p:cNvPr id="87" name="Gebogen verbindingslijn 86"/>
+          <p:cNvCxnSpPr>
+            <a:stCxn id="18" idx="2"/>
+            <a:endCxn id="9" idx="1"/>
+          </p:cNvCxnSpPr>
+          <p:nvPr/>
+        </p:nvCxnSpPr>
+        <p:spPr>
+          <a:xfrm rot="16200000" flipH="1">
+            <a:off x="-890013" y="2875508"/>
+            <a:ext cx="2914232" cy="225375"/>
+          </a:xfrm>
+          <a:prstGeom prst="bentConnector2">
+            <a:avLst/>
+          </a:prstGeom>
+        </p:spPr>
+        <p:style>
+          <a:lnRef idx="2">
+            <a:schemeClr val="accent1"/>
+          </a:lnRef>
+          <a:fillRef idx="0">
+            <a:schemeClr val="accent1"/>
+          </a:fillRef>
+          <a:effectRef idx="1">
+            <a:schemeClr val="accent1"/>
+          </a:effectRef>
+          <a:fontRef idx="minor">
+            <a:schemeClr val="tx1"/>
+          </a:fontRef>
+        </p:style>
+      </p:cxnSp>
+      <p:cxnSp>
+        <p:nvCxnSpPr>
+          <p:cNvPr id="89" name="Gebogen verbindingslijn 88"/>
+          <p:cNvCxnSpPr>
+            <a:stCxn id="18" idx="3"/>
+            <a:endCxn id="16" idx="0"/>
+          </p:cNvCxnSpPr>
+          <p:nvPr/>
+        </p:nvCxnSpPr>
+        <p:spPr>
+          <a:xfrm>
+            <a:off x="1396616" y="1263606"/>
+            <a:ext cx="231726" cy="1168044"/>
+          </a:xfrm>
+          <a:prstGeom prst="bentConnector2">
+            <a:avLst/>
+          </a:prstGeom>
+        </p:spPr>
+        <p:style>
+          <a:lnRef idx="2">
+            <a:schemeClr val="accent1"/>
+          </a:lnRef>
+          <a:fillRef idx="0">
+            <a:schemeClr val="accent1"/>
+          </a:fillRef>
+          <a:effectRef idx="1">
+            <a:schemeClr val="accent1"/>
+          </a:effectRef>
+          <a:fontRef idx="minor">
+            <a:schemeClr val="tx1"/>
+          </a:fontRef>
+        </p:style>
+      </p:cxnSp>
+      <p:cxnSp>
+        <p:nvCxnSpPr>
+          <p:cNvPr id="93" name="Gebogen verbindingslijn 92"/>
+          <p:cNvCxnSpPr>
+            <a:stCxn id="20" idx="0"/>
+            <a:endCxn id="17" idx="2"/>
+          </p:cNvCxnSpPr>
+          <p:nvPr/>
+        </p:nvCxnSpPr>
+        <p:spPr>
+          <a:xfrm rot="5400000" flipH="1" flipV="1">
+            <a:off x="7501334" y="1382674"/>
+            <a:ext cx="631901" cy="6351"/>
+          </a:xfrm>
+          <a:prstGeom prst="bentConnector3">
+            <a:avLst>
+              <a:gd name="adj1" fmla="val 50000"/>
+            </a:avLst>
+          </a:prstGeom>
+        </p:spPr>
+        <p:style>
+          <a:lnRef idx="2">
+            <a:schemeClr val="accent1"/>
+          </a:lnRef>
+          <a:fillRef idx="0">
+            <a:schemeClr val="accent1"/>
+          </a:fillRef>
+          <a:effectRef idx="1">
+            <a:schemeClr val="accent1"/>
+          </a:effectRef>
+          <a:fontRef idx="minor">
+            <a:schemeClr val="tx1"/>
+          </a:fontRef>
+        </p:style>
+      </p:cxnSp>
+      <p:cxnSp>
+        <p:nvCxnSpPr>
+          <p:cNvPr id="95" name="Gebogen verbindingslijn 94"/>
+          <p:cNvCxnSpPr>
+            <a:stCxn id="16" idx="2"/>
+            <a:endCxn id="9" idx="0"/>
+          </p:cNvCxnSpPr>
+          <p:nvPr/>
+        </p:nvCxnSpPr>
+        <p:spPr>
+          <a:xfrm rot="5400000">
+            <a:off x="1019548" y="3569043"/>
+            <a:ext cx="1211238" cy="6351"/>
+          </a:xfrm>
+          <a:prstGeom prst="bentConnector3">
+            <a:avLst>
+              <a:gd name="adj1" fmla="val 50000"/>
+            </a:avLst>
+          </a:prstGeom>
+        </p:spPr>
+        <p:style>
+          <a:lnRef idx="2">
+            <a:schemeClr val="accent1"/>
+          </a:lnRef>
+          <a:fillRef idx="0">
+            <a:schemeClr val="accent1"/>
+          </a:fillRef>
+          <a:effectRef idx="1">
+            <a:schemeClr val="accent1"/>
+          </a:effectRef>
+          <a:fontRef idx="minor">
+            <a:schemeClr val="tx1"/>
+          </a:fontRef>
+        </p:style>
+      </p:cxnSp>
+      <p:cxnSp>
+        <p:nvCxnSpPr>
+          <p:cNvPr id="102" name="Gebogen verbindingslijn 101"/>
+          <p:cNvCxnSpPr>
+            <a:stCxn id="16" idx="1"/>
+            <a:endCxn id="10" idx="0"/>
+          </p:cNvCxnSpPr>
+          <p:nvPr/>
+        </p:nvCxnSpPr>
+        <p:spPr>
+          <a:xfrm rot="10800000" flipV="1">
+            <a:off x="-942200" y="2699124"/>
+            <a:ext cx="1628343" cy="570107"/>
+          </a:xfrm>
+          <a:prstGeom prst="bentConnector2">
+            <a:avLst/>
+          </a:prstGeom>
+        </p:spPr>
+        <p:style>
+          <a:lnRef idx="2">
+            <a:schemeClr val="accent1"/>
+          </a:lnRef>
+          <a:fillRef idx="0">
+            <a:schemeClr val="accent1"/>
+          </a:fillRef>
+          <a:effectRef idx="1">
+            <a:schemeClr val="accent1"/>
+          </a:effectRef>
+          <a:fontRef idx="minor">
+            <a:schemeClr val="tx1"/>
+          </a:fontRef>
+        </p:style>
+      </p:cxnSp>
+      <p:cxnSp>
+        <p:nvCxnSpPr>
+          <p:cNvPr id="111" name="Gebogen verbindingslijn 110"/>
+          <p:cNvCxnSpPr>
+            <a:stCxn id="11" idx="3"/>
+            <a:endCxn id="19" idx="2"/>
+          </p:cNvCxnSpPr>
+          <p:nvPr/>
+        </p:nvCxnSpPr>
+        <p:spPr>
+          <a:xfrm flipV="1">
+            <a:off x="5334496" y="3122724"/>
+            <a:ext cx="2479613" cy="1316238"/>
+          </a:xfrm>
+          <a:prstGeom prst="bentConnector2">
+            <a:avLst/>
+          </a:prstGeom>
+        </p:spPr>
+        <p:style>
+          <a:lnRef idx="2">
+            <a:schemeClr val="accent1"/>
+          </a:lnRef>
+          <a:fillRef idx="0">
+            <a:schemeClr val="accent1"/>
+          </a:fillRef>
+          <a:effectRef idx="1">
+            <a:schemeClr val="accent1"/>
+          </a:effectRef>
+          <a:fontRef idx="minor">
+            <a:schemeClr val="tx1"/>
+          </a:fontRef>
+        </p:style>
+      </p:cxnSp>
+      <p:cxnSp>
+        <p:nvCxnSpPr>
+          <p:cNvPr id="113" name="Gebogen verbindingslijn 112"/>
+          <p:cNvCxnSpPr>
+            <a:stCxn id="19" idx="1"/>
+            <a:endCxn id="14" idx="3"/>
+          </p:cNvCxnSpPr>
+          <p:nvPr/>
+        </p:nvCxnSpPr>
+        <p:spPr>
+          <a:xfrm rot="10800000" flipV="1">
+            <a:off x="5334497" y="2855250"/>
+            <a:ext cx="1537413" cy="681458"/>
+          </a:xfrm>
+          <a:prstGeom prst="bentConnector3">
+            <a:avLst>
+              <a:gd name="adj1" fmla="val 50000"/>
+            </a:avLst>
+          </a:prstGeom>
+        </p:spPr>
+        <p:style>
+          <a:lnRef idx="2">
+            <a:schemeClr val="accent1"/>
+          </a:lnRef>
+          <a:fillRef idx="0">
+            <a:schemeClr val="accent1"/>
+          </a:fillRef>
+          <a:effectRef idx="1">
+            <a:schemeClr val="accent1"/>
+          </a:effectRef>
+          <a:fontRef idx="minor">
+            <a:schemeClr val="tx1"/>
+          </a:fontRef>
+        </p:style>
+      </p:cxnSp>
+      <p:cxnSp>
+        <p:nvCxnSpPr>
+          <p:cNvPr id="116" name="Gebogen verbindingslijn 115"/>
+          <p:cNvCxnSpPr>
+            <a:stCxn id="14" idx="3"/>
+            <a:endCxn id="20" idx="1"/>
+          </p:cNvCxnSpPr>
+          <p:nvPr/>
+        </p:nvCxnSpPr>
+        <p:spPr>
+          <a:xfrm flipV="1">
+            <a:off x="5334496" y="1969274"/>
+            <a:ext cx="1537413" cy="1567434"/>
+          </a:xfrm>
+          <a:prstGeom prst="bentConnector3">
+            <a:avLst>
+              <a:gd name="adj1" fmla="val 50000"/>
+            </a:avLst>
+          </a:prstGeom>
+        </p:spPr>
+        <p:style>
+          <a:lnRef idx="2">
+            <a:schemeClr val="accent1"/>
+          </a:lnRef>
+          <a:fillRef idx="0">
+            <a:schemeClr val="accent1"/>
+          </a:fillRef>
+          <a:effectRef idx="1">
+            <a:schemeClr val="accent1"/>
+          </a:effectRef>
+          <a:fontRef idx="minor">
+            <a:schemeClr val="tx1"/>
+          </a:fontRef>
+        </p:style>
+      </p:cxnSp>
+      <p:cxnSp>
+        <p:nvCxnSpPr>
+          <p:cNvPr id="118" name="Gebogen verbindingslijn 117"/>
+          <p:cNvCxnSpPr>
+            <a:stCxn id="20" idx="3"/>
+            <a:endCxn id="11" idx="3"/>
+          </p:cNvCxnSpPr>
+          <p:nvPr/>
+        </p:nvCxnSpPr>
+        <p:spPr>
+          <a:xfrm flipH="1">
+            <a:off x="5334496" y="1969274"/>
+            <a:ext cx="3421813" cy="2469688"/>
+          </a:xfrm>
+          <a:prstGeom prst="bentConnector3">
+            <a:avLst>
+              <a:gd name="adj1" fmla="val -6681"/>
+            </a:avLst>
+          </a:prstGeom>
+        </p:spPr>
+        <p:style>
+          <a:lnRef idx="2">
+            <a:schemeClr val="accent1"/>
+          </a:lnRef>
+          <a:fillRef idx="0">
+            <a:schemeClr val="accent1"/>
+          </a:fillRef>
+          <a:effectRef idx="1">
+            <a:schemeClr val="accent1"/>
+          </a:effectRef>
+          <a:fontRef idx="minor">
+            <a:schemeClr val="tx1"/>
+          </a:fontRef>
+        </p:style>
+      </p:cxnSp>
+      <p:cxnSp>
+        <p:nvCxnSpPr>
+          <p:cNvPr id="122" name="Gebogen verbindingslijn 121"/>
+          <p:cNvCxnSpPr>
+            <a:stCxn id="11" idx="2"/>
+            <a:endCxn id="12" idx="0"/>
+          </p:cNvCxnSpPr>
+          <p:nvPr/>
+        </p:nvCxnSpPr>
+        <p:spPr>
+          <a:xfrm rot="5400000">
+            <a:off x="4245230" y="4853502"/>
+            <a:ext cx="294132" cy="12700"/>
           </a:xfrm>
           <a:prstGeom prst="bentConnector3">
             <a:avLst/>
           </a:prstGeom>
+          <a:ln>
+            <a:solidFill>
+              <a:srgbClr val="FF0000"/>
+            </a:solidFill>
+          </a:ln>
         </p:spPr>
         <p:style>
           <a:lnRef idx="2">
@@ -4745,19 +6446,19 @@
         <p:nvCxnSpPr>
           <p:cNvPr id="28" name="Gebogen verbindingslijn 27"/>
           <p:cNvCxnSpPr>
+            <a:stCxn id="19" idx="2"/>
             <a:endCxn id="9" idx="2"/>
           </p:cNvCxnSpPr>
           <p:nvPr/>
         </p:nvCxnSpPr>
         <p:spPr>
-          <a:xfrm rot="10800000" flipV="1">
-            <a:off x="1031853" y="3122724"/>
-            <a:ext cx="6999386" cy="1127616"/>
-          </a:xfrm>
-          <a:prstGeom prst="bentConnector4">
+          <a:xfrm rot="5400000">
+            <a:off x="3923019" y="821696"/>
+            <a:ext cx="1590062" cy="6192118"/>
+          </a:xfrm>
+          <a:prstGeom prst="bentConnector3">
             <a:avLst>
-              <a:gd name="adj1" fmla="val 942"/>
-              <a:gd name="adj2" fmla="val 272725"/>
+              <a:gd name="adj1" fmla="val 210485"/>
             </a:avLst>
           </a:prstGeom>
         </p:spPr>
@@ -4779,17 +6480,20 @@
       <p:cxnSp>
         <p:nvCxnSpPr>
           <p:cNvPr id="35" name="Gebogen verbindingslijn 34"/>
-          <p:cNvCxnSpPr/>
+          <p:cNvCxnSpPr>
+            <a:stCxn id="14" idx="1"/>
+            <a:endCxn id="10" idx="3"/>
+          </p:cNvCxnSpPr>
           <p:nvPr/>
         </p:nvCxnSpPr>
         <p:spPr>
-          <a:xfrm rot="10800000" flipV="1">
-            <a:off x="-556380" y="3410856"/>
-            <a:ext cx="2917483" cy="125851"/>
+          <a:xfrm rot="10800000">
+            <a:off x="0" y="3536708"/>
+            <a:ext cx="3450097" cy="1"/>
           </a:xfrm>
           <a:prstGeom prst="bentConnector3">
             <a:avLst>
-              <a:gd name="adj1" fmla="val 100164"/>
+              <a:gd name="adj1" fmla="val 50000"/>
             </a:avLst>
           </a:prstGeom>
         </p:spPr>
@@ -4813,13 +6517,14 @@
           <p:cNvPr id="83" name="Elbow Connector 82"/>
           <p:cNvCxnSpPr>
             <a:stCxn id="18" idx="3"/>
+            <a:endCxn id="8" idx="1"/>
           </p:cNvCxnSpPr>
           <p:nvPr/>
         </p:nvCxnSpPr>
         <p:spPr>
-          <a:xfrm flipV="1">
-            <a:off x="1621991" y="1133856"/>
-            <a:ext cx="1828104" cy="129754"/>
+          <a:xfrm>
+            <a:off x="1396616" y="1263606"/>
+            <a:ext cx="2053479" cy="4"/>
           </a:xfrm>
           <a:prstGeom prst="bentConnector3">
             <a:avLst>
@@ -4844,22 +6549,59 @@
       </p:cxnSp>
       <p:cxnSp>
         <p:nvCxnSpPr>
-          <p:cNvPr id="163" name="Shape 162"/>
+          <p:cNvPr id="56" name="Shape 55"/>
           <p:cNvCxnSpPr>
-            <a:endCxn id="12" idx="2"/>
+            <a:stCxn id="12" idx="3"/>
+            <a:endCxn id="13" idx="2"/>
           </p:cNvCxnSpPr>
           <p:nvPr/>
         </p:nvCxnSpPr>
         <p:spPr>
-          <a:xfrm rot="16200000" flipH="1">
-            <a:off x="2164843" y="4397059"/>
-            <a:ext cx="1731333" cy="545586"/>
-          </a:xfrm>
-          <a:prstGeom prst="bentConnector5">
+          <a:xfrm flipV="1">
+            <a:off x="5334496" y="4244061"/>
+            <a:ext cx="1146359" cy="1023982"/>
+          </a:xfrm>
+          <a:prstGeom prst="bentConnector2">
+            <a:avLst/>
+          </a:prstGeom>
+          <a:ln>
+            <a:solidFill>
+              <a:srgbClr val="FF0000"/>
+            </a:solidFill>
+          </a:ln>
+        </p:spPr>
+        <p:style>
+          <a:lnRef idx="2">
+            <a:schemeClr val="accent1"/>
+          </a:lnRef>
+          <a:fillRef idx="0">
+            <a:schemeClr val="accent1"/>
+          </a:fillRef>
+          <a:effectRef idx="1">
+            <a:schemeClr val="accent1"/>
+          </a:effectRef>
+          <a:fontRef idx="minor">
+            <a:schemeClr val="tx1"/>
+          </a:fontRef>
+        </p:style>
+      </p:cxnSp>
+      <p:cxnSp>
+        <p:nvCxnSpPr>
+          <p:cNvPr id="128" name="Elbow Connector 127"/>
+          <p:cNvCxnSpPr>
+            <a:stCxn id="20" idx="2"/>
+            <a:endCxn id="19" idx="0"/>
+          </p:cNvCxnSpPr>
+          <p:nvPr/>
+        </p:nvCxnSpPr>
+        <p:spPr>
+          <a:xfrm rot="5400000">
+            <a:off x="7638596" y="2412261"/>
+            <a:ext cx="351027" cy="12700"/>
+          </a:xfrm>
+          <a:prstGeom prst="bentConnector3">
             <a:avLst>
-              <a:gd name="adj1" fmla="val 16772"/>
-              <a:gd name="adj2" fmla="val -113530"/>
-              <a:gd name="adj3" fmla="val 109021"/>
+              <a:gd name="adj1" fmla="val 50000"/>
             </a:avLst>
           </a:prstGeom>
         </p:spPr>
@@ -4881,7 +6623,515 @@
     </p:spTree>
     <p:extLst>
       <p:ext uri="{BB962C8B-B14F-4D97-AF65-F5344CB8AC3E}">
-        <p14:creationId xmlns:p14="http://schemas.microsoft.com/office/powerpoint/2010/main" xmlns="" val="907461295"/>
+        <p14:creationId xmlns="" xmlns:p14="http://schemas.microsoft.com/office/powerpoint/2010/main" val="907461295"/>
+      </p:ext>
+    </p:extLst>
+  </p:cSld>
+  <p:clrMapOvr>
+    <a:masterClrMapping/>
+  </p:clrMapOvr>
+  <p:timing>
+    <p:tnLst>
+      <p:par>
+        <p:cTn id="1" dur="indefinite" restart="never" nodeType="tmRoot"/>
+      </p:par>
+    </p:tnLst>
+  </p:timing>
+</p:sld>
+</file>
+
+<file path=ppt/slides/slide3.xml><?xml version="1.0" encoding="utf-8"?>
+<p:sld xmlns:a="http://schemas.openxmlformats.org/drawingml/2006/main" xmlns:r="http://schemas.openxmlformats.org/officeDocument/2006/relationships" xmlns:p="http://schemas.openxmlformats.org/presentationml/2006/main">
+  <p:cSld>
+    <p:spTree>
+      <p:nvGrpSpPr>
+        <p:cNvPr id="1" name=""/>
+        <p:cNvGrpSpPr/>
+        <p:nvPr/>
+      </p:nvGrpSpPr>
+      <p:grpSpPr>
+        <a:xfrm>
+          <a:off x="0" y="0"/>
+          <a:ext cx="0" cy="0"/>
+          <a:chOff x="0" y="0"/>
+          <a:chExt cx="0" cy="0"/>
+        </a:xfrm>
+      </p:grpSpPr>
+      <p:sp>
+        <p:nvSpPr>
+          <p:cNvPr id="11" name="Afgeronde rechthoek 10"/>
+          <p:cNvSpPr/>
+          <p:nvPr/>
+        </p:nvSpPr>
+        <p:spPr>
+          <a:xfrm>
+            <a:off x="2525028" y="3195539"/>
+            <a:ext cx="1884400" cy="534949"/>
+          </a:xfrm>
+          <a:prstGeom prst="roundRect">
+            <a:avLst/>
+          </a:prstGeom>
+          <a:ln>
+            <a:solidFill>
+              <a:srgbClr val="FF0000"/>
+            </a:solidFill>
+          </a:ln>
+        </p:spPr>
+        <p:style>
+          <a:lnRef idx="1">
+            <a:schemeClr val="accent1"/>
+          </a:lnRef>
+          <a:fillRef idx="3">
+            <a:schemeClr val="accent1"/>
+          </a:fillRef>
+          <a:effectRef idx="2">
+            <a:schemeClr val="accent1"/>
+          </a:effectRef>
+          <a:fontRef idx="minor">
+            <a:schemeClr val="lt1"/>
+          </a:fontRef>
+        </p:style>
+        <p:txBody>
+          <a:bodyPr/>
+          <a:lstStyle/>
+          <a:p>
+            <a:pPr algn="ctr"/>
+            <a:r>
+              <a:rPr lang="nl-NL" dirty="0" err="1" smtClean="0"/>
+              <a:t>PortPair</a:t>
+            </a:r>
+            <a:endParaRPr lang="nl-NL" dirty="0"/>
+          </a:p>
+        </p:txBody>
+      </p:sp>
+      <p:sp>
+        <p:nvSpPr>
+          <p:cNvPr id="12" name="Afgeronde rechthoek 11"/>
+          <p:cNvSpPr/>
+          <p:nvPr/>
+        </p:nvSpPr>
+        <p:spPr>
+          <a:xfrm>
+            <a:off x="2518671" y="4265434"/>
+            <a:ext cx="1884400" cy="534949"/>
+          </a:xfrm>
+          <a:prstGeom prst="roundRect">
+            <a:avLst/>
+          </a:prstGeom>
+          <a:ln>
+            <a:solidFill>
+              <a:srgbClr val="FF0000"/>
+            </a:solidFill>
+          </a:ln>
+        </p:spPr>
+        <p:style>
+          <a:lnRef idx="1">
+            <a:schemeClr val="accent1"/>
+          </a:lnRef>
+          <a:fillRef idx="3">
+            <a:schemeClr val="accent1"/>
+          </a:fillRef>
+          <a:effectRef idx="2">
+            <a:schemeClr val="accent1"/>
+          </a:effectRef>
+          <a:fontRef idx="minor">
+            <a:schemeClr val="lt1"/>
+          </a:fontRef>
+        </p:style>
+        <p:txBody>
+          <a:bodyPr/>
+          <a:lstStyle/>
+          <a:p>
+            <a:pPr algn="ctr"/>
+            <a:r>
+              <a:rPr lang="nl-NL" dirty="0" smtClean="0"/>
+              <a:t>Port</a:t>
+            </a:r>
+          </a:p>
+        </p:txBody>
+      </p:sp>
+      <p:sp>
+        <p:nvSpPr>
+          <p:cNvPr id="13" name="Afgeronde rechthoek 12"/>
+          <p:cNvSpPr/>
+          <p:nvPr/>
+        </p:nvSpPr>
+        <p:spPr>
+          <a:xfrm>
+            <a:off x="4681986" y="2734291"/>
+            <a:ext cx="1884400" cy="534949"/>
+          </a:xfrm>
+          <a:prstGeom prst="roundRect">
+            <a:avLst/>
+          </a:prstGeom>
+          <a:ln>
+            <a:solidFill>
+              <a:srgbClr val="FF0000"/>
+            </a:solidFill>
+          </a:ln>
+        </p:spPr>
+        <p:style>
+          <a:lnRef idx="1">
+            <a:schemeClr val="accent1"/>
+          </a:lnRef>
+          <a:fillRef idx="3">
+            <a:schemeClr val="accent1"/>
+          </a:fillRef>
+          <a:effectRef idx="2">
+            <a:schemeClr val="accent1"/>
+          </a:effectRef>
+          <a:fontRef idx="minor">
+            <a:schemeClr val="lt1"/>
+          </a:fontRef>
+        </p:style>
+        <p:txBody>
+          <a:bodyPr/>
+          <a:lstStyle/>
+          <a:p>
+            <a:pPr algn="ctr"/>
+            <a:r>
+              <a:rPr lang="nl-NL" dirty="0" smtClean="0"/>
+              <a:t>Link</a:t>
+            </a:r>
+            <a:endParaRPr lang="nl-NL" dirty="0"/>
+          </a:p>
+        </p:txBody>
+      </p:sp>
+      <p:sp>
+        <p:nvSpPr>
+          <p:cNvPr id="14" name="Afgeronde rechthoek 13"/>
+          <p:cNvSpPr/>
+          <p:nvPr/>
+        </p:nvSpPr>
+        <p:spPr>
+          <a:xfrm>
+            <a:off x="2525031" y="2199342"/>
+            <a:ext cx="1884400" cy="534949"/>
+          </a:xfrm>
+          <a:prstGeom prst="roundRect">
+            <a:avLst/>
+          </a:prstGeom>
+          <a:ln>
+            <a:solidFill>
+              <a:srgbClr val="FF0000"/>
+            </a:solidFill>
+          </a:ln>
+        </p:spPr>
+        <p:style>
+          <a:lnRef idx="1">
+            <a:schemeClr val="accent1"/>
+          </a:lnRef>
+          <a:fillRef idx="3">
+            <a:schemeClr val="accent1"/>
+          </a:fillRef>
+          <a:effectRef idx="2">
+            <a:schemeClr val="accent1"/>
+          </a:effectRef>
+          <a:fontRef idx="minor">
+            <a:schemeClr val="lt1"/>
+          </a:fontRef>
+        </p:style>
+        <p:txBody>
+          <a:bodyPr/>
+          <a:lstStyle/>
+          <a:p>
+            <a:pPr algn="ctr"/>
+            <a:r>
+              <a:rPr lang="nl-NL" dirty="0" smtClean="0"/>
+              <a:t>Node</a:t>
+            </a:r>
+          </a:p>
+        </p:txBody>
+      </p:sp>
+      <p:sp>
+        <p:nvSpPr>
+          <p:cNvPr id="15" name="Afgeronde rechthoek 14"/>
+          <p:cNvSpPr/>
+          <p:nvPr/>
+        </p:nvSpPr>
+        <p:spPr>
+          <a:xfrm>
+            <a:off x="2531382" y="1094282"/>
+            <a:ext cx="1884400" cy="534949"/>
+          </a:xfrm>
+          <a:prstGeom prst="roundRect">
+            <a:avLst/>
+          </a:prstGeom>
+          <a:ln>
+            <a:solidFill>
+              <a:srgbClr val="FF0000"/>
+            </a:solidFill>
+          </a:ln>
+        </p:spPr>
+        <p:style>
+          <a:lnRef idx="1">
+            <a:schemeClr val="accent1"/>
+          </a:lnRef>
+          <a:fillRef idx="3">
+            <a:schemeClr val="accent1"/>
+          </a:fillRef>
+          <a:effectRef idx="2">
+            <a:schemeClr val="accent1"/>
+          </a:effectRef>
+          <a:fontRef idx="minor">
+            <a:schemeClr val="lt1"/>
+          </a:fontRef>
+        </p:style>
+        <p:txBody>
+          <a:bodyPr/>
+          <a:lstStyle/>
+          <a:p>
+            <a:pPr algn="ctr"/>
+            <a:r>
+              <a:rPr lang="nl-NL" dirty="0" err="1" smtClean="0"/>
+              <a:t>NodeEditor</a:t>
+            </a:r>
+            <a:endParaRPr lang="nl-NL" dirty="0"/>
+          </a:p>
+        </p:txBody>
+      </p:sp>
+      <p:cxnSp>
+        <p:nvCxnSpPr>
+          <p:cNvPr id="41" name="Gebogen verbindingslijn 40"/>
+          <p:cNvCxnSpPr>
+            <a:stCxn id="15" idx="2"/>
+            <a:endCxn id="14" idx="0"/>
+          </p:cNvCxnSpPr>
+          <p:nvPr/>
+        </p:nvCxnSpPr>
+        <p:spPr>
+          <a:xfrm rot="5400000">
+            <a:off x="3185352" y="1911111"/>
+            <a:ext cx="570111" cy="6351"/>
+          </a:xfrm>
+          <a:prstGeom prst="bentConnector3">
+            <a:avLst>
+              <a:gd name="adj1" fmla="val 50000"/>
+            </a:avLst>
+          </a:prstGeom>
+          <a:ln>
+            <a:solidFill>
+              <a:srgbClr val="FF0000"/>
+            </a:solidFill>
+          </a:ln>
+        </p:spPr>
+        <p:style>
+          <a:lnRef idx="2">
+            <a:schemeClr val="accent1"/>
+          </a:lnRef>
+          <a:fillRef idx="0">
+            <a:schemeClr val="accent1"/>
+          </a:fillRef>
+          <a:effectRef idx="1">
+            <a:schemeClr val="accent1"/>
+          </a:effectRef>
+          <a:fontRef idx="minor">
+            <a:schemeClr val="tx1"/>
+          </a:fontRef>
+        </p:style>
+      </p:cxnSp>
+      <p:cxnSp>
+        <p:nvCxnSpPr>
+          <p:cNvPr id="48" name="Gebogen verbindingslijn 47"/>
+          <p:cNvCxnSpPr>
+            <a:stCxn id="15" idx="3"/>
+            <a:endCxn id="13" idx="0"/>
+          </p:cNvCxnSpPr>
+          <p:nvPr/>
+        </p:nvCxnSpPr>
+        <p:spPr>
+          <a:xfrm>
+            <a:off x="4415782" y="1361757"/>
+            <a:ext cx="1208404" cy="1372534"/>
+          </a:xfrm>
+          <a:prstGeom prst="bentConnector2">
+            <a:avLst/>
+          </a:prstGeom>
+          <a:ln>
+            <a:solidFill>
+              <a:srgbClr val="FF0000"/>
+            </a:solidFill>
+          </a:ln>
+        </p:spPr>
+        <p:style>
+          <a:lnRef idx="2">
+            <a:schemeClr val="accent1"/>
+          </a:lnRef>
+          <a:fillRef idx="0">
+            <a:schemeClr val="accent1"/>
+          </a:fillRef>
+          <a:effectRef idx="1">
+            <a:schemeClr val="accent1"/>
+          </a:effectRef>
+          <a:fontRef idx="minor">
+            <a:schemeClr val="tx1"/>
+          </a:fontRef>
+        </p:style>
+      </p:cxnSp>
+      <p:cxnSp>
+        <p:nvCxnSpPr>
+          <p:cNvPr id="55" name="Gebogen verbindingslijn 54"/>
+          <p:cNvCxnSpPr>
+            <a:stCxn id="15" idx="0"/>
+            <a:endCxn id="12" idx="2"/>
+          </p:cNvCxnSpPr>
+          <p:nvPr/>
+        </p:nvCxnSpPr>
+        <p:spPr>
+          <a:xfrm rot="16200000" flipH="1" flipV="1">
+            <a:off x="1614176" y="2940976"/>
+            <a:ext cx="3706101" cy="12711"/>
+          </a:xfrm>
+          <a:prstGeom prst="bentConnector5">
+            <a:avLst>
+              <a:gd name="adj1" fmla="val -6168"/>
+              <a:gd name="adj2" fmla="val 9310920"/>
+              <a:gd name="adj3" fmla="val 106168"/>
+            </a:avLst>
+          </a:prstGeom>
+          <a:ln>
+            <a:solidFill>
+              <a:srgbClr val="FF0000"/>
+            </a:solidFill>
+          </a:ln>
+        </p:spPr>
+        <p:style>
+          <a:lnRef idx="2">
+            <a:schemeClr val="accent1"/>
+          </a:lnRef>
+          <a:fillRef idx="0">
+            <a:schemeClr val="accent1"/>
+          </a:fillRef>
+          <a:effectRef idx="1">
+            <a:schemeClr val="accent1"/>
+          </a:effectRef>
+          <a:fontRef idx="minor">
+            <a:schemeClr val="tx1"/>
+          </a:fontRef>
+        </p:style>
+      </p:cxnSp>
+      <p:cxnSp>
+        <p:nvCxnSpPr>
+          <p:cNvPr id="122" name="Gebogen verbindingslijn 121"/>
+          <p:cNvCxnSpPr>
+            <a:stCxn id="11" idx="2"/>
+            <a:endCxn id="12" idx="0"/>
+          </p:cNvCxnSpPr>
+          <p:nvPr/>
+        </p:nvCxnSpPr>
+        <p:spPr>
+          <a:xfrm rot="5400000">
+            <a:off x="3196577" y="3994783"/>
+            <a:ext cx="534946" cy="6357"/>
+          </a:xfrm>
+          <a:prstGeom prst="bentConnector3">
+            <a:avLst>
+              <a:gd name="adj1" fmla="val 50000"/>
+            </a:avLst>
+          </a:prstGeom>
+          <a:ln>
+            <a:solidFill>
+              <a:srgbClr val="FF0000"/>
+            </a:solidFill>
+          </a:ln>
+        </p:spPr>
+        <p:style>
+          <a:lnRef idx="2">
+            <a:schemeClr val="accent1"/>
+          </a:lnRef>
+          <a:fillRef idx="0">
+            <a:schemeClr val="accent1"/>
+          </a:fillRef>
+          <a:effectRef idx="1">
+            <a:schemeClr val="accent1"/>
+          </a:effectRef>
+          <a:fontRef idx="minor">
+            <a:schemeClr val="tx1"/>
+          </a:fontRef>
+        </p:style>
+      </p:cxnSp>
+      <p:cxnSp>
+        <p:nvCxnSpPr>
+          <p:cNvPr id="64" name="Elbow Connector 63"/>
+          <p:cNvCxnSpPr>
+            <a:stCxn id="13" idx="2"/>
+            <a:endCxn id="12" idx="3"/>
+          </p:cNvCxnSpPr>
+          <p:nvPr/>
+        </p:nvCxnSpPr>
+        <p:spPr>
+          <a:xfrm rot="5400000">
+            <a:off x="4381795" y="3290517"/>
+            <a:ext cx="1263669" cy="1221115"/>
+          </a:xfrm>
+          <a:prstGeom prst="bentConnector2">
+            <a:avLst/>
+          </a:prstGeom>
+          <a:ln>
+            <a:solidFill>
+              <a:srgbClr val="FF0000"/>
+            </a:solidFill>
+          </a:ln>
+        </p:spPr>
+        <p:style>
+          <a:lnRef idx="2">
+            <a:schemeClr val="accent1"/>
+          </a:lnRef>
+          <a:fillRef idx="0">
+            <a:schemeClr val="accent1"/>
+          </a:fillRef>
+          <a:effectRef idx="1">
+            <a:schemeClr val="accent1"/>
+          </a:effectRef>
+          <a:fontRef idx="minor">
+            <a:schemeClr val="tx1"/>
+          </a:fontRef>
+        </p:style>
+      </p:cxnSp>
+      <p:cxnSp>
+        <p:nvCxnSpPr>
+          <p:cNvPr id="90" name="Elbow Connector 89"/>
+          <p:cNvCxnSpPr>
+            <a:stCxn id="14" idx="2"/>
+            <a:endCxn id="11" idx="0"/>
+          </p:cNvCxnSpPr>
+          <p:nvPr/>
+        </p:nvCxnSpPr>
+        <p:spPr>
+          <a:xfrm rot="5400000">
+            <a:off x="3236606" y="2964914"/>
+            <a:ext cx="461248" cy="3"/>
+          </a:xfrm>
+          <a:prstGeom prst="bentConnector3">
+            <a:avLst>
+              <a:gd name="adj1" fmla="val 50000"/>
+            </a:avLst>
+          </a:prstGeom>
+          <a:ln>
+            <a:solidFill>
+              <a:srgbClr val="FF0000"/>
+            </a:solidFill>
+          </a:ln>
+        </p:spPr>
+        <p:style>
+          <a:lnRef idx="2">
+            <a:schemeClr val="accent1"/>
+          </a:lnRef>
+          <a:fillRef idx="0">
+            <a:schemeClr val="accent1"/>
+          </a:fillRef>
+          <a:effectRef idx="1">
+            <a:schemeClr val="accent1"/>
+          </a:effectRef>
+          <a:fontRef idx="minor">
+            <a:schemeClr val="tx1"/>
+          </a:fontRef>
+        </p:style>
+      </p:cxnSp>
+    </p:spTree>
+    <p:extLst>
+      <p:ext uri="{BB962C8B-B14F-4D97-AF65-F5344CB8AC3E}">
+        <p14:creationId xmlns="" xmlns:p14="http://schemas.microsoft.com/office/powerpoint/2010/main" val="907461295"/>
       </p:ext>
     </p:extLst>
   </p:cSld>

--- a/Documents/ClassDiagram.pptx
+++ b/Documents/ClassDiagram.pptx
@@ -5,9 +5,7 @@
     <p:sldMasterId id="2147483648" r:id="rId1"/>
   </p:sldMasterIdLst>
   <p:sldIdLst>
-    <p:sldId id="257" r:id="rId2"/>
-    <p:sldId id="258" r:id="rId3"/>
-    <p:sldId id="259" r:id="rId4"/>
+    <p:sldId id="258" r:id="rId2"/>
   </p:sldIdLst>
   <p:sldSz cx="9144000" cy="6858000" type="screen4x3"/>
   <p:notesSz cx="6858000" cy="9144000"/>
@@ -343,7 +341,7 @@
     </p:spTree>
     <p:extLst>
       <p:ext uri="{BB962C8B-B14F-4D97-AF65-F5344CB8AC3E}">
-        <p14:creationId xmlns="" xmlns:p14="http://schemas.microsoft.com/office/powerpoint/2010/main" val="2833105150"/>
+        <p14:creationId xmlns:p14="http://schemas.microsoft.com/office/powerpoint/2010/main" xmlns="" val="2833105150"/>
       </p:ext>
     </p:extLst>
   </p:cSld>
@@ -515,7 +513,7 @@
     </p:spTree>
     <p:extLst>
       <p:ext uri="{BB962C8B-B14F-4D97-AF65-F5344CB8AC3E}">
-        <p14:creationId xmlns="" xmlns:p14="http://schemas.microsoft.com/office/powerpoint/2010/main" val="547624687"/>
+        <p14:creationId xmlns:p14="http://schemas.microsoft.com/office/powerpoint/2010/main" xmlns="" val="547624687"/>
       </p:ext>
     </p:extLst>
   </p:cSld>
@@ -697,7 +695,7 @@
     </p:spTree>
     <p:extLst>
       <p:ext uri="{BB962C8B-B14F-4D97-AF65-F5344CB8AC3E}">
-        <p14:creationId xmlns="" xmlns:p14="http://schemas.microsoft.com/office/powerpoint/2010/main" val="3832215252"/>
+        <p14:creationId xmlns:p14="http://schemas.microsoft.com/office/powerpoint/2010/main" xmlns="" val="3832215252"/>
       </p:ext>
     </p:extLst>
   </p:cSld>
@@ -869,7 +867,7 @@
     </p:spTree>
     <p:extLst>
       <p:ext uri="{BB962C8B-B14F-4D97-AF65-F5344CB8AC3E}">
-        <p14:creationId xmlns="" xmlns:p14="http://schemas.microsoft.com/office/powerpoint/2010/main" val="406829104"/>
+        <p14:creationId xmlns:p14="http://schemas.microsoft.com/office/powerpoint/2010/main" xmlns="" val="406829104"/>
       </p:ext>
     </p:extLst>
   </p:cSld>
@@ -1117,7 +1115,7 @@
     </p:spTree>
     <p:extLst>
       <p:ext uri="{BB962C8B-B14F-4D97-AF65-F5344CB8AC3E}">
-        <p14:creationId xmlns="" xmlns:p14="http://schemas.microsoft.com/office/powerpoint/2010/main" val="4032166571"/>
+        <p14:creationId xmlns:p14="http://schemas.microsoft.com/office/powerpoint/2010/main" xmlns="" val="4032166571"/>
       </p:ext>
     </p:extLst>
   </p:cSld>
@@ -1407,7 +1405,7 @@
     </p:spTree>
     <p:extLst>
       <p:ext uri="{BB962C8B-B14F-4D97-AF65-F5344CB8AC3E}">
-        <p14:creationId xmlns="" xmlns:p14="http://schemas.microsoft.com/office/powerpoint/2010/main" val="1494689933"/>
+        <p14:creationId xmlns:p14="http://schemas.microsoft.com/office/powerpoint/2010/main" xmlns="" val="1494689933"/>
       </p:ext>
     </p:extLst>
   </p:cSld>
@@ -1831,7 +1829,7 @@
     </p:spTree>
     <p:extLst>
       <p:ext uri="{BB962C8B-B14F-4D97-AF65-F5344CB8AC3E}">
-        <p14:creationId xmlns="" xmlns:p14="http://schemas.microsoft.com/office/powerpoint/2010/main" val="1221107075"/>
+        <p14:creationId xmlns:p14="http://schemas.microsoft.com/office/powerpoint/2010/main" xmlns="" val="1221107075"/>
       </p:ext>
     </p:extLst>
   </p:cSld>
@@ -1951,7 +1949,7 @@
     </p:spTree>
     <p:extLst>
       <p:ext uri="{BB962C8B-B14F-4D97-AF65-F5344CB8AC3E}">
-        <p14:creationId xmlns="" xmlns:p14="http://schemas.microsoft.com/office/powerpoint/2010/main" val="23264191"/>
+        <p14:creationId xmlns:p14="http://schemas.microsoft.com/office/powerpoint/2010/main" xmlns="" val="23264191"/>
       </p:ext>
     </p:extLst>
   </p:cSld>
@@ -2048,7 +2046,7 @@
     </p:spTree>
     <p:extLst>
       <p:ext uri="{BB962C8B-B14F-4D97-AF65-F5344CB8AC3E}">
-        <p14:creationId xmlns="" xmlns:p14="http://schemas.microsoft.com/office/powerpoint/2010/main" val="461564456"/>
+        <p14:creationId xmlns:p14="http://schemas.microsoft.com/office/powerpoint/2010/main" xmlns="" val="461564456"/>
       </p:ext>
     </p:extLst>
   </p:cSld>
@@ -2327,7 +2325,7 @@
     </p:spTree>
     <p:extLst>
       <p:ext uri="{BB962C8B-B14F-4D97-AF65-F5344CB8AC3E}">
-        <p14:creationId xmlns="" xmlns:p14="http://schemas.microsoft.com/office/powerpoint/2010/main" val="3656418691"/>
+        <p14:creationId xmlns:p14="http://schemas.microsoft.com/office/powerpoint/2010/main" xmlns="" val="3656418691"/>
       </p:ext>
     </p:extLst>
   </p:cSld>
@@ -2582,7 +2580,7 @@
     </p:spTree>
     <p:extLst>
       <p:ext uri="{BB962C8B-B14F-4D97-AF65-F5344CB8AC3E}">
-        <p14:creationId xmlns="" xmlns:p14="http://schemas.microsoft.com/office/powerpoint/2010/main" val="2512410003"/>
+        <p14:creationId xmlns:p14="http://schemas.microsoft.com/office/powerpoint/2010/main" xmlns="" val="2512410003"/>
       </p:ext>
     </p:extLst>
   </p:cSld>
@@ -2833,7 +2831,7 @@
     </p:spTree>
     <p:extLst>
       <p:ext uri="{BB962C8B-B14F-4D97-AF65-F5344CB8AC3E}">
-        <p14:creationId xmlns="" xmlns:p14="http://schemas.microsoft.com/office/powerpoint/2010/main" val="3782918827"/>
+        <p14:creationId xmlns:p14="http://schemas.microsoft.com/office/powerpoint/2010/main" xmlns="" val="3782918827"/>
       </p:ext>
     </p:extLst>
   </p:cSld>
@@ -3129,7 +3127,7 @@
         </p:nvSpPr>
         <p:spPr>
           <a:xfrm>
-            <a:off x="3450095" y="996135"/>
+            <a:off x="4696345" y="996130"/>
             <a:ext cx="1884400" cy="534949"/>
           </a:xfrm>
           <a:prstGeom prst="roundRect">
@@ -3139,13 +3137,13 @@
         </p:spPr>
         <p:style>
           <a:lnRef idx="1">
-            <a:schemeClr val="accent1"/>
+            <a:schemeClr val="dk1"/>
           </a:lnRef>
           <a:fillRef idx="3">
-            <a:schemeClr val="accent1"/>
+            <a:schemeClr val="dk1"/>
           </a:fillRef>
           <a:effectRef idx="2">
-            <a:schemeClr val="accent1"/>
+            <a:schemeClr val="dk1"/>
           </a:effectRef>
           <a:fontRef idx="minor">
             <a:schemeClr val="lt1"/>
@@ -3172,7 +3170,7 @@
         </p:nvSpPr>
         <p:spPr>
           <a:xfrm>
-            <a:off x="89653" y="3715391"/>
+            <a:off x="2404993" y="4631280"/>
             <a:ext cx="1884400" cy="534949"/>
           </a:xfrm>
           <a:prstGeom prst="roundRect">
@@ -3182,13 +3180,13 @@
         </p:spPr>
         <p:style>
           <a:lnRef idx="1">
-            <a:schemeClr val="accent1"/>
+            <a:schemeClr val="accent6"/>
           </a:lnRef>
           <a:fillRef idx="3">
-            <a:schemeClr val="accent1"/>
+            <a:schemeClr val="accent6"/>
           </a:fillRef>
           <a:effectRef idx="2">
-            <a:schemeClr val="accent1"/>
+            <a:schemeClr val="accent6"/>
           </a:effectRef>
           <a:fontRef idx="minor">
             <a:schemeClr val="lt1"/>
@@ -3215,7 +3213,7 @@
         </p:nvSpPr>
         <p:spPr>
           <a:xfrm>
-            <a:off x="-2138399" y="3536709"/>
+            <a:off x="2404994" y="3741175"/>
             <a:ext cx="1884400" cy="534949"/>
           </a:xfrm>
           <a:prstGeom prst="roundRect">
@@ -3225,13 +3223,13 @@
         </p:spPr>
         <p:style>
           <a:lnRef idx="1">
-            <a:schemeClr val="accent1"/>
+            <a:schemeClr val="accent6"/>
           </a:lnRef>
           <a:fillRef idx="3">
-            <a:schemeClr val="accent1"/>
+            <a:schemeClr val="accent6"/>
           </a:fillRef>
           <a:effectRef idx="2">
-            <a:schemeClr val="accent1"/>
+            <a:schemeClr val="accent6"/>
           </a:effectRef>
           <a:fontRef idx="minor">
             <a:schemeClr val="lt1"/>
@@ -3258,7 +3256,7 @@
         </p:nvSpPr>
         <p:spPr>
           <a:xfrm>
-            <a:off x="2361102" y="4171489"/>
+            <a:off x="4702696" y="4171487"/>
             <a:ext cx="1884400" cy="534949"/>
           </a:xfrm>
           <a:prstGeom prst="roundRect">
@@ -3268,13 +3266,13 @@
         </p:spPr>
         <p:style>
           <a:lnRef idx="1">
-            <a:schemeClr val="accent1"/>
+            <a:schemeClr val="accent2"/>
           </a:lnRef>
           <a:fillRef idx="3">
-            <a:schemeClr val="accent1"/>
+            <a:schemeClr val="accent2"/>
           </a:fillRef>
           <a:effectRef idx="2">
-            <a:schemeClr val="accent1"/>
+            <a:schemeClr val="accent2"/>
           </a:effectRef>
           <a:fontRef idx="minor">
             <a:schemeClr val="lt1"/>
@@ -3301,7 +3299,7 @@
         </p:nvSpPr>
         <p:spPr>
           <a:xfrm>
-            <a:off x="2361102" y="5000570"/>
+            <a:off x="4709046" y="5000568"/>
             <a:ext cx="1884400" cy="534949"/>
           </a:xfrm>
           <a:prstGeom prst="roundRect">
@@ -3311,13 +3309,13 @@
         </p:spPr>
         <p:style>
           <a:lnRef idx="1">
-            <a:schemeClr val="accent1"/>
+            <a:schemeClr val="accent2"/>
           </a:lnRef>
           <a:fillRef idx="3">
-            <a:schemeClr val="accent1"/>
+            <a:schemeClr val="accent2"/>
           </a:fillRef>
           <a:effectRef idx="2">
-            <a:schemeClr val="accent1"/>
+            <a:schemeClr val="accent2"/>
           </a:effectRef>
           <a:fontRef idx="minor">
             <a:schemeClr val="lt1"/>
@@ -3343,7 +3341,7 @@
         </p:nvSpPr>
         <p:spPr>
           <a:xfrm>
-            <a:off x="4789189" y="5000570"/>
+            <a:off x="4709047" y="5790694"/>
             <a:ext cx="1884400" cy="534949"/>
           </a:xfrm>
           <a:prstGeom prst="roundRect">
@@ -3353,13 +3351,13 @@
         </p:spPr>
         <p:style>
           <a:lnRef idx="1">
-            <a:schemeClr val="accent1"/>
+            <a:schemeClr val="accent2"/>
           </a:lnRef>
           <a:fillRef idx="3">
-            <a:schemeClr val="accent1"/>
+            <a:schemeClr val="accent2"/>
           </a:fillRef>
           <a:effectRef idx="2">
-            <a:schemeClr val="accent1"/>
+            <a:schemeClr val="accent2"/>
           </a:effectRef>
           <a:fontRef idx="minor">
             <a:schemeClr val="lt1"/>
@@ -3386,7 +3384,7 @@
         </p:nvSpPr>
         <p:spPr>
           <a:xfrm>
-            <a:off x="2361102" y="3269235"/>
+            <a:off x="4702696" y="3269233"/>
             <a:ext cx="1884400" cy="534949"/>
           </a:xfrm>
           <a:prstGeom prst="roundRect">
@@ -3396,13 +3394,13 @@
         </p:spPr>
         <p:style>
           <a:lnRef idx="1">
-            <a:schemeClr val="accent1"/>
+            <a:schemeClr val="accent2"/>
           </a:lnRef>
           <a:fillRef idx="3">
-            <a:schemeClr val="accent1"/>
+            <a:schemeClr val="accent2"/>
           </a:fillRef>
           <a:effectRef idx="2">
-            <a:schemeClr val="accent1"/>
+            <a:schemeClr val="accent2"/>
           </a:effectRef>
           <a:fontRef idx="minor">
             <a:schemeClr val="lt1"/>
@@ -3428,7 +3426,7 @@
         </p:nvSpPr>
         <p:spPr>
           <a:xfrm>
-            <a:off x="3450095" y="1896701"/>
+            <a:off x="4709045" y="2371740"/>
             <a:ext cx="1884400" cy="534949"/>
           </a:xfrm>
           <a:prstGeom prst="roundRect">
@@ -3438,13 +3436,13 @@
         </p:spPr>
         <p:style>
           <a:lnRef idx="1">
-            <a:schemeClr val="accent1"/>
+            <a:schemeClr val="accent2"/>
           </a:lnRef>
           <a:fillRef idx="3">
-            <a:schemeClr val="accent1"/>
+            <a:schemeClr val="accent2"/>
           </a:fillRef>
           <a:effectRef idx="2">
-            <a:schemeClr val="accent1"/>
+            <a:schemeClr val="accent2"/>
           </a:effectRef>
           <a:fontRef idx="minor">
             <a:schemeClr val="lt1"/>
@@ -3471,7 +3469,7 @@
         </p:nvSpPr>
         <p:spPr>
           <a:xfrm>
-            <a:off x="679791" y="1969273"/>
+            <a:off x="2404992" y="2831533"/>
             <a:ext cx="1884400" cy="534949"/>
           </a:xfrm>
           <a:prstGeom prst="roundRect">
@@ -3481,13 +3479,13 @@
         </p:spPr>
         <p:style>
           <a:lnRef idx="1">
-            <a:schemeClr val="accent1"/>
+            <a:schemeClr val="accent6"/>
           </a:lnRef>
           <a:fillRef idx="3">
-            <a:schemeClr val="accent1"/>
+            <a:schemeClr val="accent6"/>
           </a:fillRef>
           <a:effectRef idx="2">
-            <a:schemeClr val="accent1"/>
+            <a:schemeClr val="accent6"/>
           </a:effectRef>
           <a:fontRef idx="minor">
             <a:schemeClr val="lt1"/>
@@ -3514,7 +3512,7 @@
         </p:nvSpPr>
         <p:spPr>
           <a:xfrm>
-            <a:off x="6878259" y="996135"/>
+            <a:off x="7139830" y="1531077"/>
             <a:ext cx="1884400" cy="534949"/>
           </a:xfrm>
           <a:prstGeom prst="roundRect">
@@ -3524,13 +3522,13 @@
         </p:spPr>
         <p:style>
           <a:lnRef idx="1">
-            <a:schemeClr val="accent1"/>
+            <a:schemeClr val="accent4"/>
           </a:lnRef>
           <a:fillRef idx="3">
-            <a:schemeClr val="accent1"/>
+            <a:schemeClr val="accent4"/>
           </a:fillRef>
           <a:effectRef idx="2">
-            <a:schemeClr val="accent1"/>
+            <a:schemeClr val="accent4"/>
           </a:effectRef>
           <a:fontRef idx="minor">
             <a:schemeClr val="lt1"/>
@@ -3557,13 +3555,17 @@
         </p:nvSpPr>
         <p:spPr>
           <a:xfrm>
-            <a:off x="-262409" y="996135"/>
+            <a:off x="151799" y="3741555"/>
             <a:ext cx="1884400" cy="534949"/>
           </a:xfrm>
           <a:prstGeom prst="roundRect">
             <a:avLst/>
           </a:prstGeom>
-          <a:ln/>
+          <a:ln>
+            <a:solidFill>
+              <a:srgbClr val="00B050"/>
+            </a:solidFill>
+          </a:ln>
         </p:spPr>
         <p:style>
           <a:lnRef idx="1">
@@ -3600,7 +3602,7 @@
         </p:nvSpPr>
         <p:spPr>
           <a:xfrm>
-            <a:off x="6871909" y="2587775"/>
+            <a:off x="7139828" y="3256707"/>
             <a:ext cx="1884400" cy="534949"/>
           </a:xfrm>
           <a:prstGeom prst="roundRect">
@@ -3610,13 +3612,13 @@
         </p:spPr>
         <p:style>
           <a:lnRef idx="1">
-            <a:schemeClr val="accent1"/>
+            <a:schemeClr val="accent4"/>
           </a:lnRef>
           <a:fillRef idx="3">
-            <a:schemeClr val="accent1"/>
+            <a:schemeClr val="accent4"/>
           </a:fillRef>
           <a:effectRef idx="2">
-            <a:schemeClr val="accent1"/>
+            <a:schemeClr val="accent4"/>
           </a:effectRef>
           <a:fontRef idx="minor">
             <a:schemeClr val="lt1"/>
@@ -3643,7 +3645,7 @@
         </p:nvSpPr>
         <p:spPr>
           <a:xfrm>
-            <a:off x="6878259" y="1701799"/>
+            <a:off x="7139829" y="2371738"/>
             <a:ext cx="1884400" cy="534949"/>
           </a:xfrm>
           <a:prstGeom prst="roundRect">
@@ -3653,13 +3655,13 @@
         </p:spPr>
         <p:style>
           <a:lnRef idx="1">
-            <a:schemeClr val="accent1"/>
+            <a:schemeClr val="accent4"/>
           </a:lnRef>
           <a:fillRef idx="3">
-            <a:schemeClr val="accent1"/>
+            <a:schemeClr val="accent4"/>
           </a:fillRef>
           <a:effectRef idx="2">
-            <a:schemeClr val="accent1"/>
+            <a:schemeClr val="accent4"/>
           </a:effectRef>
           <a:fontRef idx="minor">
             <a:schemeClr val="lt1"/>
@@ -3686,7 +3688,7 @@
         </p:nvSpPr>
         <p:spPr>
           <a:xfrm>
-            <a:off x="-2578010" y="996133"/>
+            <a:off x="151801" y="4925412"/>
             <a:ext cx="1884400" cy="534949"/>
           </a:xfrm>
           <a:prstGeom prst="roundRect">
@@ -3729,7 +3731,7 @@
         </p:nvSpPr>
         <p:spPr>
           <a:xfrm>
-            <a:off x="-2578009" y="0"/>
+            <a:off x="151802" y="6058169"/>
             <a:ext cx="1884400" cy="534949"/>
           </a:xfrm>
           <a:prstGeom prst="roundRect">
@@ -3772,7 +3774,7 @@
         </p:nvSpPr>
         <p:spPr>
           <a:xfrm>
-            <a:off x="3450095" y="79371"/>
+            <a:off x="4702695" y="79371"/>
             <a:ext cx="1884400" cy="534949"/>
           </a:xfrm>
           <a:prstGeom prst="roundRect">
@@ -3782,13 +3784,13 @@
         </p:spPr>
         <p:style>
           <a:lnRef idx="1">
-            <a:schemeClr val="accent1"/>
+            <a:schemeClr val="dk1"/>
           </a:lnRef>
           <a:fillRef idx="3">
-            <a:schemeClr val="accent1"/>
+            <a:schemeClr val="dk1"/>
           </a:fillRef>
           <a:effectRef idx="2">
-            <a:schemeClr val="accent1"/>
+            <a:schemeClr val="dk1"/>
           </a:effectRef>
           <a:fontRef idx="minor">
             <a:schemeClr val="lt1"/>
@@ -3817,9 +3819,9 @@
           <p:nvPr/>
         </p:nvCxnSpPr>
         <p:spPr>
-          <a:xfrm>
-            <a:off x="4392295" y="614320"/>
-            <a:ext cx="0" cy="381815"/>
+          <a:xfrm flipH="1">
+            <a:off x="5638545" y="614320"/>
+            <a:ext cx="6350" cy="381810"/>
           </a:xfrm>
           <a:prstGeom prst="line">
             <a:avLst/>
@@ -3827,13 +3829,13 @@
         </p:spPr>
         <p:style>
           <a:lnRef idx="2">
-            <a:schemeClr val="accent1"/>
+            <a:schemeClr val="dk1"/>
           </a:lnRef>
           <a:fillRef idx="0">
-            <a:schemeClr val="accent1"/>
+            <a:schemeClr val="dk1"/>
           </a:fillRef>
           <a:effectRef idx="1">
-            <a:schemeClr val="accent1"/>
+            <a:schemeClr val="dk1"/>
           </a:effectRef>
           <a:fontRef idx="minor">
             <a:schemeClr val="tx1"/>
@@ -3851,8 +3853,8 @@
         </p:nvCxnSpPr>
         <p:spPr>
           <a:xfrm>
-            <a:off x="4392295" y="1531084"/>
-            <a:ext cx="0" cy="365617"/>
+            <a:off x="5638545" y="1531079"/>
+            <a:ext cx="12700" cy="840661"/>
           </a:xfrm>
           <a:prstGeom prst="line">
             <a:avLst/>
@@ -3860,13 +3862,13 @@
         </p:spPr>
         <p:style>
           <a:lnRef idx="2">
-            <a:schemeClr val="accent1"/>
+            <a:schemeClr val="dk1"/>
           </a:lnRef>
           <a:fillRef idx="0">
-            <a:schemeClr val="accent1"/>
+            <a:schemeClr val="dk1"/>
           </a:fillRef>
           <a:effectRef idx="1">
-            <a:schemeClr val="accent1"/>
+            <a:schemeClr val="dk1"/>
           </a:effectRef>
           <a:fontRef idx="minor">
             <a:schemeClr val="tx1"/>
@@ -3878,80 +3880,14 @@
           <p:cNvPr id="33" name="Gebogen verbindingslijn 32"/>
           <p:cNvCxnSpPr>
             <a:stCxn id="8" idx="3"/>
-            <a:endCxn id="17" idx="1"/>
+            <a:endCxn id="17" idx="0"/>
           </p:cNvCxnSpPr>
           <p:nvPr/>
         </p:nvCxnSpPr>
         <p:spPr>
           <a:xfrm>
-            <a:off x="5334495" y="1263610"/>
-            <a:ext cx="1543764" cy="12700"/>
-          </a:xfrm>
-          <a:prstGeom prst="bentConnector3">
-            <a:avLst>
-              <a:gd name="adj1" fmla="val 50000"/>
-            </a:avLst>
-          </a:prstGeom>
-        </p:spPr>
-        <p:style>
-          <a:lnRef idx="2">
-            <a:schemeClr val="accent1"/>
-          </a:lnRef>
-          <a:fillRef idx="0">
-            <a:schemeClr val="accent1"/>
-          </a:fillRef>
-          <a:effectRef idx="1">
-            <a:schemeClr val="accent1"/>
-          </a:effectRef>
-          <a:fontRef idx="minor">
-            <a:schemeClr val="tx1"/>
-          </a:fontRef>
-        </p:style>
-      </p:cxnSp>
-      <p:cxnSp>
-        <p:nvCxnSpPr>
-          <p:cNvPr id="37" name="Gebogen verbindingslijn 36"/>
-          <p:cNvCxnSpPr/>
-          <p:nvPr/>
-        </p:nvCxnSpPr>
-        <p:spPr>
-          <a:xfrm>
-            <a:off x="5334495" y="1408176"/>
-            <a:ext cx="1543764" cy="488525"/>
-          </a:xfrm>
-          <a:prstGeom prst="bentConnector3">
-            <a:avLst>
-              <a:gd name="adj1" fmla="val 50000"/>
-            </a:avLst>
-          </a:prstGeom>
-        </p:spPr>
-        <p:style>
-          <a:lnRef idx="2">
-            <a:schemeClr val="accent1"/>
-          </a:lnRef>
-          <a:fillRef idx="0">
-            <a:schemeClr val="accent1"/>
-          </a:fillRef>
-          <a:effectRef idx="1">
-            <a:schemeClr val="accent1"/>
-          </a:effectRef>
-          <a:fontRef idx="minor">
-            <a:schemeClr val="tx1"/>
-          </a:fontRef>
-        </p:style>
-      </p:cxnSp>
-      <p:cxnSp>
-        <p:nvCxnSpPr>
-          <p:cNvPr id="39" name="Gebogen verbindingslijn 38"/>
-          <p:cNvCxnSpPr>
-            <a:stCxn id="8" idx="1"/>
-          </p:cNvCxnSpPr>
-          <p:nvPr/>
-        </p:nvCxnSpPr>
-        <p:spPr>
-          <a:xfrm rot="10800000" flipV="1">
-            <a:off x="2902857" y="1263609"/>
-            <a:ext cx="547239" cy="2005625"/>
+            <a:off x="6580745" y="1263605"/>
+            <a:ext cx="1501285" cy="267472"/>
           </a:xfrm>
           <a:prstGeom prst="bentConnector2">
             <a:avLst/>
@@ -3959,13 +3895,13 @@
         </p:spPr>
         <p:style>
           <a:lnRef idx="2">
-            <a:schemeClr val="accent1"/>
+            <a:schemeClr val="dk1"/>
           </a:lnRef>
           <a:fillRef idx="0">
-            <a:schemeClr val="accent1"/>
+            <a:schemeClr val="dk1"/>
           </a:fillRef>
           <a:effectRef idx="1">
-            <a:schemeClr val="accent1"/>
+            <a:schemeClr val="dk1"/>
           </a:effectRef>
           <a:fontRef idx="minor">
             <a:schemeClr val="tx1"/>
@@ -3976,20 +3912,26 @@
         <p:nvCxnSpPr>
           <p:cNvPr id="41" name="Gebogen verbindingslijn 40"/>
           <p:cNvCxnSpPr>
+            <a:stCxn id="15" idx="2"/>
             <a:endCxn id="14" idx="0"/>
           </p:cNvCxnSpPr>
           <p:nvPr/>
         </p:nvCxnSpPr>
         <p:spPr>
           <a:xfrm rot="5400000">
-            <a:off x="3281115" y="2453838"/>
-            <a:ext cx="837584" cy="793210"/>
+            <a:off x="5466799" y="3084787"/>
+            <a:ext cx="362544" cy="6349"/>
           </a:xfrm>
           <a:prstGeom prst="bentConnector3">
             <a:avLst>
               <a:gd name="adj1" fmla="val 50000"/>
             </a:avLst>
           </a:prstGeom>
+          <a:ln>
+            <a:solidFill>
+              <a:srgbClr val="FF0000"/>
+            </a:solidFill>
+          </a:ln>
         </p:spPr>
         <p:style>
           <a:lnRef idx="2">
@@ -4017,8 +3959,8 @@
         </p:nvCxnSpPr>
         <p:spPr>
           <a:xfrm flipV="1">
-            <a:off x="5334495" y="1969274"/>
-            <a:ext cx="1543764" cy="194902"/>
+            <a:off x="6593445" y="2639213"/>
+            <a:ext cx="546384" cy="2"/>
           </a:xfrm>
           <a:prstGeom prst="bentConnector3">
             <a:avLst>
@@ -4045,20 +3987,26 @@
         <p:nvCxnSpPr>
           <p:cNvPr id="48" name="Gebogen verbindingslijn 47"/>
           <p:cNvCxnSpPr>
-            <a:endCxn id="13" idx="0"/>
+            <a:stCxn id="15" idx="1"/>
+            <a:endCxn id="13" idx="1"/>
           </p:cNvCxnSpPr>
           <p:nvPr/>
         </p:nvCxnSpPr>
         <p:spPr>
-          <a:xfrm rot="16200000" flipH="1">
-            <a:off x="4082117" y="3351297"/>
-            <a:ext cx="2568923" cy="729621"/>
+          <a:xfrm rot="10800000" flipH="1" flipV="1">
+            <a:off x="4709045" y="2639215"/>
+            <a:ext cx="2" cy="3418954"/>
           </a:xfrm>
           <a:prstGeom prst="bentConnector3">
             <a:avLst>
-              <a:gd name="adj1" fmla="val 50000"/>
+              <a:gd name="adj1" fmla="val -11430000000"/>
             </a:avLst>
           </a:prstGeom>
+          <a:ln>
+            <a:solidFill>
+              <a:srgbClr val="FF0000"/>
+            </a:solidFill>
+          </a:ln>
         </p:spPr>
         <p:style>
           <a:lnRef idx="2">
@@ -4079,82 +4027,26 @@
         <p:nvCxnSpPr>
           <p:cNvPr id="55" name="Gebogen verbindingslijn 54"/>
           <p:cNvCxnSpPr>
-            <a:stCxn id="15" idx="2"/>
-            <a:endCxn id="12" idx="3"/>
+            <a:stCxn id="15" idx="1"/>
+            <a:endCxn id="12" idx="1"/>
           </p:cNvCxnSpPr>
           <p:nvPr/>
         </p:nvCxnSpPr>
         <p:spPr>
-          <a:xfrm rot="5400000">
-            <a:off x="2900702" y="3776451"/>
-            <a:ext cx="2836395" cy="146793"/>
-          </a:xfrm>
-          <a:prstGeom prst="bentConnector2">
-            <a:avLst/>
+          <a:xfrm rot="10800000" flipH="1" flipV="1">
+            <a:off x="4709044" y="2639215"/>
+            <a:ext cx="1" cy="2628828"/>
+          </a:xfrm>
+          <a:prstGeom prst="bentConnector3">
+            <a:avLst>
+              <a:gd name="adj1" fmla="val -22860000000"/>
+            </a:avLst>
           </a:prstGeom>
-        </p:spPr>
-        <p:style>
-          <a:lnRef idx="2">
-            <a:schemeClr val="accent1"/>
-          </a:lnRef>
-          <a:fillRef idx="0">
-            <a:schemeClr val="accent1"/>
-          </a:fillRef>
-          <a:effectRef idx="1">
-            <a:schemeClr val="accent1"/>
-          </a:effectRef>
-          <a:fontRef idx="minor">
-            <a:schemeClr val="tx1"/>
-          </a:fontRef>
-        </p:style>
-      </p:cxnSp>
-      <p:cxnSp>
-        <p:nvCxnSpPr>
-          <p:cNvPr id="58" name="Rechte verbindingslijn 57"/>
-          <p:cNvCxnSpPr/>
-          <p:nvPr/>
-        </p:nvCxnSpPr>
-        <p:spPr>
-          <a:xfrm>
-            <a:off x="4245502" y="5450241"/>
-            <a:ext cx="543687" cy="0"/>
-          </a:xfrm>
-          <a:prstGeom prst="line">
-            <a:avLst/>
-          </a:prstGeom>
-        </p:spPr>
-        <p:style>
-          <a:lnRef idx="2">
-            <a:schemeClr val="accent1"/>
-          </a:lnRef>
-          <a:fillRef idx="0">
-            <a:schemeClr val="accent1"/>
-          </a:fillRef>
-          <a:effectRef idx="1">
-            <a:schemeClr val="accent1"/>
-          </a:effectRef>
-          <a:fontRef idx="minor">
-            <a:schemeClr val="tx1"/>
-          </a:fontRef>
-        </p:style>
-      </p:cxnSp>
-      <p:cxnSp>
-        <p:nvCxnSpPr>
-          <p:cNvPr id="62" name="Gebogen verbindingslijn 61"/>
-          <p:cNvCxnSpPr>
-            <a:stCxn id="14" idx="1"/>
-            <a:endCxn id="9" idx="3"/>
-          </p:cNvCxnSpPr>
-          <p:nvPr/>
-        </p:nvCxnSpPr>
-        <p:spPr>
-          <a:xfrm rot="10800000" flipV="1">
-            <a:off x="1974054" y="3536710"/>
-            <a:ext cx="387049" cy="446156"/>
-          </a:xfrm>
-          <a:prstGeom prst="bentConnector3">
-            <a:avLst/>
-          </a:prstGeom>
+          <a:ln>
+            <a:solidFill>
+              <a:srgbClr val="FF0000"/>
+            </a:solidFill>
+          </a:ln>
         </p:spPr>
         <p:style>
           <a:lnRef idx="2">
@@ -4175,14 +4067,15 @@
         <p:nvCxnSpPr>
           <p:cNvPr id="68" name="Gebogen verbindingslijn 67"/>
           <p:cNvCxnSpPr>
-            <a:stCxn id="16" idx="3"/>
+            <a:stCxn id="16" idx="2"/>
+            <a:endCxn id="14" idx="1"/>
           </p:cNvCxnSpPr>
           <p:nvPr/>
         </p:nvCxnSpPr>
         <p:spPr>
-          <a:xfrm>
-            <a:off x="2564191" y="2236748"/>
-            <a:ext cx="193523" cy="1032487"/>
+          <a:xfrm rot="16200000" flipH="1">
+            <a:off x="3939831" y="2773843"/>
+            <a:ext cx="170226" cy="1355504"/>
           </a:xfrm>
           <a:prstGeom prst="bentConnector2">
             <a:avLst/>
@@ -4214,12 +4107,17 @@
         </p:nvCxnSpPr>
         <p:spPr>
           <a:xfrm>
-            <a:off x="3303302" y="3804184"/>
+            <a:off x="5644896" y="3804182"/>
             <a:ext cx="0" cy="367305"/>
           </a:xfrm>
           <a:prstGeom prst="line">
             <a:avLst/>
           </a:prstGeom>
+          <a:ln>
+            <a:solidFill>
+              <a:srgbClr val="FF0000"/>
+            </a:solidFill>
+          </a:ln>
         </p:spPr>
         <p:style>
           <a:lnRef idx="2">
@@ -4240,15 +4138,15 @@
         <p:nvCxnSpPr>
           <p:cNvPr id="81" name="Gebogen verbindingslijn 80"/>
           <p:cNvCxnSpPr>
-            <a:stCxn id="18" idx="1"/>
-            <a:endCxn id="21" idx="3"/>
+            <a:stCxn id="18" idx="2"/>
+            <a:endCxn id="21" idx="0"/>
           </p:cNvCxnSpPr>
           <p:nvPr/>
         </p:nvCxnSpPr>
         <p:spPr>
-          <a:xfrm rot="10800000">
-            <a:off x="-693609" y="1263608"/>
-            <a:ext cx="431201" cy="2"/>
+          <a:xfrm rot="16200000" flipH="1">
+            <a:off x="769546" y="4600957"/>
+            <a:ext cx="648908" cy="2"/>
           </a:xfrm>
           <a:prstGeom prst="bentConnector3">
             <a:avLst>
@@ -4278,20 +4176,26 @@
         <p:nvCxnSpPr>
           <p:cNvPr id="85" name="Gebogen verbindingslijn 84"/>
           <p:cNvCxnSpPr>
-            <a:endCxn id="10" idx="0"/>
+            <a:stCxn id="18" idx="3"/>
+            <a:endCxn id="10" idx="1"/>
           </p:cNvCxnSpPr>
           <p:nvPr/>
         </p:nvCxnSpPr>
         <p:spPr>
-          <a:xfrm rot="5400000">
-            <a:off x="-1449721" y="1784606"/>
-            <a:ext cx="2005625" cy="1498580"/>
+          <a:xfrm flipV="1">
+            <a:off x="2036199" y="4008650"/>
+            <a:ext cx="368795" cy="380"/>
           </a:xfrm>
           <a:prstGeom prst="bentConnector3">
             <a:avLst>
-              <a:gd name="adj1" fmla="val 23465"/>
+              <a:gd name="adj1" fmla="val 50000"/>
             </a:avLst>
           </a:prstGeom>
+          <a:ln>
+            <a:solidFill>
+              <a:srgbClr val="00B050"/>
+            </a:solidFill>
+          </a:ln>
         </p:spPr>
         <p:style>
           <a:lnRef idx="2">
@@ -4311,17 +4215,27 @@
       <p:cxnSp>
         <p:nvCxnSpPr>
           <p:cNvPr id="87" name="Gebogen verbindingslijn 86"/>
-          <p:cNvCxnSpPr/>
+          <p:cNvCxnSpPr>
+            <a:stCxn id="18" idx="3"/>
+            <a:endCxn id="9" idx="1"/>
+          </p:cNvCxnSpPr>
           <p:nvPr/>
         </p:nvCxnSpPr>
         <p:spPr>
-          <a:xfrm rot="16200000" flipH="1">
-            <a:off x="-626488" y="2617189"/>
-            <a:ext cx="2184308" cy="12095"/>
+          <a:xfrm>
+            <a:off x="2036199" y="4009030"/>
+            <a:ext cx="368794" cy="889725"/>
           </a:xfrm>
           <a:prstGeom prst="bentConnector3">
-            <a:avLst/>
+            <a:avLst>
+              <a:gd name="adj1" fmla="val 50000"/>
+            </a:avLst>
           </a:prstGeom>
+          <a:ln>
+            <a:solidFill>
+              <a:srgbClr val="00B050"/>
+            </a:solidFill>
+          </a:ln>
         </p:spPr>
         <p:style>
           <a:lnRef idx="2">
@@ -4341,19 +4255,27 @@
       <p:cxnSp>
         <p:nvCxnSpPr>
           <p:cNvPr id="89" name="Gebogen verbindingslijn 88"/>
-          <p:cNvCxnSpPr/>
+          <p:cNvCxnSpPr>
+            <a:stCxn id="18" idx="3"/>
+            <a:endCxn id="16" idx="1"/>
+          </p:cNvCxnSpPr>
           <p:nvPr/>
         </p:nvCxnSpPr>
         <p:spPr>
-          <a:xfrm rot="5400000">
-            <a:off x="815935" y="1753355"/>
-            <a:ext cx="431838" cy="12700"/>
+          <a:xfrm flipV="1">
+            <a:off x="2036199" y="3099008"/>
+            <a:ext cx="368793" cy="910022"/>
           </a:xfrm>
           <a:prstGeom prst="bentConnector3">
             <a:avLst>
               <a:gd name="adj1" fmla="val 50000"/>
             </a:avLst>
           </a:prstGeom>
+          <a:ln>
+            <a:solidFill>
+              <a:srgbClr val="00B050"/>
+            </a:solidFill>
+          </a:ln>
         </p:spPr>
         <p:style>
           <a:lnRef idx="2">
@@ -4381,48 +4303,19 @@
         </p:nvCxnSpPr>
         <p:spPr>
           <a:xfrm rot="5400000" flipH="1" flipV="1">
-            <a:off x="7735102" y="1616442"/>
-            <a:ext cx="170715" cy="12700"/>
+            <a:off x="7929173" y="2218882"/>
+            <a:ext cx="305712" cy="1"/>
           </a:xfrm>
           <a:prstGeom prst="bentConnector3">
             <a:avLst>
               <a:gd name="adj1" fmla="val 50000"/>
             </a:avLst>
           </a:prstGeom>
-        </p:spPr>
-        <p:style>
-          <a:lnRef idx="2">
-            <a:schemeClr val="accent1"/>
-          </a:lnRef>
-          <a:fillRef idx="0">
-            <a:schemeClr val="accent1"/>
-          </a:fillRef>
-          <a:effectRef idx="1">
-            <a:schemeClr val="accent1"/>
-          </a:effectRef>
-          <a:fontRef idx="minor">
-            <a:schemeClr val="tx1"/>
-          </a:fontRef>
-        </p:style>
-      </p:cxnSp>
-      <p:cxnSp>
-        <p:nvCxnSpPr>
-          <p:cNvPr id="95" name="Gebogen verbindingslijn 94"/>
-          <p:cNvCxnSpPr>
-            <a:endCxn id="9" idx="0"/>
-          </p:cNvCxnSpPr>
-          <p:nvPr/>
-        </p:nvCxnSpPr>
-        <p:spPr>
-          <a:xfrm rot="16200000" flipH="1">
-            <a:off x="386809" y="3070347"/>
-            <a:ext cx="1283738" cy="6349"/>
-          </a:xfrm>
-          <a:prstGeom prst="bentConnector3">
-            <a:avLst>
-              <a:gd name="adj1" fmla="val 50000"/>
-            </a:avLst>
-          </a:prstGeom>
+          <a:ln>
+            <a:solidFill>
+              <a:srgbClr val="7030A0"/>
+            </a:solidFill>
+          </a:ln>
         </p:spPr>
         <p:style>
           <a:lnRef idx="2">
@@ -4443,53 +4336,26 @@
         <p:nvCxnSpPr>
           <p:cNvPr id="102" name="Gebogen verbindingslijn 101"/>
           <p:cNvCxnSpPr>
-            <a:stCxn id="16" idx="1"/>
+            <a:stCxn id="16" idx="2"/>
+            <a:endCxn id="10" idx="0"/>
           </p:cNvCxnSpPr>
           <p:nvPr/>
         </p:nvCxnSpPr>
         <p:spPr>
-          <a:xfrm rot="10800000" flipV="1">
-            <a:off x="-822479" y="2236747"/>
-            <a:ext cx="1502270" cy="1299961"/>
+          <a:xfrm rot="16200000" flipH="1">
+            <a:off x="3159847" y="3553827"/>
+            <a:ext cx="374693" cy="2"/>
           </a:xfrm>
           <a:prstGeom prst="bentConnector3">
             <a:avLst>
-              <a:gd name="adj1" fmla="val 99918"/>
+              <a:gd name="adj1" fmla="val 50000"/>
             </a:avLst>
           </a:prstGeom>
-        </p:spPr>
-        <p:style>
-          <a:lnRef idx="2">
-            <a:schemeClr val="accent1"/>
-          </a:lnRef>
-          <a:fillRef idx="0">
-            <a:schemeClr val="accent1"/>
-          </a:fillRef>
-          <a:effectRef idx="1">
-            <a:schemeClr val="accent1"/>
-          </a:effectRef>
-          <a:fontRef idx="minor">
-            <a:schemeClr val="tx1"/>
-          </a:fontRef>
-        </p:style>
-      </p:cxnSp>
-      <p:cxnSp>
-        <p:nvCxnSpPr>
-          <p:cNvPr id="109" name="Rechte verbindingslijn 108"/>
-          <p:cNvCxnSpPr>
-            <a:stCxn id="20" idx="2"/>
-            <a:endCxn id="19" idx="0"/>
-          </p:cNvCxnSpPr>
-          <p:nvPr/>
-        </p:nvCxnSpPr>
-        <p:spPr>
-          <a:xfrm flipH="1">
-            <a:off x="7814109" y="2236748"/>
-            <a:ext cx="6350" cy="351027"/>
-          </a:xfrm>
-          <a:prstGeom prst="line">
-            <a:avLst/>
-          </a:prstGeom>
+          <a:ln>
+            <a:solidFill>
+              <a:srgbClr val="00B050"/>
+            </a:solidFill>
+          </a:ln>
         </p:spPr>
         <p:style>
           <a:lnRef idx="2">
@@ -4510,14 +4376,15 @@
         <p:nvCxnSpPr>
           <p:cNvPr id="111" name="Gebogen verbindingslijn 110"/>
           <p:cNvCxnSpPr>
+            <a:stCxn id="11" idx="3"/>
             <a:endCxn id="19" idx="2"/>
           </p:cNvCxnSpPr>
           <p:nvPr/>
         </p:nvCxnSpPr>
         <p:spPr>
           <a:xfrm flipV="1">
-            <a:off x="4232802" y="3122724"/>
-            <a:ext cx="3581307" cy="1127616"/>
+            <a:off x="6587096" y="3791656"/>
+            <a:ext cx="1494932" cy="647306"/>
           </a:xfrm>
           <a:prstGeom prst="bentConnector2">
             <a:avLst/>
@@ -4549,79 +4416,12 @@
         </p:nvCxnSpPr>
         <p:spPr>
           <a:xfrm rot="10800000" flipV="1">
-            <a:off x="4245503" y="2855250"/>
-            <a:ext cx="2626407" cy="681460"/>
+            <a:off x="6587096" y="3524182"/>
+            <a:ext cx="552732" cy="12526"/>
           </a:xfrm>
           <a:prstGeom prst="bentConnector3">
             <a:avLst>
-              <a:gd name="adj1" fmla="val 13444"/>
-            </a:avLst>
-          </a:prstGeom>
-        </p:spPr>
-        <p:style>
-          <a:lnRef idx="2">
-            <a:schemeClr val="accent1"/>
-          </a:lnRef>
-          <a:fillRef idx="0">
-            <a:schemeClr val="accent1"/>
-          </a:fillRef>
-          <a:effectRef idx="1">
-            <a:schemeClr val="accent1"/>
-          </a:effectRef>
-          <a:fontRef idx="minor">
-            <a:schemeClr val="tx1"/>
-          </a:fontRef>
-        </p:style>
-      </p:cxnSp>
-      <p:cxnSp>
-        <p:nvCxnSpPr>
-          <p:cNvPr id="116" name="Gebogen verbindingslijn 115"/>
-          <p:cNvCxnSpPr/>
-          <p:nvPr/>
-        </p:nvCxnSpPr>
-        <p:spPr>
-          <a:xfrm flipV="1">
-            <a:off x="4245502" y="2164176"/>
-            <a:ext cx="2632757" cy="1246682"/>
-          </a:xfrm>
-          <a:prstGeom prst="bentConnector3">
-            <a:avLst>
-              <a:gd name="adj1" fmla="val 78827"/>
-            </a:avLst>
-          </a:prstGeom>
-        </p:spPr>
-        <p:style>
-          <a:lnRef idx="2">
-            <a:schemeClr val="accent1"/>
-          </a:lnRef>
-          <a:fillRef idx="0">
-            <a:schemeClr val="accent1"/>
-          </a:fillRef>
-          <a:effectRef idx="1">
-            <a:schemeClr val="accent1"/>
-          </a:effectRef>
-          <a:fontRef idx="minor">
-            <a:schemeClr val="tx1"/>
-          </a:fontRef>
-        </p:style>
-      </p:cxnSp>
-      <p:cxnSp>
-        <p:nvCxnSpPr>
-          <p:cNvPr id="118" name="Gebogen verbindingslijn 117"/>
-          <p:cNvCxnSpPr>
-            <a:stCxn id="20" idx="3"/>
-            <a:endCxn id="11" idx="3"/>
-          </p:cNvCxnSpPr>
-          <p:nvPr/>
-        </p:nvCxnSpPr>
-        <p:spPr>
-          <a:xfrm flipH="1">
-            <a:off x="4245502" y="1969274"/>
-            <a:ext cx="4517157" cy="2469690"/>
-          </a:xfrm>
-          <a:prstGeom prst="bentConnector3">
-            <a:avLst>
-              <a:gd name="adj1" fmla="val -5061"/>
+              <a:gd name="adj1" fmla="val 50000"/>
             </a:avLst>
           </a:prstGeom>
         </p:spPr>
@@ -4650,13 +4450,20 @@
           <p:nvPr/>
         </p:nvCxnSpPr>
         <p:spPr>
-          <a:xfrm rot="5400000">
-            <a:off x="3156236" y="4853504"/>
-            <a:ext cx="294132" cy="12700"/>
+          <a:xfrm rot="16200000" flipH="1">
+            <a:off x="5501005" y="4850327"/>
+            <a:ext cx="294132" cy="6350"/>
           </a:xfrm>
           <a:prstGeom prst="bentConnector3">
-            <a:avLst/>
+            <a:avLst>
+              <a:gd name="adj1" fmla="val 50000"/>
+            </a:avLst>
           </a:prstGeom>
+          <a:ln>
+            <a:solidFill>
+              <a:srgbClr val="FF0000"/>
+            </a:solidFill>
+          </a:ln>
         </p:spPr>
         <p:style>
           <a:lnRef idx="2">
@@ -4677,1746 +4484,15 @@
         <p:nvCxnSpPr>
           <p:cNvPr id="144" name="Gebogen verbindingslijn 143"/>
           <p:cNvCxnSpPr>
-            <a:stCxn id="22" idx="2"/>
-            <a:endCxn id="21" idx="0"/>
+            <a:stCxn id="22" idx="0"/>
+            <a:endCxn id="21" idx="2"/>
           </p:cNvCxnSpPr>
           <p:nvPr/>
         </p:nvCxnSpPr>
         <p:spPr>
-          <a:xfrm rot="5400000">
-            <a:off x="-1866401" y="765541"/>
-            <a:ext cx="461184" cy="1"/>
-          </a:xfrm>
-          <a:prstGeom prst="bentConnector3">
-            <a:avLst>
-              <a:gd name="adj1" fmla="val 50000"/>
-            </a:avLst>
-          </a:prstGeom>
-          <a:ln>
-            <a:tailEnd type="arrow"/>
-          </a:ln>
-        </p:spPr>
-        <p:style>
-          <a:lnRef idx="2">
-            <a:schemeClr val="accent1"/>
-          </a:lnRef>
-          <a:fillRef idx="0">
-            <a:schemeClr val="accent1"/>
-          </a:fillRef>
-          <a:effectRef idx="1">
-            <a:schemeClr val="accent1"/>
-          </a:effectRef>
-          <a:fontRef idx="minor">
-            <a:schemeClr val="tx1"/>
-          </a:fontRef>
-        </p:style>
-      </p:cxnSp>
-      <p:cxnSp>
-        <p:nvCxnSpPr>
-          <p:cNvPr id="28" name="Gebogen verbindingslijn 27"/>
-          <p:cNvCxnSpPr>
-            <a:endCxn id="9" idx="2"/>
-          </p:cNvCxnSpPr>
-          <p:nvPr/>
-        </p:nvCxnSpPr>
-        <p:spPr>
-          <a:xfrm rot="10800000" flipV="1">
-            <a:off x="1031853" y="3122724"/>
-            <a:ext cx="6999386" cy="1127616"/>
-          </a:xfrm>
-          <a:prstGeom prst="bentConnector4">
-            <a:avLst>
-              <a:gd name="adj1" fmla="val 942"/>
-              <a:gd name="adj2" fmla="val 272725"/>
-            </a:avLst>
-          </a:prstGeom>
-        </p:spPr>
-        <p:style>
-          <a:lnRef idx="2">
-            <a:schemeClr val="accent1"/>
-          </a:lnRef>
-          <a:fillRef idx="0">
-            <a:schemeClr val="accent1"/>
-          </a:fillRef>
-          <a:effectRef idx="1">
-            <a:schemeClr val="accent1"/>
-          </a:effectRef>
-          <a:fontRef idx="minor">
-            <a:schemeClr val="tx1"/>
-          </a:fontRef>
-        </p:style>
-      </p:cxnSp>
-      <p:cxnSp>
-        <p:nvCxnSpPr>
-          <p:cNvPr id="35" name="Gebogen verbindingslijn 34"/>
-          <p:cNvCxnSpPr/>
-          <p:nvPr/>
-        </p:nvCxnSpPr>
-        <p:spPr>
-          <a:xfrm rot="10800000" flipV="1">
-            <a:off x="-556380" y="3410856"/>
-            <a:ext cx="2917483" cy="125851"/>
-          </a:xfrm>
-          <a:prstGeom prst="bentConnector3">
-            <a:avLst>
-              <a:gd name="adj1" fmla="val 100164"/>
-            </a:avLst>
-          </a:prstGeom>
-        </p:spPr>
-        <p:style>
-          <a:lnRef idx="2">
-            <a:schemeClr val="accent1"/>
-          </a:lnRef>
-          <a:fillRef idx="0">
-            <a:schemeClr val="accent1"/>
-          </a:fillRef>
-          <a:effectRef idx="1">
-            <a:schemeClr val="accent1"/>
-          </a:effectRef>
-          <a:fontRef idx="minor">
-            <a:schemeClr val="tx1"/>
-          </a:fontRef>
-        </p:style>
-      </p:cxnSp>
-      <p:cxnSp>
-        <p:nvCxnSpPr>
-          <p:cNvPr id="83" name="Elbow Connector 82"/>
-          <p:cNvCxnSpPr>
-            <a:stCxn id="18" idx="3"/>
-          </p:cNvCxnSpPr>
-          <p:nvPr/>
-        </p:nvCxnSpPr>
-        <p:spPr>
-          <a:xfrm flipV="1">
-            <a:off x="1621991" y="1133856"/>
-            <a:ext cx="1828104" cy="129754"/>
-          </a:xfrm>
-          <a:prstGeom prst="bentConnector3">
-            <a:avLst>
-              <a:gd name="adj1" fmla="val 50000"/>
-            </a:avLst>
-          </a:prstGeom>
-        </p:spPr>
-        <p:style>
-          <a:lnRef idx="2">
-            <a:schemeClr val="accent1"/>
-          </a:lnRef>
-          <a:fillRef idx="0">
-            <a:schemeClr val="accent1"/>
-          </a:fillRef>
-          <a:effectRef idx="1">
-            <a:schemeClr val="accent1"/>
-          </a:effectRef>
-          <a:fontRef idx="minor">
-            <a:schemeClr val="tx1"/>
-          </a:fontRef>
-        </p:style>
-      </p:cxnSp>
-    </p:spTree>
-    <p:extLst>
-      <p:ext uri="{BB962C8B-B14F-4D97-AF65-F5344CB8AC3E}">
-        <p14:creationId xmlns="" xmlns:p14="http://schemas.microsoft.com/office/powerpoint/2010/main" val="907461295"/>
-      </p:ext>
-    </p:extLst>
-  </p:cSld>
-  <p:clrMapOvr>
-    <a:masterClrMapping/>
-  </p:clrMapOvr>
-  <p:timing>
-    <p:tnLst>
-      <p:par>
-        <p:cTn id="1" dur="indefinite" restart="never" nodeType="tmRoot"/>
-      </p:par>
-    </p:tnLst>
-  </p:timing>
-</p:sld>
-</file>
-
-<file path=ppt/slides/slide2.xml><?xml version="1.0" encoding="utf-8"?>
-<p:sld xmlns:a="http://schemas.openxmlformats.org/drawingml/2006/main" xmlns:r="http://schemas.openxmlformats.org/officeDocument/2006/relationships" xmlns:p="http://schemas.openxmlformats.org/presentationml/2006/main">
-  <p:cSld>
-    <p:spTree>
-      <p:nvGrpSpPr>
-        <p:cNvPr id="1" name=""/>
-        <p:cNvGrpSpPr/>
-        <p:nvPr/>
-      </p:nvGrpSpPr>
-      <p:grpSpPr>
-        <a:xfrm>
-          <a:off x="0" y="0"/>
-          <a:ext cx="0" cy="0"/>
-          <a:chOff x="0" y="0"/>
-          <a:chExt cx="0" cy="0"/>
-        </a:xfrm>
-      </p:grpSpPr>
-      <p:sp>
-        <p:nvSpPr>
-          <p:cNvPr id="8" name="Afgeronde rechthoek 7"/>
-          <p:cNvSpPr/>
-          <p:nvPr/>
-        </p:nvSpPr>
-        <p:spPr>
-          <a:xfrm>
-            <a:off x="3450095" y="996135"/>
-            <a:ext cx="1884400" cy="534949"/>
-          </a:xfrm>
-          <a:prstGeom prst="roundRect">
-            <a:avLst/>
-          </a:prstGeom>
-          <a:ln/>
-        </p:spPr>
-        <p:style>
-          <a:lnRef idx="1">
-            <a:schemeClr val="accent1"/>
-          </a:lnRef>
-          <a:fillRef idx="3">
-            <a:schemeClr val="accent1"/>
-          </a:fillRef>
-          <a:effectRef idx="2">
-            <a:schemeClr val="accent1"/>
-          </a:effectRef>
-          <a:fontRef idx="minor">
-            <a:schemeClr val="lt1"/>
-          </a:fontRef>
-        </p:style>
-        <p:txBody>
-          <a:bodyPr/>
-          <a:lstStyle/>
-          <a:p>
-            <a:pPr algn="ctr"/>
-            <a:r>
-              <a:rPr lang="nl-NL" dirty="0" err="1" smtClean="0"/>
-              <a:t>MainWindow</a:t>
-            </a:r>
-            <a:endParaRPr lang="nl-NL" dirty="0"/>
-          </a:p>
-        </p:txBody>
-      </p:sp>
-      <p:sp>
-        <p:nvSpPr>
-          <p:cNvPr id="9" name="Afgeronde rechthoek 8"/>
-          <p:cNvSpPr/>
-          <p:nvPr/>
-        </p:nvSpPr>
-        <p:spPr>
-          <a:xfrm>
-            <a:off x="679791" y="4177837"/>
-            <a:ext cx="1884400" cy="534949"/>
-          </a:xfrm>
-          <a:prstGeom prst="roundRect">
-            <a:avLst/>
-          </a:prstGeom>
-          <a:ln/>
-        </p:spPr>
-        <p:style>
-          <a:lnRef idx="1">
-            <a:schemeClr val="accent1"/>
-          </a:lnRef>
-          <a:fillRef idx="3">
-            <a:schemeClr val="accent1"/>
-          </a:fillRef>
-          <a:effectRef idx="2">
-            <a:schemeClr val="accent1"/>
-          </a:effectRef>
-          <a:fontRef idx="minor">
-            <a:schemeClr val="lt1"/>
-          </a:fontRef>
-        </p:style>
-        <p:txBody>
-          <a:bodyPr/>
-          <a:lstStyle/>
-          <a:p>
-            <a:pPr algn="ctr"/>
-            <a:r>
-              <a:rPr lang="nl-NL" dirty="0" err="1" smtClean="0"/>
-              <a:t>DataType</a:t>
-            </a:r>
-            <a:endParaRPr lang="nl-NL" dirty="0"/>
-          </a:p>
-        </p:txBody>
-      </p:sp>
-      <p:sp>
-        <p:nvSpPr>
-          <p:cNvPr id="10" name="Afgeronde rechthoek 9"/>
-          <p:cNvSpPr/>
-          <p:nvPr/>
-        </p:nvSpPr>
-        <p:spPr>
-          <a:xfrm>
-            <a:off x="-1884401" y="3269232"/>
-            <a:ext cx="1884400" cy="534949"/>
-          </a:xfrm>
-          <a:prstGeom prst="roundRect">
-            <a:avLst/>
-          </a:prstGeom>
-          <a:ln/>
-        </p:spPr>
-        <p:style>
-          <a:lnRef idx="1">
-            <a:schemeClr val="accent1"/>
-          </a:lnRef>
-          <a:fillRef idx="3">
-            <a:schemeClr val="accent1"/>
-          </a:fillRef>
-          <a:effectRef idx="2">
-            <a:schemeClr val="accent1"/>
-          </a:effectRef>
-          <a:fontRef idx="minor">
-            <a:schemeClr val="lt1"/>
-          </a:fontRef>
-        </p:style>
-        <p:txBody>
-          <a:bodyPr/>
-          <a:lstStyle/>
-          <a:p>
-            <a:pPr algn="ctr"/>
-            <a:r>
-              <a:rPr lang="nl-NL" dirty="0" smtClean="0"/>
-              <a:t>Argument</a:t>
-            </a:r>
-            <a:endParaRPr lang="nl-NL" dirty="0"/>
-          </a:p>
-        </p:txBody>
-      </p:sp>
-      <p:sp>
-        <p:nvSpPr>
-          <p:cNvPr id="11" name="Afgeronde rechthoek 10"/>
-          <p:cNvSpPr/>
-          <p:nvPr/>
-        </p:nvSpPr>
-        <p:spPr>
-          <a:xfrm>
-            <a:off x="3450096" y="4171487"/>
-            <a:ext cx="1884400" cy="534949"/>
-          </a:xfrm>
-          <a:prstGeom prst="roundRect">
-            <a:avLst/>
-          </a:prstGeom>
-          <a:ln>
-            <a:solidFill>
-              <a:srgbClr val="FF0000"/>
-            </a:solidFill>
-          </a:ln>
-        </p:spPr>
-        <p:style>
-          <a:lnRef idx="1">
-            <a:schemeClr val="accent1"/>
-          </a:lnRef>
-          <a:fillRef idx="3">
-            <a:schemeClr val="accent1"/>
-          </a:fillRef>
-          <a:effectRef idx="2">
-            <a:schemeClr val="accent1"/>
-          </a:effectRef>
-          <a:fontRef idx="minor">
-            <a:schemeClr val="lt1"/>
-          </a:fontRef>
-        </p:style>
-        <p:txBody>
-          <a:bodyPr/>
-          <a:lstStyle/>
-          <a:p>
-            <a:pPr algn="ctr"/>
-            <a:r>
-              <a:rPr lang="nl-NL" dirty="0" err="1" smtClean="0"/>
-              <a:t>PortPair</a:t>
-            </a:r>
-            <a:endParaRPr lang="nl-NL" dirty="0"/>
-          </a:p>
-        </p:txBody>
-      </p:sp>
-      <p:sp>
-        <p:nvSpPr>
-          <p:cNvPr id="12" name="Afgeronde rechthoek 11"/>
-          <p:cNvSpPr/>
-          <p:nvPr/>
-        </p:nvSpPr>
-        <p:spPr>
-          <a:xfrm>
-            <a:off x="3450096" y="5000568"/>
-            <a:ext cx="1884400" cy="534949"/>
-          </a:xfrm>
-          <a:prstGeom prst="roundRect">
-            <a:avLst/>
-          </a:prstGeom>
-          <a:ln>
-            <a:solidFill>
-              <a:srgbClr val="FF0000"/>
-            </a:solidFill>
-          </a:ln>
-        </p:spPr>
-        <p:style>
-          <a:lnRef idx="1">
-            <a:schemeClr val="accent1"/>
-          </a:lnRef>
-          <a:fillRef idx="3">
-            <a:schemeClr val="accent1"/>
-          </a:fillRef>
-          <a:effectRef idx="2">
-            <a:schemeClr val="accent1"/>
-          </a:effectRef>
-          <a:fontRef idx="minor">
-            <a:schemeClr val="lt1"/>
-          </a:fontRef>
-        </p:style>
-        <p:txBody>
-          <a:bodyPr/>
-          <a:lstStyle/>
-          <a:p>
-            <a:pPr algn="ctr"/>
-            <a:r>
-              <a:rPr lang="nl-NL" dirty="0" smtClean="0"/>
-              <a:t>Port</a:t>
-            </a:r>
-          </a:p>
-        </p:txBody>
-      </p:sp>
-      <p:sp>
-        <p:nvSpPr>
-          <p:cNvPr id="13" name="Afgeronde rechthoek 12"/>
-          <p:cNvSpPr/>
-          <p:nvPr/>
-        </p:nvSpPr>
-        <p:spPr>
-          <a:xfrm>
-            <a:off x="5538655" y="3709112"/>
-            <a:ext cx="1884400" cy="534949"/>
-          </a:xfrm>
-          <a:prstGeom prst="roundRect">
-            <a:avLst/>
-          </a:prstGeom>
-          <a:ln>
-            <a:solidFill>
-              <a:srgbClr val="FF0000"/>
-            </a:solidFill>
-          </a:ln>
-        </p:spPr>
-        <p:style>
-          <a:lnRef idx="1">
-            <a:schemeClr val="accent1"/>
-          </a:lnRef>
-          <a:fillRef idx="3">
-            <a:schemeClr val="accent1"/>
-          </a:fillRef>
-          <a:effectRef idx="2">
-            <a:schemeClr val="accent1"/>
-          </a:effectRef>
-          <a:fontRef idx="minor">
-            <a:schemeClr val="lt1"/>
-          </a:fontRef>
-        </p:style>
-        <p:txBody>
-          <a:bodyPr/>
-          <a:lstStyle/>
-          <a:p>
-            <a:pPr algn="ctr"/>
-            <a:r>
-              <a:rPr lang="nl-NL" dirty="0" smtClean="0"/>
-              <a:t>Link</a:t>
-            </a:r>
-            <a:endParaRPr lang="nl-NL" dirty="0"/>
-          </a:p>
-        </p:txBody>
-      </p:sp>
-      <p:sp>
-        <p:nvSpPr>
-          <p:cNvPr id="14" name="Afgeronde rechthoek 13"/>
-          <p:cNvSpPr/>
-          <p:nvPr/>
-        </p:nvSpPr>
-        <p:spPr>
-          <a:xfrm>
-            <a:off x="3450096" y="3269233"/>
-            <a:ext cx="1884400" cy="534949"/>
-          </a:xfrm>
-          <a:prstGeom prst="roundRect">
-            <a:avLst/>
-          </a:prstGeom>
-          <a:ln>
-            <a:solidFill>
-              <a:srgbClr val="FF0000"/>
-            </a:solidFill>
-          </a:ln>
-        </p:spPr>
-        <p:style>
-          <a:lnRef idx="1">
-            <a:schemeClr val="accent1"/>
-          </a:lnRef>
-          <a:fillRef idx="3">
-            <a:schemeClr val="accent1"/>
-          </a:fillRef>
-          <a:effectRef idx="2">
-            <a:schemeClr val="accent1"/>
-          </a:effectRef>
-          <a:fontRef idx="minor">
-            <a:schemeClr val="lt1"/>
-          </a:fontRef>
-        </p:style>
-        <p:txBody>
-          <a:bodyPr/>
-          <a:lstStyle/>
-          <a:p>
-            <a:pPr algn="ctr"/>
-            <a:r>
-              <a:rPr lang="nl-NL" dirty="0" smtClean="0"/>
-              <a:t>Node</a:t>
-            </a:r>
-          </a:p>
-        </p:txBody>
-      </p:sp>
-      <p:sp>
-        <p:nvSpPr>
-          <p:cNvPr id="15" name="Afgeronde rechthoek 14"/>
-          <p:cNvSpPr/>
-          <p:nvPr/>
-        </p:nvSpPr>
-        <p:spPr>
-          <a:xfrm>
-            <a:off x="3443746" y="2320300"/>
-            <a:ext cx="1884400" cy="534949"/>
-          </a:xfrm>
-          <a:prstGeom prst="roundRect">
-            <a:avLst/>
-          </a:prstGeom>
-          <a:ln>
-            <a:solidFill>
-              <a:srgbClr val="FF0000"/>
-            </a:solidFill>
-          </a:ln>
-        </p:spPr>
-        <p:style>
-          <a:lnRef idx="1">
-            <a:schemeClr val="accent1"/>
-          </a:lnRef>
-          <a:fillRef idx="3">
-            <a:schemeClr val="accent1"/>
-          </a:fillRef>
-          <a:effectRef idx="2">
-            <a:schemeClr val="accent1"/>
-          </a:effectRef>
-          <a:fontRef idx="minor">
-            <a:schemeClr val="lt1"/>
-          </a:fontRef>
-        </p:style>
-        <p:txBody>
-          <a:bodyPr/>
-          <a:lstStyle/>
-          <a:p>
-            <a:pPr algn="ctr"/>
-            <a:r>
-              <a:rPr lang="nl-NL" dirty="0" err="1" smtClean="0"/>
-              <a:t>NodeEditor</a:t>
-            </a:r>
-            <a:endParaRPr lang="nl-NL" dirty="0"/>
-          </a:p>
-        </p:txBody>
-      </p:sp>
-      <p:sp>
-        <p:nvSpPr>
-          <p:cNvPr id="16" name="Afgeronde rechthoek 15"/>
-          <p:cNvSpPr/>
-          <p:nvPr/>
-        </p:nvSpPr>
-        <p:spPr>
-          <a:xfrm>
-            <a:off x="686142" y="2431650"/>
-            <a:ext cx="1884400" cy="534949"/>
-          </a:xfrm>
-          <a:prstGeom prst="roundRect">
-            <a:avLst/>
-          </a:prstGeom>
-          <a:ln/>
-        </p:spPr>
-        <p:style>
-          <a:lnRef idx="1">
-            <a:schemeClr val="accent1"/>
-          </a:lnRef>
-          <a:fillRef idx="3">
-            <a:schemeClr val="accent1"/>
-          </a:fillRef>
-          <a:effectRef idx="2">
-            <a:schemeClr val="accent1"/>
-          </a:effectRef>
-          <a:fontRef idx="minor">
-            <a:schemeClr val="lt1"/>
-          </a:fontRef>
-        </p:style>
-        <p:txBody>
-          <a:bodyPr/>
-          <a:lstStyle/>
-          <a:p>
-            <a:pPr algn="ctr"/>
-            <a:r>
-              <a:rPr lang="nl-NL" dirty="0" err="1" smtClean="0"/>
-              <a:t>NodeSetting</a:t>
-            </a:r>
-            <a:endParaRPr lang="nl-NL" dirty="0"/>
-          </a:p>
-        </p:txBody>
-      </p:sp>
-      <p:sp>
-        <p:nvSpPr>
-          <p:cNvPr id="17" name="Afgeronde rechthoek 16"/>
-          <p:cNvSpPr/>
-          <p:nvPr/>
-        </p:nvSpPr>
-        <p:spPr>
-          <a:xfrm>
-            <a:off x="6878260" y="534949"/>
-            <a:ext cx="1884400" cy="534949"/>
-          </a:xfrm>
-          <a:prstGeom prst="roundRect">
-            <a:avLst/>
-          </a:prstGeom>
-          <a:ln/>
-        </p:spPr>
-        <p:style>
-          <a:lnRef idx="1">
-            <a:schemeClr val="accent1"/>
-          </a:lnRef>
-          <a:fillRef idx="3">
-            <a:schemeClr val="accent1"/>
-          </a:fillRef>
-          <a:effectRef idx="2">
-            <a:schemeClr val="accent1"/>
-          </a:effectRef>
-          <a:fontRef idx="minor">
-            <a:schemeClr val="lt1"/>
-          </a:fontRef>
-        </p:style>
-        <p:txBody>
-          <a:bodyPr/>
-          <a:lstStyle/>
-          <a:p>
-            <a:pPr algn="ctr"/>
-            <a:r>
-              <a:rPr lang="nl-NL" dirty="0" err="1" smtClean="0"/>
-              <a:t>NodeListView</a:t>
-            </a:r>
-            <a:endParaRPr lang="nl-NL" dirty="0"/>
-          </a:p>
-        </p:txBody>
-      </p:sp>
-      <p:sp>
-        <p:nvSpPr>
-          <p:cNvPr id="18" name="Afgeronde rechthoek 17"/>
-          <p:cNvSpPr/>
-          <p:nvPr/>
-        </p:nvSpPr>
-        <p:spPr>
-          <a:xfrm>
-            <a:off x="-487784" y="996131"/>
-            <a:ext cx="1884400" cy="534949"/>
-          </a:xfrm>
-          <a:prstGeom prst="roundRect">
-            <a:avLst/>
-          </a:prstGeom>
-          <a:ln/>
-        </p:spPr>
-        <p:style>
-          <a:lnRef idx="1">
-            <a:schemeClr val="accent1"/>
-          </a:lnRef>
-          <a:fillRef idx="3">
-            <a:schemeClr val="accent1"/>
-          </a:fillRef>
-          <a:effectRef idx="2">
-            <a:schemeClr val="accent1"/>
-          </a:effectRef>
-          <a:fontRef idx="minor">
-            <a:schemeClr val="lt1"/>
-          </a:fontRef>
-        </p:style>
-        <p:txBody>
-          <a:bodyPr/>
-          <a:lstStyle/>
-          <a:p>
-            <a:pPr algn="ctr"/>
-            <a:r>
-              <a:rPr lang="nl-NL" dirty="0" err="1" smtClean="0"/>
-              <a:t>NodeLibrary</a:t>
-            </a:r>
-            <a:endParaRPr lang="nl-NL" dirty="0"/>
-          </a:p>
-        </p:txBody>
-      </p:sp>
-      <p:sp>
-        <p:nvSpPr>
-          <p:cNvPr id="19" name="Afgeronde rechthoek 18"/>
-          <p:cNvSpPr/>
-          <p:nvPr/>
-        </p:nvSpPr>
-        <p:spPr>
-          <a:xfrm>
-            <a:off x="6871909" y="2587775"/>
-            <a:ext cx="1884400" cy="534949"/>
-          </a:xfrm>
-          <a:prstGeom prst="roundRect">
-            <a:avLst/>
-          </a:prstGeom>
-          <a:ln/>
-        </p:spPr>
-        <p:style>
-          <a:lnRef idx="1">
-            <a:schemeClr val="accent1"/>
-          </a:lnRef>
-          <a:fillRef idx="3">
-            <a:schemeClr val="accent1"/>
-          </a:fillRef>
-          <a:effectRef idx="2">
-            <a:schemeClr val="accent1"/>
-          </a:effectRef>
-          <a:fontRef idx="minor">
-            <a:schemeClr val="lt1"/>
-          </a:fontRef>
-        </p:style>
-        <p:txBody>
-          <a:bodyPr/>
-          <a:lstStyle/>
-          <a:p>
-            <a:pPr algn="ctr"/>
-            <a:r>
-              <a:rPr lang="nl-NL" dirty="0" err="1" smtClean="0"/>
-              <a:t>NodeTreeItem</a:t>
-            </a:r>
-            <a:endParaRPr lang="nl-NL" dirty="0"/>
-          </a:p>
-        </p:txBody>
-      </p:sp>
-      <p:sp>
-        <p:nvSpPr>
-          <p:cNvPr id="20" name="Afgeronde rechthoek 19"/>
-          <p:cNvSpPr/>
-          <p:nvPr/>
-        </p:nvSpPr>
-        <p:spPr>
-          <a:xfrm>
-            <a:off x="6871909" y="1701799"/>
-            <a:ext cx="1884400" cy="534949"/>
-          </a:xfrm>
-          <a:prstGeom prst="roundRect">
-            <a:avLst/>
-          </a:prstGeom>
-          <a:ln/>
-        </p:spPr>
-        <p:style>
-          <a:lnRef idx="1">
-            <a:schemeClr val="accent1"/>
-          </a:lnRef>
-          <a:fillRef idx="3">
-            <a:schemeClr val="accent1"/>
-          </a:fillRef>
-          <a:effectRef idx="2">
-            <a:schemeClr val="accent1"/>
-          </a:effectRef>
-          <a:fontRef idx="minor">
-            <a:schemeClr val="lt1"/>
-          </a:fontRef>
-        </p:style>
-        <p:txBody>
-          <a:bodyPr/>
-          <a:lstStyle/>
-          <a:p>
-            <a:pPr algn="ctr"/>
-            <a:r>
-              <a:rPr lang="nl-NL" dirty="0" err="1" smtClean="0"/>
-              <a:t>NodeTreeModel</a:t>
-            </a:r>
-            <a:endParaRPr lang="nl-NL" dirty="0"/>
-          </a:p>
-        </p:txBody>
-      </p:sp>
-      <p:sp>
-        <p:nvSpPr>
-          <p:cNvPr id="21" name="Afgeronde rechthoek 20"/>
-          <p:cNvSpPr/>
-          <p:nvPr/>
-        </p:nvSpPr>
-        <p:spPr>
-          <a:xfrm>
-            <a:off x="-2578010" y="996133"/>
-            <a:ext cx="1884400" cy="534949"/>
-          </a:xfrm>
-          <a:prstGeom prst="roundRect">
-            <a:avLst/>
-          </a:prstGeom>
-          <a:ln/>
-        </p:spPr>
-        <p:style>
-          <a:lnRef idx="1">
-            <a:schemeClr val="accent1"/>
-          </a:lnRef>
-          <a:fillRef idx="3">
-            <a:schemeClr val="accent1"/>
-          </a:fillRef>
-          <a:effectRef idx="2">
-            <a:schemeClr val="accent1"/>
-          </a:effectRef>
-          <a:fontRef idx="minor">
-            <a:schemeClr val="lt1"/>
-          </a:fontRef>
-        </p:style>
-        <p:txBody>
-          <a:bodyPr/>
-          <a:lstStyle/>
-          <a:p>
-            <a:pPr algn="ctr"/>
-            <a:r>
-              <a:rPr lang="nl-NL" dirty="0" smtClean="0"/>
-              <a:t>Singleton</a:t>
-            </a:r>
-            <a:endParaRPr lang="nl-NL" dirty="0"/>
-          </a:p>
-        </p:txBody>
-      </p:sp>
-      <p:sp>
-        <p:nvSpPr>
-          <p:cNvPr id="22" name="Afgeronde rechthoek 21"/>
-          <p:cNvSpPr/>
-          <p:nvPr/>
-        </p:nvSpPr>
-        <p:spPr>
-          <a:xfrm>
-            <a:off x="-2578009" y="0"/>
-            <a:ext cx="1884400" cy="534949"/>
-          </a:xfrm>
-          <a:prstGeom prst="roundRect">
-            <a:avLst/>
-          </a:prstGeom>
-          <a:ln/>
-        </p:spPr>
-        <p:style>
-          <a:lnRef idx="1">
-            <a:schemeClr val="accent1"/>
-          </a:lnRef>
-          <a:fillRef idx="3">
-            <a:schemeClr val="accent1"/>
-          </a:fillRef>
-          <a:effectRef idx="2">
-            <a:schemeClr val="accent1"/>
-          </a:effectRef>
-          <a:fontRef idx="minor">
-            <a:schemeClr val="lt1"/>
-          </a:fontRef>
-        </p:style>
-        <p:txBody>
-          <a:bodyPr/>
-          <a:lstStyle/>
-          <a:p>
-            <a:pPr algn="ctr"/>
-            <a:r>
-              <a:rPr lang="nl-NL" dirty="0" err="1" smtClean="0"/>
-              <a:t>Preferences</a:t>
-            </a:r>
-            <a:endParaRPr lang="nl-NL" dirty="0"/>
-          </a:p>
-        </p:txBody>
-      </p:sp>
-      <p:sp>
-        <p:nvSpPr>
-          <p:cNvPr id="25" name="Afgeronde rechthoek 24"/>
-          <p:cNvSpPr/>
-          <p:nvPr/>
-        </p:nvSpPr>
-        <p:spPr>
-          <a:xfrm>
-            <a:off x="3450095" y="79371"/>
-            <a:ext cx="1884400" cy="534949"/>
-          </a:xfrm>
-          <a:prstGeom prst="roundRect">
-            <a:avLst/>
-          </a:prstGeom>
-          <a:ln/>
-        </p:spPr>
-        <p:style>
-          <a:lnRef idx="1">
-            <a:schemeClr val="accent1"/>
-          </a:lnRef>
-          <a:fillRef idx="3">
-            <a:schemeClr val="accent1"/>
-          </a:fillRef>
-          <a:effectRef idx="2">
-            <a:schemeClr val="accent1"/>
-          </a:effectRef>
-          <a:fontRef idx="minor">
-            <a:schemeClr val="lt1"/>
-          </a:fontRef>
-        </p:style>
-        <p:txBody>
-          <a:bodyPr/>
-          <a:lstStyle/>
-          <a:p>
-            <a:pPr algn="ctr"/>
-            <a:r>
-              <a:rPr lang="nl-NL" dirty="0" err="1" smtClean="0"/>
-              <a:t>main</a:t>
-            </a:r>
-            <a:endParaRPr lang="nl-NL" dirty="0"/>
-          </a:p>
-        </p:txBody>
-      </p:sp>
-      <p:cxnSp>
-        <p:nvCxnSpPr>
-          <p:cNvPr id="27" name="Rechte verbindingslijn 26"/>
-          <p:cNvCxnSpPr>
-            <a:stCxn id="25" idx="2"/>
-            <a:endCxn id="8" idx="0"/>
-          </p:cNvCxnSpPr>
-          <p:nvPr/>
-        </p:nvCxnSpPr>
-        <p:spPr>
-          <a:xfrm>
-            <a:off x="4392295" y="614320"/>
-            <a:ext cx="0" cy="381815"/>
-          </a:xfrm>
-          <a:prstGeom prst="line">
-            <a:avLst/>
-          </a:prstGeom>
-        </p:spPr>
-        <p:style>
-          <a:lnRef idx="2">
-            <a:schemeClr val="accent1"/>
-          </a:lnRef>
-          <a:fillRef idx="0">
-            <a:schemeClr val="accent1"/>
-          </a:fillRef>
-          <a:effectRef idx="1">
-            <a:schemeClr val="accent1"/>
-          </a:effectRef>
-          <a:fontRef idx="minor">
-            <a:schemeClr val="tx1"/>
-          </a:fontRef>
-        </p:style>
-      </p:cxnSp>
-      <p:cxnSp>
-        <p:nvCxnSpPr>
-          <p:cNvPr id="31" name="Rechte verbindingslijn 30"/>
-          <p:cNvCxnSpPr>
-            <a:stCxn id="8" idx="2"/>
-            <a:endCxn id="15" idx="0"/>
-          </p:cNvCxnSpPr>
-          <p:nvPr/>
-        </p:nvCxnSpPr>
-        <p:spPr>
-          <a:xfrm flipH="1">
-            <a:off x="4385946" y="1531084"/>
-            <a:ext cx="6349" cy="789216"/>
-          </a:xfrm>
-          <a:prstGeom prst="line">
-            <a:avLst/>
-          </a:prstGeom>
-        </p:spPr>
-        <p:style>
-          <a:lnRef idx="2">
-            <a:schemeClr val="accent1"/>
-          </a:lnRef>
-          <a:fillRef idx="0">
-            <a:schemeClr val="accent1"/>
-          </a:fillRef>
-          <a:effectRef idx="1">
-            <a:schemeClr val="accent1"/>
-          </a:effectRef>
-          <a:fontRef idx="minor">
-            <a:schemeClr val="tx1"/>
-          </a:fontRef>
-        </p:style>
-      </p:cxnSp>
-      <p:cxnSp>
-        <p:nvCxnSpPr>
-          <p:cNvPr id="33" name="Gebogen verbindingslijn 32"/>
-          <p:cNvCxnSpPr>
-            <a:stCxn id="8" idx="3"/>
-            <a:endCxn id="17" idx="1"/>
-          </p:cNvCxnSpPr>
-          <p:nvPr/>
-        </p:nvCxnSpPr>
-        <p:spPr>
-          <a:xfrm flipV="1">
-            <a:off x="5334495" y="802424"/>
-            <a:ext cx="1543765" cy="461186"/>
-          </a:xfrm>
-          <a:prstGeom prst="bentConnector3">
-            <a:avLst>
-              <a:gd name="adj1" fmla="val 50811"/>
-            </a:avLst>
-          </a:prstGeom>
-        </p:spPr>
-        <p:style>
-          <a:lnRef idx="2">
-            <a:schemeClr val="accent1"/>
-          </a:lnRef>
-          <a:fillRef idx="0">
-            <a:schemeClr val="accent1"/>
-          </a:fillRef>
-          <a:effectRef idx="1">
-            <a:schemeClr val="accent1"/>
-          </a:effectRef>
-          <a:fontRef idx="minor">
-            <a:schemeClr val="tx1"/>
-          </a:fontRef>
-        </p:style>
-      </p:cxnSp>
-      <p:cxnSp>
-        <p:nvCxnSpPr>
-          <p:cNvPr id="37" name="Gebogen verbindingslijn 36"/>
-          <p:cNvCxnSpPr>
-            <a:endCxn id="20" idx="1"/>
-          </p:cNvCxnSpPr>
-          <p:nvPr/>
-        </p:nvCxnSpPr>
-        <p:spPr>
-          <a:xfrm>
-            <a:off x="5525436" y="1263611"/>
-            <a:ext cx="1346473" cy="705663"/>
-          </a:xfrm>
-          <a:prstGeom prst="bentConnector3">
-            <a:avLst>
-              <a:gd name="adj1" fmla="val 76048"/>
-            </a:avLst>
-          </a:prstGeom>
-        </p:spPr>
-        <p:style>
-          <a:lnRef idx="2">
-            <a:schemeClr val="accent1"/>
-          </a:lnRef>
-          <a:fillRef idx="0">
-            <a:schemeClr val="accent1"/>
-          </a:fillRef>
-          <a:effectRef idx="1">
-            <a:schemeClr val="accent1"/>
-          </a:effectRef>
-          <a:fontRef idx="minor">
-            <a:schemeClr val="tx1"/>
-          </a:fontRef>
-        </p:style>
-      </p:cxnSp>
-      <p:cxnSp>
-        <p:nvCxnSpPr>
-          <p:cNvPr id="39" name="Gebogen verbindingslijn 38"/>
-          <p:cNvCxnSpPr>
-            <a:stCxn id="8" idx="1"/>
-            <a:endCxn id="14" idx="1"/>
-          </p:cNvCxnSpPr>
-          <p:nvPr/>
-        </p:nvCxnSpPr>
-        <p:spPr>
-          <a:xfrm rot="10800000" flipH="1" flipV="1">
-            <a:off x="3450094" y="1263610"/>
-            <a:ext cx="1" cy="2273098"/>
-          </a:xfrm>
-          <a:prstGeom prst="bentConnector3">
-            <a:avLst>
-              <a:gd name="adj1" fmla="val -22860000000"/>
-            </a:avLst>
-          </a:prstGeom>
-        </p:spPr>
-        <p:style>
-          <a:lnRef idx="2">
-            <a:schemeClr val="accent1"/>
-          </a:lnRef>
-          <a:fillRef idx="0">
-            <a:schemeClr val="accent1"/>
-          </a:fillRef>
-          <a:effectRef idx="1">
-            <a:schemeClr val="accent1"/>
-          </a:effectRef>
-          <a:fontRef idx="minor">
-            <a:schemeClr val="tx1"/>
-          </a:fontRef>
-        </p:style>
-      </p:cxnSp>
-      <p:cxnSp>
-        <p:nvCxnSpPr>
-          <p:cNvPr id="41" name="Gebogen verbindingslijn 40"/>
-          <p:cNvCxnSpPr>
-            <a:stCxn id="15" idx="2"/>
-            <a:endCxn id="14" idx="0"/>
-          </p:cNvCxnSpPr>
-          <p:nvPr/>
-        </p:nvCxnSpPr>
-        <p:spPr>
-          <a:xfrm rot="16200000" flipH="1">
-            <a:off x="4182129" y="3059066"/>
-            <a:ext cx="413984" cy="6350"/>
-          </a:xfrm>
-          <a:prstGeom prst="bentConnector3">
-            <a:avLst>
-              <a:gd name="adj1" fmla="val 50000"/>
-            </a:avLst>
-          </a:prstGeom>
-          <a:ln>
-            <a:solidFill>
-              <a:srgbClr val="FF0000"/>
-            </a:solidFill>
-          </a:ln>
-        </p:spPr>
-        <p:style>
-          <a:lnRef idx="2">
-            <a:schemeClr val="accent1"/>
-          </a:lnRef>
-          <a:fillRef idx="0">
-            <a:schemeClr val="accent1"/>
-          </a:fillRef>
-          <a:effectRef idx="1">
-            <a:schemeClr val="accent1"/>
-          </a:effectRef>
-          <a:fontRef idx="minor">
-            <a:schemeClr val="tx1"/>
-          </a:fontRef>
-        </p:style>
-      </p:cxnSp>
-      <p:cxnSp>
-        <p:nvCxnSpPr>
-          <p:cNvPr id="43" name="Gebogen verbindingslijn 42"/>
-          <p:cNvCxnSpPr>
-            <a:stCxn id="15" idx="3"/>
-            <a:endCxn id="20" idx="1"/>
-          </p:cNvCxnSpPr>
-          <p:nvPr/>
-        </p:nvCxnSpPr>
-        <p:spPr>
-          <a:xfrm flipV="1">
-            <a:off x="5328146" y="1969274"/>
-            <a:ext cx="1543763" cy="618501"/>
-          </a:xfrm>
-          <a:prstGeom prst="bentConnector3">
-            <a:avLst>
-              <a:gd name="adj1" fmla="val 50000"/>
-            </a:avLst>
-          </a:prstGeom>
-        </p:spPr>
-        <p:style>
-          <a:lnRef idx="2">
-            <a:schemeClr val="accent1"/>
-          </a:lnRef>
-          <a:fillRef idx="0">
-            <a:schemeClr val="accent1"/>
-          </a:fillRef>
-          <a:effectRef idx="1">
-            <a:schemeClr val="accent1"/>
-          </a:effectRef>
-          <a:fontRef idx="minor">
-            <a:schemeClr val="tx1"/>
-          </a:fontRef>
-        </p:style>
-      </p:cxnSp>
-      <p:cxnSp>
-        <p:nvCxnSpPr>
-          <p:cNvPr id="48" name="Gebogen verbindingslijn 47"/>
-          <p:cNvCxnSpPr>
-            <a:stCxn id="15" idx="3"/>
-            <a:endCxn id="13" idx="0"/>
-          </p:cNvCxnSpPr>
-          <p:nvPr/>
-        </p:nvCxnSpPr>
-        <p:spPr>
-          <a:xfrm>
-            <a:off x="5328146" y="2587775"/>
-            <a:ext cx="1152709" cy="1121337"/>
-          </a:xfrm>
-          <a:prstGeom prst="bentConnector2">
-            <a:avLst/>
-          </a:prstGeom>
-          <a:ln>
-            <a:solidFill>
-              <a:srgbClr val="FF0000"/>
-            </a:solidFill>
-          </a:ln>
-        </p:spPr>
-        <p:style>
-          <a:lnRef idx="2">
-            <a:schemeClr val="accent1"/>
-          </a:lnRef>
-          <a:fillRef idx="0">
-            <a:schemeClr val="accent1"/>
-          </a:fillRef>
-          <a:effectRef idx="1">
-            <a:schemeClr val="accent1"/>
-          </a:effectRef>
-          <a:fontRef idx="minor">
-            <a:schemeClr val="tx1"/>
-          </a:fontRef>
-        </p:style>
-      </p:cxnSp>
-      <p:cxnSp>
-        <p:nvCxnSpPr>
-          <p:cNvPr id="55" name="Gebogen verbindingslijn 54"/>
-          <p:cNvCxnSpPr>
-            <a:stCxn id="15" idx="1"/>
-            <a:endCxn id="12" idx="1"/>
-          </p:cNvCxnSpPr>
-          <p:nvPr/>
-        </p:nvCxnSpPr>
-        <p:spPr>
-          <a:xfrm rot="10800000" flipH="1" flipV="1">
-            <a:off x="3443746" y="2587775"/>
-            <a:ext cx="6350" cy="2680268"/>
-          </a:xfrm>
-          <a:prstGeom prst="bentConnector3">
-            <a:avLst>
-              <a:gd name="adj1" fmla="val -3600000"/>
-            </a:avLst>
-          </a:prstGeom>
-          <a:ln>
-            <a:solidFill>
-              <a:srgbClr val="FF0000"/>
-            </a:solidFill>
-          </a:ln>
-        </p:spPr>
-        <p:style>
-          <a:lnRef idx="2">
-            <a:schemeClr val="accent1"/>
-          </a:lnRef>
-          <a:fillRef idx="0">
-            <a:schemeClr val="accent1"/>
-          </a:fillRef>
-          <a:effectRef idx="1">
-            <a:schemeClr val="accent1"/>
-          </a:effectRef>
-          <a:fontRef idx="minor">
-            <a:schemeClr val="tx1"/>
-          </a:fontRef>
-        </p:style>
-      </p:cxnSp>
-      <p:cxnSp>
-        <p:nvCxnSpPr>
-          <p:cNvPr id="62" name="Gebogen verbindingslijn 61"/>
-          <p:cNvCxnSpPr>
-            <a:stCxn id="14" idx="1"/>
-            <a:endCxn id="9" idx="3"/>
-          </p:cNvCxnSpPr>
-          <p:nvPr/>
-        </p:nvCxnSpPr>
-        <p:spPr>
-          <a:xfrm rot="10800000" flipV="1">
-            <a:off x="2564192" y="3536708"/>
-            <a:ext cx="885905" cy="908604"/>
-          </a:xfrm>
-          <a:prstGeom prst="bentConnector3">
-            <a:avLst>
-              <a:gd name="adj1" fmla="val 50000"/>
-            </a:avLst>
-          </a:prstGeom>
-        </p:spPr>
-        <p:style>
-          <a:lnRef idx="2">
-            <a:schemeClr val="accent1"/>
-          </a:lnRef>
-          <a:fillRef idx="0">
-            <a:schemeClr val="accent1"/>
-          </a:fillRef>
-          <a:effectRef idx="1">
-            <a:schemeClr val="accent1"/>
-          </a:effectRef>
-          <a:fontRef idx="minor">
-            <a:schemeClr val="tx1"/>
-          </a:fontRef>
-        </p:style>
-      </p:cxnSp>
-      <p:cxnSp>
-        <p:nvCxnSpPr>
-          <p:cNvPr id="68" name="Gebogen verbindingslijn 67"/>
-          <p:cNvCxnSpPr>
-            <a:stCxn id="16" idx="3"/>
-            <a:endCxn id="14" idx="1"/>
-          </p:cNvCxnSpPr>
-          <p:nvPr/>
-        </p:nvCxnSpPr>
-        <p:spPr>
-          <a:xfrm>
-            <a:off x="2570542" y="2699125"/>
-            <a:ext cx="879554" cy="837583"/>
-          </a:xfrm>
-          <a:prstGeom prst="bentConnector3">
-            <a:avLst>
-              <a:gd name="adj1" fmla="val 50000"/>
-            </a:avLst>
-          </a:prstGeom>
-        </p:spPr>
-        <p:style>
-          <a:lnRef idx="2">
-            <a:schemeClr val="accent1"/>
-          </a:lnRef>
-          <a:fillRef idx="0">
-            <a:schemeClr val="accent1"/>
-          </a:fillRef>
-          <a:effectRef idx="1">
-            <a:schemeClr val="accent1"/>
-          </a:effectRef>
-          <a:fontRef idx="minor">
-            <a:schemeClr val="tx1"/>
-          </a:fontRef>
-        </p:style>
-      </p:cxnSp>
-      <p:cxnSp>
-        <p:nvCxnSpPr>
-          <p:cNvPr id="77" name="Rechte verbindingslijn 76"/>
-          <p:cNvCxnSpPr>
-            <a:stCxn id="14" idx="2"/>
-            <a:endCxn id="11" idx="0"/>
-          </p:cNvCxnSpPr>
-          <p:nvPr/>
-        </p:nvCxnSpPr>
-        <p:spPr>
-          <a:xfrm>
-            <a:off x="4392296" y="3804182"/>
-            <a:ext cx="0" cy="367305"/>
-          </a:xfrm>
-          <a:prstGeom prst="line">
-            <a:avLst/>
-          </a:prstGeom>
-          <a:ln>
-            <a:solidFill>
-              <a:srgbClr val="FF0000"/>
-            </a:solidFill>
-          </a:ln>
-        </p:spPr>
-        <p:style>
-          <a:lnRef idx="2">
-            <a:schemeClr val="accent1"/>
-          </a:lnRef>
-          <a:fillRef idx="0">
-            <a:schemeClr val="accent1"/>
-          </a:fillRef>
-          <a:effectRef idx="1">
-            <a:schemeClr val="accent1"/>
-          </a:effectRef>
-          <a:fontRef idx="minor">
-            <a:schemeClr val="tx1"/>
-          </a:fontRef>
-        </p:style>
-      </p:cxnSp>
-      <p:cxnSp>
-        <p:nvCxnSpPr>
-          <p:cNvPr id="81" name="Gebogen verbindingslijn 80"/>
-          <p:cNvCxnSpPr>
-            <a:stCxn id="18" idx="1"/>
-            <a:endCxn id="21" idx="3"/>
-          </p:cNvCxnSpPr>
-          <p:nvPr/>
-        </p:nvCxnSpPr>
-        <p:spPr>
-          <a:xfrm rot="10800000" flipV="1">
-            <a:off x="-693610" y="1263606"/>
-            <a:ext cx="205826" cy="2"/>
-          </a:xfrm>
-          <a:prstGeom prst="bentConnector3">
-            <a:avLst>
-              <a:gd name="adj1" fmla="val 50000"/>
-            </a:avLst>
-          </a:prstGeom>
-          <a:ln>
-            <a:tailEnd type="arrow"/>
-          </a:ln>
-        </p:spPr>
-        <p:style>
-          <a:lnRef idx="2">
-            <a:schemeClr val="accent1"/>
-          </a:lnRef>
-          <a:fillRef idx="0">
-            <a:schemeClr val="accent1"/>
-          </a:fillRef>
-          <a:effectRef idx="1">
-            <a:schemeClr val="accent1"/>
-          </a:effectRef>
-          <a:fontRef idx="minor">
-            <a:schemeClr val="tx1"/>
-          </a:fontRef>
-        </p:style>
-      </p:cxnSp>
-      <p:cxnSp>
-        <p:nvCxnSpPr>
-          <p:cNvPr id="85" name="Gebogen verbindingslijn 84"/>
-          <p:cNvCxnSpPr>
-            <a:stCxn id="18" idx="2"/>
-            <a:endCxn id="10" idx="0"/>
-          </p:cNvCxnSpPr>
-          <p:nvPr/>
-        </p:nvCxnSpPr>
-        <p:spPr>
-          <a:xfrm rot="5400000">
-            <a:off x="-1112968" y="1701848"/>
-            <a:ext cx="1738152" cy="1396617"/>
-          </a:xfrm>
-          <a:prstGeom prst="bentConnector3">
-            <a:avLst>
-              <a:gd name="adj1" fmla="val 50000"/>
-            </a:avLst>
-          </a:prstGeom>
-        </p:spPr>
-        <p:style>
-          <a:lnRef idx="2">
-            <a:schemeClr val="accent1"/>
-          </a:lnRef>
-          <a:fillRef idx="0">
-            <a:schemeClr val="accent1"/>
-          </a:fillRef>
-          <a:effectRef idx="1">
-            <a:schemeClr val="accent1"/>
-          </a:effectRef>
-          <a:fontRef idx="minor">
-            <a:schemeClr val="tx1"/>
-          </a:fontRef>
-        </p:style>
-      </p:cxnSp>
-      <p:cxnSp>
-        <p:nvCxnSpPr>
-          <p:cNvPr id="87" name="Gebogen verbindingslijn 86"/>
-          <p:cNvCxnSpPr>
-            <a:stCxn id="18" idx="2"/>
-            <a:endCxn id="9" idx="1"/>
-          </p:cNvCxnSpPr>
-          <p:nvPr/>
-        </p:nvCxnSpPr>
-        <p:spPr>
-          <a:xfrm rot="16200000" flipH="1">
-            <a:off x="-890013" y="2875508"/>
-            <a:ext cx="2914232" cy="225375"/>
-          </a:xfrm>
-          <a:prstGeom prst="bentConnector2">
-            <a:avLst/>
-          </a:prstGeom>
-        </p:spPr>
-        <p:style>
-          <a:lnRef idx="2">
-            <a:schemeClr val="accent1"/>
-          </a:lnRef>
-          <a:fillRef idx="0">
-            <a:schemeClr val="accent1"/>
-          </a:fillRef>
-          <a:effectRef idx="1">
-            <a:schemeClr val="accent1"/>
-          </a:effectRef>
-          <a:fontRef idx="minor">
-            <a:schemeClr val="tx1"/>
-          </a:fontRef>
-        </p:style>
-      </p:cxnSp>
-      <p:cxnSp>
-        <p:nvCxnSpPr>
-          <p:cNvPr id="89" name="Gebogen verbindingslijn 88"/>
-          <p:cNvCxnSpPr>
-            <a:stCxn id="18" idx="3"/>
-            <a:endCxn id="16" idx="0"/>
-          </p:cNvCxnSpPr>
-          <p:nvPr/>
-        </p:nvCxnSpPr>
-        <p:spPr>
-          <a:xfrm>
-            <a:off x="1396616" y="1263606"/>
-            <a:ext cx="231726" cy="1168044"/>
-          </a:xfrm>
-          <a:prstGeom prst="bentConnector2">
-            <a:avLst/>
-          </a:prstGeom>
-        </p:spPr>
-        <p:style>
-          <a:lnRef idx="2">
-            <a:schemeClr val="accent1"/>
-          </a:lnRef>
-          <a:fillRef idx="0">
-            <a:schemeClr val="accent1"/>
-          </a:fillRef>
-          <a:effectRef idx="1">
-            <a:schemeClr val="accent1"/>
-          </a:effectRef>
-          <a:fontRef idx="minor">
-            <a:schemeClr val="tx1"/>
-          </a:fontRef>
-        </p:style>
-      </p:cxnSp>
-      <p:cxnSp>
-        <p:nvCxnSpPr>
-          <p:cNvPr id="93" name="Gebogen verbindingslijn 92"/>
-          <p:cNvCxnSpPr>
-            <a:stCxn id="20" idx="0"/>
-            <a:endCxn id="17" idx="2"/>
-          </p:cNvCxnSpPr>
-          <p:nvPr/>
-        </p:nvCxnSpPr>
-        <p:spPr>
-          <a:xfrm rot="5400000" flipH="1" flipV="1">
-            <a:off x="7501334" y="1382674"/>
-            <a:ext cx="631901" cy="6351"/>
-          </a:xfrm>
-          <a:prstGeom prst="bentConnector3">
-            <a:avLst>
-              <a:gd name="adj1" fmla="val 50000"/>
-            </a:avLst>
-          </a:prstGeom>
-        </p:spPr>
-        <p:style>
-          <a:lnRef idx="2">
-            <a:schemeClr val="accent1"/>
-          </a:lnRef>
-          <a:fillRef idx="0">
-            <a:schemeClr val="accent1"/>
-          </a:fillRef>
-          <a:effectRef idx="1">
-            <a:schemeClr val="accent1"/>
-          </a:effectRef>
-          <a:fontRef idx="minor">
-            <a:schemeClr val="tx1"/>
-          </a:fontRef>
-        </p:style>
-      </p:cxnSp>
-      <p:cxnSp>
-        <p:nvCxnSpPr>
-          <p:cNvPr id="95" name="Gebogen verbindingslijn 94"/>
-          <p:cNvCxnSpPr>
-            <a:stCxn id="16" idx="2"/>
-            <a:endCxn id="9" idx="0"/>
-          </p:cNvCxnSpPr>
-          <p:nvPr/>
-        </p:nvCxnSpPr>
-        <p:spPr>
-          <a:xfrm rot="5400000">
-            <a:off x="1019548" y="3569043"/>
-            <a:ext cx="1211238" cy="6351"/>
-          </a:xfrm>
-          <a:prstGeom prst="bentConnector3">
-            <a:avLst>
-              <a:gd name="adj1" fmla="val 50000"/>
-            </a:avLst>
-          </a:prstGeom>
-        </p:spPr>
-        <p:style>
-          <a:lnRef idx="2">
-            <a:schemeClr val="accent1"/>
-          </a:lnRef>
-          <a:fillRef idx="0">
-            <a:schemeClr val="accent1"/>
-          </a:fillRef>
-          <a:effectRef idx="1">
-            <a:schemeClr val="accent1"/>
-          </a:effectRef>
-          <a:fontRef idx="minor">
-            <a:schemeClr val="tx1"/>
-          </a:fontRef>
-        </p:style>
-      </p:cxnSp>
-      <p:cxnSp>
-        <p:nvCxnSpPr>
-          <p:cNvPr id="102" name="Gebogen verbindingslijn 101"/>
-          <p:cNvCxnSpPr>
-            <a:stCxn id="16" idx="1"/>
-            <a:endCxn id="10" idx="0"/>
-          </p:cNvCxnSpPr>
-          <p:nvPr/>
-        </p:nvCxnSpPr>
-        <p:spPr>
-          <a:xfrm rot="10800000" flipV="1">
-            <a:off x="-942200" y="2699124"/>
-            <a:ext cx="1628343" cy="570107"/>
-          </a:xfrm>
-          <a:prstGeom prst="bentConnector2">
-            <a:avLst/>
-          </a:prstGeom>
-        </p:spPr>
-        <p:style>
-          <a:lnRef idx="2">
-            <a:schemeClr val="accent1"/>
-          </a:lnRef>
-          <a:fillRef idx="0">
-            <a:schemeClr val="accent1"/>
-          </a:fillRef>
-          <a:effectRef idx="1">
-            <a:schemeClr val="accent1"/>
-          </a:effectRef>
-          <a:fontRef idx="minor">
-            <a:schemeClr val="tx1"/>
-          </a:fontRef>
-        </p:style>
-      </p:cxnSp>
-      <p:cxnSp>
-        <p:nvCxnSpPr>
-          <p:cNvPr id="111" name="Gebogen verbindingslijn 110"/>
-          <p:cNvCxnSpPr>
-            <a:stCxn id="11" idx="3"/>
-            <a:endCxn id="19" idx="2"/>
-          </p:cNvCxnSpPr>
-          <p:nvPr/>
-        </p:nvCxnSpPr>
-        <p:spPr>
-          <a:xfrm flipV="1">
-            <a:off x="5334496" y="3122724"/>
-            <a:ext cx="2479613" cy="1316238"/>
-          </a:xfrm>
-          <a:prstGeom prst="bentConnector2">
-            <a:avLst/>
-          </a:prstGeom>
-        </p:spPr>
-        <p:style>
-          <a:lnRef idx="2">
-            <a:schemeClr val="accent1"/>
-          </a:lnRef>
-          <a:fillRef idx="0">
-            <a:schemeClr val="accent1"/>
-          </a:fillRef>
-          <a:effectRef idx="1">
-            <a:schemeClr val="accent1"/>
-          </a:effectRef>
-          <a:fontRef idx="minor">
-            <a:schemeClr val="tx1"/>
-          </a:fontRef>
-        </p:style>
-      </p:cxnSp>
-      <p:cxnSp>
-        <p:nvCxnSpPr>
-          <p:cNvPr id="113" name="Gebogen verbindingslijn 112"/>
-          <p:cNvCxnSpPr>
-            <a:stCxn id="19" idx="1"/>
-            <a:endCxn id="14" idx="3"/>
-          </p:cNvCxnSpPr>
-          <p:nvPr/>
-        </p:nvCxnSpPr>
-        <p:spPr>
-          <a:xfrm rot="10800000" flipV="1">
-            <a:off x="5334497" y="2855250"/>
-            <a:ext cx="1537413" cy="681458"/>
-          </a:xfrm>
-          <a:prstGeom prst="bentConnector3">
-            <a:avLst>
-              <a:gd name="adj1" fmla="val 50000"/>
-            </a:avLst>
-          </a:prstGeom>
-        </p:spPr>
-        <p:style>
-          <a:lnRef idx="2">
-            <a:schemeClr val="accent1"/>
-          </a:lnRef>
-          <a:fillRef idx="0">
-            <a:schemeClr val="accent1"/>
-          </a:fillRef>
-          <a:effectRef idx="1">
-            <a:schemeClr val="accent1"/>
-          </a:effectRef>
-          <a:fontRef idx="minor">
-            <a:schemeClr val="tx1"/>
-          </a:fontRef>
-        </p:style>
-      </p:cxnSp>
-      <p:cxnSp>
-        <p:nvCxnSpPr>
-          <p:cNvPr id="116" name="Gebogen verbindingslijn 115"/>
-          <p:cNvCxnSpPr>
-            <a:stCxn id="14" idx="3"/>
-            <a:endCxn id="20" idx="1"/>
-          </p:cNvCxnSpPr>
-          <p:nvPr/>
-        </p:nvCxnSpPr>
-        <p:spPr>
-          <a:xfrm flipV="1">
-            <a:off x="5334496" y="1969274"/>
-            <a:ext cx="1537413" cy="1567434"/>
-          </a:xfrm>
-          <a:prstGeom prst="bentConnector3">
-            <a:avLst>
-              <a:gd name="adj1" fmla="val 50000"/>
-            </a:avLst>
-          </a:prstGeom>
-        </p:spPr>
-        <p:style>
-          <a:lnRef idx="2">
-            <a:schemeClr val="accent1"/>
-          </a:lnRef>
-          <a:fillRef idx="0">
-            <a:schemeClr val="accent1"/>
-          </a:fillRef>
-          <a:effectRef idx="1">
-            <a:schemeClr val="accent1"/>
-          </a:effectRef>
-          <a:fontRef idx="minor">
-            <a:schemeClr val="tx1"/>
-          </a:fontRef>
-        </p:style>
-      </p:cxnSp>
-      <p:cxnSp>
-        <p:nvCxnSpPr>
-          <p:cNvPr id="118" name="Gebogen verbindingslijn 117"/>
-          <p:cNvCxnSpPr>
-            <a:stCxn id="20" idx="3"/>
-            <a:endCxn id="11" idx="3"/>
-          </p:cNvCxnSpPr>
-          <p:nvPr/>
-        </p:nvCxnSpPr>
-        <p:spPr>
-          <a:xfrm flipH="1">
-            <a:off x="5334496" y="1969274"/>
-            <a:ext cx="3421813" cy="2469688"/>
-          </a:xfrm>
-          <a:prstGeom prst="bentConnector3">
-            <a:avLst>
-              <a:gd name="adj1" fmla="val -6681"/>
-            </a:avLst>
-          </a:prstGeom>
-        </p:spPr>
-        <p:style>
-          <a:lnRef idx="2">
-            <a:schemeClr val="accent1"/>
-          </a:lnRef>
-          <a:fillRef idx="0">
-            <a:schemeClr val="accent1"/>
-          </a:fillRef>
-          <a:effectRef idx="1">
-            <a:schemeClr val="accent1"/>
-          </a:effectRef>
-          <a:fontRef idx="minor">
-            <a:schemeClr val="tx1"/>
-          </a:fontRef>
-        </p:style>
-      </p:cxnSp>
-      <p:cxnSp>
-        <p:nvCxnSpPr>
-          <p:cNvPr id="122" name="Gebogen verbindingslijn 121"/>
-          <p:cNvCxnSpPr>
-            <a:stCxn id="11" idx="2"/>
-            <a:endCxn id="12" idx="0"/>
-          </p:cNvCxnSpPr>
-          <p:nvPr/>
-        </p:nvCxnSpPr>
-        <p:spPr>
-          <a:xfrm rot="5400000">
-            <a:off x="4245230" y="4853502"/>
-            <a:ext cx="294132" cy="12700"/>
-          </a:xfrm>
-          <a:prstGeom prst="bentConnector3">
-            <a:avLst/>
-          </a:prstGeom>
-          <a:ln>
-            <a:solidFill>
-              <a:srgbClr val="FF0000"/>
-            </a:solidFill>
-          </a:ln>
-        </p:spPr>
-        <p:style>
-          <a:lnRef idx="2">
-            <a:schemeClr val="accent1"/>
-          </a:lnRef>
-          <a:fillRef idx="0">
-            <a:schemeClr val="accent1"/>
-          </a:fillRef>
-          <a:effectRef idx="1">
-            <a:schemeClr val="accent1"/>
-          </a:effectRef>
-          <a:fontRef idx="minor">
-            <a:schemeClr val="tx1"/>
-          </a:fontRef>
-        </p:style>
-      </p:cxnSp>
-      <p:cxnSp>
-        <p:nvCxnSpPr>
-          <p:cNvPr id="144" name="Gebogen verbindingslijn 143"/>
-          <p:cNvCxnSpPr>
-            <a:stCxn id="22" idx="2"/>
-            <a:endCxn id="21" idx="0"/>
-          </p:cNvCxnSpPr>
-          <p:nvPr/>
-        </p:nvCxnSpPr>
-        <p:spPr>
-          <a:xfrm rot="5400000">
-            <a:off x="-1866401" y="765541"/>
-            <a:ext cx="461184" cy="1"/>
+          <a:xfrm rot="16200000" flipV="1">
+            <a:off x="795098" y="5759264"/>
+            <a:ext cx="597808" cy="1"/>
           </a:xfrm>
           <a:prstGeom prst="bentConnector3">
             <a:avLst>
@@ -6453,12 +4529,12 @@
         </p:nvCxnSpPr>
         <p:spPr>
           <a:xfrm rot="5400000">
-            <a:off x="3923019" y="821696"/>
-            <a:ext cx="1590062" cy="6192118"/>
+            <a:off x="5027325" y="2111525"/>
+            <a:ext cx="1374573" cy="4734835"/>
           </a:xfrm>
           <a:prstGeom prst="bentConnector3">
             <a:avLst>
-              <a:gd name="adj1" fmla="val 210485"/>
+              <a:gd name="adj1" fmla="val 203201"/>
             </a:avLst>
           </a:prstGeom>
         </p:spPr>
@@ -6482,19 +4558,17 @@
           <p:cNvPr id="35" name="Gebogen verbindingslijn 34"/>
           <p:cNvCxnSpPr>
             <a:stCxn id="14" idx="1"/>
-            <a:endCxn id="10" idx="3"/>
+            <a:endCxn id="10" idx="0"/>
           </p:cNvCxnSpPr>
           <p:nvPr/>
         </p:nvCxnSpPr>
         <p:spPr>
-          <a:xfrm rot="10800000">
-            <a:off x="0" y="3536708"/>
-            <a:ext cx="3450097" cy="1"/>
-          </a:xfrm>
-          <a:prstGeom prst="bentConnector3">
-            <a:avLst>
-              <a:gd name="adj1" fmla="val 50000"/>
-            </a:avLst>
+          <a:xfrm rot="10800000" flipV="1">
+            <a:off x="3347194" y="3536707"/>
+            <a:ext cx="1355502" cy="204467"/>
+          </a:xfrm>
+          <a:prstGeom prst="bentConnector2">
+            <a:avLst/>
           </a:prstGeom>
         </p:spPr>
         <p:style>
@@ -6516,31 +4590,29 @@
         <p:nvCxnSpPr>
           <p:cNvPr id="83" name="Elbow Connector 82"/>
           <p:cNvCxnSpPr>
-            <a:stCxn id="18" idx="3"/>
+            <a:stCxn id="18" idx="0"/>
             <a:endCxn id="8" idx="1"/>
           </p:cNvCxnSpPr>
           <p:nvPr/>
         </p:nvCxnSpPr>
         <p:spPr>
-          <a:xfrm>
-            <a:off x="1396616" y="1263606"/>
-            <a:ext cx="2053479" cy="4"/>
-          </a:xfrm>
-          <a:prstGeom prst="bentConnector3">
-            <a:avLst>
-              <a:gd name="adj1" fmla="val 50000"/>
-            </a:avLst>
+          <a:xfrm rot="5400000" flipH="1" flipV="1">
+            <a:off x="1656197" y="701407"/>
+            <a:ext cx="2477950" cy="3602346"/>
+          </a:xfrm>
+          <a:prstGeom prst="bentConnector2">
+            <a:avLst/>
           </a:prstGeom>
         </p:spPr>
         <p:style>
           <a:lnRef idx="2">
-            <a:schemeClr val="accent1"/>
+            <a:schemeClr val="dk1"/>
           </a:lnRef>
           <a:fillRef idx="0">
-            <a:schemeClr val="accent1"/>
+            <a:schemeClr val="dk1"/>
           </a:fillRef>
           <a:effectRef idx="1">
-            <a:schemeClr val="accent1"/>
+            <a:schemeClr val="dk1"/>
           </a:effectRef>
           <a:fontRef idx="minor">
             <a:schemeClr val="tx1"/>
@@ -6551,18 +4623,20 @@
         <p:nvCxnSpPr>
           <p:cNvPr id="56" name="Shape 55"/>
           <p:cNvCxnSpPr>
-            <a:stCxn id="12" idx="3"/>
-            <a:endCxn id="13" idx="2"/>
+            <a:stCxn id="12" idx="2"/>
+            <a:endCxn id="13" idx="0"/>
           </p:cNvCxnSpPr>
           <p:nvPr/>
         </p:nvCxnSpPr>
         <p:spPr>
-          <a:xfrm flipV="1">
-            <a:off x="5334496" y="4244061"/>
-            <a:ext cx="1146359" cy="1023982"/>
-          </a:xfrm>
-          <a:prstGeom prst="bentConnector2">
-            <a:avLst/>
+          <a:xfrm rot="16200000" flipH="1">
+            <a:off x="5523658" y="5663104"/>
+            <a:ext cx="255177" cy="1"/>
+          </a:xfrm>
+          <a:prstGeom prst="bentConnector3">
+            <a:avLst>
+              <a:gd name="adj1" fmla="val 50000"/>
+            </a:avLst>
           </a:prstGeom>
           <a:ln>
             <a:solidFill>
@@ -6596,14 +4670,19 @@
         </p:nvCxnSpPr>
         <p:spPr>
           <a:xfrm rot="5400000">
-            <a:off x="7638596" y="2412261"/>
-            <a:ext cx="351027" cy="12700"/>
+            <a:off x="7907019" y="3081697"/>
+            <a:ext cx="350020" cy="1"/>
           </a:xfrm>
           <a:prstGeom prst="bentConnector3">
             <a:avLst>
               <a:gd name="adj1" fmla="val 50000"/>
             </a:avLst>
           </a:prstGeom>
+          <a:ln>
+            <a:solidFill>
+              <a:srgbClr val="7030A0"/>
+            </a:solidFill>
+          </a:ln>
         </p:spPr>
         <p:style>
           <a:lnRef idx="2">
@@ -6623,515 +4702,7 @@
     </p:spTree>
     <p:extLst>
       <p:ext uri="{BB962C8B-B14F-4D97-AF65-F5344CB8AC3E}">
-        <p14:creationId xmlns="" xmlns:p14="http://schemas.microsoft.com/office/powerpoint/2010/main" val="907461295"/>
-      </p:ext>
-    </p:extLst>
-  </p:cSld>
-  <p:clrMapOvr>
-    <a:masterClrMapping/>
-  </p:clrMapOvr>
-  <p:timing>
-    <p:tnLst>
-      <p:par>
-        <p:cTn id="1" dur="indefinite" restart="never" nodeType="tmRoot"/>
-      </p:par>
-    </p:tnLst>
-  </p:timing>
-</p:sld>
-</file>
-
-<file path=ppt/slides/slide3.xml><?xml version="1.0" encoding="utf-8"?>
-<p:sld xmlns:a="http://schemas.openxmlformats.org/drawingml/2006/main" xmlns:r="http://schemas.openxmlformats.org/officeDocument/2006/relationships" xmlns:p="http://schemas.openxmlformats.org/presentationml/2006/main">
-  <p:cSld>
-    <p:spTree>
-      <p:nvGrpSpPr>
-        <p:cNvPr id="1" name=""/>
-        <p:cNvGrpSpPr/>
-        <p:nvPr/>
-      </p:nvGrpSpPr>
-      <p:grpSpPr>
-        <a:xfrm>
-          <a:off x="0" y="0"/>
-          <a:ext cx="0" cy="0"/>
-          <a:chOff x="0" y="0"/>
-          <a:chExt cx="0" cy="0"/>
-        </a:xfrm>
-      </p:grpSpPr>
-      <p:sp>
-        <p:nvSpPr>
-          <p:cNvPr id="11" name="Afgeronde rechthoek 10"/>
-          <p:cNvSpPr/>
-          <p:nvPr/>
-        </p:nvSpPr>
-        <p:spPr>
-          <a:xfrm>
-            <a:off x="2525028" y="3195539"/>
-            <a:ext cx="1884400" cy="534949"/>
-          </a:xfrm>
-          <a:prstGeom prst="roundRect">
-            <a:avLst/>
-          </a:prstGeom>
-          <a:ln>
-            <a:solidFill>
-              <a:srgbClr val="FF0000"/>
-            </a:solidFill>
-          </a:ln>
-        </p:spPr>
-        <p:style>
-          <a:lnRef idx="1">
-            <a:schemeClr val="accent1"/>
-          </a:lnRef>
-          <a:fillRef idx="3">
-            <a:schemeClr val="accent1"/>
-          </a:fillRef>
-          <a:effectRef idx="2">
-            <a:schemeClr val="accent1"/>
-          </a:effectRef>
-          <a:fontRef idx="minor">
-            <a:schemeClr val="lt1"/>
-          </a:fontRef>
-        </p:style>
-        <p:txBody>
-          <a:bodyPr/>
-          <a:lstStyle/>
-          <a:p>
-            <a:pPr algn="ctr"/>
-            <a:r>
-              <a:rPr lang="nl-NL" dirty="0" err="1" smtClean="0"/>
-              <a:t>PortPair</a:t>
-            </a:r>
-            <a:endParaRPr lang="nl-NL" dirty="0"/>
-          </a:p>
-        </p:txBody>
-      </p:sp>
-      <p:sp>
-        <p:nvSpPr>
-          <p:cNvPr id="12" name="Afgeronde rechthoek 11"/>
-          <p:cNvSpPr/>
-          <p:nvPr/>
-        </p:nvSpPr>
-        <p:spPr>
-          <a:xfrm>
-            <a:off x="2518671" y="4265434"/>
-            <a:ext cx="1884400" cy="534949"/>
-          </a:xfrm>
-          <a:prstGeom prst="roundRect">
-            <a:avLst/>
-          </a:prstGeom>
-          <a:ln>
-            <a:solidFill>
-              <a:srgbClr val="FF0000"/>
-            </a:solidFill>
-          </a:ln>
-        </p:spPr>
-        <p:style>
-          <a:lnRef idx="1">
-            <a:schemeClr val="accent1"/>
-          </a:lnRef>
-          <a:fillRef idx="3">
-            <a:schemeClr val="accent1"/>
-          </a:fillRef>
-          <a:effectRef idx="2">
-            <a:schemeClr val="accent1"/>
-          </a:effectRef>
-          <a:fontRef idx="minor">
-            <a:schemeClr val="lt1"/>
-          </a:fontRef>
-        </p:style>
-        <p:txBody>
-          <a:bodyPr/>
-          <a:lstStyle/>
-          <a:p>
-            <a:pPr algn="ctr"/>
-            <a:r>
-              <a:rPr lang="nl-NL" dirty="0" smtClean="0"/>
-              <a:t>Port</a:t>
-            </a:r>
-          </a:p>
-        </p:txBody>
-      </p:sp>
-      <p:sp>
-        <p:nvSpPr>
-          <p:cNvPr id="13" name="Afgeronde rechthoek 12"/>
-          <p:cNvSpPr/>
-          <p:nvPr/>
-        </p:nvSpPr>
-        <p:spPr>
-          <a:xfrm>
-            <a:off x="4681986" y="2734291"/>
-            <a:ext cx="1884400" cy="534949"/>
-          </a:xfrm>
-          <a:prstGeom prst="roundRect">
-            <a:avLst/>
-          </a:prstGeom>
-          <a:ln>
-            <a:solidFill>
-              <a:srgbClr val="FF0000"/>
-            </a:solidFill>
-          </a:ln>
-        </p:spPr>
-        <p:style>
-          <a:lnRef idx="1">
-            <a:schemeClr val="accent1"/>
-          </a:lnRef>
-          <a:fillRef idx="3">
-            <a:schemeClr val="accent1"/>
-          </a:fillRef>
-          <a:effectRef idx="2">
-            <a:schemeClr val="accent1"/>
-          </a:effectRef>
-          <a:fontRef idx="minor">
-            <a:schemeClr val="lt1"/>
-          </a:fontRef>
-        </p:style>
-        <p:txBody>
-          <a:bodyPr/>
-          <a:lstStyle/>
-          <a:p>
-            <a:pPr algn="ctr"/>
-            <a:r>
-              <a:rPr lang="nl-NL" dirty="0" smtClean="0"/>
-              <a:t>Link</a:t>
-            </a:r>
-            <a:endParaRPr lang="nl-NL" dirty="0"/>
-          </a:p>
-        </p:txBody>
-      </p:sp>
-      <p:sp>
-        <p:nvSpPr>
-          <p:cNvPr id="14" name="Afgeronde rechthoek 13"/>
-          <p:cNvSpPr/>
-          <p:nvPr/>
-        </p:nvSpPr>
-        <p:spPr>
-          <a:xfrm>
-            <a:off x="2525031" y="2199342"/>
-            <a:ext cx="1884400" cy="534949"/>
-          </a:xfrm>
-          <a:prstGeom prst="roundRect">
-            <a:avLst/>
-          </a:prstGeom>
-          <a:ln>
-            <a:solidFill>
-              <a:srgbClr val="FF0000"/>
-            </a:solidFill>
-          </a:ln>
-        </p:spPr>
-        <p:style>
-          <a:lnRef idx="1">
-            <a:schemeClr val="accent1"/>
-          </a:lnRef>
-          <a:fillRef idx="3">
-            <a:schemeClr val="accent1"/>
-          </a:fillRef>
-          <a:effectRef idx="2">
-            <a:schemeClr val="accent1"/>
-          </a:effectRef>
-          <a:fontRef idx="minor">
-            <a:schemeClr val="lt1"/>
-          </a:fontRef>
-        </p:style>
-        <p:txBody>
-          <a:bodyPr/>
-          <a:lstStyle/>
-          <a:p>
-            <a:pPr algn="ctr"/>
-            <a:r>
-              <a:rPr lang="nl-NL" dirty="0" smtClean="0"/>
-              <a:t>Node</a:t>
-            </a:r>
-          </a:p>
-        </p:txBody>
-      </p:sp>
-      <p:sp>
-        <p:nvSpPr>
-          <p:cNvPr id="15" name="Afgeronde rechthoek 14"/>
-          <p:cNvSpPr/>
-          <p:nvPr/>
-        </p:nvSpPr>
-        <p:spPr>
-          <a:xfrm>
-            <a:off x="2531382" y="1094282"/>
-            <a:ext cx="1884400" cy="534949"/>
-          </a:xfrm>
-          <a:prstGeom prst="roundRect">
-            <a:avLst/>
-          </a:prstGeom>
-          <a:ln>
-            <a:solidFill>
-              <a:srgbClr val="FF0000"/>
-            </a:solidFill>
-          </a:ln>
-        </p:spPr>
-        <p:style>
-          <a:lnRef idx="1">
-            <a:schemeClr val="accent1"/>
-          </a:lnRef>
-          <a:fillRef idx="3">
-            <a:schemeClr val="accent1"/>
-          </a:fillRef>
-          <a:effectRef idx="2">
-            <a:schemeClr val="accent1"/>
-          </a:effectRef>
-          <a:fontRef idx="minor">
-            <a:schemeClr val="lt1"/>
-          </a:fontRef>
-        </p:style>
-        <p:txBody>
-          <a:bodyPr/>
-          <a:lstStyle/>
-          <a:p>
-            <a:pPr algn="ctr"/>
-            <a:r>
-              <a:rPr lang="nl-NL" dirty="0" err="1" smtClean="0"/>
-              <a:t>NodeEditor</a:t>
-            </a:r>
-            <a:endParaRPr lang="nl-NL" dirty="0"/>
-          </a:p>
-        </p:txBody>
-      </p:sp>
-      <p:cxnSp>
-        <p:nvCxnSpPr>
-          <p:cNvPr id="41" name="Gebogen verbindingslijn 40"/>
-          <p:cNvCxnSpPr>
-            <a:stCxn id="15" idx="2"/>
-            <a:endCxn id="14" idx="0"/>
-          </p:cNvCxnSpPr>
-          <p:nvPr/>
-        </p:nvCxnSpPr>
-        <p:spPr>
-          <a:xfrm rot="5400000">
-            <a:off x="3185352" y="1911111"/>
-            <a:ext cx="570111" cy="6351"/>
-          </a:xfrm>
-          <a:prstGeom prst="bentConnector3">
-            <a:avLst>
-              <a:gd name="adj1" fmla="val 50000"/>
-            </a:avLst>
-          </a:prstGeom>
-          <a:ln>
-            <a:solidFill>
-              <a:srgbClr val="FF0000"/>
-            </a:solidFill>
-          </a:ln>
-        </p:spPr>
-        <p:style>
-          <a:lnRef idx="2">
-            <a:schemeClr val="accent1"/>
-          </a:lnRef>
-          <a:fillRef idx="0">
-            <a:schemeClr val="accent1"/>
-          </a:fillRef>
-          <a:effectRef idx="1">
-            <a:schemeClr val="accent1"/>
-          </a:effectRef>
-          <a:fontRef idx="minor">
-            <a:schemeClr val="tx1"/>
-          </a:fontRef>
-        </p:style>
-      </p:cxnSp>
-      <p:cxnSp>
-        <p:nvCxnSpPr>
-          <p:cNvPr id="48" name="Gebogen verbindingslijn 47"/>
-          <p:cNvCxnSpPr>
-            <a:stCxn id="15" idx="3"/>
-            <a:endCxn id="13" idx="0"/>
-          </p:cNvCxnSpPr>
-          <p:nvPr/>
-        </p:nvCxnSpPr>
-        <p:spPr>
-          <a:xfrm>
-            <a:off x="4415782" y="1361757"/>
-            <a:ext cx="1208404" cy="1372534"/>
-          </a:xfrm>
-          <a:prstGeom prst="bentConnector2">
-            <a:avLst/>
-          </a:prstGeom>
-          <a:ln>
-            <a:solidFill>
-              <a:srgbClr val="FF0000"/>
-            </a:solidFill>
-          </a:ln>
-        </p:spPr>
-        <p:style>
-          <a:lnRef idx="2">
-            <a:schemeClr val="accent1"/>
-          </a:lnRef>
-          <a:fillRef idx="0">
-            <a:schemeClr val="accent1"/>
-          </a:fillRef>
-          <a:effectRef idx="1">
-            <a:schemeClr val="accent1"/>
-          </a:effectRef>
-          <a:fontRef idx="minor">
-            <a:schemeClr val="tx1"/>
-          </a:fontRef>
-        </p:style>
-      </p:cxnSp>
-      <p:cxnSp>
-        <p:nvCxnSpPr>
-          <p:cNvPr id="55" name="Gebogen verbindingslijn 54"/>
-          <p:cNvCxnSpPr>
-            <a:stCxn id="15" idx="0"/>
-            <a:endCxn id="12" idx="2"/>
-          </p:cNvCxnSpPr>
-          <p:nvPr/>
-        </p:nvCxnSpPr>
-        <p:spPr>
-          <a:xfrm rot="16200000" flipH="1" flipV="1">
-            <a:off x="1614176" y="2940976"/>
-            <a:ext cx="3706101" cy="12711"/>
-          </a:xfrm>
-          <a:prstGeom prst="bentConnector5">
-            <a:avLst>
-              <a:gd name="adj1" fmla="val -6168"/>
-              <a:gd name="adj2" fmla="val 9310920"/>
-              <a:gd name="adj3" fmla="val 106168"/>
-            </a:avLst>
-          </a:prstGeom>
-          <a:ln>
-            <a:solidFill>
-              <a:srgbClr val="FF0000"/>
-            </a:solidFill>
-          </a:ln>
-        </p:spPr>
-        <p:style>
-          <a:lnRef idx="2">
-            <a:schemeClr val="accent1"/>
-          </a:lnRef>
-          <a:fillRef idx="0">
-            <a:schemeClr val="accent1"/>
-          </a:fillRef>
-          <a:effectRef idx="1">
-            <a:schemeClr val="accent1"/>
-          </a:effectRef>
-          <a:fontRef idx="minor">
-            <a:schemeClr val="tx1"/>
-          </a:fontRef>
-        </p:style>
-      </p:cxnSp>
-      <p:cxnSp>
-        <p:nvCxnSpPr>
-          <p:cNvPr id="122" name="Gebogen verbindingslijn 121"/>
-          <p:cNvCxnSpPr>
-            <a:stCxn id="11" idx="2"/>
-            <a:endCxn id="12" idx="0"/>
-          </p:cNvCxnSpPr>
-          <p:nvPr/>
-        </p:nvCxnSpPr>
-        <p:spPr>
-          <a:xfrm rot="5400000">
-            <a:off x="3196577" y="3994783"/>
-            <a:ext cx="534946" cy="6357"/>
-          </a:xfrm>
-          <a:prstGeom prst="bentConnector3">
-            <a:avLst>
-              <a:gd name="adj1" fmla="val 50000"/>
-            </a:avLst>
-          </a:prstGeom>
-          <a:ln>
-            <a:solidFill>
-              <a:srgbClr val="FF0000"/>
-            </a:solidFill>
-          </a:ln>
-        </p:spPr>
-        <p:style>
-          <a:lnRef idx="2">
-            <a:schemeClr val="accent1"/>
-          </a:lnRef>
-          <a:fillRef idx="0">
-            <a:schemeClr val="accent1"/>
-          </a:fillRef>
-          <a:effectRef idx="1">
-            <a:schemeClr val="accent1"/>
-          </a:effectRef>
-          <a:fontRef idx="minor">
-            <a:schemeClr val="tx1"/>
-          </a:fontRef>
-        </p:style>
-      </p:cxnSp>
-      <p:cxnSp>
-        <p:nvCxnSpPr>
-          <p:cNvPr id="64" name="Elbow Connector 63"/>
-          <p:cNvCxnSpPr>
-            <a:stCxn id="13" idx="2"/>
-            <a:endCxn id="12" idx="3"/>
-          </p:cNvCxnSpPr>
-          <p:nvPr/>
-        </p:nvCxnSpPr>
-        <p:spPr>
-          <a:xfrm rot="5400000">
-            <a:off x="4381795" y="3290517"/>
-            <a:ext cx="1263669" cy="1221115"/>
-          </a:xfrm>
-          <a:prstGeom prst="bentConnector2">
-            <a:avLst/>
-          </a:prstGeom>
-          <a:ln>
-            <a:solidFill>
-              <a:srgbClr val="FF0000"/>
-            </a:solidFill>
-          </a:ln>
-        </p:spPr>
-        <p:style>
-          <a:lnRef idx="2">
-            <a:schemeClr val="accent1"/>
-          </a:lnRef>
-          <a:fillRef idx="0">
-            <a:schemeClr val="accent1"/>
-          </a:fillRef>
-          <a:effectRef idx="1">
-            <a:schemeClr val="accent1"/>
-          </a:effectRef>
-          <a:fontRef idx="minor">
-            <a:schemeClr val="tx1"/>
-          </a:fontRef>
-        </p:style>
-      </p:cxnSp>
-      <p:cxnSp>
-        <p:nvCxnSpPr>
-          <p:cNvPr id="90" name="Elbow Connector 89"/>
-          <p:cNvCxnSpPr>
-            <a:stCxn id="14" idx="2"/>
-            <a:endCxn id="11" idx="0"/>
-          </p:cNvCxnSpPr>
-          <p:nvPr/>
-        </p:nvCxnSpPr>
-        <p:spPr>
-          <a:xfrm rot="5400000">
-            <a:off x="3236606" y="2964914"/>
-            <a:ext cx="461248" cy="3"/>
-          </a:xfrm>
-          <a:prstGeom prst="bentConnector3">
-            <a:avLst>
-              <a:gd name="adj1" fmla="val 50000"/>
-            </a:avLst>
-          </a:prstGeom>
-          <a:ln>
-            <a:solidFill>
-              <a:srgbClr val="FF0000"/>
-            </a:solidFill>
-          </a:ln>
-        </p:spPr>
-        <p:style>
-          <a:lnRef idx="2">
-            <a:schemeClr val="accent1"/>
-          </a:lnRef>
-          <a:fillRef idx="0">
-            <a:schemeClr val="accent1"/>
-          </a:fillRef>
-          <a:effectRef idx="1">
-            <a:schemeClr val="accent1"/>
-          </a:effectRef>
-          <a:fontRef idx="minor">
-            <a:schemeClr val="tx1"/>
-          </a:fontRef>
-        </p:style>
-      </p:cxnSp>
-    </p:spTree>
-    <p:extLst>
-      <p:ext uri="{BB962C8B-B14F-4D97-AF65-F5344CB8AC3E}">
-        <p14:creationId xmlns="" xmlns:p14="http://schemas.microsoft.com/office/powerpoint/2010/main" val="907461295"/>
+        <p14:creationId xmlns:p14="http://schemas.microsoft.com/office/powerpoint/2010/main" xmlns="" val="907461295"/>
       </p:ext>
     </p:extLst>
   </p:cSld>

--- a/Documents/ClassDiagram.pptx
+++ b/Documents/ClassDiagram.pptx
@@ -289,7 +289,7 @@
             <a:fld id="{BAF09E74-5774-F145-AC14-13E3AE904401}" type="datetimeFigureOut">
               <a:rPr lang="nl-NL" smtClean="0"/>
               <a:pPr/>
-              <a:t>21-5-2015</a:t>
+              <a:t>23/05/15</a:t>
             </a:fld>
             <a:endParaRPr lang="nl-NL"/>
           </a:p>
@@ -332,7 +332,7 @@
             <a:fld id="{6D59DADF-35B0-8442-AF3F-7D54891C5B27}" type="slidenum">
               <a:rPr lang="nl-NL" smtClean="0"/>
               <a:pPr/>
-              <a:t>‹#›</a:t>
+              <a:t>‹nr.›</a:t>
             </a:fld>
             <a:endParaRPr lang="nl-NL"/>
           </a:p>
@@ -341,7 +341,7 @@
     </p:spTree>
     <p:extLst>
       <p:ext uri="{BB962C8B-B14F-4D97-AF65-F5344CB8AC3E}">
-        <p14:creationId xmlns:p14="http://schemas.microsoft.com/office/powerpoint/2010/main" xmlns="" val="2833105150"/>
+        <p14:creationId xmlns:p14="http://schemas.microsoft.com/office/powerpoint/2010/main" val="2833105150"/>
       </p:ext>
     </p:extLst>
   </p:cSld>
@@ -461,7 +461,7 @@
             <a:fld id="{BAF09E74-5774-F145-AC14-13E3AE904401}" type="datetimeFigureOut">
               <a:rPr lang="nl-NL" smtClean="0"/>
               <a:pPr/>
-              <a:t>21-5-2015</a:t>
+              <a:t>23/05/15</a:t>
             </a:fld>
             <a:endParaRPr lang="nl-NL"/>
           </a:p>
@@ -504,7 +504,7 @@
             <a:fld id="{6D59DADF-35B0-8442-AF3F-7D54891C5B27}" type="slidenum">
               <a:rPr lang="nl-NL" smtClean="0"/>
               <a:pPr/>
-              <a:t>‹#›</a:t>
+              <a:t>‹nr.›</a:t>
             </a:fld>
             <a:endParaRPr lang="nl-NL"/>
           </a:p>
@@ -513,7 +513,7 @@
     </p:spTree>
     <p:extLst>
       <p:ext uri="{BB962C8B-B14F-4D97-AF65-F5344CB8AC3E}">
-        <p14:creationId xmlns:p14="http://schemas.microsoft.com/office/powerpoint/2010/main" xmlns="" val="547624687"/>
+        <p14:creationId xmlns:p14="http://schemas.microsoft.com/office/powerpoint/2010/main" val="547624687"/>
       </p:ext>
     </p:extLst>
   </p:cSld>
@@ -643,7 +643,7 @@
             <a:fld id="{BAF09E74-5774-F145-AC14-13E3AE904401}" type="datetimeFigureOut">
               <a:rPr lang="nl-NL" smtClean="0"/>
               <a:pPr/>
-              <a:t>21-5-2015</a:t>
+              <a:t>23/05/15</a:t>
             </a:fld>
             <a:endParaRPr lang="nl-NL"/>
           </a:p>
@@ -686,7 +686,7 @@
             <a:fld id="{6D59DADF-35B0-8442-AF3F-7D54891C5B27}" type="slidenum">
               <a:rPr lang="nl-NL" smtClean="0"/>
               <a:pPr/>
-              <a:t>‹#›</a:t>
+              <a:t>‹nr.›</a:t>
             </a:fld>
             <a:endParaRPr lang="nl-NL"/>
           </a:p>
@@ -695,7 +695,7 @@
     </p:spTree>
     <p:extLst>
       <p:ext uri="{BB962C8B-B14F-4D97-AF65-F5344CB8AC3E}">
-        <p14:creationId xmlns:p14="http://schemas.microsoft.com/office/powerpoint/2010/main" xmlns="" val="3832215252"/>
+        <p14:creationId xmlns:p14="http://schemas.microsoft.com/office/powerpoint/2010/main" val="3832215252"/>
       </p:ext>
     </p:extLst>
   </p:cSld>
@@ -815,7 +815,7 @@
             <a:fld id="{BAF09E74-5774-F145-AC14-13E3AE904401}" type="datetimeFigureOut">
               <a:rPr lang="nl-NL" smtClean="0"/>
               <a:pPr/>
-              <a:t>21-5-2015</a:t>
+              <a:t>23/05/15</a:t>
             </a:fld>
             <a:endParaRPr lang="nl-NL"/>
           </a:p>
@@ -858,7 +858,7 @@
             <a:fld id="{6D59DADF-35B0-8442-AF3F-7D54891C5B27}" type="slidenum">
               <a:rPr lang="nl-NL" smtClean="0"/>
               <a:pPr/>
-              <a:t>‹#›</a:t>
+              <a:t>‹nr.›</a:t>
             </a:fld>
             <a:endParaRPr lang="nl-NL"/>
           </a:p>
@@ -867,7 +867,7 @@
     </p:spTree>
     <p:extLst>
       <p:ext uri="{BB962C8B-B14F-4D97-AF65-F5344CB8AC3E}">
-        <p14:creationId xmlns:p14="http://schemas.microsoft.com/office/powerpoint/2010/main" xmlns="" val="406829104"/>
+        <p14:creationId xmlns:p14="http://schemas.microsoft.com/office/powerpoint/2010/main" val="406829104"/>
       </p:ext>
     </p:extLst>
   </p:cSld>
@@ -1063,7 +1063,7 @@
             <a:fld id="{BAF09E74-5774-F145-AC14-13E3AE904401}" type="datetimeFigureOut">
               <a:rPr lang="nl-NL" smtClean="0"/>
               <a:pPr/>
-              <a:t>21-5-2015</a:t>
+              <a:t>23/05/15</a:t>
             </a:fld>
             <a:endParaRPr lang="nl-NL"/>
           </a:p>
@@ -1106,7 +1106,7 @@
             <a:fld id="{6D59DADF-35B0-8442-AF3F-7D54891C5B27}" type="slidenum">
               <a:rPr lang="nl-NL" smtClean="0"/>
               <a:pPr/>
-              <a:t>‹#›</a:t>
+              <a:t>‹nr.›</a:t>
             </a:fld>
             <a:endParaRPr lang="nl-NL"/>
           </a:p>
@@ -1115,7 +1115,7 @@
     </p:spTree>
     <p:extLst>
       <p:ext uri="{BB962C8B-B14F-4D97-AF65-F5344CB8AC3E}">
-        <p14:creationId xmlns:p14="http://schemas.microsoft.com/office/powerpoint/2010/main" xmlns="" val="4032166571"/>
+        <p14:creationId xmlns:p14="http://schemas.microsoft.com/office/powerpoint/2010/main" val="4032166571"/>
       </p:ext>
     </p:extLst>
   </p:cSld>
@@ -1353,7 +1353,7 @@
             <a:fld id="{BAF09E74-5774-F145-AC14-13E3AE904401}" type="datetimeFigureOut">
               <a:rPr lang="nl-NL" smtClean="0"/>
               <a:pPr/>
-              <a:t>21-5-2015</a:t>
+              <a:t>23/05/15</a:t>
             </a:fld>
             <a:endParaRPr lang="nl-NL"/>
           </a:p>
@@ -1396,7 +1396,7 @@
             <a:fld id="{6D59DADF-35B0-8442-AF3F-7D54891C5B27}" type="slidenum">
               <a:rPr lang="nl-NL" smtClean="0"/>
               <a:pPr/>
-              <a:t>‹#›</a:t>
+              <a:t>‹nr.›</a:t>
             </a:fld>
             <a:endParaRPr lang="nl-NL"/>
           </a:p>
@@ -1405,7 +1405,7 @@
     </p:spTree>
     <p:extLst>
       <p:ext uri="{BB962C8B-B14F-4D97-AF65-F5344CB8AC3E}">
-        <p14:creationId xmlns:p14="http://schemas.microsoft.com/office/powerpoint/2010/main" xmlns="" val="1494689933"/>
+        <p14:creationId xmlns:p14="http://schemas.microsoft.com/office/powerpoint/2010/main" val="1494689933"/>
       </p:ext>
     </p:extLst>
   </p:cSld>
@@ -1777,7 +1777,7 @@
             <a:fld id="{BAF09E74-5774-F145-AC14-13E3AE904401}" type="datetimeFigureOut">
               <a:rPr lang="nl-NL" smtClean="0"/>
               <a:pPr/>
-              <a:t>21-5-2015</a:t>
+              <a:t>23/05/15</a:t>
             </a:fld>
             <a:endParaRPr lang="nl-NL"/>
           </a:p>
@@ -1820,7 +1820,7 @@
             <a:fld id="{6D59DADF-35B0-8442-AF3F-7D54891C5B27}" type="slidenum">
               <a:rPr lang="nl-NL" smtClean="0"/>
               <a:pPr/>
-              <a:t>‹#›</a:t>
+              <a:t>‹nr.›</a:t>
             </a:fld>
             <a:endParaRPr lang="nl-NL"/>
           </a:p>
@@ -1829,7 +1829,7 @@
     </p:spTree>
     <p:extLst>
       <p:ext uri="{BB962C8B-B14F-4D97-AF65-F5344CB8AC3E}">
-        <p14:creationId xmlns:p14="http://schemas.microsoft.com/office/powerpoint/2010/main" xmlns="" val="1221107075"/>
+        <p14:creationId xmlns:p14="http://schemas.microsoft.com/office/powerpoint/2010/main" val="1221107075"/>
       </p:ext>
     </p:extLst>
   </p:cSld>
@@ -1897,7 +1897,7 @@
             <a:fld id="{BAF09E74-5774-F145-AC14-13E3AE904401}" type="datetimeFigureOut">
               <a:rPr lang="nl-NL" smtClean="0"/>
               <a:pPr/>
-              <a:t>21-5-2015</a:t>
+              <a:t>23/05/15</a:t>
             </a:fld>
             <a:endParaRPr lang="nl-NL"/>
           </a:p>
@@ -1940,7 +1940,7 @@
             <a:fld id="{6D59DADF-35B0-8442-AF3F-7D54891C5B27}" type="slidenum">
               <a:rPr lang="nl-NL" smtClean="0"/>
               <a:pPr/>
-              <a:t>‹#›</a:t>
+              <a:t>‹nr.›</a:t>
             </a:fld>
             <a:endParaRPr lang="nl-NL"/>
           </a:p>
@@ -1949,7 +1949,7 @@
     </p:spTree>
     <p:extLst>
       <p:ext uri="{BB962C8B-B14F-4D97-AF65-F5344CB8AC3E}">
-        <p14:creationId xmlns:p14="http://schemas.microsoft.com/office/powerpoint/2010/main" xmlns="" val="23264191"/>
+        <p14:creationId xmlns:p14="http://schemas.microsoft.com/office/powerpoint/2010/main" val="23264191"/>
       </p:ext>
     </p:extLst>
   </p:cSld>
@@ -1994,7 +1994,7 @@
             <a:fld id="{BAF09E74-5774-F145-AC14-13E3AE904401}" type="datetimeFigureOut">
               <a:rPr lang="nl-NL" smtClean="0"/>
               <a:pPr/>
-              <a:t>21-5-2015</a:t>
+              <a:t>23/05/15</a:t>
             </a:fld>
             <a:endParaRPr lang="nl-NL"/>
           </a:p>
@@ -2037,7 +2037,7 @@
             <a:fld id="{6D59DADF-35B0-8442-AF3F-7D54891C5B27}" type="slidenum">
               <a:rPr lang="nl-NL" smtClean="0"/>
               <a:pPr/>
-              <a:t>‹#›</a:t>
+              <a:t>‹nr.›</a:t>
             </a:fld>
             <a:endParaRPr lang="nl-NL"/>
           </a:p>
@@ -2046,7 +2046,7 @@
     </p:spTree>
     <p:extLst>
       <p:ext uri="{BB962C8B-B14F-4D97-AF65-F5344CB8AC3E}">
-        <p14:creationId xmlns:p14="http://schemas.microsoft.com/office/powerpoint/2010/main" xmlns="" val="461564456"/>
+        <p14:creationId xmlns:p14="http://schemas.microsoft.com/office/powerpoint/2010/main" val="461564456"/>
       </p:ext>
     </p:extLst>
   </p:cSld>
@@ -2273,7 +2273,7 @@
             <a:fld id="{BAF09E74-5774-F145-AC14-13E3AE904401}" type="datetimeFigureOut">
               <a:rPr lang="nl-NL" smtClean="0"/>
               <a:pPr/>
-              <a:t>21-5-2015</a:t>
+              <a:t>23/05/15</a:t>
             </a:fld>
             <a:endParaRPr lang="nl-NL"/>
           </a:p>
@@ -2316,7 +2316,7 @@
             <a:fld id="{6D59DADF-35B0-8442-AF3F-7D54891C5B27}" type="slidenum">
               <a:rPr lang="nl-NL" smtClean="0"/>
               <a:pPr/>
-              <a:t>‹#›</a:t>
+              <a:t>‹nr.›</a:t>
             </a:fld>
             <a:endParaRPr lang="nl-NL"/>
           </a:p>
@@ -2325,7 +2325,7 @@
     </p:spTree>
     <p:extLst>
       <p:ext uri="{BB962C8B-B14F-4D97-AF65-F5344CB8AC3E}">
-        <p14:creationId xmlns:p14="http://schemas.microsoft.com/office/powerpoint/2010/main" xmlns="" val="3656418691"/>
+        <p14:creationId xmlns:p14="http://schemas.microsoft.com/office/powerpoint/2010/main" val="3656418691"/>
       </p:ext>
     </p:extLst>
   </p:cSld>
@@ -2528,7 +2528,7 @@
             <a:fld id="{BAF09E74-5774-F145-AC14-13E3AE904401}" type="datetimeFigureOut">
               <a:rPr lang="nl-NL" smtClean="0"/>
               <a:pPr/>
-              <a:t>21-5-2015</a:t>
+              <a:t>23/05/15</a:t>
             </a:fld>
             <a:endParaRPr lang="nl-NL"/>
           </a:p>
@@ -2571,7 +2571,7 @@
             <a:fld id="{6D59DADF-35B0-8442-AF3F-7D54891C5B27}" type="slidenum">
               <a:rPr lang="nl-NL" smtClean="0"/>
               <a:pPr/>
-              <a:t>‹#›</a:t>
+              <a:t>‹nr.›</a:t>
             </a:fld>
             <a:endParaRPr lang="nl-NL"/>
           </a:p>
@@ -2580,7 +2580,7 @@
     </p:spTree>
     <p:extLst>
       <p:ext uri="{BB962C8B-B14F-4D97-AF65-F5344CB8AC3E}">
-        <p14:creationId xmlns:p14="http://schemas.microsoft.com/office/powerpoint/2010/main" xmlns="" val="2512410003"/>
+        <p14:creationId xmlns:p14="http://schemas.microsoft.com/office/powerpoint/2010/main" val="2512410003"/>
       </p:ext>
     </p:extLst>
   </p:cSld>
@@ -2743,7 +2743,7 @@
             <a:fld id="{BAF09E74-5774-F145-AC14-13E3AE904401}" type="datetimeFigureOut">
               <a:rPr lang="nl-NL" smtClean="0"/>
               <a:pPr/>
-              <a:t>21-5-2015</a:t>
+              <a:t>23/05/15</a:t>
             </a:fld>
             <a:endParaRPr lang="nl-NL"/>
           </a:p>
@@ -2822,7 +2822,7 @@
             <a:fld id="{6D59DADF-35B0-8442-AF3F-7D54891C5B27}" type="slidenum">
               <a:rPr lang="nl-NL" smtClean="0"/>
               <a:pPr/>
-              <a:t>‹#›</a:t>
+              <a:t>‹nr.›</a:t>
             </a:fld>
             <a:endParaRPr lang="nl-NL"/>
           </a:p>
@@ -2831,7 +2831,7 @@
     </p:spTree>
     <p:extLst>
       <p:ext uri="{BB962C8B-B14F-4D97-AF65-F5344CB8AC3E}">
-        <p14:creationId xmlns:p14="http://schemas.microsoft.com/office/powerpoint/2010/main" xmlns="" val="3782918827"/>
+        <p14:creationId xmlns:p14="http://schemas.microsoft.com/office/powerpoint/2010/main" val="3782918827"/>
       </p:ext>
     </p:extLst>
   </p:cSld>
@@ -3299,7 +3299,7 @@
         </p:nvSpPr>
         <p:spPr>
           <a:xfrm>
-            <a:off x="4709046" y="5000568"/>
+            <a:off x="4700905" y="5000568"/>
             <a:ext cx="1884400" cy="534949"/>
           </a:xfrm>
           <a:prstGeom prst="roundRect">
@@ -3341,7 +3341,7 @@
         </p:nvSpPr>
         <p:spPr>
           <a:xfrm>
-            <a:off x="4709047" y="5790694"/>
+            <a:off x="4700906" y="5790694"/>
             <a:ext cx="1884400" cy="534949"/>
           </a:xfrm>
           <a:prstGeom prst="roundRect">
@@ -3384,7 +3384,7 @@
         </p:nvSpPr>
         <p:spPr>
           <a:xfrm>
-            <a:off x="4702696" y="3269233"/>
+            <a:off x="4702696" y="3277374"/>
             <a:ext cx="1884400" cy="534949"/>
           </a:xfrm>
           <a:prstGeom prst="roundRect">
@@ -3426,7 +3426,7 @@
         </p:nvSpPr>
         <p:spPr>
           <a:xfrm>
-            <a:off x="4709045" y="2371740"/>
+            <a:off x="4700904" y="2371740"/>
             <a:ext cx="1884400" cy="534949"/>
           </a:xfrm>
           <a:prstGeom prst="roundRect">
@@ -3602,7 +3602,7 @@
         </p:nvSpPr>
         <p:spPr>
           <a:xfrm>
-            <a:off x="7139828" y="3256707"/>
+            <a:off x="7139830" y="3277374"/>
             <a:ext cx="1884400" cy="534949"/>
           </a:xfrm>
           <a:prstGeom prst="roundRect">
@@ -3854,7 +3854,7 @@
         <p:spPr>
           <a:xfrm>
             <a:off x="5638545" y="1531079"/>
-            <a:ext cx="12700" cy="840661"/>
+            <a:ext cx="4559" cy="840661"/>
           </a:xfrm>
           <a:prstGeom prst="line">
             <a:avLst/>
@@ -3918,9 +3918,9 @@
           <p:nvPr/>
         </p:nvCxnSpPr>
         <p:spPr>
-          <a:xfrm rot="5400000">
-            <a:off x="5466799" y="3084787"/>
-            <a:ext cx="362544" cy="6349"/>
+          <a:xfrm rot="16200000" flipH="1">
+            <a:off x="5458658" y="3091135"/>
+            <a:ext cx="370685" cy="1792"/>
           </a:xfrm>
           <a:prstGeom prst="bentConnector3">
             <a:avLst>
@@ -3959,8 +3959,8 @@
         </p:nvCxnSpPr>
         <p:spPr>
           <a:xfrm flipV="1">
-            <a:off x="6593445" y="2639213"/>
-            <a:ext cx="546384" cy="2"/>
+            <a:off x="6585304" y="2639213"/>
+            <a:ext cx="554525" cy="2"/>
           </a:xfrm>
           <a:prstGeom prst="bentConnector3">
             <a:avLst>
@@ -3994,7 +3994,7 @@
         </p:nvCxnSpPr>
         <p:spPr>
           <a:xfrm rot="10800000" flipH="1" flipV="1">
-            <a:off x="4709045" y="2639215"/>
+            <a:off x="4700904" y="2639215"/>
             <a:ext cx="2" cy="3418954"/>
           </a:xfrm>
           <a:prstGeom prst="bentConnector3">
@@ -4034,7 +4034,7 @@
         </p:nvCxnSpPr>
         <p:spPr>
           <a:xfrm rot="10800000" flipH="1" flipV="1">
-            <a:off x="4709044" y="2639215"/>
+            <a:off x="4700903" y="2639215"/>
             <a:ext cx="1" cy="2628828"/>
           </a:xfrm>
           <a:prstGeom prst="bentConnector3">
@@ -4074,8 +4074,8 @@
         </p:nvCxnSpPr>
         <p:spPr>
           <a:xfrm rot="16200000" flipH="1">
-            <a:off x="3939831" y="2773843"/>
-            <a:ext cx="170226" cy="1355504"/>
+            <a:off x="3935761" y="2777913"/>
+            <a:ext cx="178367" cy="1355504"/>
           </a:xfrm>
           <a:prstGeom prst="bentConnector2">
             <a:avLst/>
@@ -4107,8 +4107,8 @@
         </p:nvCxnSpPr>
         <p:spPr>
           <a:xfrm>
-            <a:off x="5644896" y="3804182"/>
-            <a:ext cx="0" cy="367305"/>
+            <a:off x="5644896" y="3812323"/>
+            <a:ext cx="0" cy="359164"/>
           </a:xfrm>
           <a:prstGeom prst="line">
             <a:avLst/>
@@ -4193,7 +4193,7 @@
           </a:prstGeom>
           <a:ln>
             <a:solidFill>
-              <a:srgbClr val="00B050"/>
+              <a:srgbClr val="4F81BD"/>
             </a:solidFill>
           </a:ln>
         </p:spPr>
@@ -4233,7 +4233,7 @@
           </a:prstGeom>
           <a:ln>
             <a:solidFill>
-              <a:srgbClr val="00B050"/>
+              <a:srgbClr val="4F81BD"/>
             </a:solidFill>
           </a:ln>
         </p:spPr>
@@ -4273,7 +4273,7 @@
           </a:prstGeom>
           <a:ln>
             <a:solidFill>
-              <a:srgbClr val="00B050"/>
+              <a:srgbClr val="4F81BD"/>
             </a:solidFill>
           </a:ln>
         </p:spPr>
@@ -4353,7 +4353,7 @@
           </a:prstGeom>
           <a:ln>
             <a:solidFill>
-              <a:srgbClr val="00B050"/>
+              <a:srgbClr val="4F81BD"/>
             </a:solidFill>
           </a:ln>
         </p:spPr>
@@ -4383,8 +4383,8 @@
         </p:nvCxnSpPr>
         <p:spPr>
           <a:xfrm flipV="1">
-            <a:off x="6587096" y="3791656"/>
-            <a:ext cx="1494932" cy="647306"/>
+            <a:off x="6587096" y="3812323"/>
+            <a:ext cx="1494934" cy="626639"/>
           </a:xfrm>
           <a:prstGeom prst="bentConnector2">
             <a:avLst/>
@@ -4415,9 +4415,9 @@
           <p:nvPr/>
         </p:nvCxnSpPr>
         <p:spPr>
-          <a:xfrm rot="10800000" flipV="1">
-            <a:off x="6587096" y="3524182"/>
-            <a:ext cx="552732" cy="12526"/>
+          <a:xfrm rot="10800000">
+            <a:off x="6587096" y="3544849"/>
+            <a:ext cx="552734" cy="12700"/>
           </a:xfrm>
           <a:prstGeom prst="bentConnector3">
             <a:avLst>
@@ -4450,9 +4450,9 @@
           <p:nvPr/>
         </p:nvCxnSpPr>
         <p:spPr>
-          <a:xfrm rot="16200000" flipH="1">
-            <a:off x="5501005" y="4850327"/>
-            <a:ext cx="294132" cy="6350"/>
+          <a:xfrm rot="5400000">
+            <a:off x="5496935" y="4852607"/>
+            <a:ext cx="294132" cy="1791"/>
           </a:xfrm>
           <a:prstGeom prst="bentConnector3">
             <a:avLst>
@@ -4529,12 +4529,12 @@
         </p:nvCxnSpPr>
         <p:spPr>
           <a:xfrm rot="5400000">
-            <a:off x="5027325" y="2111525"/>
-            <a:ext cx="1374573" cy="4734835"/>
+            <a:off x="5037659" y="2121858"/>
+            <a:ext cx="1353906" cy="4734837"/>
           </a:xfrm>
           <a:prstGeom prst="bentConnector3">
             <a:avLst>
-              <a:gd name="adj1" fmla="val 203201"/>
+              <a:gd name="adj1" fmla="val 212938"/>
             </a:avLst>
           </a:prstGeom>
         </p:spPr>
@@ -4564,8 +4564,8 @@
         </p:nvCxnSpPr>
         <p:spPr>
           <a:xfrm rot="10800000" flipV="1">
-            <a:off x="3347194" y="3536707"/>
-            <a:ext cx="1355502" cy="204467"/>
+            <a:off x="3347194" y="3544849"/>
+            <a:ext cx="1355502" cy="196326"/>
           </a:xfrm>
           <a:prstGeom prst="bentConnector2">
             <a:avLst/>
@@ -4630,7 +4630,7 @@
         </p:nvCxnSpPr>
         <p:spPr>
           <a:xfrm rot="16200000" flipH="1">
-            <a:off x="5523658" y="5663104"/>
+            <a:off x="5515517" y="5663104"/>
             <a:ext cx="255177" cy="1"/>
           </a:xfrm>
           <a:prstGeom prst="bentConnector3">
@@ -4669,9 +4669,9 @@
           <p:nvPr/>
         </p:nvCxnSpPr>
         <p:spPr>
-          <a:xfrm rot="5400000">
-            <a:off x="7907019" y="3081697"/>
-            <a:ext cx="350020" cy="1"/>
+          <a:xfrm rot="16200000" flipH="1">
+            <a:off x="7896686" y="3092029"/>
+            <a:ext cx="370687" cy="1"/>
           </a:xfrm>
           <a:prstGeom prst="bentConnector3">
             <a:avLst>
@@ -4702,7 +4702,7 @@
     </p:spTree>
     <p:extLst>
       <p:ext uri="{BB962C8B-B14F-4D97-AF65-F5344CB8AC3E}">
-        <p14:creationId xmlns:p14="http://schemas.microsoft.com/office/powerpoint/2010/main" xmlns="" val="907461295"/>
+        <p14:creationId xmlns:p14="http://schemas.microsoft.com/office/powerpoint/2010/main" val="907461295"/>
       </p:ext>
     </p:extLst>
   </p:cSld>
@@ -4712,7 +4712,7 @@
   <p:timing>
     <p:tnLst>
       <p:par>
-        <p:cTn id="1" dur="indefinite" restart="never" nodeType="tmRoot"/>
+        <p:cTn xmlns:p14="http://schemas.microsoft.com/office/powerpoint/2010/main" id="1" dur="indefinite" restart="never" nodeType="tmRoot"/>
       </p:par>
     </p:tnLst>
   </p:timing>

--- a/Documents/ClassDiagram.pptx
+++ b/Documents/ClassDiagram.pptx
@@ -289,7 +289,7 @@
             <a:fld id="{BAF09E74-5774-F145-AC14-13E3AE904401}" type="datetimeFigureOut">
               <a:rPr lang="nl-NL" smtClean="0"/>
               <a:pPr/>
-              <a:t>23/05/15</a:t>
+              <a:t>8-7-2015</a:t>
             </a:fld>
             <a:endParaRPr lang="nl-NL"/>
           </a:p>
@@ -332,7 +332,7 @@
             <a:fld id="{6D59DADF-35B0-8442-AF3F-7D54891C5B27}" type="slidenum">
               <a:rPr lang="nl-NL" smtClean="0"/>
               <a:pPr/>
-              <a:t>‹nr.›</a:t>
+              <a:t>‹#›</a:t>
             </a:fld>
             <a:endParaRPr lang="nl-NL"/>
           </a:p>
@@ -341,7 +341,7 @@
     </p:spTree>
     <p:extLst>
       <p:ext uri="{BB962C8B-B14F-4D97-AF65-F5344CB8AC3E}">
-        <p14:creationId xmlns:p14="http://schemas.microsoft.com/office/powerpoint/2010/main" val="2833105150"/>
+        <p14:creationId xmlns:p14="http://schemas.microsoft.com/office/powerpoint/2010/main" xmlns="" val="2833105150"/>
       </p:ext>
     </p:extLst>
   </p:cSld>
@@ -461,7 +461,7 @@
             <a:fld id="{BAF09E74-5774-F145-AC14-13E3AE904401}" type="datetimeFigureOut">
               <a:rPr lang="nl-NL" smtClean="0"/>
               <a:pPr/>
-              <a:t>23/05/15</a:t>
+              <a:t>8-7-2015</a:t>
             </a:fld>
             <a:endParaRPr lang="nl-NL"/>
           </a:p>
@@ -504,7 +504,7 @@
             <a:fld id="{6D59DADF-35B0-8442-AF3F-7D54891C5B27}" type="slidenum">
               <a:rPr lang="nl-NL" smtClean="0"/>
               <a:pPr/>
-              <a:t>‹nr.›</a:t>
+              <a:t>‹#›</a:t>
             </a:fld>
             <a:endParaRPr lang="nl-NL"/>
           </a:p>
@@ -513,7 +513,7 @@
     </p:spTree>
     <p:extLst>
       <p:ext uri="{BB962C8B-B14F-4D97-AF65-F5344CB8AC3E}">
-        <p14:creationId xmlns:p14="http://schemas.microsoft.com/office/powerpoint/2010/main" val="547624687"/>
+        <p14:creationId xmlns:p14="http://schemas.microsoft.com/office/powerpoint/2010/main" xmlns="" val="547624687"/>
       </p:ext>
     </p:extLst>
   </p:cSld>
@@ -643,7 +643,7 @@
             <a:fld id="{BAF09E74-5774-F145-AC14-13E3AE904401}" type="datetimeFigureOut">
               <a:rPr lang="nl-NL" smtClean="0"/>
               <a:pPr/>
-              <a:t>23/05/15</a:t>
+              <a:t>8-7-2015</a:t>
             </a:fld>
             <a:endParaRPr lang="nl-NL"/>
           </a:p>
@@ -686,7 +686,7 @@
             <a:fld id="{6D59DADF-35B0-8442-AF3F-7D54891C5B27}" type="slidenum">
               <a:rPr lang="nl-NL" smtClean="0"/>
               <a:pPr/>
-              <a:t>‹nr.›</a:t>
+              <a:t>‹#›</a:t>
             </a:fld>
             <a:endParaRPr lang="nl-NL"/>
           </a:p>
@@ -695,7 +695,7 @@
     </p:spTree>
     <p:extLst>
       <p:ext uri="{BB962C8B-B14F-4D97-AF65-F5344CB8AC3E}">
-        <p14:creationId xmlns:p14="http://schemas.microsoft.com/office/powerpoint/2010/main" val="3832215252"/>
+        <p14:creationId xmlns:p14="http://schemas.microsoft.com/office/powerpoint/2010/main" xmlns="" val="3832215252"/>
       </p:ext>
     </p:extLst>
   </p:cSld>
@@ -815,7 +815,7 @@
             <a:fld id="{BAF09E74-5774-F145-AC14-13E3AE904401}" type="datetimeFigureOut">
               <a:rPr lang="nl-NL" smtClean="0"/>
               <a:pPr/>
-              <a:t>23/05/15</a:t>
+              <a:t>8-7-2015</a:t>
             </a:fld>
             <a:endParaRPr lang="nl-NL"/>
           </a:p>
@@ -858,7 +858,7 @@
             <a:fld id="{6D59DADF-35B0-8442-AF3F-7D54891C5B27}" type="slidenum">
               <a:rPr lang="nl-NL" smtClean="0"/>
               <a:pPr/>
-              <a:t>‹nr.›</a:t>
+              <a:t>‹#›</a:t>
             </a:fld>
             <a:endParaRPr lang="nl-NL"/>
           </a:p>
@@ -867,7 +867,7 @@
     </p:spTree>
     <p:extLst>
       <p:ext uri="{BB962C8B-B14F-4D97-AF65-F5344CB8AC3E}">
-        <p14:creationId xmlns:p14="http://schemas.microsoft.com/office/powerpoint/2010/main" val="406829104"/>
+        <p14:creationId xmlns:p14="http://schemas.microsoft.com/office/powerpoint/2010/main" xmlns="" val="406829104"/>
       </p:ext>
     </p:extLst>
   </p:cSld>
@@ -1063,7 +1063,7 @@
             <a:fld id="{BAF09E74-5774-F145-AC14-13E3AE904401}" type="datetimeFigureOut">
               <a:rPr lang="nl-NL" smtClean="0"/>
               <a:pPr/>
-              <a:t>23/05/15</a:t>
+              <a:t>8-7-2015</a:t>
             </a:fld>
             <a:endParaRPr lang="nl-NL"/>
           </a:p>
@@ -1106,7 +1106,7 @@
             <a:fld id="{6D59DADF-35B0-8442-AF3F-7D54891C5B27}" type="slidenum">
               <a:rPr lang="nl-NL" smtClean="0"/>
               <a:pPr/>
-              <a:t>‹nr.›</a:t>
+              <a:t>‹#›</a:t>
             </a:fld>
             <a:endParaRPr lang="nl-NL"/>
           </a:p>
@@ -1115,7 +1115,7 @@
     </p:spTree>
     <p:extLst>
       <p:ext uri="{BB962C8B-B14F-4D97-AF65-F5344CB8AC3E}">
-        <p14:creationId xmlns:p14="http://schemas.microsoft.com/office/powerpoint/2010/main" val="4032166571"/>
+        <p14:creationId xmlns:p14="http://schemas.microsoft.com/office/powerpoint/2010/main" xmlns="" val="4032166571"/>
       </p:ext>
     </p:extLst>
   </p:cSld>
@@ -1353,7 +1353,7 @@
             <a:fld id="{BAF09E74-5774-F145-AC14-13E3AE904401}" type="datetimeFigureOut">
               <a:rPr lang="nl-NL" smtClean="0"/>
               <a:pPr/>
-              <a:t>23/05/15</a:t>
+              <a:t>8-7-2015</a:t>
             </a:fld>
             <a:endParaRPr lang="nl-NL"/>
           </a:p>
@@ -1396,7 +1396,7 @@
             <a:fld id="{6D59DADF-35B0-8442-AF3F-7D54891C5B27}" type="slidenum">
               <a:rPr lang="nl-NL" smtClean="0"/>
               <a:pPr/>
-              <a:t>‹nr.›</a:t>
+              <a:t>‹#›</a:t>
             </a:fld>
             <a:endParaRPr lang="nl-NL"/>
           </a:p>
@@ -1405,7 +1405,7 @@
     </p:spTree>
     <p:extLst>
       <p:ext uri="{BB962C8B-B14F-4D97-AF65-F5344CB8AC3E}">
-        <p14:creationId xmlns:p14="http://schemas.microsoft.com/office/powerpoint/2010/main" val="1494689933"/>
+        <p14:creationId xmlns:p14="http://schemas.microsoft.com/office/powerpoint/2010/main" xmlns="" val="1494689933"/>
       </p:ext>
     </p:extLst>
   </p:cSld>
@@ -1777,7 +1777,7 @@
             <a:fld id="{BAF09E74-5774-F145-AC14-13E3AE904401}" type="datetimeFigureOut">
               <a:rPr lang="nl-NL" smtClean="0"/>
               <a:pPr/>
-              <a:t>23/05/15</a:t>
+              <a:t>8-7-2015</a:t>
             </a:fld>
             <a:endParaRPr lang="nl-NL"/>
           </a:p>
@@ -1820,7 +1820,7 @@
             <a:fld id="{6D59DADF-35B0-8442-AF3F-7D54891C5B27}" type="slidenum">
               <a:rPr lang="nl-NL" smtClean="0"/>
               <a:pPr/>
-              <a:t>‹nr.›</a:t>
+              <a:t>‹#›</a:t>
             </a:fld>
             <a:endParaRPr lang="nl-NL"/>
           </a:p>
@@ -1829,7 +1829,7 @@
     </p:spTree>
     <p:extLst>
       <p:ext uri="{BB962C8B-B14F-4D97-AF65-F5344CB8AC3E}">
-        <p14:creationId xmlns:p14="http://schemas.microsoft.com/office/powerpoint/2010/main" val="1221107075"/>
+        <p14:creationId xmlns:p14="http://schemas.microsoft.com/office/powerpoint/2010/main" xmlns="" val="1221107075"/>
       </p:ext>
     </p:extLst>
   </p:cSld>
@@ -1897,7 +1897,7 @@
             <a:fld id="{BAF09E74-5774-F145-AC14-13E3AE904401}" type="datetimeFigureOut">
               <a:rPr lang="nl-NL" smtClean="0"/>
               <a:pPr/>
-              <a:t>23/05/15</a:t>
+              <a:t>8-7-2015</a:t>
             </a:fld>
             <a:endParaRPr lang="nl-NL"/>
           </a:p>
@@ -1940,7 +1940,7 @@
             <a:fld id="{6D59DADF-35B0-8442-AF3F-7D54891C5B27}" type="slidenum">
               <a:rPr lang="nl-NL" smtClean="0"/>
               <a:pPr/>
-              <a:t>‹nr.›</a:t>
+              <a:t>‹#›</a:t>
             </a:fld>
             <a:endParaRPr lang="nl-NL"/>
           </a:p>
@@ -1949,7 +1949,7 @@
     </p:spTree>
     <p:extLst>
       <p:ext uri="{BB962C8B-B14F-4D97-AF65-F5344CB8AC3E}">
-        <p14:creationId xmlns:p14="http://schemas.microsoft.com/office/powerpoint/2010/main" val="23264191"/>
+        <p14:creationId xmlns:p14="http://schemas.microsoft.com/office/powerpoint/2010/main" xmlns="" val="23264191"/>
       </p:ext>
     </p:extLst>
   </p:cSld>
@@ -1994,7 +1994,7 @@
             <a:fld id="{BAF09E74-5774-F145-AC14-13E3AE904401}" type="datetimeFigureOut">
               <a:rPr lang="nl-NL" smtClean="0"/>
               <a:pPr/>
-              <a:t>23/05/15</a:t>
+              <a:t>8-7-2015</a:t>
             </a:fld>
             <a:endParaRPr lang="nl-NL"/>
           </a:p>
@@ -2037,7 +2037,7 @@
             <a:fld id="{6D59DADF-35B0-8442-AF3F-7D54891C5B27}" type="slidenum">
               <a:rPr lang="nl-NL" smtClean="0"/>
               <a:pPr/>
-              <a:t>‹nr.›</a:t>
+              <a:t>‹#›</a:t>
             </a:fld>
             <a:endParaRPr lang="nl-NL"/>
           </a:p>
@@ -2046,7 +2046,7 @@
     </p:spTree>
     <p:extLst>
       <p:ext uri="{BB962C8B-B14F-4D97-AF65-F5344CB8AC3E}">
-        <p14:creationId xmlns:p14="http://schemas.microsoft.com/office/powerpoint/2010/main" val="461564456"/>
+        <p14:creationId xmlns:p14="http://schemas.microsoft.com/office/powerpoint/2010/main" xmlns="" val="461564456"/>
       </p:ext>
     </p:extLst>
   </p:cSld>
@@ -2273,7 +2273,7 @@
             <a:fld id="{BAF09E74-5774-F145-AC14-13E3AE904401}" type="datetimeFigureOut">
               <a:rPr lang="nl-NL" smtClean="0"/>
               <a:pPr/>
-              <a:t>23/05/15</a:t>
+              <a:t>8-7-2015</a:t>
             </a:fld>
             <a:endParaRPr lang="nl-NL"/>
           </a:p>
@@ -2316,7 +2316,7 @@
             <a:fld id="{6D59DADF-35B0-8442-AF3F-7D54891C5B27}" type="slidenum">
               <a:rPr lang="nl-NL" smtClean="0"/>
               <a:pPr/>
-              <a:t>‹nr.›</a:t>
+              <a:t>‹#›</a:t>
             </a:fld>
             <a:endParaRPr lang="nl-NL"/>
           </a:p>
@@ -2325,7 +2325,7 @@
     </p:spTree>
     <p:extLst>
       <p:ext uri="{BB962C8B-B14F-4D97-AF65-F5344CB8AC3E}">
-        <p14:creationId xmlns:p14="http://schemas.microsoft.com/office/powerpoint/2010/main" val="3656418691"/>
+        <p14:creationId xmlns:p14="http://schemas.microsoft.com/office/powerpoint/2010/main" xmlns="" val="3656418691"/>
       </p:ext>
     </p:extLst>
   </p:cSld>
@@ -2528,7 +2528,7 @@
             <a:fld id="{BAF09E74-5774-F145-AC14-13E3AE904401}" type="datetimeFigureOut">
               <a:rPr lang="nl-NL" smtClean="0"/>
               <a:pPr/>
-              <a:t>23/05/15</a:t>
+              <a:t>8-7-2015</a:t>
             </a:fld>
             <a:endParaRPr lang="nl-NL"/>
           </a:p>
@@ -2571,7 +2571,7 @@
             <a:fld id="{6D59DADF-35B0-8442-AF3F-7D54891C5B27}" type="slidenum">
               <a:rPr lang="nl-NL" smtClean="0"/>
               <a:pPr/>
-              <a:t>‹nr.›</a:t>
+              <a:t>‹#›</a:t>
             </a:fld>
             <a:endParaRPr lang="nl-NL"/>
           </a:p>
@@ -2580,7 +2580,7 @@
     </p:spTree>
     <p:extLst>
       <p:ext uri="{BB962C8B-B14F-4D97-AF65-F5344CB8AC3E}">
-        <p14:creationId xmlns:p14="http://schemas.microsoft.com/office/powerpoint/2010/main" val="2512410003"/>
+        <p14:creationId xmlns:p14="http://schemas.microsoft.com/office/powerpoint/2010/main" xmlns="" val="2512410003"/>
       </p:ext>
     </p:extLst>
   </p:cSld>
@@ -2743,7 +2743,7 @@
             <a:fld id="{BAF09E74-5774-F145-AC14-13E3AE904401}" type="datetimeFigureOut">
               <a:rPr lang="nl-NL" smtClean="0"/>
               <a:pPr/>
-              <a:t>23/05/15</a:t>
+              <a:t>8-7-2015</a:t>
             </a:fld>
             <a:endParaRPr lang="nl-NL"/>
           </a:p>
@@ -2822,7 +2822,7 @@
             <a:fld id="{6D59DADF-35B0-8442-AF3F-7D54891C5B27}" type="slidenum">
               <a:rPr lang="nl-NL" smtClean="0"/>
               <a:pPr/>
-              <a:t>‹nr.›</a:t>
+              <a:t>‹#›</a:t>
             </a:fld>
             <a:endParaRPr lang="nl-NL"/>
           </a:p>
@@ -2831,7 +2831,7 @@
     </p:spTree>
     <p:extLst>
       <p:ext uri="{BB962C8B-B14F-4D97-AF65-F5344CB8AC3E}">
-        <p14:creationId xmlns:p14="http://schemas.microsoft.com/office/powerpoint/2010/main" val="3782918827"/>
+        <p14:creationId xmlns:p14="http://schemas.microsoft.com/office/powerpoint/2010/main" xmlns="" val="3782918827"/>
       </p:ext>
     </p:extLst>
   </p:cSld>
@@ -3737,7 +3737,9 @@
           <a:prstGeom prst="roundRect">
             <a:avLst/>
           </a:prstGeom>
-          <a:ln/>
+          <a:ln w="25400">
+            <a:prstDash val="dash"/>
+          </a:ln>
         </p:spPr>
         <p:style>
           <a:lnRef idx="1">
@@ -4702,7 +4704,7 @@
     </p:spTree>
     <p:extLst>
       <p:ext uri="{BB962C8B-B14F-4D97-AF65-F5344CB8AC3E}">
-        <p14:creationId xmlns:p14="http://schemas.microsoft.com/office/powerpoint/2010/main" val="907461295"/>
+        <p14:creationId xmlns:p14="http://schemas.microsoft.com/office/powerpoint/2010/main" xmlns="" val="907461295"/>
       </p:ext>
     </p:extLst>
   </p:cSld>
@@ -4712,7 +4714,7 @@
   <p:timing>
     <p:tnLst>
       <p:par>
-        <p:cTn xmlns:p14="http://schemas.microsoft.com/office/powerpoint/2010/main" id="1" dur="indefinite" restart="never" nodeType="tmRoot"/>
+        <p:cTn id="1" dur="indefinite" restart="never" nodeType="tmRoot"/>
       </p:par>
     </p:tnLst>
   </p:timing>

--- a/Documents/ClassDiagram.pptx
+++ b/Documents/ClassDiagram.pptx
@@ -289,7 +289,7 @@
             <a:fld id="{BAF09E74-5774-F145-AC14-13E3AE904401}" type="datetimeFigureOut">
               <a:rPr lang="nl-NL" smtClean="0"/>
               <a:pPr/>
-              <a:t>8-7-2015</a:t>
+              <a:t>10-7-2015</a:t>
             </a:fld>
             <a:endParaRPr lang="nl-NL"/>
           </a:p>
@@ -341,7 +341,7 @@
     </p:spTree>
     <p:extLst>
       <p:ext uri="{BB962C8B-B14F-4D97-AF65-F5344CB8AC3E}">
-        <p14:creationId xmlns:p14="http://schemas.microsoft.com/office/powerpoint/2010/main" xmlns="" val="2833105150"/>
+        <p14:creationId xmlns="" xmlns:p14="http://schemas.microsoft.com/office/powerpoint/2010/main" val="2833105150"/>
       </p:ext>
     </p:extLst>
   </p:cSld>
@@ -461,7 +461,7 @@
             <a:fld id="{BAF09E74-5774-F145-AC14-13E3AE904401}" type="datetimeFigureOut">
               <a:rPr lang="nl-NL" smtClean="0"/>
               <a:pPr/>
-              <a:t>8-7-2015</a:t>
+              <a:t>10-7-2015</a:t>
             </a:fld>
             <a:endParaRPr lang="nl-NL"/>
           </a:p>
@@ -513,7 +513,7 @@
     </p:spTree>
     <p:extLst>
       <p:ext uri="{BB962C8B-B14F-4D97-AF65-F5344CB8AC3E}">
-        <p14:creationId xmlns:p14="http://schemas.microsoft.com/office/powerpoint/2010/main" xmlns="" val="547624687"/>
+        <p14:creationId xmlns="" xmlns:p14="http://schemas.microsoft.com/office/powerpoint/2010/main" val="547624687"/>
       </p:ext>
     </p:extLst>
   </p:cSld>
@@ -643,7 +643,7 @@
             <a:fld id="{BAF09E74-5774-F145-AC14-13E3AE904401}" type="datetimeFigureOut">
               <a:rPr lang="nl-NL" smtClean="0"/>
               <a:pPr/>
-              <a:t>8-7-2015</a:t>
+              <a:t>10-7-2015</a:t>
             </a:fld>
             <a:endParaRPr lang="nl-NL"/>
           </a:p>
@@ -695,7 +695,7 @@
     </p:spTree>
     <p:extLst>
       <p:ext uri="{BB962C8B-B14F-4D97-AF65-F5344CB8AC3E}">
-        <p14:creationId xmlns:p14="http://schemas.microsoft.com/office/powerpoint/2010/main" xmlns="" val="3832215252"/>
+        <p14:creationId xmlns="" xmlns:p14="http://schemas.microsoft.com/office/powerpoint/2010/main" val="3832215252"/>
       </p:ext>
     </p:extLst>
   </p:cSld>
@@ -815,7 +815,7 @@
             <a:fld id="{BAF09E74-5774-F145-AC14-13E3AE904401}" type="datetimeFigureOut">
               <a:rPr lang="nl-NL" smtClean="0"/>
               <a:pPr/>
-              <a:t>8-7-2015</a:t>
+              <a:t>10-7-2015</a:t>
             </a:fld>
             <a:endParaRPr lang="nl-NL"/>
           </a:p>
@@ -867,7 +867,7 @@
     </p:spTree>
     <p:extLst>
       <p:ext uri="{BB962C8B-B14F-4D97-AF65-F5344CB8AC3E}">
-        <p14:creationId xmlns:p14="http://schemas.microsoft.com/office/powerpoint/2010/main" xmlns="" val="406829104"/>
+        <p14:creationId xmlns="" xmlns:p14="http://schemas.microsoft.com/office/powerpoint/2010/main" val="406829104"/>
       </p:ext>
     </p:extLst>
   </p:cSld>
@@ -1063,7 +1063,7 @@
             <a:fld id="{BAF09E74-5774-F145-AC14-13E3AE904401}" type="datetimeFigureOut">
               <a:rPr lang="nl-NL" smtClean="0"/>
               <a:pPr/>
-              <a:t>8-7-2015</a:t>
+              <a:t>10-7-2015</a:t>
             </a:fld>
             <a:endParaRPr lang="nl-NL"/>
           </a:p>
@@ -1115,7 +1115,7 @@
     </p:spTree>
     <p:extLst>
       <p:ext uri="{BB962C8B-B14F-4D97-AF65-F5344CB8AC3E}">
-        <p14:creationId xmlns:p14="http://schemas.microsoft.com/office/powerpoint/2010/main" xmlns="" val="4032166571"/>
+        <p14:creationId xmlns="" xmlns:p14="http://schemas.microsoft.com/office/powerpoint/2010/main" val="4032166571"/>
       </p:ext>
     </p:extLst>
   </p:cSld>
@@ -1353,7 +1353,7 @@
             <a:fld id="{BAF09E74-5774-F145-AC14-13E3AE904401}" type="datetimeFigureOut">
               <a:rPr lang="nl-NL" smtClean="0"/>
               <a:pPr/>
-              <a:t>8-7-2015</a:t>
+              <a:t>10-7-2015</a:t>
             </a:fld>
             <a:endParaRPr lang="nl-NL"/>
           </a:p>
@@ -1405,7 +1405,7 @@
     </p:spTree>
     <p:extLst>
       <p:ext uri="{BB962C8B-B14F-4D97-AF65-F5344CB8AC3E}">
-        <p14:creationId xmlns:p14="http://schemas.microsoft.com/office/powerpoint/2010/main" xmlns="" val="1494689933"/>
+        <p14:creationId xmlns="" xmlns:p14="http://schemas.microsoft.com/office/powerpoint/2010/main" val="1494689933"/>
       </p:ext>
     </p:extLst>
   </p:cSld>
@@ -1777,7 +1777,7 @@
             <a:fld id="{BAF09E74-5774-F145-AC14-13E3AE904401}" type="datetimeFigureOut">
               <a:rPr lang="nl-NL" smtClean="0"/>
               <a:pPr/>
-              <a:t>8-7-2015</a:t>
+              <a:t>10-7-2015</a:t>
             </a:fld>
             <a:endParaRPr lang="nl-NL"/>
           </a:p>
@@ -1829,7 +1829,7 @@
     </p:spTree>
     <p:extLst>
       <p:ext uri="{BB962C8B-B14F-4D97-AF65-F5344CB8AC3E}">
-        <p14:creationId xmlns:p14="http://schemas.microsoft.com/office/powerpoint/2010/main" xmlns="" val="1221107075"/>
+        <p14:creationId xmlns="" xmlns:p14="http://schemas.microsoft.com/office/powerpoint/2010/main" val="1221107075"/>
       </p:ext>
     </p:extLst>
   </p:cSld>
@@ -1897,7 +1897,7 @@
             <a:fld id="{BAF09E74-5774-F145-AC14-13E3AE904401}" type="datetimeFigureOut">
               <a:rPr lang="nl-NL" smtClean="0"/>
               <a:pPr/>
-              <a:t>8-7-2015</a:t>
+              <a:t>10-7-2015</a:t>
             </a:fld>
             <a:endParaRPr lang="nl-NL"/>
           </a:p>
@@ -1949,7 +1949,7 @@
     </p:spTree>
     <p:extLst>
       <p:ext uri="{BB962C8B-B14F-4D97-AF65-F5344CB8AC3E}">
-        <p14:creationId xmlns:p14="http://schemas.microsoft.com/office/powerpoint/2010/main" xmlns="" val="23264191"/>
+        <p14:creationId xmlns="" xmlns:p14="http://schemas.microsoft.com/office/powerpoint/2010/main" val="23264191"/>
       </p:ext>
     </p:extLst>
   </p:cSld>
@@ -1994,7 +1994,7 @@
             <a:fld id="{BAF09E74-5774-F145-AC14-13E3AE904401}" type="datetimeFigureOut">
               <a:rPr lang="nl-NL" smtClean="0"/>
               <a:pPr/>
-              <a:t>8-7-2015</a:t>
+              <a:t>10-7-2015</a:t>
             </a:fld>
             <a:endParaRPr lang="nl-NL"/>
           </a:p>
@@ -2046,7 +2046,7 @@
     </p:spTree>
     <p:extLst>
       <p:ext uri="{BB962C8B-B14F-4D97-AF65-F5344CB8AC3E}">
-        <p14:creationId xmlns:p14="http://schemas.microsoft.com/office/powerpoint/2010/main" xmlns="" val="461564456"/>
+        <p14:creationId xmlns="" xmlns:p14="http://schemas.microsoft.com/office/powerpoint/2010/main" val="461564456"/>
       </p:ext>
     </p:extLst>
   </p:cSld>
@@ -2273,7 +2273,7 @@
             <a:fld id="{BAF09E74-5774-F145-AC14-13E3AE904401}" type="datetimeFigureOut">
               <a:rPr lang="nl-NL" smtClean="0"/>
               <a:pPr/>
-              <a:t>8-7-2015</a:t>
+              <a:t>10-7-2015</a:t>
             </a:fld>
             <a:endParaRPr lang="nl-NL"/>
           </a:p>
@@ -2325,7 +2325,7 @@
     </p:spTree>
     <p:extLst>
       <p:ext uri="{BB962C8B-B14F-4D97-AF65-F5344CB8AC3E}">
-        <p14:creationId xmlns:p14="http://schemas.microsoft.com/office/powerpoint/2010/main" xmlns="" val="3656418691"/>
+        <p14:creationId xmlns="" xmlns:p14="http://schemas.microsoft.com/office/powerpoint/2010/main" val="3656418691"/>
       </p:ext>
     </p:extLst>
   </p:cSld>
@@ -2528,7 +2528,7 @@
             <a:fld id="{BAF09E74-5774-F145-AC14-13E3AE904401}" type="datetimeFigureOut">
               <a:rPr lang="nl-NL" smtClean="0"/>
               <a:pPr/>
-              <a:t>8-7-2015</a:t>
+              <a:t>10-7-2015</a:t>
             </a:fld>
             <a:endParaRPr lang="nl-NL"/>
           </a:p>
@@ -2580,7 +2580,7 @@
     </p:spTree>
     <p:extLst>
       <p:ext uri="{BB962C8B-B14F-4D97-AF65-F5344CB8AC3E}">
-        <p14:creationId xmlns:p14="http://schemas.microsoft.com/office/powerpoint/2010/main" xmlns="" val="2512410003"/>
+        <p14:creationId xmlns="" xmlns:p14="http://schemas.microsoft.com/office/powerpoint/2010/main" val="2512410003"/>
       </p:ext>
     </p:extLst>
   </p:cSld>
@@ -2743,7 +2743,7 @@
             <a:fld id="{BAF09E74-5774-F145-AC14-13E3AE904401}" type="datetimeFigureOut">
               <a:rPr lang="nl-NL" smtClean="0"/>
               <a:pPr/>
-              <a:t>8-7-2015</a:t>
+              <a:t>10-7-2015</a:t>
             </a:fld>
             <a:endParaRPr lang="nl-NL"/>
           </a:p>
@@ -2831,7 +2831,7 @@
     </p:spTree>
     <p:extLst>
       <p:ext uri="{BB962C8B-B14F-4D97-AF65-F5344CB8AC3E}">
-        <p14:creationId xmlns:p14="http://schemas.microsoft.com/office/powerpoint/2010/main" xmlns="" val="3782918827"/>
+        <p14:creationId xmlns="" xmlns:p14="http://schemas.microsoft.com/office/powerpoint/2010/main" val="3782918827"/>
       </p:ext>
     </p:extLst>
   </p:cSld>
@@ -3121,14 +3121,100 @@
       </p:grpSpPr>
       <p:sp>
         <p:nvSpPr>
+          <p:cNvPr id="72" name="Rectangle 71"/>
+          <p:cNvSpPr/>
+          <p:nvPr/>
+        </p:nvSpPr>
+        <p:spPr>
+          <a:xfrm>
+            <a:off x="66075" y="2447925"/>
+            <a:ext cx="3353400" cy="3705225"/>
+          </a:xfrm>
+          <a:prstGeom prst="rect">
+            <a:avLst/>
+          </a:prstGeom>
+          <a:solidFill>
+            <a:schemeClr val="bg1">
+              <a:lumMod val="75000"/>
+            </a:schemeClr>
+          </a:solidFill>
+        </p:spPr>
+        <p:style>
+          <a:lnRef idx="1">
+            <a:schemeClr val="accent1"/>
+          </a:lnRef>
+          <a:fillRef idx="3">
+            <a:schemeClr val="accent1"/>
+          </a:fillRef>
+          <a:effectRef idx="2">
+            <a:schemeClr val="accent1"/>
+          </a:effectRef>
+          <a:fontRef idx="minor">
+            <a:schemeClr val="lt1"/>
+          </a:fontRef>
+        </p:style>
+        <p:txBody>
+          <a:bodyPr rtlCol="0" anchor="ctr"/>
+          <a:lstStyle/>
+          <a:p>
+            <a:pPr algn="ctr"/>
+            <a:endParaRPr lang="en-US" dirty="0"/>
+          </a:p>
+        </p:txBody>
+      </p:sp>
+      <p:sp>
+        <p:nvSpPr>
+          <p:cNvPr id="70" name="Rectangle 69"/>
+          <p:cNvSpPr/>
+          <p:nvPr/>
+        </p:nvSpPr>
+        <p:spPr>
+          <a:xfrm>
+            <a:off x="3648595" y="2447925"/>
+            <a:ext cx="5409679" cy="3705225"/>
+          </a:xfrm>
+          <a:prstGeom prst="rect">
+            <a:avLst/>
+          </a:prstGeom>
+          <a:solidFill>
+            <a:schemeClr val="bg1">
+              <a:lumMod val="75000"/>
+            </a:schemeClr>
+          </a:solidFill>
+        </p:spPr>
+        <p:style>
+          <a:lnRef idx="1">
+            <a:schemeClr val="accent1"/>
+          </a:lnRef>
+          <a:fillRef idx="3">
+            <a:schemeClr val="accent1"/>
+          </a:fillRef>
+          <a:effectRef idx="2">
+            <a:schemeClr val="accent1"/>
+          </a:effectRef>
+          <a:fontRef idx="minor">
+            <a:schemeClr val="lt1"/>
+          </a:fontRef>
+        </p:style>
+        <p:txBody>
+          <a:bodyPr rtlCol="0" anchor="ctr"/>
+          <a:lstStyle/>
+          <a:p>
+            <a:pPr algn="ctr"/>
+            <a:endParaRPr lang="en-US" dirty="0"/>
+          </a:p>
+        </p:txBody>
+      </p:sp>
+      <p:sp>
+        <p:nvSpPr>
           <p:cNvPr id="8" name="Afgeronde rechthoek 7"/>
           <p:cNvSpPr/>
           <p:nvPr/>
         </p:nvSpPr>
         <p:spPr>
           <a:xfrm>
-            <a:off x="4696345" y="996130"/>
-            <a:ext cx="1884400" cy="534949"/>
+            <a:off x="3753371" y="1469208"/>
+            <a:ext cx="1413619" cy="309521"/>
           </a:xfrm>
           <a:prstGeom prst="roundRect">
             <a:avLst/>
@@ -3155,10 +3241,10 @@
           <a:p>
             <a:pPr algn="ctr"/>
             <a:r>
-              <a:rPr lang="nl-NL" dirty="0" err="1" smtClean="0"/>
+              <a:rPr lang="nl-NL" sz="1400" dirty="0" err="1" smtClean="0"/>
               <a:t>MainWindow</a:t>
             </a:r>
-            <a:endParaRPr lang="nl-NL" dirty="0"/>
+            <a:endParaRPr lang="nl-NL" sz="1400" dirty="0"/>
           </a:p>
         </p:txBody>
       </p:sp>
@@ -3170,8 +3256,8 @@
         </p:nvSpPr>
         <p:spPr>
           <a:xfrm>
-            <a:off x="2404993" y="4631280"/>
-            <a:ext cx="1884400" cy="534949"/>
+            <a:off x="1890644" y="4466183"/>
+            <a:ext cx="1413619" cy="309521"/>
           </a:xfrm>
           <a:prstGeom prst="roundRect">
             <a:avLst/>
@@ -3198,10 +3284,10 @@
           <a:p>
             <a:pPr algn="ctr"/>
             <a:r>
-              <a:rPr lang="nl-NL" dirty="0" err="1" smtClean="0"/>
+              <a:rPr lang="nl-NL" sz="1400" dirty="0" err="1" smtClean="0"/>
               <a:t>DataType</a:t>
             </a:r>
-            <a:endParaRPr lang="nl-NL" dirty="0"/>
+            <a:endParaRPr lang="nl-NL" sz="1400" dirty="0"/>
           </a:p>
         </p:txBody>
       </p:sp>
@@ -3213,8 +3299,8 @@
         </p:nvSpPr>
         <p:spPr>
           <a:xfrm>
-            <a:off x="2404994" y="3741175"/>
-            <a:ext cx="1884400" cy="534949"/>
+            <a:off x="1890645" y="3680853"/>
+            <a:ext cx="1413619" cy="309521"/>
           </a:xfrm>
           <a:prstGeom prst="roundRect">
             <a:avLst/>
@@ -3241,10 +3327,10 @@
           <a:p>
             <a:pPr algn="ctr"/>
             <a:r>
-              <a:rPr lang="nl-NL" dirty="0" smtClean="0"/>
+              <a:rPr lang="nl-NL" sz="1400" dirty="0" smtClean="0"/>
               <a:t>Argument</a:t>
             </a:r>
-            <a:endParaRPr lang="nl-NL" dirty="0"/>
+            <a:endParaRPr lang="nl-NL" sz="1400" dirty="0"/>
           </a:p>
         </p:txBody>
       </p:sp>
@@ -3256,8 +3342,8 @@
         </p:nvSpPr>
         <p:spPr>
           <a:xfrm>
-            <a:off x="4702696" y="4171487"/>
-            <a:ext cx="1884400" cy="534949"/>
+            <a:off x="3759722" y="4015915"/>
+            <a:ext cx="1413619" cy="309521"/>
           </a:xfrm>
           <a:prstGeom prst="roundRect">
             <a:avLst/>
@@ -3284,10 +3370,10 @@
           <a:p>
             <a:pPr algn="ctr"/>
             <a:r>
-              <a:rPr lang="nl-NL" dirty="0" err="1" smtClean="0"/>
+              <a:rPr lang="nl-NL" sz="1400" dirty="0" err="1" smtClean="0"/>
               <a:t>PortPair</a:t>
             </a:r>
-            <a:endParaRPr lang="nl-NL" dirty="0"/>
+            <a:endParaRPr lang="nl-NL" sz="1400" dirty="0"/>
           </a:p>
         </p:txBody>
       </p:sp>
@@ -3299,8 +3385,8 @@
         </p:nvSpPr>
         <p:spPr>
           <a:xfrm>
-            <a:off x="4700905" y="5000568"/>
-            <a:ext cx="1884400" cy="534949"/>
+            <a:off x="3757931" y="4683071"/>
+            <a:ext cx="1413619" cy="309521"/>
           </a:xfrm>
           <a:prstGeom prst="roundRect">
             <a:avLst/>
@@ -3327,7 +3413,7 @@
           <a:p>
             <a:pPr algn="ctr"/>
             <a:r>
-              <a:rPr lang="nl-NL" dirty="0" smtClean="0"/>
+              <a:rPr lang="nl-NL" sz="1400" dirty="0" smtClean="0"/>
               <a:t>Port</a:t>
             </a:r>
           </a:p>
@@ -3341,8 +3427,8 @@
         </p:nvSpPr>
         <p:spPr>
           <a:xfrm>
-            <a:off x="4700906" y="5790694"/>
-            <a:ext cx="1884400" cy="534949"/>
+            <a:off x="3757932" y="5301747"/>
+            <a:ext cx="1413619" cy="309521"/>
           </a:xfrm>
           <a:prstGeom prst="roundRect">
             <a:avLst/>
@@ -3369,10 +3455,10 @@
           <a:p>
             <a:pPr algn="ctr"/>
             <a:r>
-              <a:rPr lang="nl-NL" dirty="0" smtClean="0"/>
+              <a:rPr lang="nl-NL" sz="1400" dirty="0" smtClean="0"/>
               <a:t>Link</a:t>
             </a:r>
-            <a:endParaRPr lang="nl-NL" dirty="0"/>
+            <a:endParaRPr lang="nl-NL" sz="1400" dirty="0"/>
           </a:p>
         </p:txBody>
       </p:sp>
@@ -3384,8 +3470,8 @@
         </p:nvSpPr>
         <p:spPr>
           <a:xfrm>
-            <a:off x="4702696" y="3277374"/>
-            <a:ext cx="1884400" cy="534949"/>
+            <a:off x="3759722" y="3302777"/>
+            <a:ext cx="1413619" cy="309521"/>
           </a:xfrm>
           <a:prstGeom prst="roundRect">
             <a:avLst/>
@@ -3412,7 +3498,7 @@
           <a:p>
             <a:pPr algn="ctr"/>
             <a:r>
-              <a:rPr lang="nl-NL" dirty="0" smtClean="0"/>
+              <a:rPr lang="nl-NL" sz="1400" dirty="0" smtClean="0"/>
               <a:t>Node</a:t>
             </a:r>
           </a:p>
@@ -3426,13 +3512,17 @@
         </p:nvSpPr>
         <p:spPr>
           <a:xfrm>
-            <a:off x="4700904" y="2371740"/>
-            <a:ext cx="1884400" cy="534949"/>
+            <a:off x="3757930" y="2597168"/>
+            <a:ext cx="1413619" cy="309521"/>
           </a:xfrm>
           <a:prstGeom prst="roundRect">
             <a:avLst/>
           </a:prstGeom>
-          <a:ln/>
+          <a:ln>
+            <a:solidFill>
+              <a:schemeClr val="tx1"/>
+            </a:solidFill>
+          </a:ln>
         </p:spPr>
         <p:style>
           <a:lnRef idx="1">
@@ -3454,10 +3544,10 @@
           <a:p>
             <a:pPr algn="ctr"/>
             <a:r>
-              <a:rPr lang="nl-NL" dirty="0" err="1" smtClean="0"/>
+              <a:rPr lang="nl-NL" sz="1400" dirty="0" err="1" smtClean="0"/>
               <a:t>NodeEditor</a:t>
             </a:r>
-            <a:endParaRPr lang="nl-NL" dirty="0"/>
+            <a:endParaRPr lang="nl-NL" sz="1400" dirty="0"/>
           </a:p>
         </p:txBody>
       </p:sp>
@@ -3469,8 +3559,8 @@
         </p:nvSpPr>
         <p:spPr>
           <a:xfrm>
-            <a:off x="2404992" y="2831533"/>
-            <a:ext cx="1884400" cy="534949"/>
+            <a:off x="1890643" y="2904561"/>
+            <a:ext cx="1413619" cy="309521"/>
           </a:xfrm>
           <a:prstGeom prst="roundRect">
             <a:avLst/>
@@ -3497,10 +3587,10 @@
           <a:p>
             <a:pPr algn="ctr"/>
             <a:r>
-              <a:rPr lang="nl-NL" dirty="0" err="1" smtClean="0"/>
+              <a:rPr lang="nl-NL" sz="1400" dirty="0" err="1" smtClean="0"/>
               <a:t>NodeSetting</a:t>
             </a:r>
-            <a:endParaRPr lang="nl-NL" dirty="0"/>
+            <a:endParaRPr lang="nl-NL" sz="1400" dirty="0"/>
           </a:p>
         </p:txBody>
       </p:sp>
@@ -3512,8 +3602,8 @@
         </p:nvSpPr>
         <p:spPr>
           <a:xfrm>
-            <a:off x="7139830" y="1531077"/>
-            <a:ext cx="1884400" cy="534949"/>
+            <a:off x="5520579" y="1792244"/>
+            <a:ext cx="1413619" cy="309521"/>
           </a:xfrm>
           <a:prstGeom prst="roundRect">
             <a:avLst/>
@@ -3540,10 +3630,10 @@
           <a:p>
             <a:pPr algn="ctr"/>
             <a:r>
-              <a:rPr lang="nl-NL" dirty="0" err="1" smtClean="0"/>
-              <a:t>NodeListView</a:t>
-            </a:r>
-            <a:endParaRPr lang="nl-NL" dirty="0"/>
+              <a:rPr lang="nl-NL" sz="1400" dirty="0" err="1" smtClean="0"/>
+              <a:t>NodeListWidget</a:t>
+            </a:r>
+            <a:endParaRPr lang="nl-NL" sz="1400" dirty="0"/>
           </a:p>
         </p:txBody>
       </p:sp>
@@ -3555,8 +3645,8 @@
         </p:nvSpPr>
         <p:spPr>
           <a:xfrm>
-            <a:off x="151799" y="3741555"/>
-            <a:ext cx="1884400" cy="534949"/>
+            <a:off x="151800" y="3681233"/>
+            <a:ext cx="1413619" cy="309521"/>
           </a:xfrm>
           <a:prstGeom prst="roundRect">
             <a:avLst/>
@@ -3587,10 +3677,10 @@
           <a:p>
             <a:pPr algn="ctr"/>
             <a:r>
-              <a:rPr lang="nl-NL" dirty="0" err="1" smtClean="0"/>
+              <a:rPr lang="nl-NL" sz="1400" dirty="0" err="1" smtClean="0"/>
               <a:t>NodeLibrary</a:t>
             </a:r>
-            <a:endParaRPr lang="nl-NL" dirty="0"/>
+            <a:endParaRPr lang="nl-NL" sz="1400" dirty="0"/>
           </a:p>
         </p:txBody>
       </p:sp>
@@ -3602,8 +3692,8 @@
         </p:nvSpPr>
         <p:spPr>
           <a:xfrm>
-            <a:off x="7139830" y="3277374"/>
-            <a:ext cx="1884400" cy="534949"/>
+            <a:off x="5520579" y="3302776"/>
+            <a:ext cx="1413619" cy="309521"/>
           </a:xfrm>
           <a:prstGeom prst="roundRect">
             <a:avLst/>
@@ -3630,10 +3720,10 @@
           <a:p>
             <a:pPr algn="ctr"/>
             <a:r>
-              <a:rPr lang="nl-NL" dirty="0" err="1" smtClean="0"/>
+              <a:rPr lang="nl-NL" sz="1400" dirty="0" err="1" smtClean="0"/>
               <a:t>NodeTreeItem</a:t>
             </a:r>
-            <a:endParaRPr lang="nl-NL" dirty="0"/>
+            <a:endParaRPr lang="nl-NL" sz="1400" dirty="0"/>
           </a:p>
         </p:txBody>
       </p:sp>
@@ -3645,8 +3735,8 @@
         </p:nvSpPr>
         <p:spPr>
           <a:xfrm>
-            <a:off x="7139829" y="2371738"/>
-            <a:ext cx="1884400" cy="534949"/>
+            <a:off x="5520580" y="2597166"/>
+            <a:ext cx="1413619" cy="309521"/>
           </a:xfrm>
           <a:prstGeom prst="roundRect">
             <a:avLst/>
@@ -3673,10 +3763,10 @@
           <a:p>
             <a:pPr algn="ctr"/>
             <a:r>
-              <a:rPr lang="nl-NL" dirty="0" err="1" smtClean="0"/>
-              <a:t>NodeTreeModel</a:t>
-            </a:r>
-            <a:endParaRPr lang="nl-NL" dirty="0"/>
+              <a:rPr lang="nl-NL" sz="1400" dirty="0" err="1" smtClean="0"/>
+              <a:t>NodeTreeEditor</a:t>
+            </a:r>
+            <a:endParaRPr lang="nl-NL" sz="1400" dirty="0"/>
           </a:p>
         </p:txBody>
       </p:sp>
@@ -3688,8 +3778,8 @@
         </p:nvSpPr>
         <p:spPr>
           <a:xfrm>
-            <a:off x="151801" y="4925412"/>
-            <a:ext cx="1884400" cy="534949"/>
+            <a:off x="151802" y="4465040"/>
+            <a:ext cx="1413619" cy="309521"/>
           </a:xfrm>
           <a:prstGeom prst="roundRect">
             <a:avLst/>
@@ -3716,10 +3806,10 @@
           <a:p>
             <a:pPr algn="ctr"/>
             <a:r>
-              <a:rPr lang="nl-NL" dirty="0" smtClean="0"/>
+              <a:rPr lang="nl-NL" sz="1400" dirty="0" smtClean="0"/>
               <a:t>Singleton</a:t>
             </a:r>
-            <a:endParaRPr lang="nl-NL" dirty="0"/>
+            <a:endParaRPr lang="nl-NL" sz="1400" dirty="0"/>
           </a:p>
         </p:txBody>
       </p:sp>
@@ -3731,8 +3821,8 @@
         </p:nvSpPr>
         <p:spPr>
           <a:xfrm>
-            <a:off x="151802" y="6058169"/>
-            <a:ext cx="1884400" cy="534949"/>
+            <a:off x="151803" y="5216797"/>
+            <a:ext cx="1413619" cy="309521"/>
           </a:xfrm>
           <a:prstGeom prst="roundRect">
             <a:avLst/>
@@ -3761,10 +3851,10 @@
           <a:p>
             <a:pPr algn="ctr"/>
             <a:r>
-              <a:rPr lang="nl-NL" dirty="0" err="1" smtClean="0"/>
+              <a:rPr lang="nl-NL" sz="1400" dirty="0" err="1" smtClean="0"/>
               <a:t>Preferences</a:t>
             </a:r>
-            <a:endParaRPr lang="nl-NL" dirty="0"/>
+            <a:endParaRPr lang="nl-NL" sz="1400" dirty="0"/>
           </a:p>
         </p:txBody>
       </p:sp>
@@ -3776,8 +3866,8 @@
         </p:nvSpPr>
         <p:spPr>
           <a:xfrm>
-            <a:off x="4702695" y="79371"/>
-            <a:ext cx="1884400" cy="534949"/>
+            <a:off x="3759721" y="847724"/>
+            <a:ext cx="1413619" cy="309521"/>
           </a:xfrm>
           <a:prstGeom prst="roundRect">
             <a:avLst/>
@@ -3804,10 +3894,10 @@
           <a:p>
             <a:pPr algn="ctr"/>
             <a:r>
-              <a:rPr lang="nl-NL" dirty="0" err="1" smtClean="0"/>
+              <a:rPr lang="nl-NL" sz="1400" dirty="0" err="1" smtClean="0"/>
               <a:t>main</a:t>
             </a:r>
-            <a:endParaRPr lang="nl-NL" dirty="0"/>
+            <a:endParaRPr lang="nl-NL" sz="1400" dirty="0"/>
           </a:p>
         </p:txBody>
       </p:sp>
@@ -3822,8 +3912,8 @@
         </p:nvCxnSpPr>
         <p:spPr>
           <a:xfrm flipH="1">
-            <a:off x="5638545" y="614320"/>
-            <a:ext cx="6350" cy="381810"/>
+            <a:off x="4460181" y="1157245"/>
+            <a:ext cx="6350" cy="311963"/>
           </a:xfrm>
           <a:prstGeom prst="line">
             <a:avLst/>
@@ -3855,8 +3945,8 @@
         </p:nvCxnSpPr>
         <p:spPr>
           <a:xfrm>
-            <a:off x="5638545" y="1531079"/>
-            <a:ext cx="4559" cy="840661"/>
+            <a:off x="4460181" y="1778729"/>
+            <a:ext cx="4559" cy="818439"/>
           </a:xfrm>
           <a:prstGeom prst="line">
             <a:avLst/>
@@ -3888,8 +3978,8 @@
         </p:nvCxnSpPr>
         <p:spPr>
           <a:xfrm>
-            <a:off x="6580745" y="1263605"/>
-            <a:ext cx="1501285" cy="267472"/>
+            <a:off x="5166990" y="1623969"/>
+            <a:ext cx="1060399" cy="168275"/>
           </a:xfrm>
           <a:prstGeom prst="bentConnector2">
             <a:avLst/>
@@ -3921,8 +4011,8 @@
         </p:nvCxnSpPr>
         <p:spPr>
           <a:xfrm rot="16200000" flipH="1">
-            <a:off x="5458658" y="3091135"/>
-            <a:ext cx="370685" cy="1792"/>
+            <a:off x="4267592" y="3103837"/>
+            <a:ext cx="396088" cy="1792"/>
           </a:xfrm>
           <a:prstGeom prst="bentConnector3">
             <a:avLst>
@@ -3961,8 +4051,8 @@
         </p:nvCxnSpPr>
         <p:spPr>
           <a:xfrm flipV="1">
-            <a:off x="6585304" y="2639213"/>
-            <a:ext cx="554525" cy="2"/>
+            <a:off x="5171549" y="2751927"/>
+            <a:ext cx="349031" cy="2"/>
           </a:xfrm>
           <a:prstGeom prst="bentConnector3">
             <a:avLst>
@@ -3996,8 +4086,8 @@
         </p:nvCxnSpPr>
         <p:spPr>
           <a:xfrm rot="10800000" flipH="1" flipV="1">
-            <a:off x="4700904" y="2639215"/>
-            <a:ext cx="2" cy="3418954"/>
+            <a:off x="3757930" y="2751928"/>
+            <a:ext cx="2" cy="2704579"/>
           </a:xfrm>
           <a:prstGeom prst="bentConnector3">
             <a:avLst>
@@ -4036,8 +4126,8 @@
         </p:nvCxnSpPr>
         <p:spPr>
           <a:xfrm rot="10800000" flipH="1" flipV="1">
-            <a:off x="4700903" y="2639215"/>
-            <a:ext cx="1" cy="2628828"/>
+            <a:off x="3757929" y="2751928"/>
+            <a:ext cx="1" cy="2085903"/>
           </a:xfrm>
           <a:prstGeom prst="bentConnector3">
             <a:avLst>
@@ -4076,8 +4166,8 @@
         </p:nvCxnSpPr>
         <p:spPr>
           <a:xfrm rot="16200000" flipH="1">
-            <a:off x="3935761" y="2777913"/>
-            <a:ext cx="178367" cy="1355504"/>
+            <a:off x="3056859" y="2754675"/>
+            <a:ext cx="243456" cy="1162269"/>
           </a:xfrm>
           <a:prstGeom prst="bentConnector2">
             <a:avLst/>
@@ -4109,8 +4199,8 @@
         </p:nvCxnSpPr>
         <p:spPr>
           <a:xfrm>
-            <a:off x="5644896" y="3812323"/>
-            <a:ext cx="0" cy="359164"/>
+            <a:off x="4466532" y="3612298"/>
+            <a:ext cx="0" cy="403617"/>
           </a:xfrm>
           <a:prstGeom prst="line">
             <a:avLst/>
@@ -4147,8 +4237,8 @@
         </p:nvCxnSpPr>
         <p:spPr>
           <a:xfrm rot="16200000" flipH="1">
-            <a:off x="769546" y="4600957"/>
-            <a:ext cx="648908" cy="2"/>
+            <a:off x="621468" y="4227896"/>
+            <a:ext cx="474286" cy="2"/>
           </a:xfrm>
           <a:prstGeom prst="bentConnector3">
             <a:avLst>
@@ -4185,8 +4275,8 @@
         </p:nvCxnSpPr>
         <p:spPr>
           <a:xfrm flipV="1">
-            <a:off x="2036199" y="4008650"/>
-            <a:ext cx="368795" cy="380"/>
+            <a:off x="1565419" y="3835614"/>
+            <a:ext cx="325226" cy="380"/>
           </a:xfrm>
           <a:prstGeom prst="bentConnector3">
             <a:avLst>
@@ -4225,8 +4315,8 @@
         </p:nvCxnSpPr>
         <p:spPr>
           <a:xfrm>
-            <a:off x="2036199" y="4009030"/>
-            <a:ext cx="368794" cy="889725"/>
+            <a:off x="1565419" y="3835994"/>
+            <a:ext cx="325225" cy="784950"/>
           </a:xfrm>
           <a:prstGeom prst="bentConnector3">
             <a:avLst>
@@ -4265,8 +4355,8 @@
         </p:nvCxnSpPr>
         <p:spPr>
           <a:xfrm flipV="1">
-            <a:off x="2036199" y="3099008"/>
-            <a:ext cx="368793" cy="910022"/>
+            <a:off x="1565419" y="3059322"/>
+            <a:ext cx="325224" cy="776672"/>
           </a:xfrm>
           <a:prstGeom prst="bentConnector3">
             <a:avLst>
@@ -4304,9 +4394,9 @@
           <p:nvPr/>
         </p:nvCxnSpPr>
         <p:spPr>
-          <a:xfrm rot="5400000" flipH="1" flipV="1">
-            <a:off x="7929173" y="2218882"/>
-            <a:ext cx="305712" cy="1"/>
+          <a:xfrm rot="16200000" flipV="1">
+            <a:off x="5979690" y="2349465"/>
+            <a:ext cx="495401" cy="1"/>
           </a:xfrm>
           <a:prstGeom prst="bentConnector3">
             <a:avLst>
@@ -4345,8 +4435,8 @@
         </p:nvCxnSpPr>
         <p:spPr>
           <a:xfrm rot="16200000" flipH="1">
-            <a:off x="3159847" y="3553827"/>
-            <a:ext cx="374693" cy="2"/>
+            <a:off x="2364069" y="3447466"/>
+            <a:ext cx="466771" cy="2"/>
           </a:xfrm>
           <a:prstGeom prst="bentConnector3">
             <a:avLst>
@@ -4385,8 +4475,8 @@
         </p:nvCxnSpPr>
         <p:spPr>
           <a:xfrm flipV="1">
-            <a:off x="6587096" y="3812323"/>
-            <a:ext cx="1494934" cy="626639"/>
+            <a:off x="5173341" y="3612297"/>
+            <a:ext cx="1054048" cy="558379"/>
           </a:xfrm>
           <a:prstGeom prst="bentConnector2">
             <a:avLst/>
@@ -4417,9 +4507,9 @@
           <p:nvPr/>
         </p:nvCxnSpPr>
         <p:spPr>
-          <a:xfrm rot="10800000">
-            <a:off x="6587096" y="3544849"/>
-            <a:ext cx="552734" cy="12700"/>
+          <a:xfrm rot="10800000" flipV="1">
+            <a:off x="5173341" y="3457536"/>
+            <a:ext cx="347238" cy="1"/>
           </a:xfrm>
           <a:prstGeom prst="bentConnector3">
             <a:avLst>
@@ -4453,8 +4543,8 @@
         </p:nvCxnSpPr>
         <p:spPr>
           <a:xfrm rot="5400000">
-            <a:off x="5496935" y="4852607"/>
-            <a:ext cx="294132" cy="1791"/>
+            <a:off x="4286820" y="4503358"/>
+            <a:ext cx="357635" cy="1791"/>
           </a:xfrm>
           <a:prstGeom prst="bentConnector3">
             <a:avLst>
@@ -4493,8 +4583,8 @@
         </p:nvCxnSpPr>
         <p:spPr>
           <a:xfrm rot="16200000" flipV="1">
-            <a:off x="795098" y="5759264"/>
-            <a:ext cx="597808" cy="1"/>
+            <a:off x="637495" y="4995678"/>
+            <a:ext cx="442236" cy="1"/>
           </a:xfrm>
           <a:prstGeom prst="bentConnector3">
             <a:avLst>
@@ -4531,12 +4621,12 @@
         </p:nvCxnSpPr>
         <p:spPr>
           <a:xfrm rot="5400000">
-            <a:off x="5037659" y="2121858"/>
-            <a:ext cx="1353906" cy="4734837"/>
+            <a:off x="3830719" y="2379033"/>
+            <a:ext cx="1163407" cy="3629935"/>
           </a:xfrm>
           <a:prstGeom prst="bentConnector3">
             <a:avLst>
-              <a:gd name="adj1" fmla="val 212938"/>
+              <a:gd name="adj1" fmla="val 201521"/>
             </a:avLst>
           </a:prstGeom>
         </p:spPr>
@@ -4566,8 +4656,8 @@
         </p:nvCxnSpPr>
         <p:spPr>
           <a:xfrm rot="10800000" flipV="1">
-            <a:off x="3347194" y="3544849"/>
-            <a:ext cx="1355502" cy="196326"/>
+            <a:off x="2597456" y="3457537"/>
+            <a:ext cx="1162267" cy="223315"/>
           </a:xfrm>
           <a:prstGeom prst="bentConnector2">
             <a:avLst/>
@@ -4599,8 +4689,8 @@
         </p:nvCxnSpPr>
         <p:spPr>
           <a:xfrm rot="5400000" flipH="1" flipV="1">
-            <a:off x="1656197" y="701407"/>
-            <a:ext cx="2477950" cy="3602346"/>
+            <a:off x="1277358" y="1205221"/>
+            <a:ext cx="2057264" cy="2894761"/>
           </a:xfrm>
           <a:prstGeom prst="bentConnector2">
             <a:avLst/>
@@ -4632,8 +4722,8 @@
         </p:nvCxnSpPr>
         <p:spPr>
           <a:xfrm rot="16200000" flipH="1">
-            <a:off x="5515517" y="5663104"/>
-            <a:ext cx="255177" cy="1"/>
+            <a:off x="4310164" y="5147168"/>
+            <a:ext cx="309155" cy="1"/>
           </a:xfrm>
           <a:prstGeom prst="bentConnector3">
             <a:avLst>
@@ -4671,9 +4761,9 @@
           <p:nvPr/>
         </p:nvCxnSpPr>
         <p:spPr>
-          <a:xfrm rot="16200000" flipH="1">
-            <a:off x="7896686" y="3092029"/>
-            <a:ext cx="370687" cy="1"/>
+          <a:xfrm rot="5400000">
+            <a:off x="6029346" y="3104731"/>
+            <a:ext cx="396089" cy="1"/>
           </a:xfrm>
           <a:prstGeom prst="bentConnector3">
             <a:avLst>
@@ -4701,10 +4791,217 @@
           </a:fontRef>
         </p:style>
       </p:cxnSp>
+      <p:sp>
+        <p:nvSpPr>
+          <p:cNvPr id="49" name="Afgeronde rechthoek 19"/>
+          <p:cNvSpPr/>
+          <p:nvPr/>
+        </p:nvSpPr>
+        <p:spPr>
+          <a:xfrm>
+            <a:off x="7406530" y="2597168"/>
+            <a:ext cx="1413619" cy="309521"/>
+          </a:xfrm>
+          <a:prstGeom prst="roundRect">
+            <a:avLst/>
+          </a:prstGeom>
+          <a:gradFill flip="none" rotWithShape="1">
+            <a:gsLst>
+              <a:gs pos="0">
+                <a:schemeClr val="accent3">
+                  <a:shade val="30000"/>
+                  <a:satMod val="115000"/>
+                </a:schemeClr>
+              </a:gs>
+              <a:gs pos="50000">
+                <a:schemeClr val="accent3">
+                  <a:shade val="67500"/>
+                  <a:satMod val="115000"/>
+                </a:schemeClr>
+              </a:gs>
+              <a:gs pos="100000">
+                <a:schemeClr val="accent3">
+                  <a:shade val="100000"/>
+                  <a:satMod val="115000"/>
+                </a:schemeClr>
+              </a:gs>
+            </a:gsLst>
+            <a:lin ang="16200000" scaled="1"/>
+            <a:tileRect/>
+          </a:gradFill>
+          <a:ln>
+            <a:solidFill>
+              <a:schemeClr val="accent3">
+                <a:lumMod val="50000"/>
+              </a:schemeClr>
+            </a:solidFill>
+          </a:ln>
+        </p:spPr>
+        <p:style>
+          <a:lnRef idx="1">
+            <a:schemeClr val="accent3"/>
+          </a:lnRef>
+          <a:fillRef idx="3">
+            <a:schemeClr val="accent3"/>
+          </a:fillRef>
+          <a:effectRef idx="2">
+            <a:schemeClr val="accent3"/>
+          </a:effectRef>
+          <a:fontRef idx="minor">
+            <a:schemeClr val="lt1"/>
+          </a:fontRef>
+        </p:style>
+        <p:txBody>
+          <a:bodyPr/>
+          <a:lstStyle/>
+          <a:p>
+            <a:pPr algn="ctr"/>
+            <a:r>
+              <a:rPr lang="nl-NL" sz="1400" dirty="0" err="1" smtClean="0"/>
+              <a:t>CodeEditor</a:t>
+            </a:r>
+            <a:endParaRPr lang="nl-NL" sz="1400" dirty="0"/>
+          </a:p>
+        </p:txBody>
+      </p:sp>
+      <p:cxnSp>
+        <p:nvCxnSpPr>
+          <p:cNvPr id="66" name="Elbow Connector 65"/>
+          <p:cNvCxnSpPr>
+            <a:stCxn id="49" idx="1"/>
+            <a:endCxn id="20" idx="3"/>
+          </p:cNvCxnSpPr>
+          <p:nvPr/>
+        </p:nvCxnSpPr>
+        <p:spPr>
+          <a:xfrm rot="10800000">
+            <a:off x="6934200" y="2751927"/>
+            <a:ext cx="472331" cy="2"/>
+          </a:xfrm>
+          <a:prstGeom prst="bentConnector3">
+            <a:avLst>
+              <a:gd name="adj1" fmla="val 50000"/>
+            </a:avLst>
+          </a:prstGeom>
+        </p:spPr>
+        <p:style>
+          <a:lnRef idx="2">
+            <a:schemeClr val="accent1"/>
+          </a:lnRef>
+          <a:fillRef idx="0">
+            <a:schemeClr val="accent1"/>
+          </a:fillRef>
+          <a:effectRef idx="1">
+            <a:schemeClr val="accent1"/>
+          </a:effectRef>
+          <a:fontRef idx="minor">
+            <a:schemeClr val="tx1"/>
+          </a:fontRef>
+        </p:style>
+      </p:cxnSp>
+      <p:cxnSp>
+        <p:nvCxnSpPr>
+          <p:cNvPr id="69" name="Shape 68"/>
+          <p:cNvCxnSpPr>
+            <a:stCxn id="8" idx="3"/>
+            <a:endCxn id="49" idx="0"/>
+          </p:cNvCxnSpPr>
+          <p:nvPr/>
+        </p:nvCxnSpPr>
+        <p:spPr>
+          <a:xfrm>
+            <a:off x="5166990" y="1623969"/>
+            <a:ext cx="2946350" cy="973199"/>
+          </a:xfrm>
+          <a:prstGeom prst="bentConnector2">
+            <a:avLst/>
+          </a:prstGeom>
+          <a:ln>
+            <a:solidFill>
+              <a:schemeClr val="tx1"/>
+            </a:solidFill>
+          </a:ln>
+        </p:spPr>
+        <p:style>
+          <a:lnRef idx="2">
+            <a:schemeClr val="accent1"/>
+          </a:lnRef>
+          <a:fillRef idx="0">
+            <a:schemeClr val="accent1"/>
+          </a:fillRef>
+          <a:effectRef idx="1">
+            <a:schemeClr val="accent1"/>
+          </a:effectRef>
+          <a:fontRef idx="minor">
+            <a:schemeClr val="tx1"/>
+          </a:fontRef>
+        </p:style>
+      </p:cxnSp>
+      <p:sp>
+        <p:nvSpPr>
+          <p:cNvPr id="71" name="TextBox 70"/>
+          <p:cNvSpPr txBox="1"/>
+          <p:nvPr/>
+        </p:nvSpPr>
+        <p:spPr>
+          <a:xfrm>
+            <a:off x="6934200" y="5658893"/>
+            <a:ext cx="1533525" cy="369332"/>
+          </a:xfrm>
+          <a:prstGeom prst="rect">
+            <a:avLst/>
+          </a:prstGeom>
+          <a:noFill/>
+        </p:spPr>
+        <p:txBody>
+          <a:bodyPr wrap="square" rtlCol="0">
+            <a:spAutoFit/>
+          </a:bodyPr>
+          <a:lstStyle/>
+          <a:p>
+            <a:pPr algn="ctr"/>
+            <a:r>
+              <a:rPr lang="en-US" i="1" dirty="0" smtClean="0"/>
+              <a:t>Editors</a:t>
+            </a:r>
+            <a:endParaRPr lang="en-US" i="1" dirty="0"/>
+          </a:p>
+        </p:txBody>
+      </p:sp>
+      <p:sp>
+        <p:nvSpPr>
+          <p:cNvPr id="74" name="TextBox 73"/>
+          <p:cNvSpPr txBox="1"/>
+          <p:nvPr/>
+        </p:nvSpPr>
+        <p:spPr>
+          <a:xfrm>
+            <a:off x="151803" y="5658893"/>
+            <a:ext cx="2121202" cy="369332"/>
+          </a:xfrm>
+          <a:prstGeom prst="rect">
+            <a:avLst/>
+          </a:prstGeom>
+          <a:noFill/>
+        </p:spPr>
+        <p:txBody>
+          <a:bodyPr wrap="square" rtlCol="0">
+            <a:spAutoFit/>
+          </a:bodyPr>
+          <a:lstStyle/>
+          <a:p>
+            <a:r>
+              <a:rPr lang="en-US" i="1" dirty="0" smtClean="0"/>
+              <a:t>Library and Settings</a:t>
+            </a:r>
+            <a:endParaRPr lang="en-US" i="1" dirty="0"/>
+          </a:p>
+        </p:txBody>
+      </p:sp>
     </p:spTree>
     <p:extLst>
       <p:ext uri="{BB962C8B-B14F-4D97-AF65-F5344CB8AC3E}">
-        <p14:creationId xmlns:p14="http://schemas.microsoft.com/office/powerpoint/2010/main" xmlns="" val="907461295"/>
+        <p14:creationId xmlns="" xmlns:p14="http://schemas.microsoft.com/office/powerpoint/2010/main" val="907461295"/>
       </p:ext>
     </p:extLst>
   </p:cSld>

--- a/Documents/ClassDiagram.pptx
+++ b/Documents/ClassDiagram.pptx
@@ -289,7 +289,7 @@
             <a:fld id="{BAF09E74-5774-F145-AC14-13E3AE904401}" type="datetimeFigureOut">
               <a:rPr lang="nl-NL" smtClean="0"/>
               <a:pPr/>
-              <a:t>10-7-2015</a:t>
+              <a:t>11/07/15</a:t>
             </a:fld>
             <a:endParaRPr lang="nl-NL"/>
           </a:p>
@@ -332,7 +332,7 @@
             <a:fld id="{6D59DADF-35B0-8442-AF3F-7D54891C5B27}" type="slidenum">
               <a:rPr lang="nl-NL" smtClean="0"/>
               <a:pPr/>
-              <a:t>‹#›</a:t>
+              <a:t>‹nr.›</a:t>
             </a:fld>
             <a:endParaRPr lang="nl-NL"/>
           </a:p>
@@ -341,7 +341,7 @@
     </p:spTree>
     <p:extLst>
       <p:ext uri="{BB962C8B-B14F-4D97-AF65-F5344CB8AC3E}">
-        <p14:creationId xmlns="" xmlns:p14="http://schemas.microsoft.com/office/powerpoint/2010/main" val="2833105150"/>
+        <p14:creationId xmlns:p14="http://schemas.microsoft.com/office/powerpoint/2010/main" val="2833105150"/>
       </p:ext>
     </p:extLst>
   </p:cSld>
@@ -461,7 +461,7 @@
             <a:fld id="{BAF09E74-5774-F145-AC14-13E3AE904401}" type="datetimeFigureOut">
               <a:rPr lang="nl-NL" smtClean="0"/>
               <a:pPr/>
-              <a:t>10-7-2015</a:t>
+              <a:t>11/07/15</a:t>
             </a:fld>
             <a:endParaRPr lang="nl-NL"/>
           </a:p>
@@ -504,7 +504,7 @@
             <a:fld id="{6D59DADF-35B0-8442-AF3F-7D54891C5B27}" type="slidenum">
               <a:rPr lang="nl-NL" smtClean="0"/>
               <a:pPr/>
-              <a:t>‹#›</a:t>
+              <a:t>‹nr.›</a:t>
             </a:fld>
             <a:endParaRPr lang="nl-NL"/>
           </a:p>
@@ -513,7 +513,7 @@
     </p:spTree>
     <p:extLst>
       <p:ext uri="{BB962C8B-B14F-4D97-AF65-F5344CB8AC3E}">
-        <p14:creationId xmlns="" xmlns:p14="http://schemas.microsoft.com/office/powerpoint/2010/main" val="547624687"/>
+        <p14:creationId xmlns:p14="http://schemas.microsoft.com/office/powerpoint/2010/main" val="547624687"/>
       </p:ext>
     </p:extLst>
   </p:cSld>
@@ -643,7 +643,7 @@
             <a:fld id="{BAF09E74-5774-F145-AC14-13E3AE904401}" type="datetimeFigureOut">
               <a:rPr lang="nl-NL" smtClean="0"/>
               <a:pPr/>
-              <a:t>10-7-2015</a:t>
+              <a:t>11/07/15</a:t>
             </a:fld>
             <a:endParaRPr lang="nl-NL"/>
           </a:p>
@@ -686,7 +686,7 @@
             <a:fld id="{6D59DADF-35B0-8442-AF3F-7D54891C5B27}" type="slidenum">
               <a:rPr lang="nl-NL" smtClean="0"/>
               <a:pPr/>
-              <a:t>‹#›</a:t>
+              <a:t>‹nr.›</a:t>
             </a:fld>
             <a:endParaRPr lang="nl-NL"/>
           </a:p>
@@ -695,7 +695,7 @@
     </p:spTree>
     <p:extLst>
       <p:ext uri="{BB962C8B-B14F-4D97-AF65-F5344CB8AC3E}">
-        <p14:creationId xmlns="" xmlns:p14="http://schemas.microsoft.com/office/powerpoint/2010/main" val="3832215252"/>
+        <p14:creationId xmlns:p14="http://schemas.microsoft.com/office/powerpoint/2010/main" val="3832215252"/>
       </p:ext>
     </p:extLst>
   </p:cSld>
@@ -815,7 +815,7 @@
             <a:fld id="{BAF09E74-5774-F145-AC14-13E3AE904401}" type="datetimeFigureOut">
               <a:rPr lang="nl-NL" smtClean="0"/>
               <a:pPr/>
-              <a:t>10-7-2015</a:t>
+              <a:t>11/07/15</a:t>
             </a:fld>
             <a:endParaRPr lang="nl-NL"/>
           </a:p>
@@ -858,7 +858,7 @@
             <a:fld id="{6D59DADF-35B0-8442-AF3F-7D54891C5B27}" type="slidenum">
               <a:rPr lang="nl-NL" smtClean="0"/>
               <a:pPr/>
-              <a:t>‹#›</a:t>
+              <a:t>‹nr.›</a:t>
             </a:fld>
             <a:endParaRPr lang="nl-NL"/>
           </a:p>
@@ -867,7 +867,7 @@
     </p:spTree>
     <p:extLst>
       <p:ext uri="{BB962C8B-B14F-4D97-AF65-F5344CB8AC3E}">
-        <p14:creationId xmlns="" xmlns:p14="http://schemas.microsoft.com/office/powerpoint/2010/main" val="406829104"/>
+        <p14:creationId xmlns:p14="http://schemas.microsoft.com/office/powerpoint/2010/main" val="406829104"/>
       </p:ext>
     </p:extLst>
   </p:cSld>
@@ -1063,7 +1063,7 @@
             <a:fld id="{BAF09E74-5774-F145-AC14-13E3AE904401}" type="datetimeFigureOut">
               <a:rPr lang="nl-NL" smtClean="0"/>
               <a:pPr/>
-              <a:t>10-7-2015</a:t>
+              <a:t>11/07/15</a:t>
             </a:fld>
             <a:endParaRPr lang="nl-NL"/>
           </a:p>
@@ -1106,7 +1106,7 @@
             <a:fld id="{6D59DADF-35B0-8442-AF3F-7D54891C5B27}" type="slidenum">
               <a:rPr lang="nl-NL" smtClean="0"/>
               <a:pPr/>
-              <a:t>‹#›</a:t>
+              <a:t>‹nr.›</a:t>
             </a:fld>
             <a:endParaRPr lang="nl-NL"/>
           </a:p>
@@ -1115,7 +1115,7 @@
     </p:spTree>
     <p:extLst>
       <p:ext uri="{BB962C8B-B14F-4D97-AF65-F5344CB8AC3E}">
-        <p14:creationId xmlns="" xmlns:p14="http://schemas.microsoft.com/office/powerpoint/2010/main" val="4032166571"/>
+        <p14:creationId xmlns:p14="http://schemas.microsoft.com/office/powerpoint/2010/main" val="4032166571"/>
       </p:ext>
     </p:extLst>
   </p:cSld>
@@ -1353,7 +1353,7 @@
             <a:fld id="{BAF09E74-5774-F145-AC14-13E3AE904401}" type="datetimeFigureOut">
               <a:rPr lang="nl-NL" smtClean="0"/>
               <a:pPr/>
-              <a:t>10-7-2015</a:t>
+              <a:t>11/07/15</a:t>
             </a:fld>
             <a:endParaRPr lang="nl-NL"/>
           </a:p>
@@ -1396,7 +1396,7 @@
             <a:fld id="{6D59DADF-35B0-8442-AF3F-7D54891C5B27}" type="slidenum">
               <a:rPr lang="nl-NL" smtClean="0"/>
               <a:pPr/>
-              <a:t>‹#›</a:t>
+              <a:t>‹nr.›</a:t>
             </a:fld>
             <a:endParaRPr lang="nl-NL"/>
           </a:p>
@@ -1405,7 +1405,7 @@
     </p:spTree>
     <p:extLst>
       <p:ext uri="{BB962C8B-B14F-4D97-AF65-F5344CB8AC3E}">
-        <p14:creationId xmlns="" xmlns:p14="http://schemas.microsoft.com/office/powerpoint/2010/main" val="1494689933"/>
+        <p14:creationId xmlns:p14="http://schemas.microsoft.com/office/powerpoint/2010/main" val="1494689933"/>
       </p:ext>
     </p:extLst>
   </p:cSld>
@@ -1777,7 +1777,7 @@
             <a:fld id="{BAF09E74-5774-F145-AC14-13E3AE904401}" type="datetimeFigureOut">
               <a:rPr lang="nl-NL" smtClean="0"/>
               <a:pPr/>
-              <a:t>10-7-2015</a:t>
+              <a:t>11/07/15</a:t>
             </a:fld>
             <a:endParaRPr lang="nl-NL"/>
           </a:p>
@@ -1820,7 +1820,7 @@
             <a:fld id="{6D59DADF-35B0-8442-AF3F-7D54891C5B27}" type="slidenum">
               <a:rPr lang="nl-NL" smtClean="0"/>
               <a:pPr/>
-              <a:t>‹#›</a:t>
+              <a:t>‹nr.›</a:t>
             </a:fld>
             <a:endParaRPr lang="nl-NL"/>
           </a:p>
@@ -1829,7 +1829,7 @@
     </p:spTree>
     <p:extLst>
       <p:ext uri="{BB962C8B-B14F-4D97-AF65-F5344CB8AC3E}">
-        <p14:creationId xmlns="" xmlns:p14="http://schemas.microsoft.com/office/powerpoint/2010/main" val="1221107075"/>
+        <p14:creationId xmlns:p14="http://schemas.microsoft.com/office/powerpoint/2010/main" val="1221107075"/>
       </p:ext>
     </p:extLst>
   </p:cSld>
@@ -1897,7 +1897,7 @@
             <a:fld id="{BAF09E74-5774-F145-AC14-13E3AE904401}" type="datetimeFigureOut">
               <a:rPr lang="nl-NL" smtClean="0"/>
               <a:pPr/>
-              <a:t>10-7-2015</a:t>
+              <a:t>11/07/15</a:t>
             </a:fld>
             <a:endParaRPr lang="nl-NL"/>
           </a:p>
@@ -1940,7 +1940,7 @@
             <a:fld id="{6D59DADF-35B0-8442-AF3F-7D54891C5B27}" type="slidenum">
               <a:rPr lang="nl-NL" smtClean="0"/>
               <a:pPr/>
-              <a:t>‹#›</a:t>
+              <a:t>‹nr.›</a:t>
             </a:fld>
             <a:endParaRPr lang="nl-NL"/>
           </a:p>
@@ -1949,7 +1949,7 @@
     </p:spTree>
     <p:extLst>
       <p:ext uri="{BB962C8B-B14F-4D97-AF65-F5344CB8AC3E}">
-        <p14:creationId xmlns="" xmlns:p14="http://schemas.microsoft.com/office/powerpoint/2010/main" val="23264191"/>
+        <p14:creationId xmlns:p14="http://schemas.microsoft.com/office/powerpoint/2010/main" val="23264191"/>
       </p:ext>
     </p:extLst>
   </p:cSld>
@@ -1994,7 +1994,7 @@
             <a:fld id="{BAF09E74-5774-F145-AC14-13E3AE904401}" type="datetimeFigureOut">
               <a:rPr lang="nl-NL" smtClean="0"/>
               <a:pPr/>
-              <a:t>10-7-2015</a:t>
+              <a:t>11/07/15</a:t>
             </a:fld>
             <a:endParaRPr lang="nl-NL"/>
           </a:p>
@@ -2037,7 +2037,7 @@
             <a:fld id="{6D59DADF-35B0-8442-AF3F-7D54891C5B27}" type="slidenum">
               <a:rPr lang="nl-NL" smtClean="0"/>
               <a:pPr/>
-              <a:t>‹#›</a:t>
+              <a:t>‹nr.›</a:t>
             </a:fld>
             <a:endParaRPr lang="nl-NL"/>
           </a:p>
@@ -2046,7 +2046,7 @@
     </p:spTree>
     <p:extLst>
       <p:ext uri="{BB962C8B-B14F-4D97-AF65-F5344CB8AC3E}">
-        <p14:creationId xmlns="" xmlns:p14="http://schemas.microsoft.com/office/powerpoint/2010/main" val="461564456"/>
+        <p14:creationId xmlns:p14="http://schemas.microsoft.com/office/powerpoint/2010/main" val="461564456"/>
       </p:ext>
     </p:extLst>
   </p:cSld>
@@ -2273,7 +2273,7 @@
             <a:fld id="{BAF09E74-5774-F145-AC14-13E3AE904401}" type="datetimeFigureOut">
               <a:rPr lang="nl-NL" smtClean="0"/>
               <a:pPr/>
-              <a:t>10-7-2015</a:t>
+              <a:t>11/07/15</a:t>
             </a:fld>
             <a:endParaRPr lang="nl-NL"/>
           </a:p>
@@ -2316,7 +2316,7 @@
             <a:fld id="{6D59DADF-35B0-8442-AF3F-7D54891C5B27}" type="slidenum">
               <a:rPr lang="nl-NL" smtClean="0"/>
               <a:pPr/>
-              <a:t>‹#›</a:t>
+              <a:t>‹nr.›</a:t>
             </a:fld>
             <a:endParaRPr lang="nl-NL"/>
           </a:p>
@@ -2325,7 +2325,7 @@
     </p:spTree>
     <p:extLst>
       <p:ext uri="{BB962C8B-B14F-4D97-AF65-F5344CB8AC3E}">
-        <p14:creationId xmlns="" xmlns:p14="http://schemas.microsoft.com/office/powerpoint/2010/main" val="3656418691"/>
+        <p14:creationId xmlns:p14="http://schemas.microsoft.com/office/powerpoint/2010/main" val="3656418691"/>
       </p:ext>
     </p:extLst>
   </p:cSld>
@@ -2528,7 +2528,7 @@
             <a:fld id="{BAF09E74-5774-F145-AC14-13E3AE904401}" type="datetimeFigureOut">
               <a:rPr lang="nl-NL" smtClean="0"/>
               <a:pPr/>
-              <a:t>10-7-2015</a:t>
+              <a:t>11/07/15</a:t>
             </a:fld>
             <a:endParaRPr lang="nl-NL"/>
           </a:p>
@@ -2571,7 +2571,7 @@
             <a:fld id="{6D59DADF-35B0-8442-AF3F-7D54891C5B27}" type="slidenum">
               <a:rPr lang="nl-NL" smtClean="0"/>
               <a:pPr/>
-              <a:t>‹#›</a:t>
+              <a:t>‹nr.›</a:t>
             </a:fld>
             <a:endParaRPr lang="nl-NL"/>
           </a:p>
@@ -2580,7 +2580,7 @@
     </p:spTree>
     <p:extLst>
       <p:ext uri="{BB962C8B-B14F-4D97-AF65-F5344CB8AC3E}">
-        <p14:creationId xmlns="" xmlns:p14="http://schemas.microsoft.com/office/powerpoint/2010/main" val="2512410003"/>
+        <p14:creationId xmlns:p14="http://schemas.microsoft.com/office/powerpoint/2010/main" val="2512410003"/>
       </p:ext>
     </p:extLst>
   </p:cSld>
@@ -2743,7 +2743,7 @@
             <a:fld id="{BAF09E74-5774-F145-AC14-13E3AE904401}" type="datetimeFigureOut">
               <a:rPr lang="nl-NL" smtClean="0"/>
               <a:pPr/>
-              <a:t>10-7-2015</a:t>
+              <a:t>11/07/15</a:t>
             </a:fld>
             <a:endParaRPr lang="nl-NL"/>
           </a:p>
@@ -2822,7 +2822,7 @@
             <a:fld id="{6D59DADF-35B0-8442-AF3F-7D54891C5B27}" type="slidenum">
               <a:rPr lang="nl-NL" smtClean="0"/>
               <a:pPr/>
-              <a:t>‹#›</a:t>
+              <a:t>‹nr.›</a:t>
             </a:fld>
             <a:endParaRPr lang="nl-NL"/>
           </a:p>
@@ -2831,7 +2831,7 @@
     </p:spTree>
     <p:extLst>
       <p:ext uri="{BB962C8B-B14F-4D97-AF65-F5344CB8AC3E}">
-        <p14:creationId xmlns="" xmlns:p14="http://schemas.microsoft.com/office/powerpoint/2010/main" val="3782918827"/>
+        <p14:creationId xmlns:p14="http://schemas.microsoft.com/office/powerpoint/2010/main" val="3782918827"/>
       </p:ext>
     </p:extLst>
   </p:cSld>
@@ -3127,7 +3127,7 @@
         </p:nvSpPr>
         <p:spPr>
           <a:xfrm>
-            <a:off x="66075" y="2447925"/>
+            <a:off x="66075" y="1939925"/>
             <a:ext cx="3353400" cy="3705225"/>
           </a:xfrm>
           <a:prstGeom prst="rect">
@@ -3170,7 +3170,7 @@
         </p:nvSpPr>
         <p:spPr>
           <a:xfrm>
-            <a:off x="3648595" y="2447925"/>
+            <a:off x="3648595" y="1939925"/>
             <a:ext cx="5409679" cy="3705225"/>
           </a:xfrm>
           <a:prstGeom prst="rect">
@@ -3213,7 +3213,7 @@
         </p:nvSpPr>
         <p:spPr>
           <a:xfrm>
-            <a:off x="3753371" y="1469208"/>
+            <a:off x="5514229" y="1354908"/>
             <a:ext cx="1413619" cy="309521"/>
           </a:xfrm>
           <a:prstGeom prst="roundRect">
@@ -3256,7 +3256,7 @@
         </p:nvSpPr>
         <p:spPr>
           <a:xfrm>
-            <a:off x="1890644" y="4466183"/>
+            <a:off x="1890644" y="3958183"/>
             <a:ext cx="1413619" cy="309521"/>
           </a:xfrm>
           <a:prstGeom prst="roundRect">
@@ -3299,7 +3299,7 @@
         </p:nvSpPr>
         <p:spPr>
           <a:xfrm>
-            <a:off x="1890645" y="3680853"/>
+            <a:off x="1890645" y="3172853"/>
             <a:ext cx="1413619" cy="309521"/>
           </a:xfrm>
           <a:prstGeom prst="roundRect">
@@ -3342,7 +3342,7 @@
         </p:nvSpPr>
         <p:spPr>
           <a:xfrm>
-            <a:off x="3759722" y="4015915"/>
+            <a:off x="3759722" y="3507915"/>
             <a:ext cx="1413619" cy="309521"/>
           </a:xfrm>
           <a:prstGeom prst="roundRect">
@@ -3385,7 +3385,7 @@
         </p:nvSpPr>
         <p:spPr>
           <a:xfrm>
-            <a:off x="3757931" y="4683071"/>
+            <a:off x="3757931" y="4175071"/>
             <a:ext cx="1413619" cy="309521"/>
           </a:xfrm>
           <a:prstGeom prst="roundRect">
@@ -3427,7 +3427,7 @@
         </p:nvSpPr>
         <p:spPr>
           <a:xfrm>
-            <a:off x="3757932" y="5301747"/>
+            <a:off x="3757932" y="4793747"/>
             <a:ext cx="1413619" cy="309521"/>
           </a:xfrm>
           <a:prstGeom prst="roundRect">
@@ -3470,7 +3470,7 @@
         </p:nvSpPr>
         <p:spPr>
           <a:xfrm>
-            <a:off x="3759722" y="3302777"/>
+            <a:off x="3759722" y="2794777"/>
             <a:ext cx="1413619" cy="309521"/>
           </a:xfrm>
           <a:prstGeom prst="roundRect">
@@ -3512,7 +3512,7 @@
         </p:nvSpPr>
         <p:spPr>
           <a:xfrm>
-            <a:off x="3757930" y="2597168"/>
+            <a:off x="3757930" y="2089168"/>
             <a:ext cx="1413619" cy="309521"/>
           </a:xfrm>
           <a:prstGeom prst="roundRect">
@@ -3559,7 +3559,7 @@
         </p:nvSpPr>
         <p:spPr>
           <a:xfrm>
-            <a:off x="1890643" y="2904561"/>
+            <a:off x="1890643" y="2396561"/>
             <a:ext cx="1413619" cy="309521"/>
           </a:xfrm>
           <a:prstGeom prst="roundRect">
@@ -3596,13 +3596,60 @@
       </p:sp>
       <p:sp>
         <p:nvSpPr>
-          <p:cNvPr id="17" name="Afgeronde rechthoek 16"/>
+          <p:cNvPr id="18" name="Afgeronde rechthoek 17"/>
           <p:cNvSpPr/>
           <p:nvPr/>
         </p:nvSpPr>
         <p:spPr>
           <a:xfrm>
-            <a:off x="5520579" y="1792244"/>
+            <a:off x="151800" y="3173233"/>
+            <a:ext cx="1413619" cy="309521"/>
+          </a:xfrm>
+          <a:prstGeom prst="roundRect">
+            <a:avLst/>
+          </a:prstGeom>
+          <a:ln>
+            <a:solidFill>
+              <a:srgbClr val="00B050"/>
+            </a:solidFill>
+          </a:ln>
+        </p:spPr>
+        <p:style>
+          <a:lnRef idx="1">
+            <a:schemeClr val="accent1"/>
+          </a:lnRef>
+          <a:fillRef idx="3">
+            <a:schemeClr val="accent1"/>
+          </a:fillRef>
+          <a:effectRef idx="2">
+            <a:schemeClr val="accent1"/>
+          </a:effectRef>
+          <a:fontRef idx="minor">
+            <a:schemeClr val="lt1"/>
+          </a:fontRef>
+        </p:style>
+        <p:txBody>
+          <a:bodyPr/>
+          <a:lstStyle/>
+          <a:p>
+            <a:pPr algn="ctr"/>
+            <a:r>
+              <a:rPr lang="nl-NL" sz="1400" dirty="0" err="1" smtClean="0"/>
+              <a:t>NodeLibrary</a:t>
+            </a:r>
+            <a:endParaRPr lang="nl-NL" sz="1400" dirty="0"/>
+          </a:p>
+        </p:txBody>
+      </p:sp>
+      <p:sp>
+        <p:nvSpPr>
+          <p:cNvPr id="19" name="Afgeronde rechthoek 18"/>
+          <p:cNvSpPr/>
+          <p:nvPr/>
+        </p:nvSpPr>
+        <p:spPr>
+          <a:xfrm>
+            <a:off x="5520579" y="2794776"/>
             <a:ext cx="1413619" cy="309521"/>
           </a:xfrm>
           <a:prstGeom prst="roundRect">
@@ -3631,7 +3678,7 @@
             <a:pPr algn="ctr"/>
             <a:r>
               <a:rPr lang="nl-NL" sz="1400" dirty="0" err="1" smtClean="0"/>
-              <a:t>NodeListWidget</a:t>
+              <a:t>NodeTreeItem</a:t>
             </a:r>
             <a:endParaRPr lang="nl-NL" sz="1400" dirty="0"/>
           </a:p>
@@ -3639,13 +3686,13 @@
       </p:sp>
       <p:sp>
         <p:nvSpPr>
-          <p:cNvPr id="18" name="Afgeronde rechthoek 17"/>
+          <p:cNvPr id="20" name="Afgeronde rechthoek 19"/>
           <p:cNvSpPr/>
           <p:nvPr/>
         </p:nvSpPr>
         <p:spPr>
           <a:xfrm>
-            <a:off x="151800" y="3681233"/>
+            <a:off x="5520580" y="2089166"/>
             <a:ext cx="1413619" cy="309521"/>
           </a:xfrm>
           <a:prstGeom prst="roundRect">
@@ -3653,52 +3700,9 @@
           </a:prstGeom>
           <a:ln>
             <a:solidFill>
-              <a:srgbClr val="00B050"/>
+              <a:schemeClr val="tx1"/>
             </a:solidFill>
           </a:ln>
-        </p:spPr>
-        <p:style>
-          <a:lnRef idx="1">
-            <a:schemeClr val="accent1"/>
-          </a:lnRef>
-          <a:fillRef idx="3">
-            <a:schemeClr val="accent1"/>
-          </a:fillRef>
-          <a:effectRef idx="2">
-            <a:schemeClr val="accent1"/>
-          </a:effectRef>
-          <a:fontRef idx="minor">
-            <a:schemeClr val="lt1"/>
-          </a:fontRef>
-        </p:style>
-        <p:txBody>
-          <a:bodyPr/>
-          <a:lstStyle/>
-          <a:p>
-            <a:pPr algn="ctr"/>
-            <a:r>
-              <a:rPr lang="nl-NL" sz="1400" dirty="0" err="1" smtClean="0"/>
-              <a:t>NodeLibrary</a:t>
-            </a:r>
-            <a:endParaRPr lang="nl-NL" sz="1400" dirty="0"/>
-          </a:p>
-        </p:txBody>
-      </p:sp>
-      <p:sp>
-        <p:nvSpPr>
-          <p:cNvPr id="19" name="Afgeronde rechthoek 18"/>
-          <p:cNvSpPr/>
-          <p:nvPr/>
-        </p:nvSpPr>
-        <p:spPr>
-          <a:xfrm>
-            <a:off x="5520579" y="3302776"/>
-            <a:ext cx="1413619" cy="309521"/>
-          </a:xfrm>
-          <a:prstGeom prst="roundRect">
-            <a:avLst/>
-          </a:prstGeom>
-          <a:ln/>
         </p:spPr>
         <p:style>
           <a:lnRef idx="1">
@@ -3721,7 +3725,7 @@
             <a:pPr algn="ctr"/>
             <a:r>
               <a:rPr lang="nl-NL" sz="1400" dirty="0" err="1" smtClean="0"/>
-              <a:t>NodeTreeItem</a:t>
+              <a:t>NodeTreeEditor</a:t>
             </a:r>
             <a:endParaRPr lang="nl-NL" sz="1400" dirty="0"/>
           </a:p>
@@ -3729,13 +3733,13 @@
       </p:sp>
       <p:sp>
         <p:nvSpPr>
-          <p:cNvPr id="20" name="Afgeronde rechthoek 19"/>
+          <p:cNvPr id="21" name="Afgeronde rechthoek 20"/>
           <p:cNvSpPr/>
           <p:nvPr/>
         </p:nvSpPr>
         <p:spPr>
           <a:xfrm>
-            <a:off x="5520580" y="2597166"/>
+            <a:off x="151802" y="3957040"/>
             <a:ext cx="1413619" cy="309521"/>
           </a:xfrm>
           <a:prstGeom prst="roundRect">
@@ -3745,13 +3749,13 @@
         </p:spPr>
         <p:style>
           <a:lnRef idx="1">
-            <a:schemeClr val="accent4"/>
+            <a:schemeClr val="accent1"/>
           </a:lnRef>
           <a:fillRef idx="3">
-            <a:schemeClr val="accent4"/>
+            <a:schemeClr val="accent1"/>
           </a:fillRef>
           <a:effectRef idx="2">
-            <a:schemeClr val="accent4"/>
+            <a:schemeClr val="accent1"/>
           </a:effectRef>
           <a:fontRef idx="minor">
             <a:schemeClr val="lt1"/>
@@ -3763,49 +3767,6 @@
           <a:p>
             <a:pPr algn="ctr"/>
             <a:r>
-              <a:rPr lang="nl-NL" sz="1400" dirty="0" err="1" smtClean="0"/>
-              <a:t>NodeTreeEditor</a:t>
-            </a:r>
-            <a:endParaRPr lang="nl-NL" sz="1400" dirty="0"/>
-          </a:p>
-        </p:txBody>
-      </p:sp>
-      <p:sp>
-        <p:nvSpPr>
-          <p:cNvPr id="21" name="Afgeronde rechthoek 20"/>
-          <p:cNvSpPr/>
-          <p:nvPr/>
-        </p:nvSpPr>
-        <p:spPr>
-          <a:xfrm>
-            <a:off x="151802" y="4465040"/>
-            <a:ext cx="1413619" cy="309521"/>
-          </a:xfrm>
-          <a:prstGeom prst="roundRect">
-            <a:avLst/>
-          </a:prstGeom>
-          <a:ln/>
-        </p:spPr>
-        <p:style>
-          <a:lnRef idx="1">
-            <a:schemeClr val="accent1"/>
-          </a:lnRef>
-          <a:fillRef idx="3">
-            <a:schemeClr val="accent1"/>
-          </a:fillRef>
-          <a:effectRef idx="2">
-            <a:schemeClr val="accent1"/>
-          </a:effectRef>
-          <a:fontRef idx="minor">
-            <a:schemeClr val="lt1"/>
-          </a:fontRef>
-        </p:style>
-        <p:txBody>
-          <a:bodyPr/>
-          <a:lstStyle/>
-          <a:p>
-            <a:pPr algn="ctr"/>
-            <a:r>
               <a:rPr lang="nl-NL" sz="1400" dirty="0" smtClean="0"/>
               <a:t>Singleton</a:t>
             </a:r>
@@ -3821,7 +3782,7 @@
         </p:nvSpPr>
         <p:spPr>
           <a:xfrm>
-            <a:off x="151803" y="5216797"/>
+            <a:off x="151803" y="4708797"/>
             <a:ext cx="1413619" cy="309521"/>
           </a:xfrm>
           <a:prstGeom prst="roundRect">
@@ -3866,7 +3827,7 @@
         </p:nvSpPr>
         <p:spPr>
           <a:xfrm>
-            <a:off x="3759721" y="847724"/>
+            <a:off x="5520579" y="733424"/>
             <a:ext cx="1413619" cy="309521"/>
           </a:xfrm>
           <a:prstGeom prst="roundRect">
@@ -3912,41 +3873,8 @@
         </p:nvCxnSpPr>
         <p:spPr>
           <a:xfrm flipH="1">
-            <a:off x="4460181" y="1157245"/>
+            <a:off x="6221039" y="1042945"/>
             <a:ext cx="6350" cy="311963"/>
-          </a:xfrm>
-          <a:prstGeom prst="line">
-            <a:avLst/>
-          </a:prstGeom>
-        </p:spPr>
-        <p:style>
-          <a:lnRef idx="2">
-            <a:schemeClr val="dk1"/>
-          </a:lnRef>
-          <a:fillRef idx="0">
-            <a:schemeClr val="dk1"/>
-          </a:fillRef>
-          <a:effectRef idx="1">
-            <a:schemeClr val="dk1"/>
-          </a:effectRef>
-          <a:fontRef idx="minor">
-            <a:schemeClr val="tx1"/>
-          </a:fontRef>
-        </p:style>
-      </p:cxnSp>
-      <p:cxnSp>
-        <p:nvCxnSpPr>
-          <p:cNvPr id="31" name="Rechte verbindingslijn 30"/>
-          <p:cNvCxnSpPr>
-            <a:stCxn id="8" idx="2"/>
-            <a:endCxn id="15" idx="0"/>
-          </p:cNvCxnSpPr>
-          <p:nvPr/>
-        </p:nvCxnSpPr>
-        <p:spPr>
-          <a:xfrm>
-            <a:off x="4460181" y="1778729"/>
-            <a:ext cx="4559" cy="818439"/>
           </a:xfrm>
           <a:prstGeom prst="line">
             <a:avLst/>
@@ -3971,18 +3899,20 @@
         <p:nvCxnSpPr>
           <p:cNvPr id="33" name="Gebogen verbindingslijn 32"/>
           <p:cNvCxnSpPr>
-            <a:stCxn id="8" idx="3"/>
-            <a:endCxn id="17" idx="0"/>
+            <a:stCxn id="8" idx="2"/>
+            <a:endCxn id="20" idx="0"/>
           </p:cNvCxnSpPr>
           <p:nvPr/>
         </p:nvCxnSpPr>
         <p:spPr>
-          <a:xfrm>
-            <a:off x="5166990" y="1623969"/>
-            <a:ext cx="1060399" cy="168275"/>
-          </a:xfrm>
-          <a:prstGeom prst="bentConnector2">
-            <a:avLst/>
+          <a:xfrm rot="16200000" flipH="1">
+            <a:off x="6011846" y="1873621"/>
+            <a:ext cx="424737" cy="6351"/>
+          </a:xfrm>
+          <a:prstGeom prst="bentConnector3">
+            <a:avLst>
+              <a:gd name="adj1" fmla="val 50000"/>
+            </a:avLst>
           </a:prstGeom>
         </p:spPr>
         <p:style>
@@ -4011,7 +3941,7 @@
         </p:nvCxnSpPr>
         <p:spPr>
           <a:xfrm rot="16200000" flipH="1">
-            <a:off x="4267592" y="3103837"/>
+            <a:off x="4267592" y="2595837"/>
             <a:ext cx="396088" cy="1792"/>
           </a:xfrm>
           <a:prstGeom prst="bentConnector3">
@@ -4051,7 +3981,7 @@
         </p:nvCxnSpPr>
         <p:spPr>
           <a:xfrm flipV="1">
-            <a:off x="5171549" y="2751927"/>
+            <a:off x="5171549" y="2243927"/>
             <a:ext cx="349031" cy="2"/>
           </a:xfrm>
           <a:prstGeom prst="bentConnector3">
@@ -4086,7 +4016,7 @@
         </p:nvCxnSpPr>
         <p:spPr>
           <a:xfrm rot="10800000" flipH="1" flipV="1">
-            <a:off x="3757930" y="2751928"/>
+            <a:off x="3757930" y="2243928"/>
             <a:ext cx="2" cy="2704579"/>
           </a:xfrm>
           <a:prstGeom prst="bentConnector3">
@@ -4126,7 +4056,7 @@
         </p:nvCxnSpPr>
         <p:spPr>
           <a:xfrm rot="10800000" flipH="1" flipV="1">
-            <a:off x="3757929" y="2751928"/>
+            <a:off x="3757929" y="2243928"/>
             <a:ext cx="1" cy="2085903"/>
           </a:xfrm>
           <a:prstGeom prst="bentConnector3">
@@ -4166,7 +4096,7 @@
         </p:nvCxnSpPr>
         <p:spPr>
           <a:xfrm rot="16200000" flipH="1">
-            <a:off x="3056859" y="2754675"/>
+            <a:off x="3056859" y="2246675"/>
             <a:ext cx="243456" cy="1162269"/>
           </a:xfrm>
           <a:prstGeom prst="bentConnector2">
@@ -4199,7 +4129,7 @@
         </p:nvCxnSpPr>
         <p:spPr>
           <a:xfrm>
-            <a:off x="4466532" y="3612298"/>
+            <a:off x="4466532" y="3104298"/>
             <a:ext cx="0" cy="403617"/>
           </a:xfrm>
           <a:prstGeom prst="line">
@@ -4237,7 +4167,7 @@
         </p:nvCxnSpPr>
         <p:spPr>
           <a:xfrm rot="16200000" flipH="1">
-            <a:off x="621468" y="4227896"/>
+            <a:off x="621468" y="3719896"/>
             <a:ext cx="474286" cy="2"/>
           </a:xfrm>
           <a:prstGeom prst="bentConnector3">
@@ -4275,7 +4205,7 @@
         </p:nvCxnSpPr>
         <p:spPr>
           <a:xfrm flipV="1">
-            <a:off x="1565419" y="3835614"/>
+            <a:off x="1565419" y="3327614"/>
             <a:ext cx="325226" cy="380"/>
           </a:xfrm>
           <a:prstGeom prst="bentConnector3">
@@ -4315,7 +4245,7 @@
         </p:nvCxnSpPr>
         <p:spPr>
           <a:xfrm>
-            <a:off x="1565419" y="3835994"/>
+            <a:off x="1565419" y="3327994"/>
             <a:ext cx="325225" cy="784950"/>
           </a:xfrm>
           <a:prstGeom prst="bentConnector3">
@@ -4355,7 +4285,7 @@
         </p:nvCxnSpPr>
         <p:spPr>
           <a:xfrm flipV="1">
-            <a:off x="1565419" y="3059322"/>
+            <a:off x="1565419" y="2551322"/>
             <a:ext cx="325224" cy="776672"/>
           </a:xfrm>
           <a:prstGeom prst="bentConnector3">
@@ -4366,46 +4296,6 @@
           <a:ln>
             <a:solidFill>
               <a:srgbClr val="4F81BD"/>
-            </a:solidFill>
-          </a:ln>
-        </p:spPr>
-        <p:style>
-          <a:lnRef idx="2">
-            <a:schemeClr val="accent1"/>
-          </a:lnRef>
-          <a:fillRef idx="0">
-            <a:schemeClr val="accent1"/>
-          </a:fillRef>
-          <a:effectRef idx="1">
-            <a:schemeClr val="accent1"/>
-          </a:effectRef>
-          <a:fontRef idx="minor">
-            <a:schemeClr val="tx1"/>
-          </a:fontRef>
-        </p:style>
-      </p:cxnSp>
-      <p:cxnSp>
-        <p:nvCxnSpPr>
-          <p:cNvPr id="93" name="Gebogen verbindingslijn 92"/>
-          <p:cNvCxnSpPr>
-            <a:stCxn id="20" idx="0"/>
-            <a:endCxn id="17" idx="2"/>
-          </p:cNvCxnSpPr>
-          <p:nvPr/>
-        </p:nvCxnSpPr>
-        <p:spPr>
-          <a:xfrm rot="16200000" flipV="1">
-            <a:off x="5979690" y="2349465"/>
-            <a:ext cx="495401" cy="1"/>
-          </a:xfrm>
-          <a:prstGeom prst="bentConnector3">
-            <a:avLst>
-              <a:gd name="adj1" fmla="val 50000"/>
-            </a:avLst>
-          </a:prstGeom>
-          <a:ln>
-            <a:solidFill>
-              <a:srgbClr val="7030A0"/>
             </a:solidFill>
           </a:ln>
         </p:spPr>
@@ -4435,7 +4325,7 @@
         </p:nvCxnSpPr>
         <p:spPr>
           <a:xfrm rot="16200000" flipH="1">
-            <a:off x="2364069" y="3447466"/>
+            <a:off x="2364069" y="2939466"/>
             <a:ext cx="466771" cy="2"/>
           </a:xfrm>
           <a:prstGeom prst="bentConnector3">
@@ -4475,7 +4365,7 @@
         </p:nvCxnSpPr>
         <p:spPr>
           <a:xfrm flipV="1">
-            <a:off x="5173341" y="3612297"/>
+            <a:off x="5173341" y="3104297"/>
             <a:ext cx="1054048" cy="558379"/>
           </a:xfrm>
           <a:prstGeom prst="bentConnector2">
@@ -4508,7 +4398,7 @@
         </p:nvCxnSpPr>
         <p:spPr>
           <a:xfrm rot="10800000" flipV="1">
-            <a:off x="5173341" y="3457536"/>
+            <a:off x="5173341" y="2949536"/>
             <a:ext cx="347238" cy="1"/>
           </a:xfrm>
           <a:prstGeom prst="bentConnector3">
@@ -4543,7 +4433,7 @@
         </p:nvCxnSpPr>
         <p:spPr>
           <a:xfrm rot="5400000">
-            <a:off x="4286820" y="4503358"/>
+            <a:off x="4286820" y="3995358"/>
             <a:ext cx="357635" cy="1791"/>
           </a:xfrm>
           <a:prstGeom prst="bentConnector3">
@@ -4583,7 +4473,7 @@
         </p:nvCxnSpPr>
         <p:spPr>
           <a:xfrm rot="16200000" flipV="1">
-            <a:off x="637495" y="4995678"/>
+            <a:off x="637495" y="4487678"/>
             <a:ext cx="442236" cy="1"/>
           </a:xfrm>
           <a:prstGeom prst="bentConnector3">
@@ -4621,7 +4511,7 @@
         </p:nvCxnSpPr>
         <p:spPr>
           <a:xfrm rot="5400000">
-            <a:off x="3830719" y="2379033"/>
+            <a:off x="3830719" y="1871033"/>
             <a:ext cx="1163407" cy="3629935"/>
           </a:xfrm>
           <a:prstGeom prst="bentConnector3">
@@ -4656,7 +4546,7 @@
         </p:nvCxnSpPr>
         <p:spPr>
           <a:xfrm rot="10800000" flipV="1">
-            <a:off x="2597456" y="3457537"/>
+            <a:off x="2597456" y="2949537"/>
             <a:ext cx="1162267" cy="223315"/>
           </a:xfrm>
           <a:prstGeom prst="bentConnector2">
@@ -4689,22 +4579,23 @@
         </p:nvCxnSpPr>
         <p:spPr>
           <a:xfrm rot="5400000" flipH="1" flipV="1">
-            <a:off x="1277358" y="1205221"/>
-            <a:ext cx="2057264" cy="2894761"/>
+            <a:off x="2354637" y="13642"/>
+            <a:ext cx="1663564" cy="4655619"/>
           </a:xfrm>
           <a:prstGeom prst="bentConnector2">
             <a:avLst/>
           </a:prstGeom>
+          <a:ln/>
         </p:spPr>
         <p:style>
           <a:lnRef idx="2">
-            <a:schemeClr val="dk1"/>
+            <a:schemeClr val="accent1"/>
           </a:lnRef>
           <a:fillRef idx="0">
-            <a:schemeClr val="dk1"/>
+            <a:schemeClr val="accent1"/>
           </a:fillRef>
           <a:effectRef idx="1">
-            <a:schemeClr val="dk1"/>
+            <a:schemeClr val="accent1"/>
           </a:effectRef>
           <a:fontRef idx="minor">
             <a:schemeClr val="tx1"/>
@@ -4722,7 +4613,7 @@
         </p:nvCxnSpPr>
         <p:spPr>
           <a:xfrm rot="16200000" flipH="1">
-            <a:off x="4310164" y="5147168"/>
+            <a:off x="4310164" y="4639168"/>
             <a:ext cx="309155" cy="1"/>
           </a:xfrm>
           <a:prstGeom prst="bentConnector3">
@@ -4762,7 +4653,7 @@
         </p:nvCxnSpPr>
         <p:spPr>
           <a:xfrm rot="5400000">
-            <a:off x="6029346" y="3104731"/>
+            <a:off x="6029346" y="2596731"/>
             <a:ext cx="396089" cy="1"/>
           </a:xfrm>
           <a:prstGeom prst="bentConnector3">
@@ -4799,7 +4690,7 @@
         </p:nvSpPr>
         <p:spPr>
           <a:xfrm>
-            <a:off x="7406530" y="2597168"/>
+            <a:off x="7406530" y="2089168"/>
             <a:ext cx="1413619" cy="309521"/>
           </a:xfrm>
           <a:prstGeom prst="roundRect">
@@ -4831,9 +4722,7 @@
           </a:gradFill>
           <a:ln>
             <a:solidFill>
-              <a:schemeClr val="accent3">
-                <a:lumMod val="50000"/>
-              </a:schemeClr>
+              <a:schemeClr val="tx1"/>
             </a:solidFill>
           </a:ln>
         </p:spPr>
@@ -4875,7 +4764,7 @@
         </p:nvCxnSpPr>
         <p:spPr>
           <a:xfrm rot="10800000">
-            <a:off x="6934200" y="2751927"/>
+            <a:off x="6934200" y="2243927"/>
             <a:ext cx="472331" cy="2"/>
           </a:xfrm>
           <a:prstGeom prst="bentConnector3">
@@ -4910,8 +4799,8 @@
         </p:nvCxnSpPr>
         <p:spPr>
           <a:xfrm>
-            <a:off x="5166990" y="1623969"/>
-            <a:ext cx="2946350" cy="973199"/>
+            <a:off x="6927848" y="1509669"/>
+            <a:ext cx="1185492" cy="579499"/>
           </a:xfrm>
           <a:prstGeom prst="bentConnector2">
             <a:avLst/>
@@ -4945,7 +4834,7 @@
         </p:nvSpPr>
         <p:spPr>
           <a:xfrm>
-            <a:off x="6934200" y="5658893"/>
+            <a:off x="6934200" y="5150893"/>
             <a:ext cx="1533525" cy="369332"/>
           </a:xfrm>
           <a:prstGeom prst="rect">
@@ -4976,7 +4865,7 @@
         </p:nvSpPr>
         <p:spPr>
           <a:xfrm>
-            <a:off x="151803" y="5658893"/>
+            <a:off x="151803" y="5150893"/>
             <a:ext cx="2121202" cy="369332"/>
           </a:xfrm>
           <a:prstGeom prst="rect">
@@ -4998,10 +4887,48 @@
           </a:p>
         </p:txBody>
       </p:sp>
+      <p:cxnSp>
+        <p:nvCxnSpPr>
+          <p:cNvPr id="24" name="Gebogen verbindingslijn 23"/>
+          <p:cNvCxnSpPr>
+            <a:stCxn id="15" idx="0"/>
+            <a:endCxn id="8" idx="1"/>
+          </p:cNvCxnSpPr>
+          <p:nvPr/>
+        </p:nvCxnSpPr>
+        <p:spPr>
+          <a:xfrm rot="5400000" flipH="1" flipV="1">
+            <a:off x="4699735" y="1274675"/>
+            <a:ext cx="579499" cy="1049489"/>
+          </a:xfrm>
+          <a:prstGeom prst="bentConnector2">
+            <a:avLst/>
+          </a:prstGeom>
+          <a:ln>
+            <a:solidFill>
+              <a:srgbClr val="000000"/>
+            </a:solidFill>
+          </a:ln>
+        </p:spPr>
+        <p:style>
+          <a:lnRef idx="2">
+            <a:schemeClr val="accent1"/>
+          </a:lnRef>
+          <a:fillRef idx="0">
+            <a:schemeClr val="accent1"/>
+          </a:fillRef>
+          <a:effectRef idx="1">
+            <a:schemeClr val="accent1"/>
+          </a:effectRef>
+          <a:fontRef idx="minor">
+            <a:schemeClr val="tx1"/>
+          </a:fontRef>
+        </p:style>
+      </p:cxnSp>
     </p:spTree>
     <p:extLst>
       <p:ext uri="{BB962C8B-B14F-4D97-AF65-F5344CB8AC3E}">
-        <p14:creationId xmlns="" xmlns:p14="http://schemas.microsoft.com/office/powerpoint/2010/main" val="907461295"/>
+        <p14:creationId xmlns:p14="http://schemas.microsoft.com/office/powerpoint/2010/main" val="907461295"/>
       </p:ext>
     </p:extLst>
   </p:cSld>
@@ -5011,7 +4938,7 @@
   <p:timing>
     <p:tnLst>
       <p:par>
-        <p:cTn id="1" dur="indefinite" restart="never" nodeType="tmRoot"/>
+        <p:cTn xmlns:p14="http://schemas.microsoft.com/office/powerpoint/2010/main" id="1" dur="indefinite" restart="never" nodeType="tmRoot"/>
       </p:par>
     </p:tnLst>
   </p:timing>

--- a/Documents/ClassDiagram.pptx
+++ b/Documents/ClassDiagram.pptx
@@ -289,7 +289,7 @@
             <a:fld id="{BAF09E74-5774-F145-AC14-13E3AE904401}" type="datetimeFigureOut">
               <a:rPr lang="nl-NL" smtClean="0"/>
               <a:pPr/>
-              <a:t>11/07/15</a:t>
+              <a:t>12/07/15</a:t>
             </a:fld>
             <a:endParaRPr lang="nl-NL"/>
           </a:p>
@@ -461,7 +461,7 @@
             <a:fld id="{BAF09E74-5774-F145-AC14-13E3AE904401}" type="datetimeFigureOut">
               <a:rPr lang="nl-NL" smtClean="0"/>
               <a:pPr/>
-              <a:t>11/07/15</a:t>
+              <a:t>12/07/15</a:t>
             </a:fld>
             <a:endParaRPr lang="nl-NL"/>
           </a:p>
@@ -643,7 +643,7 @@
             <a:fld id="{BAF09E74-5774-F145-AC14-13E3AE904401}" type="datetimeFigureOut">
               <a:rPr lang="nl-NL" smtClean="0"/>
               <a:pPr/>
-              <a:t>11/07/15</a:t>
+              <a:t>12/07/15</a:t>
             </a:fld>
             <a:endParaRPr lang="nl-NL"/>
           </a:p>
@@ -815,7 +815,7 @@
             <a:fld id="{BAF09E74-5774-F145-AC14-13E3AE904401}" type="datetimeFigureOut">
               <a:rPr lang="nl-NL" smtClean="0"/>
               <a:pPr/>
-              <a:t>11/07/15</a:t>
+              <a:t>12/07/15</a:t>
             </a:fld>
             <a:endParaRPr lang="nl-NL"/>
           </a:p>
@@ -1063,7 +1063,7 @@
             <a:fld id="{BAF09E74-5774-F145-AC14-13E3AE904401}" type="datetimeFigureOut">
               <a:rPr lang="nl-NL" smtClean="0"/>
               <a:pPr/>
-              <a:t>11/07/15</a:t>
+              <a:t>12/07/15</a:t>
             </a:fld>
             <a:endParaRPr lang="nl-NL"/>
           </a:p>
@@ -1353,7 +1353,7 @@
             <a:fld id="{BAF09E74-5774-F145-AC14-13E3AE904401}" type="datetimeFigureOut">
               <a:rPr lang="nl-NL" smtClean="0"/>
               <a:pPr/>
-              <a:t>11/07/15</a:t>
+              <a:t>12/07/15</a:t>
             </a:fld>
             <a:endParaRPr lang="nl-NL"/>
           </a:p>
@@ -1777,7 +1777,7 @@
             <a:fld id="{BAF09E74-5774-F145-AC14-13E3AE904401}" type="datetimeFigureOut">
               <a:rPr lang="nl-NL" smtClean="0"/>
               <a:pPr/>
-              <a:t>11/07/15</a:t>
+              <a:t>12/07/15</a:t>
             </a:fld>
             <a:endParaRPr lang="nl-NL"/>
           </a:p>
@@ -1897,7 +1897,7 @@
             <a:fld id="{BAF09E74-5774-F145-AC14-13E3AE904401}" type="datetimeFigureOut">
               <a:rPr lang="nl-NL" smtClean="0"/>
               <a:pPr/>
-              <a:t>11/07/15</a:t>
+              <a:t>12/07/15</a:t>
             </a:fld>
             <a:endParaRPr lang="nl-NL"/>
           </a:p>
@@ -1994,7 +1994,7 @@
             <a:fld id="{BAF09E74-5774-F145-AC14-13E3AE904401}" type="datetimeFigureOut">
               <a:rPr lang="nl-NL" smtClean="0"/>
               <a:pPr/>
-              <a:t>11/07/15</a:t>
+              <a:t>12/07/15</a:t>
             </a:fld>
             <a:endParaRPr lang="nl-NL"/>
           </a:p>
@@ -2273,7 +2273,7 @@
             <a:fld id="{BAF09E74-5774-F145-AC14-13E3AE904401}" type="datetimeFigureOut">
               <a:rPr lang="nl-NL" smtClean="0"/>
               <a:pPr/>
-              <a:t>11/07/15</a:t>
+              <a:t>12/07/15</a:t>
             </a:fld>
             <a:endParaRPr lang="nl-NL"/>
           </a:p>
@@ -2528,7 +2528,7 @@
             <a:fld id="{BAF09E74-5774-F145-AC14-13E3AE904401}" type="datetimeFigureOut">
               <a:rPr lang="nl-NL" smtClean="0"/>
               <a:pPr/>
-              <a:t>11/07/15</a:t>
+              <a:t>12/07/15</a:t>
             </a:fld>
             <a:endParaRPr lang="nl-NL"/>
           </a:p>
@@ -2743,7 +2743,7 @@
             <a:fld id="{BAF09E74-5774-F145-AC14-13E3AE904401}" type="datetimeFigureOut">
               <a:rPr lang="nl-NL" smtClean="0"/>
               <a:pPr/>
-              <a:t>11/07/15</a:t>
+              <a:t>12/07/15</a:t>
             </a:fld>
             <a:endParaRPr lang="nl-NL"/>
           </a:p>
@@ -4690,7 +4690,7 @@
         </p:nvSpPr>
         <p:spPr>
           <a:xfrm>
-            <a:off x="7406530" y="2089168"/>
+            <a:off x="7292806" y="2089168"/>
             <a:ext cx="1413619" cy="309521"/>
           </a:xfrm>
           <a:prstGeom prst="roundRect">
@@ -4765,7 +4765,7 @@
         <p:spPr>
           <a:xfrm rot="10800000">
             <a:off x="6934200" y="2243927"/>
-            <a:ext cx="472331" cy="2"/>
+            <a:ext cx="358607" cy="2"/>
           </a:xfrm>
           <a:prstGeom prst="bentConnector3">
             <a:avLst>
@@ -4800,7 +4800,7 @@
         <p:spPr>
           <a:xfrm>
             <a:off x="6927848" y="1509669"/>
-            <a:ext cx="1185492" cy="579499"/>
+            <a:ext cx="1071768" cy="579499"/>
           </a:xfrm>
           <a:prstGeom prst="bentConnector2">
             <a:avLst/>

--- a/Documents/ClassDiagram.pptx
+++ b/Documents/ClassDiagram.pptx
@@ -289,7 +289,7 @@
             <a:fld id="{BAF09E74-5774-F145-AC14-13E3AE904401}" type="datetimeFigureOut">
               <a:rPr lang="nl-NL" smtClean="0"/>
               <a:pPr/>
-              <a:t>12/07/15</a:t>
+              <a:t>13-7-2015</a:t>
             </a:fld>
             <a:endParaRPr lang="nl-NL"/>
           </a:p>
@@ -332,7 +332,7 @@
             <a:fld id="{6D59DADF-35B0-8442-AF3F-7D54891C5B27}" type="slidenum">
               <a:rPr lang="nl-NL" smtClean="0"/>
               <a:pPr/>
-              <a:t>‹nr.›</a:t>
+              <a:t>‹#›</a:t>
             </a:fld>
             <a:endParaRPr lang="nl-NL"/>
           </a:p>
@@ -341,7 +341,7 @@
     </p:spTree>
     <p:extLst>
       <p:ext uri="{BB962C8B-B14F-4D97-AF65-F5344CB8AC3E}">
-        <p14:creationId xmlns:p14="http://schemas.microsoft.com/office/powerpoint/2010/main" val="2833105150"/>
+        <p14:creationId xmlns="" xmlns:p14="http://schemas.microsoft.com/office/powerpoint/2010/main" val="2833105150"/>
       </p:ext>
     </p:extLst>
   </p:cSld>
@@ -461,7 +461,7 @@
             <a:fld id="{BAF09E74-5774-F145-AC14-13E3AE904401}" type="datetimeFigureOut">
               <a:rPr lang="nl-NL" smtClean="0"/>
               <a:pPr/>
-              <a:t>12/07/15</a:t>
+              <a:t>13-7-2015</a:t>
             </a:fld>
             <a:endParaRPr lang="nl-NL"/>
           </a:p>
@@ -504,7 +504,7 @@
             <a:fld id="{6D59DADF-35B0-8442-AF3F-7D54891C5B27}" type="slidenum">
               <a:rPr lang="nl-NL" smtClean="0"/>
               <a:pPr/>
-              <a:t>‹nr.›</a:t>
+              <a:t>‹#›</a:t>
             </a:fld>
             <a:endParaRPr lang="nl-NL"/>
           </a:p>
@@ -513,7 +513,7 @@
     </p:spTree>
     <p:extLst>
       <p:ext uri="{BB962C8B-B14F-4D97-AF65-F5344CB8AC3E}">
-        <p14:creationId xmlns:p14="http://schemas.microsoft.com/office/powerpoint/2010/main" val="547624687"/>
+        <p14:creationId xmlns="" xmlns:p14="http://schemas.microsoft.com/office/powerpoint/2010/main" val="547624687"/>
       </p:ext>
     </p:extLst>
   </p:cSld>
@@ -643,7 +643,7 @@
             <a:fld id="{BAF09E74-5774-F145-AC14-13E3AE904401}" type="datetimeFigureOut">
               <a:rPr lang="nl-NL" smtClean="0"/>
               <a:pPr/>
-              <a:t>12/07/15</a:t>
+              <a:t>13-7-2015</a:t>
             </a:fld>
             <a:endParaRPr lang="nl-NL"/>
           </a:p>
@@ -686,7 +686,7 @@
             <a:fld id="{6D59DADF-35B0-8442-AF3F-7D54891C5B27}" type="slidenum">
               <a:rPr lang="nl-NL" smtClean="0"/>
               <a:pPr/>
-              <a:t>‹nr.›</a:t>
+              <a:t>‹#›</a:t>
             </a:fld>
             <a:endParaRPr lang="nl-NL"/>
           </a:p>
@@ -695,7 +695,7 @@
     </p:spTree>
     <p:extLst>
       <p:ext uri="{BB962C8B-B14F-4D97-AF65-F5344CB8AC3E}">
-        <p14:creationId xmlns:p14="http://schemas.microsoft.com/office/powerpoint/2010/main" val="3832215252"/>
+        <p14:creationId xmlns="" xmlns:p14="http://schemas.microsoft.com/office/powerpoint/2010/main" val="3832215252"/>
       </p:ext>
     </p:extLst>
   </p:cSld>
@@ -815,7 +815,7 @@
             <a:fld id="{BAF09E74-5774-F145-AC14-13E3AE904401}" type="datetimeFigureOut">
               <a:rPr lang="nl-NL" smtClean="0"/>
               <a:pPr/>
-              <a:t>12/07/15</a:t>
+              <a:t>13-7-2015</a:t>
             </a:fld>
             <a:endParaRPr lang="nl-NL"/>
           </a:p>
@@ -858,7 +858,7 @@
             <a:fld id="{6D59DADF-35B0-8442-AF3F-7D54891C5B27}" type="slidenum">
               <a:rPr lang="nl-NL" smtClean="0"/>
               <a:pPr/>
-              <a:t>‹nr.›</a:t>
+              <a:t>‹#›</a:t>
             </a:fld>
             <a:endParaRPr lang="nl-NL"/>
           </a:p>
@@ -867,7 +867,7 @@
     </p:spTree>
     <p:extLst>
       <p:ext uri="{BB962C8B-B14F-4D97-AF65-F5344CB8AC3E}">
-        <p14:creationId xmlns:p14="http://schemas.microsoft.com/office/powerpoint/2010/main" val="406829104"/>
+        <p14:creationId xmlns="" xmlns:p14="http://schemas.microsoft.com/office/powerpoint/2010/main" val="406829104"/>
       </p:ext>
     </p:extLst>
   </p:cSld>
@@ -1063,7 +1063,7 @@
             <a:fld id="{BAF09E74-5774-F145-AC14-13E3AE904401}" type="datetimeFigureOut">
               <a:rPr lang="nl-NL" smtClean="0"/>
               <a:pPr/>
-              <a:t>12/07/15</a:t>
+              <a:t>13-7-2015</a:t>
             </a:fld>
             <a:endParaRPr lang="nl-NL"/>
           </a:p>
@@ -1106,7 +1106,7 @@
             <a:fld id="{6D59DADF-35B0-8442-AF3F-7D54891C5B27}" type="slidenum">
               <a:rPr lang="nl-NL" smtClean="0"/>
               <a:pPr/>
-              <a:t>‹nr.›</a:t>
+              <a:t>‹#›</a:t>
             </a:fld>
             <a:endParaRPr lang="nl-NL"/>
           </a:p>
@@ -1115,7 +1115,7 @@
     </p:spTree>
     <p:extLst>
       <p:ext uri="{BB962C8B-B14F-4D97-AF65-F5344CB8AC3E}">
-        <p14:creationId xmlns:p14="http://schemas.microsoft.com/office/powerpoint/2010/main" val="4032166571"/>
+        <p14:creationId xmlns="" xmlns:p14="http://schemas.microsoft.com/office/powerpoint/2010/main" val="4032166571"/>
       </p:ext>
     </p:extLst>
   </p:cSld>
@@ -1353,7 +1353,7 @@
             <a:fld id="{BAF09E74-5774-F145-AC14-13E3AE904401}" type="datetimeFigureOut">
               <a:rPr lang="nl-NL" smtClean="0"/>
               <a:pPr/>
-              <a:t>12/07/15</a:t>
+              <a:t>13-7-2015</a:t>
             </a:fld>
             <a:endParaRPr lang="nl-NL"/>
           </a:p>
@@ -1396,7 +1396,7 @@
             <a:fld id="{6D59DADF-35B0-8442-AF3F-7D54891C5B27}" type="slidenum">
               <a:rPr lang="nl-NL" smtClean="0"/>
               <a:pPr/>
-              <a:t>‹nr.›</a:t>
+              <a:t>‹#›</a:t>
             </a:fld>
             <a:endParaRPr lang="nl-NL"/>
           </a:p>
@@ -1405,7 +1405,7 @@
     </p:spTree>
     <p:extLst>
       <p:ext uri="{BB962C8B-B14F-4D97-AF65-F5344CB8AC3E}">
-        <p14:creationId xmlns:p14="http://schemas.microsoft.com/office/powerpoint/2010/main" val="1494689933"/>
+        <p14:creationId xmlns="" xmlns:p14="http://schemas.microsoft.com/office/powerpoint/2010/main" val="1494689933"/>
       </p:ext>
     </p:extLst>
   </p:cSld>
@@ -1777,7 +1777,7 @@
             <a:fld id="{BAF09E74-5774-F145-AC14-13E3AE904401}" type="datetimeFigureOut">
               <a:rPr lang="nl-NL" smtClean="0"/>
               <a:pPr/>
-              <a:t>12/07/15</a:t>
+              <a:t>13-7-2015</a:t>
             </a:fld>
             <a:endParaRPr lang="nl-NL"/>
           </a:p>
@@ -1820,7 +1820,7 @@
             <a:fld id="{6D59DADF-35B0-8442-AF3F-7D54891C5B27}" type="slidenum">
               <a:rPr lang="nl-NL" smtClean="0"/>
               <a:pPr/>
-              <a:t>‹nr.›</a:t>
+              <a:t>‹#›</a:t>
             </a:fld>
             <a:endParaRPr lang="nl-NL"/>
           </a:p>
@@ -1829,7 +1829,7 @@
     </p:spTree>
     <p:extLst>
       <p:ext uri="{BB962C8B-B14F-4D97-AF65-F5344CB8AC3E}">
-        <p14:creationId xmlns:p14="http://schemas.microsoft.com/office/powerpoint/2010/main" val="1221107075"/>
+        <p14:creationId xmlns="" xmlns:p14="http://schemas.microsoft.com/office/powerpoint/2010/main" val="1221107075"/>
       </p:ext>
     </p:extLst>
   </p:cSld>
@@ -1897,7 +1897,7 @@
             <a:fld id="{BAF09E74-5774-F145-AC14-13E3AE904401}" type="datetimeFigureOut">
               <a:rPr lang="nl-NL" smtClean="0"/>
               <a:pPr/>
-              <a:t>12/07/15</a:t>
+              <a:t>13-7-2015</a:t>
             </a:fld>
             <a:endParaRPr lang="nl-NL"/>
           </a:p>
@@ -1940,7 +1940,7 @@
             <a:fld id="{6D59DADF-35B0-8442-AF3F-7D54891C5B27}" type="slidenum">
               <a:rPr lang="nl-NL" smtClean="0"/>
               <a:pPr/>
-              <a:t>‹nr.›</a:t>
+              <a:t>‹#›</a:t>
             </a:fld>
             <a:endParaRPr lang="nl-NL"/>
           </a:p>
@@ -1949,7 +1949,7 @@
     </p:spTree>
     <p:extLst>
       <p:ext uri="{BB962C8B-B14F-4D97-AF65-F5344CB8AC3E}">
-        <p14:creationId xmlns:p14="http://schemas.microsoft.com/office/powerpoint/2010/main" val="23264191"/>
+        <p14:creationId xmlns="" xmlns:p14="http://schemas.microsoft.com/office/powerpoint/2010/main" val="23264191"/>
       </p:ext>
     </p:extLst>
   </p:cSld>
@@ -1994,7 +1994,7 @@
             <a:fld id="{BAF09E74-5774-F145-AC14-13E3AE904401}" type="datetimeFigureOut">
               <a:rPr lang="nl-NL" smtClean="0"/>
               <a:pPr/>
-              <a:t>12/07/15</a:t>
+              <a:t>13-7-2015</a:t>
             </a:fld>
             <a:endParaRPr lang="nl-NL"/>
           </a:p>
@@ -2037,7 +2037,7 @@
             <a:fld id="{6D59DADF-35B0-8442-AF3F-7D54891C5B27}" type="slidenum">
               <a:rPr lang="nl-NL" smtClean="0"/>
               <a:pPr/>
-              <a:t>‹nr.›</a:t>
+              <a:t>‹#›</a:t>
             </a:fld>
             <a:endParaRPr lang="nl-NL"/>
           </a:p>
@@ -2046,7 +2046,7 @@
     </p:spTree>
     <p:extLst>
       <p:ext uri="{BB962C8B-B14F-4D97-AF65-F5344CB8AC3E}">
-        <p14:creationId xmlns:p14="http://schemas.microsoft.com/office/powerpoint/2010/main" val="461564456"/>
+        <p14:creationId xmlns="" xmlns:p14="http://schemas.microsoft.com/office/powerpoint/2010/main" val="461564456"/>
       </p:ext>
     </p:extLst>
   </p:cSld>
@@ -2273,7 +2273,7 @@
             <a:fld id="{BAF09E74-5774-F145-AC14-13E3AE904401}" type="datetimeFigureOut">
               <a:rPr lang="nl-NL" smtClean="0"/>
               <a:pPr/>
-              <a:t>12/07/15</a:t>
+              <a:t>13-7-2015</a:t>
             </a:fld>
             <a:endParaRPr lang="nl-NL"/>
           </a:p>
@@ -2316,7 +2316,7 @@
             <a:fld id="{6D59DADF-35B0-8442-AF3F-7D54891C5B27}" type="slidenum">
               <a:rPr lang="nl-NL" smtClean="0"/>
               <a:pPr/>
-              <a:t>‹nr.›</a:t>
+              <a:t>‹#›</a:t>
             </a:fld>
             <a:endParaRPr lang="nl-NL"/>
           </a:p>
@@ -2325,7 +2325,7 @@
     </p:spTree>
     <p:extLst>
       <p:ext uri="{BB962C8B-B14F-4D97-AF65-F5344CB8AC3E}">
-        <p14:creationId xmlns:p14="http://schemas.microsoft.com/office/powerpoint/2010/main" val="3656418691"/>
+        <p14:creationId xmlns="" xmlns:p14="http://schemas.microsoft.com/office/powerpoint/2010/main" val="3656418691"/>
       </p:ext>
     </p:extLst>
   </p:cSld>
@@ -2528,7 +2528,7 @@
             <a:fld id="{BAF09E74-5774-F145-AC14-13E3AE904401}" type="datetimeFigureOut">
               <a:rPr lang="nl-NL" smtClean="0"/>
               <a:pPr/>
-              <a:t>12/07/15</a:t>
+              <a:t>13-7-2015</a:t>
             </a:fld>
             <a:endParaRPr lang="nl-NL"/>
           </a:p>
@@ -2571,7 +2571,7 @@
             <a:fld id="{6D59DADF-35B0-8442-AF3F-7D54891C5B27}" type="slidenum">
               <a:rPr lang="nl-NL" smtClean="0"/>
               <a:pPr/>
-              <a:t>‹nr.›</a:t>
+              <a:t>‹#›</a:t>
             </a:fld>
             <a:endParaRPr lang="nl-NL"/>
           </a:p>
@@ -2580,7 +2580,7 @@
     </p:spTree>
     <p:extLst>
       <p:ext uri="{BB962C8B-B14F-4D97-AF65-F5344CB8AC3E}">
-        <p14:creationId xmlns:p14="http://schemas.microsoft.com/office/powerpoint/2010/main" val="2512410003"/>
+        <p14:creationId xmlns="" xmlns:p14="http://schemas.microsoft.com/office/powerpoint/2010/main" val="2512410003"/>
       </p:ext>
     </p:extLst>
   </p:cSld>
@@ -2743,7 +2743,7 @@
             <a:fld id="{BAF09E74-5774-F145-AC14-13E3AE904401}" type="datetimeFigureOut">
               <a:rPr lang="nl-NL" smtClean="0"/>
               <a:pPr/>
-              <a:t>12/07/15</a:t>
+              <a:t>13-7-2015</a:t>
             </a:fld>
             <a:endParaRPr lang="nl-NL"/>
           </a:p>
@@ -2822,7 +2822,7 @@
             <a:fld id="{6D59DADF-35B0-8442-AF3F-7D54891C5B27}" type="slidenum">
               <a:rPr lang="nl-NL" smtClean="0"/>
               <a:pPr/>
-              <a:t>‹nr.›</a:t>
+              <a:t>‹#›</a:t>
             </a:fld>
             <a:endParaRPr lang="nl-NL"/>
           </a:p>
@@ -2831,7 +2831,7 @@
     </p:spTree>
     <p:extLst>
       <p:ext uri="{BB962C8B-B14F-4D97-AF65-F5344CB8AC3E}">
-        <p14:creationId xmlns:p14="http://schemas.microsoft.com/office/powerpoint/2010/main" val="3782918827"/>
+        <p14:creationId xmlns="" xmlns:p14="http://schemas.microsoft.com/office/powerpoint/2010/main" val="3782918827"/>
       </p:ext>
     </p:extLst>
   </p:cSld>
@@ -3127,8 +3127,8 @@
         </p:nvSpPr>
         <p:spPr>
           <a:xfrm>
-            <a:off x="66075" y="1939925"/>
-            <a:ext cx="3353400" cy="3705225"/>
+            <a:off x="-178485" y="1939925"/>
+            <a:ext cx="3582521" cy="3705225"/>
           </a:xfrm>
           <a:prstGeom prst="rect">
             <a:avLst/>
@@ -3171,7 +3171,7 @@
         <p:spPr>
           <a:xfrm>
             <a:off x="3648595" y="1939925"/>
-            <a:ext cx="5409679" cy="3705225"/>
+            <a:ext cx="6292847" cy="3705225"/>
           </a:xfrm>
           <a:prstGeom prst="rect">
             <a:avLst/>
@@ -3214,7 +3214,7 @@
         <p:spPr>
           <a:xfrm>
             <a:off x="5514229" y="1354908"/>
-            <a:ext cx="1413619" cy="309521"/>
+            <a:ext cx="1529460" cy="309521"/>
           </a:xfrm>
           <a:prstGeom prst="roundRect">
             <a:avLst/>
@@ -3256,8 +3256,8 @@
         </p:nvSpPr>
         <p:spPr>
           <a:xfrm>
-            <a:off x="1890644" y="3958183"/>
-            <a:ext cx="1413619" cy="309521"/>
+            <a:off x="1773681" y="3958183"/>
+            <a:ext cx="1529460" cy="309521"/>
           </a:xfrm>
           <a:prstGeom prst="roundRect">
             <a:avLst/>
@@ -3299,8 +3299,8 @@
         </p:nvSpPr>
         <p:spPr>
           <a:xfrm>
-            <a:off x="1890645" y="3172853"/>
-            <a:ext cx="1413619" cy="309521"/>
+            <a:off x="1773682" y="3172853"/>
+            <a:ext cx="1529460" cy="309521"/>
           </a:xfrm>
           <a:prstGeom prst="roundRect">
             <a:avLst/>
@@ -3343,7 +3343,7 @@
         <p:spPr>
           <a:xfrm>
             <a:off x="3759722" y="3507915"/>
-            <a:ext cx="1413619" cy="309521"/>
+            <a:ext cx="1529460" cy="309521"/>
           </a:xfrm>
           <a:prstGeom prst="roundRect">
             <a:avLst/>
@@ -3386,7 +3386,7 @@
         <p:spPr>
           <a:xfrm>
             <a:off x="3757931" y="4175071"/>
-            <a:ext cx="1413619" cy="309521"/>
+            <a:ext cx="1529460" cy="309521"/>
           </a:xfrm>
           <a:prstGeom prst="roundRect">
             <a:avLst/>
@@ -3428,7 +3428,7 @@
         <p:spPr>
           <a:xfrm>
             <a:off x="3757932" y="4793747"/>
-            <a:ext cx="1413619" cy="309521"/>
+            <a:ext cx="1529460" cy="309521"/>
           </a:xfrm>
           <a:prstGeom prst="roundRect">
             <a:avLst/>
@@ -3471,7 +3471,7 @@
         <p:spPr>
           <a:xfrm>
             <a:off x="3759722" y="2794777"/>
-            <a:ext cx="1413619" cy="309521"/>
+            <a:ext cx="1529460" cy="309521"/>
           </a:xfrm>
           <a:prstGeom prst="roundRect">
             <a:avLst/>
@@ -3513,7 +3513,7 @@
         <p:spPr>
           <a:xfrm>
             <a:off x="3757930" y="2089168"/>
-            <a:ext cx="1413619" cy="309521"/>
+            <a:ext cx="1529460" cy="309521"/>
           </a:xfrm>
           <a:prstGeom prst="roundRect">
             <a:avLst/>
@@ -3559,8 +3559,8 @@
         </p:nvSpPr>
         <p:spPr>
           <a:xfrm>
-            <a:off x="1890643" y="2396561"/>
-            <a:ext cx="1413619" cy="309521"/>
+            <a:off x="1773680" y="2396561"/>
+            <a:ext cx="1529460" cy="309521"/>
           </a:xfrm>
           <a:prstGeom prst="roundRect">
             <a:avLst/>
@@ -3602,8 +3602,8 @@
         </p:nvSpPr>
         <p:spPr>
           <a:xfrm>
-            <a:off x="151800" y="3173233"/>
-            <a:ext cx="1413619" cy="309521"/>
+            <a:off x="34837" y="3173233"/>
+            <a:ext cx="1529460" cy="309521"/>
           </a:xfrm>
           <a:prstGeom prst="roundRect">
             <a:avLst/>
@@ -3650,7 +3650,7 @@
         <p:spPr>
           <a:xfrm>
             <a:off x="5520579" y="2794776"/>
-            <a:ext cx="1413619" cy="309521"/>
+            <a:ext cx="1529460" cy="309521"/>
           </a:xfrm>
           <a:prstGeom prst="roundRect">
             <a:avLst/>
@@ -3693,7 +3693,7 @@
         <p:spPr>
           <a:xfrm>
             <a:off x="5520580" y="2089166"/>
-            <a:ext cx="1413619" cy="309521"/>
+            <a:ext cx="1529460" cy="309521"/>
           </a:xfrm>
           <a:prstGeom prst="roundRect">
             <a:avLst/>
@@ -3739,8 +3739,8 @@
         </p:nvSpPr>
         <p:spPr>
           <a:xfrm>
-            <a:off x="151802" y="3957040"/>
-            <a:ext cx="1413619" cy="309521"/>
+            <a:off x="34839" y="3957040"/>
+            <a:ext cx="1529460" cy="309521"/>
           </a:xfrm>
           <a:prstGeom prst="roundRect">
             <a:avLst/>
@@ -3782,8 +3782,8 @@
         </p:nvSpPr>
         <p:spPr>
           <a:xfrm>
-            <a:off x="151803" y="4708797"/>
-            <a:ext cx="1413619" cy="309521"/>
+            <a:off x="34840" y="4708797"/>
+            <a:ext cx="1529460" cy="309521"/>
           </a:xfrm>
           <a:prstGeom prst="roundRect">
             <a:avLst/>
@@ -3828,7 +3828,7 @@
         <p:spPr>
           <a:xfrm>
             <a:off x="5520579" y="733424"/>
-            <a:ext cx="1413619" cy="309521"/>
+            <a:ext cx="1529460" cy="309521"/>
           </a:xfrm>
           <a:prstGeom prst="roundRect">
             <a:avLst/>
@@ -3873,7 +3873,7 @@
         </p:nvCxnSpPr>
         <p:spPr>
           <a:xfrm flipH="1">
-            <a:off x="6221039" y="1042945"/>
+            <a:off x="6278959" y="1042945"/>
             <a:ext cx="6350" cy="311963"/>
           </a:xfrm>
           <a:prstGeom prst="line">
@@ -3906,7 +3906,7 @@
         </p:nvCxnSpPr>
         <p:spPr>
           <a:xfrm rot="16200000" flipH="1">
-            <a:off x="6011846" y="1873621"/>
+            <a:off x="6069766" y="1873621"/>
             <a:ext cx="424737" cy="6351"/>
           </a:xfrm>
           <a:prstGeom prst="bentConnector3">
@@ -3941,7 +3941,7 @@
         </p:nvCxnSpPr>
         <p:spPr>
           <a:xfrm rot="16200000" flipH="1">
-            <a:off x="4267592" y="2595837"/>
+            <a:off x="4325512" y="2595837"/>
             <a:ext cx="396088" cy="1792"/>
           </a:xfrm>
           <a:prstGeom prst="bentConnector3">
@@ -3981,8 +3981,8 @@
         </p:nvCxnSpPr>
         <p:spPr>
           <a:xfrm flipV="1">
-            <a:off x="5171549" y="2243927"/>
-            <a:ext cx="349031" cy="2"/>
+            <a:off x="5287390" y="2243927"/>
+            <a:ext cx="233190" cy="2"/>
           </a:xfrm>
           <a:prstGeom prst="bentConnector3">
             <a:avLst>
@@ -4096,8 +4096,8 @@
         </p:nvCxnSpPr>
         <p:spPr>
           <a:xfrm rot="16200000" flipH="1">
-            <a:off x="3056859" y="2246675"/>
-            <a:ext cx="243456" cy="1162269"/>
+            <a:off x="3027338" y="2217154"/>
+            <a:ext cx="243456" cy="1221312"/>
           </a:xfrm>
           <a:prstGeom prst="bentConnector2">
             <a:avLst/>
@@ -4129,7 +4129,7 @@
         </p:nvCxnSpPr>
         <p:spPr>
           <a:xfrm>
-            <a:off x="4466532" y="3104298"/>
+            <a:off x="4524452" y="3104298"/>
             <a:ext cx="0" cy="403617"/>
           </a:xfrm>
           <a:prstGeom prst="line">
@@ -4167,7 +4167,7 @@
         </p:nvCxnSpPr>
         <p:spPr>
           <a:xfrm rot="16200000" flipH="1">
-            <a:off x="621468" y="3719896"/>
+            <a:off x="562425" y="3719896"/>
             <a:ext cx="474286" cy="2"/>
           </a:xfrm>
           <a:prstGeom prst="bentConnector3">
@@ -4205,8 +4205,8 @@
         </p:nvCxnSpPr>
         <p:spPr>
           <a:xfrm flipV="1">
-            <a:off x="1565419" y="3327614"/>
-            <a:ext cx="325226" cy="380"/>
+            <a:off x="1564297" y="3327614"/>
+            <a:ext cx="209385" cy="380"/>
           </a:xfrm>
           <a:prstGeom prst="bentConnector3">
             <a:avLst>
@@ -4245,8 +4245,8 @@
         </p:nvCxnSpPr>
         <p:spPr>
           <a:xfrm>
-            <a:off x="1565419" y="3327994"/>
-            <a:ext cx="325225" cy="784950"/>
+            <a:off x="1564297" y="3327994"/>
+            <a:ext cx="209384" cy="784950"/>
           </a:xfrm>
           <a:prstGeom prst="bentConnector3">
             <a:avLst>
@@ -4285,8 +4285,8 @@
         </p:nvCxnSpPr>
         <p:spPr>
           <a:xfrm flipV="1">
-            <a:off x="1565419" y="2551322"/>
-            <a:ext cx="325224" cy="776672"/>
+            <a:off x="1564297" y="2551322"/>
+            <a:ext cx="209383" cy="776672"/>
           </a:xfrm>
           <a:prstGeom prst="bentConnector3">
             <a:avLst>
@@ -4325,7 +4325,7 @@
         </p:nvCxnSpPr>
         <p:spPr>
           <a:xfrm rot="16200000" flipH="1">
-            <a:off x="2364069" y="2939466"/>
+            <a:off x="2305026" y="2939466"/>
             <a:ext cx="466771" cy="2"/>
           </a:xfrm>
           <a:prstGeom prst="bentConnector3">
@@ -4365,8 +4365,8 @@
         </p:nvCxnSpPr>
         <p:spPr>
           <a:xfrm flipV="1">
-            <a:off x="5173341" y="3104297"/>
-            <a:ext cx="1054048" cy="558379"/>
+            <a:off x="5289182" y="3104297"/>
+            <a:ext cx="996127" cy="558379"/>
           </a:xfrm>
           <a:prstGeom prst="bentConnector2">
             <a:avLst/>
@@ -4398,8 +4398,8 @@
         </p:nvCxnSpPr>
         <p:spPr>
           <a:xfrm rot="10800000" flipV="1">
-            <a:off x="5173341" y="2949536"/>
-            <a:ext cx="347238" cy="1"/>
+            <a:off x="5289183" y="2949536"/>
+            <a:ext cx="231397" cy="1"/>
           </a:xfrm>
           <a:prstGeom prst="bentConnector3">
             <a:avLst>
@@ -4433,7 +4433,7 @@
         </p:nvCxnSpPr>
         <p:spPr>
           <a:xfrm rot="5400000">
-            <a:off x="4286820" y="3995358"/>
+            <a:off x="4344740" y="3995358"/>
             <a:ext cx="357635" cy="1791"/>
           </a:xfrm>
           <a:prstGeom prst="bentConnector3">
@@ -4473,7 +4473,7 @@
         </p:nvCxnSpPr>
         <p:spPr>
           <a:xfrm rot="16200000" flipV="1">
-            <a:off x="637495" y="4487678"/>
+            <a:off x="578452" y="4487678"/>
             <a:ext cx="442236" cy="1"/>
           </a:xfrm>
           <a:prstGeom prst="bentConnector3">
@@ -4511,12 +4511,12 @@
         </p:nvCxnSpPr>
         <p:spPr>
           <a:xfrm rot="5400000">
-            <a:off x="3830719" y="1871033"/>
-            <a:ext cx="1163407" cy="3629935"/>
+            <a:off x="3830157" y="1812551"/>
+            <a:ext cx="1163407" cy="3746898"/>
           </a:xfrm>
           <a:prstGeom prst="bentConnector3">
             <a:avLst>
-              <a:gd name="adj1" fmla="val 201521"/>
+              <a:gd name="adj1" fmla="val 119649"/>
             </a:avLst>
           </a:prstGeom>
         </p:spPr>
@@ -4546,8 +4546,8 @@
         </p:nvCxnSpPr>
         <p:spPr>
           <a:xfrm rot="10800000" flipV="1">
-            <a:off x="2597456" y="2949537"/>
-            <a:ext cx="1162267" cy="223315"/>
+            <a:off x="2538412" y="2949537"/>
+            <a:ext cx="1221310" cy="223315"/>
           </a:xfrm>
           <a:prstGeom prst="bentConnector2">
             <a:avLst/>
@@ -4579,8 +4579,8 @@
         </p:nvCxnSpPr>
         <p:spPr>
           <a:xfrm rot="5400000" flipH="1" flipV="1">
-            <a:off x="2354637" y="13642"/>
-            <a:ext cx="1663564" cy="4655619"/>
+            <a:off x="2325116" y="-15880"/>
+            <a:ext cx="1663564" cy="4714662"/>
           </a:xfrm>
           <a:prstGeom prst="bentConnector2">
             <a:avLst/>
@@ -4613,7 +4613,7 @@
         </p:nvCxnSpPr>
         <p:spPr>
           <a:xfrm rot="16200000" flipH="1">
-            <a:off x="4310164" y="4639168"/>
+            <a:off x="4368084" y="4639168"/>
             <a:ext cx="309155" cy="1"/>
           </a:xfrm>
           <a:prstGeom prst="bentConnector3">
@@ -4653,7 +4653,7 @@
         </p:nvCxnSpPr>
         <p:spPr>
           <a:xfrm rot="5400000">
-            <a:off x="6029346" y="2596731"/>
+            <a:off x="6087266" y="2596731"/>
             <a:ext cx="396089" cy="1"/>
           </a:xfrm>
           <a:prstGeom prst="bentConnector3">
@@ -4691,7 +4691,7 @@
         <p:spPr>
           <a:xfrm>
             <a:off x="7292806" y="2089168"/>
-            <a:ext cx="1413619" cy="309521"/>
+            <a:ext cx="1529460" cy="309521"/>
           </a:xfrm>
           <a:prstGeom prst="roundRect">
             <a:avLst/>
@@ -4764,8 +4764,8 @@
         </p:nvCxnSpPr>
         <p:spPr>
           <a:xfrm rot="10800000">
-            <a:off x="6934200" y="2243927"/>
-            <a:ext cx="358607" cy="2"/>
+            <a:off x="7050040" y="2243927"/>
+            <a:ext cx="242766" cy="2"/>
           </a:xfrm>
           <a:prstGeom prst="bentConnector3">
             <a:avLst>
@@ -4799,8 +4799,8 @@
         </p:nvCxnSpPr>
         <p:spPr>
           <a:xfrm>
-            <a:off x="6927848" y="1509669"/>
-            <a:ext cx="1071768" cy="579499"/>
+            <a:off x="7043689" y="1509669"/>
+            <a:ext cx="1013847" cy="579499"/>
           </a:xfrm>
           <a:prstGeom prst="bentConnector2">
             <a:avLst/>
@@ -4835,7 +4835,7 @@
         <p:spPr>
           <a:xfrm>
             <a:off x="6934200" y="5150893"/>
-            <a:ext cx="1533525" cy="369332"/>
+            <a:ext cx="1659192" cy="369332"/>
           </a:xfrm>
           <a:prstGeom prst="rect">
             <a:avLst/>
@@ -4865,8 +4865,8 @@
         </p:nvSpPr>
         <p:spPr>
           <a:xfrm>
-            <a:off x="151803" y="5150893"/>
-            <a:ext cx="2121202" cy="369332"/>
+            <a:off x="34839" y="5150893"/>
+            <a:ext cx="2295027" cy="369332"/>
           </a:xfrm>
           <a:prstGeom prst="rect">
             <a:avLst/>
@@ -4898,8 +4898,8 @@
         </p:nvCxnSpPr>
         <p:spPr>
           <a:xfrm rot="5400000" flipH="1" flipV="1">
-            <a:off x="4699735" y="1274675"/>
-            <a:ext cx="579499" cy="1049489"/>
+            <a:off x="4728695" y="1303635"/>
+            <a:ext cx="579499" cy="991569"/>
           </a:xfrm>
           <a:prstGeom prst="bentConnector2">
             <a:avLst/>
@@ -4908,6 +4908,463 @@
             <a:solidFill>
               <a:srgbClr val="000000"/>
             </a:solidFill>
+          </a:ln>
+        </p:spPr>
+        <p:style>
+          <a:lnRef idx="2">
+            <a:schemeClr val="accent1"/>
+          </a:lnRef>
+          <a:fillRef idx="0">
+            <a:schemeClr val="accent1"/>
+          </a:fillRef>
+          <a:effectRef idx="1">
+            <a:schemeClr val="accent1"/>
+          </a:effectRef>
+          <a:fontRef idx="minor">
+            <a:schemeClr val="tx1"/>
+          </a:fontRef>
+        </p:style>
+      </p:cxnSp>
+      <p:sp>
+        <p:nvSpPr>
+          <p:cNvPr id="47" name="Afgeronde rechthoek 19"/>
+          <p:cNvSpPr/>
+          <p:nvPr/>
+        </p:nvSpPr>
+        <p:spPr>
+          <a:xfrm>
+            <a:off x="7292807" y="2794775"/>
+            <a:ext cx="1529460" cy="309521"/>
+          </a:xfrm>
+          <a:prstGeom prst="roundRect">
+            <a:avLst/>
+          </a:prstGeom>
+          <a:gradFill flip="none" rotWithShape="1">
+            <a:gsLst>
+              <a:gs pos="0">
+                <a:schemeClr val="accent3">
+                  <a:shade val="30000"/>
+                  <a:satMod val="115000"/>
+                </a:schemeClr>
+              </a:gs>
+              <a:gs pos="50000">
+                <a:schemeClr val="accent3">
+                  <a:shade val="67500"/>
+                  <a:satMod val="115000"/>
+                </a:schemeClr>
+              </a:gs>
+              <a:gs pos="100000">
+                <a:schemeClr val="accent3">
+                  <a:shade val="100000"/>
+                  <a:satMod val="115000"/>
+                </a:schemeClr>
+              </a:gs>
+            </a:gsLst>
+            <a:lin ang="16200000" scaled="1"/>
+            <a:tileRect/>
+          </a:gradFill>
+          <a:ln>
+            <a:solidFill>
+              <a:schemeClr val="accent3">
+                <a:lumMod val="50000"/>
+              </a:schemeClr>
+            </a:solidFill>
+          </a:ln>
+        </p:spPr>
+        <p:style>
+          <a:lnRef idx="1">
+            <a:schemeClr val="accent3"/>
+          </a:lnRef>
+          <a:fillRef idx="3">
+            <a:schemeClr val="accent3"/>
+          </a:fillRef>
+          <a:effectRef idx="2">
+            <a:schemeClr val="accent3"/>
+          </a:effectRef>
+          <a:fontRef idx="minor">
+            <a:schemeClr val="lt1"/>
+          </a:fontRef>
+        </p:style>
+        <p:txBody>
+          <a:bodyPr/>
+          <a:lstStyle/>
+          <a:p>
+            <a:pPr algn="ctr"/>
+            <a:r>
+              <a:rPr lang="nl-NL" sz="1400" dirty="0" err="1" smtClean="0"/>
+              <a:t>SyntaxHighlighter</a:t>
+            </a:r>
+            <a:endParaRPr lang="nl-NL" sz="1400" dirty="0"/>
+          </a:p>
+        </p:txBody>
+      </p:sp>
+      <p:cxnSp>
+        <p:nvCxnSpPr>
+          <p:cNvPr id="53" name="Elbow Connector 52"/>
+          <p:cNvCxnSpPr>
+            <a:stCxn id="49" idx="2"/>
+            <a:endCxn id="47" idx="0"/>
+          </p:cNvCxnSpPr>
+          <p:nvPr/>
+        </p:nvCxnSpPr>
+        <p:spPr>
+          <a:xfrm rot="16200000" flipH="1">
+            <a:off x="7859493" y="2596731"/>
+            <a:ext cx="396086" cy="1"/>
+          </a:xfrm>
+          <a:prstGeom prst="bentConnector3">
+            <a:avLst>
+              <a:gd name="adj1" fmla="val 50000"/>
+            </a:avLst>
+          </a:prstGeom>
+          <a:ln>
+            <a:solidFill>
+              <a:schemeClr val="accent3">
+                <a:lumMod val="50000"/>
+              </a:schemeClr>
+            </a:solidFill>
+          </a:ln>
+        </p:spPr>
+        <p:style>
+          <a:lnRef idx="2">
+            <a:schemeClr val="accent1"/>
+          </a:lnRef>
+          <a:fillRef idx="0">
+            <a:schemeClr val="accent1"/>
+          </a:fillRef>
+          <a:effectRef idx="1">
+            <a:schemeClr val="accent1"/>
+          </a:effectRef>
+          <a:fontRef idx="minor">
+            <a:schemeClr val="tx1"/>
+          </a:fontRef>
+        </p:style>
+      </p:cxnSp>
+      <p:sp>
+        <p:nvSpPr>
+          <p:cNvPr id="57" name="Afgeronde rechthoek 19"/>
+          <p:cNvSpPr/>
+          <p:nvPr/>
+        </p:nvSpPr>
+        <p:spPr>
+          <a:xfrm>
+            <a:off x="8224160" y="3327613"/>
+            <a:ext cx="1529460" cy="309521"/>
+          </a:xfrm>
+          <a:prstGeom prst="roundRect">
+            <a:avLst/>
+          </a:prstGeom>
+          <a:gradFill flip="none" rotWithShape="1">
+            <a:gsLst>
+              <a:gs pos="0">
+                <a:schemeClr val="accent3">
+                  <a:shade val="30000"/>
+                  <a:satMod val="115000"/>
+                </a:schemeClr>
+              </a:gs>
+              <a:gs pos="50000">
+                <a:schemeClr val="accent3">
+                  <a:shade val="67500"/>
+                  <a:satMod val="115000"/>
+                </a:schemeClr>
+              </a:gs>
+              <a:gs pos="100000">
+                <a:schemeClr val="accent3">
+                  <a:shade val="100000"/>
+                  <a:satMod val="115000"/>
+                </a:schemeClr>
+              </a:gs>
+            </a:gsLst>
+            <a:lin ang="16200000" scaled="1"/>
+            <a:tileRect/>
+          </a:gradFill>
+          <a:ln>
+            <a:solidFill>
+              <a:schemeClr val="accent3">
+                <a:lumMod val="50000"/>
+              </a:schemeClr>
+            </a:solidFill>
+          </a:ln>
+        </p:spPr>
+        <p:style>
+          <a:lnRef idx="1">
+            <a:schemeClr val="accent3"/>
+          </a:lnRef>
+          <a:fillRef idx="3">
+            <a:schemeClr val="accent3"/>
+          </a:fillRef>
+          <a:effectRef idx="2">
+            <a:schemeClr val="accent3"/>
+          </a:effectRef>
+          <a:fontRef idx="minor">
+            <a:schemeClr val="lt1"/>
+          </a:fontRef>
+        </p:style>
+        <p:txBody>
+          <a:bodyPr/>
+          <a:lstStyle/>
+          <a:p>
+            <a:pPr algn="ctr"/>
+            <a:r>
+              <a:rPr lang="nl-NL" sz="1400" dirty="0" err="1" smtClean="0"/>
+              <a:t>MatlabHighlighter</a:t>
+            </a:r>
+            <a:endParaRPr lang="nl-NL" sz="1400" dirty="0"/>
+          </a:p>
+        </p:txBody>
+      </p:sp>
+      <p:sp>
+        <p:nvSpPr>
+          <p:cNvPr id="58" name="Afgeronde rechthoek 19"/>
+          <p:cNvSpPr/>
+          <p:nvPr/>
+        </p:nvSpPr>
+        <p:spPr>
+          <a:xfrm>
+            <a:off x="8224160" y="4267704"/>
+            <a:ext cx="1529460" cy="309521"/>
+          </a:xfrm>
+          <a:prstGeom prst="roundRect">
+            <a:avLst/>
+          </a:prstGeom>
+          <a:gradFill flip="none" rotWithShape="1">
+            <a:gsLst>
+              <a:gs pos="0">
+                <a:schemeClr val="accent3">
+                  <a:shade val="30000"/>
+                  <a:satMod val="115000"/>
+                </a:schemeClr>
+              </a:gs>
+              <a:gs pos="50000">
+                <a:schemeClr val="accent3">
+                  <a:shade val="67500"/>
+                  <a:satMod val="115000"/>
+                </a:schemeClr>
+              </a:gs>
+              <a:gs pos="100000">
+                <a:schemeClr val="accent3">
+                  <a:shade val="100000"/>
+                  <a:satMod val="115000"/>
+                </a:schemeClr>
+              </a:gs>
+            </a:gsLst>
+            <a:lin ang="16200000" scaled="1"/>
+            <a:tileRect/>
+          </a:gradFill>
+          <a:ln>
+            <a:solidFill>
+              <a:schemeClr val="accent3">
+                <a:lumMod val="50000"/>
+              </a:schemeClr>
+            </a:solidFill>
+          </a:ln>
+        </p:spPr>
+        <p:style>
+          <a:lnRef idx="1">
+            <a:schemeClr val="accent3"/>
+          </a:lnRef>
+          <a:fillRef idx="3">
+            <a:schemeClr val="accent3"/>
+          </a:fillRef>
+          <a:effectRef idx="2">
+            <a:schemeClr val="accent3"/>
+          </a:effectRef>
+          <a:fontRef idx="minor">
+            <a:schemeClr val="lt1"/>
+          </a:fontRef>
+        </p:style>
+        <p:txBody>
+          <a:bodyPr/>
+          <a:lstStyle/>
+          <a:p>
+            <a:pPr algn="ctr"/>
+            <a:r>
+              <a:rPr lang="nl-NL" sz="1400" dirty="0" err="1" smtClean="0"/>
+              <a:t>BashHighlighter</a:t>
+            </a:r>
+            <a:endParaRPr lang="nl-NL" sz="1400" dirty="0"/>
+          </a:p>
+        </p:txBody>
+      </p:sp>
+      <p:sp>
+        <p:nvSpPr>
+          <p:cNvPr id="59" name="Afgeronde rechthoek 19"/>
+          <p:cNvSpPr/>
+          <p:nvPr/>
+        </p:nvSpPr>
+        <p:spPr>
+          <a:xfrm>
+            <a:off x="8224160" y="3802279"/>
+            <a:ext cx="1529460" cy="309521"/>
+          </a:xfrm>
+          <a:prstGeom prst="roundRect">
+            <a:avLst/>
+          </a:prstGeom>
+          <a:gradFill flip="none" rotWithShape="1">
+            <a:gsLst>
+              <a:gs pos="0">
+                <a:schemeClr val="accent3">
+                  <a:shade val="30000"/>
+                  <a:satMod val="115000"/>
+                </a:schemeClr>
+              </a:gs>
+              <a:gs pos="50000">
+                <a:schemeClr val="accent3">
+                  <a:shade val="67500"/>
+                  <a:satMod val="115000"/>
+                </a:schemeClr>
+              </a:gs>
+              <a:gs pos="100000">
+                <a:schemeClr val="accent3">
+                  <a:shade val="100000"/>
+                  <a:satMod val="115000"/>
+                </a:schemeClr>
+              </a:gs>
+            </a:gsLst>
+            <a:lin ang="16200000" scaled="1"/>
+            <a:tileRect/>
+          </a:gradFill>
+          <a:ln>
+            <a:solidFill>
+              <a:schemeClr val="accent3">
+                <a:lumMod val="50000"/>
+              </a:schemeClr>
+            </a:solidFill>
+          </a:ln>
+        </p:spPr>
+        <p:style>
+          <a:lnRef idx="1">
+            <a:schemeClr val="accent3"/>
+          </a:lnRef>
+          <a:fillRef idx="3">
+            <a:schemeClr val="accent3"/>
+          </a:fillRef>
+          <a:effectRef idx="2">
+            <a:schemeClr val="accent3"/>
+          </a:effectRef>
+          <a:fontRef idx="minor">
+            <a:schemeClr val="lt1"/>
+          </a:fontRef>
+        </p:style>
+        <p:txBody>
+          <a:bodyPr/>
+          <a:lstStyle/>
+          <a:p>
+            <a:pPr algn="ctr"/>
+            <a:r>
+              <a:rPr lang="nl-NL" sz="1400" dirty="0" err="1" smtClean="0"/>
+              <a:t>PythonHighlighter</a:t>
+            </a:r>
+            <a:endParaRPr lang="nl-NL" sz="1400" dirty="0"/>
+          </a:p>
+        </p:txBody>
+      </p:sp>
+      <p:cxnSp>
+        <p:nvCxnSpPr>
+          <p:cNvPr id="63" name="Shape 62"/>
+          <p:cNvCxnSpPr>
+            <a:stCxn id="57" idx="1"/>
+            <a:endCxn id="47" idx="2"/>
+          </p:cNvCxnSpPr>
+          <p:nvPr/>
+        </p:nvCxnSpPr>
+        <p:spPr>
+          <a:xfrm rot="10800000">
+            <a:off x="8057538" y="3104296"/>
+            <a:ext cx="166623" cy="378078"/>
+          </a:xfrm>
+          <a:prstGeom prst="bentConnector2">
+            <a:avLst/>
+          </a:prstGeom>
+          <a:ln>
+            <a:solidFill>
+              <a:schemeClr val="accent3">
+                <a:lumMod val="50000"/>
+              </a:schemeClr>
+            </a:solidFill>
+            <a:tailEnd type="arrow"/>
+          </a:ln>
+        </p:spPr>
+        <p:style>
+          <a:lnRef idx="2">
+            <a:schemeClr val="accent1"/>
+          </a:lnRef>
+          <a:fillRef idx="0">
+            <a:schemeClr val="accent1"/>
+          </a:fillRef>
+          <a:effectRef idx="1">
+            <a:schemeClr val="accent1"/>
+          </a:effectRef>
+          <a:fontRef idx="minor">
+            <a:schemeClr val="tx1"/>
+          </a:fontRef>
+        </p:style>
+      </p:cxnSp>
+      <p:cxnSp>
+        <p:nvCxnSpPr>
+          <p:cNvPr id="65" name="Shape 64"/>
+          <p:cNvCxnSpPr>
+            <a:stCxn id="59" idx="1"/>
+            <a:endCxn id="47" idx="2"/>
+          </p:cNvCxnSpPr>
+          <p:nvPr/>
+        </p:nvCxnSpPr>
+        <p:spPr>
+          <a:xfrm rot="10800000">
+            <a:off x="8057538" y="3104296"/>
+            <a:ext cx="166623" cy="852744"/>
+          </a:xfrm>
+          <a:prstGeom prst="bentConnector2">
+            <a:avLst/>
+          </a:prstGeom>
+          <a:ln>
+            <a:solidFill>
+              <a:schemeClr val="accent3">
+                <a:lumMod val="50000"/>
+              </a:schemeClr>
+            </a:solidFill>
+            <a:tailEnd type="arrow"/>
+          </a:ln>
+        </p:spPr>
+        <p:style>
+          <a:lnRef idx="2">
+            <a:schemeClr val="accent1"/>
+          </a:lnRef>
+          <a:fillRef idx="0">
+            <a:schemeClr val="accent1"/>
+          </a:fillRef>
+          <a:effectRef idx="1">
+            <a:schemeClr val="accent1"/>
+          </a:effectRef>
+          <a:fontRef idx="minor">
+            <a:schemeClr val="tx1"/>
+          </a:fontRef>
+        </p:style>
+      </p:cxnSp>
+      <p:cxnSp>
+        <p:nvCxnSpPr>
+          <p:cNvPr id="73" name="Shape 72"/>
+          <p:cNvCxnSpPr>
+            <a:stCxn id="58" idx="1"/>
+            <a:endCxn id="47" idx="2"/>
+          </p:cNvCxnSpPr>
+          <p:nvPr/>
+        </p:nvCxnSpPr>
+        <p:spPr>
+          <a:xfrm rot="10800000">
+            <a:off x="8057538" y="3104297"/>
+            <a:ext cx="166623" cy="1318169"/>
+          </a:xfrm>
+          <a:prstGeom prst="bentConnector2">
+            <a:avLst/>
+          </a:prstGeom>
+          <a:ln>
+            <a:solidFill>
+              <a:schemeClr val="accent3">
+                <a:lumMod val="50000"/>
+              </a:schemeClr>
+            </a:solidFill>
+            <a:tailEnd type="arrow"/>
           </a:ln>
         </p:spPr>
         <p:style>
@@ -4928,7 +5385,7 @@
     </p:spTree>
     <p:extLst>
       <p:ext uri="{BB962C8B-B14F-4D97-AF65-F5344CB8AC3E}">
-        <p14:creationId xmlns:p14="http://schemas.microsoft.com/office/powerpoint/2010/main" val="907461295"/>
+        <p14:creationId xmlns="" xmlns:p14="http://schemas.microsoft.com/office/powerpoint/2010/main" val="907461295"/>
       </p:ext>
     </p:extLst>
   </p:cSld>
@@ -4938,7 +5395,7 @@
   <p:timing>
     <p:tnLst>
       <p:par>
-        <p:cTn xmlns:p14="http://schemas.microsoft.com/office/powerpoint/2010/main" id="1" dur="indefinite" restart="never" nodeType="tmRoot"/>
+        <p:cTn id="1" dur="indefinite" restart="never" nodeType="tmRoot"/>
       </p:par>
     </p:tnLst>
   </p:timing>

--- a/Documents/ClassDiagram.pptx
+++ b/Documents/ClassDiagram.pptx
@@ -4,6 +4,9 @@
   <p:sldMasterIdLst>
     <p:sldMasterId id="2147483648" r:id="rId1"/>
   </p:sldMasterIdLst>
+  <p:notesMasterIdLst>
+    <p:notesMasterId r:id="rId3"/>
+  </p:notesMasterIdLst>
   <p:sldIdLst>
     <p:sldId id="258" r:id="rId2"/>
   </p:sldIdLst>
@@ -107,6 +110,434 @@
 </p:presentation>
 </file>
 
+<file path=ppt/notesMasters/notesMaster1.xml><?xml version="1.0" encoding="utf-8"?>
+<p:notesMaster xmlns:a="http://schemas.openxmlformats.org/drawingml/2006/main" xmlns:r="http://schemas.openxmlformats.org/officeDocument/2006/relationships" xmlns:p="http://schemas.openxmlformats.org/presentationml/2006/main">
+  <p:cSld>
+    <p:bg>
+      <p:bgRef idx="1001">
+        <a:schemeClr val="bg1"/>
+      </p:bgRef>
+    </p:bg>
+    <p:spTree>
+      <p:nvGrpSpPr>
+        <p:cNvPr id="1" name=""/>
+        <p:cNvGrpSpPr/>
+        <p:nvPr/>
+      </p:nvGrpSpPr>
+      <p:grpSpPr>
+        <a:xfrm>
+          <a:off x="0" y="0"/>
+          <a:ext cx="0" cy="0"/>
+          <a:chOff x="0" y="0"/>
+          <a:chExt cx="0" cy="0"/>
+        </a:xfrm>
+      </p:grpSpPr>
+      <p:sp>
+        <p:nvSpPr>
+          <p:cNvPr id="2" name="Header Placeholder 1"/>
+          <p:cNvSpPr>
+            <a:spLocks noGrp="1"/>
+          </p:cNvSpPr>
+          <p:nvPr>
+            <p:ph type="hdr" sz="quarter"/>
+          </p:nvPr>
+        </p:nvSpPr>
+        <p:spPr>
+          <a:xfrm>
+            <a:off x="0" y="0"/>
+            <a:ext cx="2971800" cy="457200"/>
+          </a:xfrm>
+          <a:prstGeom prst="rect">
+            <a:avLst/>
+          </a:prstGeom>
+        </p:spPr>
+        <p:txBody>
+          <a:bodyPr vert="horz" lIns="91440" tIns="45720" rIns="91440" bIns="45720" rtlCol="0"/>
+          <a:lstStyle>
+            <a:lvl1pPr algn="l">
+              <a:defRPr sz="1200"/>
+            </a:lvl1pPr>
+          </a:lstStyle>
+          <a:p>
+            <a:endParaRPr lang="en-US"/>
+          </a:p>
+        </p:txBody>
+      </p:sp>
+      <p:sp>
+        <p:nvSpPr>
+          <p:cNvPr id="3" name="Date Placeholder 2"/>
+          <p:cNvSpPr>
+            <a:spLocks noGrp="1"/>
+          </p:cNvSpPr>
+          <p:nvPr>
+            <p:ph type="dt" idx="1"/>
+          </p:nvPr>
+        </p:nvSpPr>
+        <p:spPr>
+          <a:xfrm>
+            <a:off x="3884613" y="0"/>
+            <a:ext cx="2971800" cy="457200"/>
+          </a:xfrm>
+          <a:prstGeom prst="rect">
+            <a:avLst/>
+          </a:prstGeom>
+        </p:spPr>
+        <p:txBody>
+          <a:bodyPr vert="horz" lIns="91440" tIns="45720" rIns="91440" bIns="45720" rtlCol="0"/>
+          <a:lstStyle>
+            <a:lvl1pPr algn="r">
+              <a:defRPr sz="1200"/>
+            </a:lvl1pPr>
+          </a:lstStyle>
+          <a:p>
+            <a:fld id="{A72002C5-6DF6-4B8B-BFC0-4E59B96E6381}" type="datetimeFigureOut">
+              <a:rPr lang="en-US" smtClean="0"/>
+              <a:t>7/14/2015</a:t>
+            </a:fld>
+            <a:endParaRPr lang="en-US"/>
+          </a:p>
+        </p:txBody>
+      </p:sp>
+      <p:sp>
+        <p:nvSpPr>
+          <p:cNvPr id="4" name="Slide Image Placeholder 3"/>
+          <p:cNvSpPr>
+            <a:spLocks noGrp="1" noRot="1" noChangeAspect="1"/>
+          </p:cNvSpPr>
+          <p:nvPr>
+            <p:ph type="sldImg" idx="2"/>
+          </p:nvPr>
+        </p:nvSpPr>
+        <p:spPr>
+          <a:xfrm>
+            <a:off x="1143000" y="685800"/>
+            <a:ext cx="4572000" cy="3429000"/>
+          </a:xfrm>
+          <a:prstGeom prst="rect">
+            <a:avLst/>
+          </a:prstGeom>
+          <a:noFill/>
+          <a:ln w="12700">
+            <a:solidFill>
+              <a:prstClr val="black"/>
+            </a:solidFill>
+          </a:ln>
+        </p:spPr>
+        <p:txBody>
+          <a:bodyPr vert="horz" lIns="91440" tIns="45720" rIns="91440" bIns="45720" rtlCol="0" anchor="ctr"/>
+          <a:lstStyle/>
+          <a:p>
+            <a:endParaRPr lang="en-US"/>
+          </a:p>
+        </p:txBody>
+      </p:sp>
+      <p:sp>
+        <p:nvSpPr>
+          <p:cNvPr id="5" name="Notes Placeholder 4"/>
+          <p:cNvSpPr>
+            <a:spLocks noGrp="1"/>
+          </p:cNvSpPr>
+          <p:nvPr>
+            <p:ph type="body" sz="quarter" idx="3"/>
+          </p:nvPr>
+        </p:nvSpPr>
+        <p:spPr>
+          <a:xfrm>
+            <a:off x="685800" y="4343400"/>
+            <a:ext cx="5486400" cy="4114800"/>
+          </a:xfrm>
+          <a:prstGeom prst="rect">
+            <a:avLst/>
+          </a:prstGeom>
+        </p:spPr>
+        <p:txBody>
+          <a:bodyPr vert="horz" lIns="91440" tIns="45720" rIns="91440" bIns="45720" rtlCol="0">
+            <a:normAutofit/>
+          </a:bodyPr>
+          <a:lstStyle/>
+          <a:p>
+            <a:pPr lvl="0"/>
+            <a:r>
+              <a:rPr lang="en-US" smtClean="0"/>
+              <a:t>Click to edit Master text styles</a:t>
+            </a:r>
+          </a:p>
+          <a:p>
+            <a:pPr lvl="1"/>
+            <a:r>
+              <a:rPr lang="en-US" smtClean="0"/>
+              <a:t>Second level</a:t>
+            </a:r>
+          </a:p>
+          <a:p>
+            <a:pPr lvl="2"/>
+            <a:r>
+              <a:rPr lang="en-US" smtClean="0"/>
+              <a:t>Third level</a:t>
+            </a:r>
+          </a:p>
+          <a:p>
+            <a:pPr lvl="3"/>
+            <a:r>
+              <a:rPr lang="en-US" smtClean="0"/>
+              <a:t>Fourth level</a:t>
+            </a:r>
+          </a:p>
+          <a:p>
+            <a:pPr lvl="4"/>
+            <a:r>
+              <a:rPr lang="en-US" smtClean="0"/>
+              <a:t>Fifth level</a:t>
+            </a:r>
+            <a:endParaRPr lang="en-US"/>
+          </a:p>
+        </p:txBody>
+      </p:sp>
+      <p:sp>
+        <p:nvSpPr>
+          <p:cNvPr id="6" name="Footer Placeholder 5"/>
+          <p:cNvSpPr>
+            <a:spLocks noGrp="1"/>
+          </p:cNvSpPr>
+          <p:nvPr>
+            <p:ph type="ftr" sz="quarter" idx="4"/>
+          </p:nvPr>
+        </p:nvSpPr>
+        <p:spPr>
+          <a:xfrm>
+            <a:off x="0" y="8685213"/>
+            <a:ext cx="2971800" cy="457200"/>
+          </a:xfrm>
+          <a:prstGeom prst="rect">
+            <a:avLst/>
+          </a:prstGeom>
+        </p:spPr>
+        <p:txBody>
+          <a:bodyPr vert="horz" lIns="91440" tIns="45720" rIns="91440" bIns="45720" rtlCol="0" anchor="b"/>
+          <a:lstStyle>
+            <a:lvl1pPr algn="l">
+              <a:defRPr sz="1200"/>
+            </a:lvl1pPr>
+          </a:lstStyle>
+          <a:p>
+            <a:endParaRPr lang="en-US"/>
+          </a:p>
+        </p:txBody>
+      </p:sp>
+      <p:sp>
+        <p:nvSpPr>
+          <p:cNvPr id="7" name="Slide Number Placeholder 6"/>
+          <p:cNvSpPr>
+            <a:spLocks noGrp="1"/>
+          </p:cNvSpPr>
+          <p:nvPr>
+            <p:ph type="sldNum" sz="quarter" idx="5"/>
+          </p:nvPr>
+        </p:nvSpPr>
+        <p:spPr>
+          <a:xfrm>
+            <a:off x="3884613" y="8685213"/>
+            <a:ext cx="2971800" cy="457200"/>
+          </a:xfrm>
+          <a:prstGeom prst="rect">
+            <a:avLst/>
+          </a:prstGeom>
+        </p:spPr>
+        <p:txBody>
+          <a:bodyPr vert="horz" lIns="91440" tIns="45720" rIns="91440" bIns="45720" rtlCol="0" anchor="b"/>
+          <a:lstStyle>
+            <a:lvl1pPr algn="r">
+              <a:defRPr sz="1200"/>
+            </a:lvl1pPr>
+          </a:lstStyle>
+          <a:p>
+            <a:fld id="{1921B5E6-572C-491E-ADA6-FA65FC48D33D}" type="slidenum">
+              <a:rPr lang="en-US" smtClean="0"/>
+              <a:t>‹#›</a:t>
+            </a:fld>
+            <a:endParaRPr lang="en-US"/>
+          </a:p>
+        </p:txBody>
+      </p:sp>
+    </p:spTree>
+  </p:cSld>
+  <p:clrMap bg1="lt1" tx1="dk1" bg2="lt2" tx2="dk2" accent1="accent1" accent2="accent2" accent3="accent3" accent4="accent4" accent5="accent5" accent6="accent6" hlink="hlink" folHlink="folHlink"/>
+  <p:notesStyle>
+    <a:lvl1pPr marL="0" algn="l" defTabSz="914400" rtl="0" eaLnBrk="1" latinLnBrk="0" hangingPunct="1">
+      <a:defRPr sz="1200" kern="1200">
+        <a:solidFill>
+          <a:schemeClr val="tx1"/>
+        </a:solidFill>
+        <a:latin typeface="+mn-lt"/>
+        <a:ea typeface="+mn-ea"/>
+        <a:cs typeface="+mn-cs"/>
+      </a:defRPr>
+    </a:lvl1pPr>
+    <a:lvl2pPr marL="457200" algn="l" defTabSz="914400" rtl="0" eaLnBrk="1" latinLnBrk="0" hangingPunct="1">
+      <a:defRPr sz="1200" kern="1200">
+        <a:solidFill>
+          <a:schemeClr val="tx1"/>
+        </a:solidFill>
+        <a:latin typeface="+mn-lt"/>
+        <a:ea typeface="+mn-ea"/>
+        <a:cs typeface="+mn-cs"/>
+      </a:defRPr>
+    </a:lvl2pPr>
+    <a:lvl3pPr marL="914400" algn="l" defTabSz="914400" rtl="0" eaLnBrk="1" latinLnBrk="0" hangingPunct="1">
+      <a:defRPr sz="1200" kern="1200">
+        <a:solidFill>
+          <a:schemeClr val="tx1"/>
+        </a:solidFill>
+        <a:latin typeface="+mn-lt"/>
+        <a:ea typeface="+mn-ea"/>
+        <a:cs typeface="+mn-cs"/>
+      </a:defRPr>
+    </a:lvl3pPr>
+    <a:lvl4pPr marL="1371600" algn="l" defTabSz="914400" rtl="0" eaLnBrk="1" latinLnBrk="0" hangingPunct="1">
+      <a:defRPr sz="1200" kern="1200">
+        <a:solidFill>
+          <a:schemeClr val="tx1"/>
+        </a:solidFill>
+        <a:latin typeface="+mn-lt"/>
+        <a:ea typeface="+mn-ea"/>
+        <a:cs typeface="+mn-cs"/>
+      </a:defRPr>
+    </a:lvl4pPr>
+    <a:lvl5pPr marL="1828800" algn="l" defTabSz="914400" rtl="0" eaLnBrk="1" latinLnBrk="0" hangingPunct="1">
+      <a:defRPr sz="1200" kern="1200">
+        <a:solidFill>
+          <a:schemeClr val="tx1"/>
+        </a:solidFill>
+        <a:latin typeface="+mn-lt"/>
+        <a:ea typeface="+mn-ea"/>
+        <a:cs typeface="+mn-cs"/>
+      </a:defRPr>
+    </a:lvl5pPr>
+    <a:lvl6pPr marL="2286000" algn="l" defTabSz="914400" rtl="0" eaLnBrk="1" latinLnBrk="0" hangingPunct="1">
+      <a:defRPr sz="1200" kern="1200">
+        <a:solidFill>
+          <a:schemeClr val="tx1"/>
+        </a:solidFill>
+        <a:latin typeface="+mn-lt"/>
+        <a:ea typeface="+mn-ea"/>
+        <a:cs typeface="+mn-cs"/>
+      </a:defRPr>
+    </a:lvl6pPr>
+    <a:lvl7pPr marL="2743200" algn="l" defTabSz="914400" rtl="0" eaLnBrk="1" latinLnBrk="0" hangingPunct="1">
+      <a:defRPr sz="1200" kern="1200">
+        <a:solidFill>
+          <a:schemeClr val="tx1"/>
+        </a:solidFill>
+        <a:latin typeface="+mn-lt"/>
+        <a:ea typeface="+mn-ea"/>
+        <a:cs typeface="+mn-cs"/>
+      </a:defRPr>
+    </a:lvl7pPr>
+    <a:lvl8pPr marL="3200400" algn="l" defTabSz="914400" rtl="0" eaLnBrk="1" latinLnBrk="0" hangingPunct="1">
+      <a:defRPr sz="1200" kern="1200">
+        <a:solidFill>
+          <a:schemeClr val="tx1"/>
+        </a:solidFill>
+        <a:latin typeface="+mn-lt"/>
+        <a:ea typeface="+mn-ea"/>
+        <a:cs typeface="+mn-cs"/>
+      </a:defRPr>
+    </a:lvl8pPr>
+    <a:lvl9pPr marL="3657600" algn="l" defTabSz="914400" rtl="0" eaLnBrk="1" latinLnBrk="0" hangingPunct="1">
+      <a:defRPr sz="1200" kern="1200">
+        <a:solidFill>
+          <a:schemeClr val="tx1"/>
+        </a:solidFill>
+        <a:latin typeface="+mn-lt"/>
+        <a:ea typeface="+mn-ea"/>
+        <a:cs typeface="+mn-cs"/>
+      </a:defRPr>
+    </a:lvl9pPr>
+  </p:notesStyle>
+</p:notesMaster>
+</file>
+
+<file path=ppt/notesSlides/notesSlide1.xml><?xml version="1.0" encoding="utf-8"?>
+<p:notes xmlns:a="http://schemas.openxmlformats.org/drawingml/2006/main" xmlns:r="http://schemas.openxmlformats.org/officeDocument/2006/relationships" xmlns:p="http://schemas.openxmlformats.org/presentationml/2006/main">
+  <p:cSld>
+    <p:spTree>
+      <p:nvGrpSpPr>
+        <p:cNvPr id="1" name=""/>
+        <p:cNvGrpSpPr/>
+        <p:nvPr/>
+      </p:nvGrpSpPr>
+      <p:grpSpPr>
+        <a:xfrm>
+          <a:off x="0" y="0"/>
+          <a:ext cx="0" cy="0"/>
+          <a:chOff x="0" y="0"/>
+          <a:chExt cx="0" cy="0"/>
+        </a:xfrm>
+      </p:grpSpPr>
+      <p:sp>
+        <p:nvSpPr>
+          <p:cNvPr id="2" name="Slide Image Placeholder 1"/>
+          <p:cNvSpPr>
+            <a:spLocks noGrp="1" noRot="1" noChangeAspect="1"/>
+          </p:cNvSpPr>
+          <p:nvPr>
+            <p:ph type="sldImg"/>
+          </p:nvPr>
+        </p:nvSpPr>
+        <p:spPr/>
+      </p:sp>
+      <p:sp>
+        <p:nvSpPr>
+          <p:cNvPr id="3" name="Notes Placeholder 2"/>
+          <p:cNvSpPr>
+            <a:spLocks noGrp="1"/>
+          </p:cNvSpPr>
+          <p:nvPr>
+            <p:ph type="body" idx="1"/>
+          </p:nvPr>
+        </p:nvSpPr>
+        <p:spPr/>
+        <p:txBody>
+          <a:bodyPr>
+            <a:normAutofit/>
+          </a:bodyPr>
+          <a:lstStyle/>
+          <a:p>
+            <a:endParaRPr lang="en-US" dirty="0"/>
+          </a:p>
+        </p:txBody>
+      </p:sp>
+      <p:sp>
+        <p:nvSpPr>
+          <p:cNvPr id="4" name="Slide Number Placeholder 3"/>
+          <p:cNvSpPr>
+            <a:spLocks noGrp="1"/>
+          </p:cNvSpPr>
+          <p:nvPr>
+            <p:ph type="sldNum" sz="quarter" idx="10"/>
+          </p:nvPr>
+        </p:nvSpPr>
+        <p:spPr/>
+        <p:txBody>
+          <a:bodyPr/>
+          <a:lstStyle/>
+          <a:p>
+            <a:fld id="{1921B5E6-572C-491E-ADA6-FA65FC48D33D}" type="slidenum">
+              <a:rPr lang="en-US" smtClean="0"/>
+              <a:t>1</a:t>
+            </a:fld>
+            <a:endParaRPr lang="en-US"/>
+          </a:p>
+        </p:txBody>
+      </p:sp>
+    </p:spTree>
+  </p:cSld>
+  <p:clrMapOvr>
+    <a:masterClrMapping/>
+  </p:clrMapOvr>
+</p:notes>
+</file>
+
 <file path=ppt/slideLayouts/slideLayout1.xml><?xml version="1.0" encoding="utf-8"?>
 <p:sldLayout xmlns:a="http://schemas.openxmlformats.org/drawingml/2006/main" xmlns:r="http://schemas.openxmlformats.org/officeDocument/2006/relationships" xmlns:p="http://schemas.openxmlformats.org/presentationml/2006/main" type="title" preserve="1">
   <p:cSld name="Titeldia">
@@ -289,7 +720,7 @@
             <a:fld id="{BAF09E74-5774-F145-AC14-13E3AE904401}" type="datetimeFigureOut">
               <a:rPr lang="nl-NL" smtClean="0"/>
               <a:pPr/>
-              <a:t>13-7-2015</a:t>
+              <a:t>14-7-2015</a:t>
             </a:fld>
             <a:endParaRPr lang="nl-NL"/>
           </a:p>
@@ -461,7 +892,7 @@
             <a:fld id="{BAF09E74-5774-F145-AC14-13E3AE904401}" type="datetimeFigureOut">
               <a:rPr lang="nl-NL" smtClean="0"/>
               <a:pPr/>
-              <a:t>13-7-2015</a:t>
+              <a:t>14-7-2015</a:t>
             </a:fld>
             <a:endParaRPr lang="nl-NL"/>
           </a:p>
@@ -643,7 +1074,7 @@
             <a:fld id="{BAF09E74-5774-F145-AC14-13E3AE904401}" type="datetimeFigureOut">
               <a:rPr lang="nl-NL" smtClean="0"/>
               <a:pPr/>
-              <a:t>13-7-2015</a:t>
+              <a:t>14-7-2015</a:t>
             </a:fld>
             <a:endParaRPr lang="nl-NL"/>
           </a:p>
@@ -815,7 +1246,7 @@
             <a:fld id="{BAF09E74-5774-F145-AC14-13E3AE904401}" type="datetimeFigureOut">
               <a:rPr lang="nl-NL" smtClean="0"/>
               <a:pPr/>
-              <a:t>13-7-2015</a:t>
+              <a:t>14-7-2015</a:t>
             </a:fld>
             <a:endParaRPr lang="nl-NL"/>
           </a:p>
@@ -1063,7 +1494,7 @@
             <a:fld id="{BAF09E74-5774-F145-AC14-13E3AE904401}" type="datetimeFigureOut">
               <a:rPr lang="nl-NL" smtClean="0"/>
               <a:pPr/>
-              <a:t>13-7-2015</a:t>
+              <a:t>14-7-2015</a:t>
             </a:fld>
             <a:endParaRPr lang="nl-NL"/>
           </a:p>
@@ -1353,7 +1784,7 @@
             <a:fld id="{BAF09E74-5774-F145-AC14-13E3AE904401}" type="datetimeFigureOut">
               <a:rPr lang="nl-NL" smtClean="0"/>
               <a:pPr/>
-              <a:t>13-7-2015</a:t>
+              <a:t>14-7-2015</a:t>
             </a:fld>
             <a:endParaRPr lang="nl-NL"/>
           </a:p>
@@ -1777,7 +2208,7 @@
             <a:fld id="{BAF09E74-5774-F145-AC14-13E3AE904401}" type="datetimeFigureOut">
               <a:rPr lang="nl-NL" smtClean="0"/>
               <a:pPr/>
-              <a:t>13-7-2015</a:t>
+              <a:t>14-7-2015</a:t>
             </a:fld>
             <a:endParaRPr lang="nl-NL"/>
           </a:p>
@@ -1897,7 +2328,7 @@
             <a:fld id="{BAF09E74-5774-F145-AC14-13E3AE904401}" type="datetimeFigureOut">
               <a:rPr lang="nl-NL" smtClean="0"/>
               <a:pPr/>
-              <a:t>13-7-2015</a:t>
+              <a:t>14-7-2015</a:t>
             </a:fld>
             <a:endParaRPr lang="nl-NL"/>
           </a:p>
@@ -1994,7 +2425,7 @@
             <a:fld id="{BAF09E74-5774-F145-AC14-13E3AE904401}" type="datetimeFigureOut">
               <a:rPr lang="nl-NL" smtClean="0"/>
               <a:pPr/>
-              <a:t>13-7-2015</a:t>
+              <a:t>14-7-2015</a:t>
             </a:fld>
             <a:endParaRPr lang="nl-NL"/>
           </a:p>
@@ -2273,7 +2704,7 @@
             <a:fld id="{BAF09E74-5774-F145-AC14-13E3AE904401}" type="datetimeFigureOut">
               <a:rPr lang="nl-NL" smtClean="0"/>
               <a:pPr/>
-              <a:t>13-7-2015</a:t>
+              <a:t>14-7-2015</a:t>
             </a:fld>
             <a:endParaRPr lang="nl-NL"/>
           </a:p>
@@ -2528,7 +2959,7 @@
             <a:fld id="{BAF09E74-5774-F145-AC14-13E3AE904401}" type="datetimeFigureOut">
               <a:rPr lang="nl-NL" smtClean="0"/>
               <a:pPr/>
-              <a:t>13-7-2015</a:t>
+              <a:t>14-7-2015</a:t>
             </a:fld>
             <a:endParaRPr lang="nl-NL"/>
           </a:p>
@@ -2743,7 +3174,7 @@
             <a:fld id="{BAF09E74-5774-F145-AC14-13E3AE904401}" type="datetimeFigureOut">
               <a:rPr lang="nl-NL" smtClean="0"/>
               <a:pPr/>
-              <a:t>13-7-2015</a:t>
+              <a:t>14-7-2015</a:t>
             </a:fld>
             <a:endParaRPr lang="nl-NL"/>
           </a:p>
@@ -3127,8 +3558,8 @@
         </p:nvSpPr>
         <p:spPr>
           <a:xfrm>
-            <a:off x="-178485" y="1939925"/>
-            <a:ext cx="3582521" cy="3705225"/>
+            <a:off x="-2076997" y="1939925"/>
+            <a:ext cx="3582521" cy="5170559"/>
           </a:xfrm>
           <a:prstGeom prst="rect">
             <a:avLst/>
@@ -3170,8 +3601,8 @@
         </p:nvSpPr>
         <p:spPr>
           <a:xfrm>
-            <a:off x="3648595" y="1939925"/>
-            <a:ext cx="6292847" cy="3705225"/>
+            <a:off x="1739490" y="1939925"/>
+            <a:ext cx="10077998" cy="5170559"/>
           </a:xfrm>
           <a:prstGeom prst="rect">
             <a:avLst/>
@@ -3213,7 +3644,7 @@
         </p:nvSpPr>
         <p:spPr>
           <a:xfrm>
-            <a:off x="5514229" y="1354908"/>
+            <a:off x="3622067" y="1354907"/>
             <a:ext cx="1529460" cy="309521"/>
           </a:xfrm>
           <a:prstGeom prst="roundRect">
@@ -3256,7 +3687,7 @@
         </p:nvSpPr>
         <p:spPr>
           <a:xfrm>
-            <a:off x="1773681" y="3958183"/>
+            <a:off x="-124831" y="4818007"/>
             <a:ext cx="1529460" cy="309521"/>
           </a:xfrm>
           <a:prstGeom prst="roundRect">
@@ -3299,7 +3730,7 @@
         </p:nvSpPr>
         <p:spPr>
           <a:xfrm>
-            <a:off x="1773682" y="3172853"/>
+            <a:off x="-124830" y="4032677"/>
             <a:ext cx="1529460" cy="309521"/>
           </a:xfrm>
           <a:prstGeom prst="roundRect">
@@ -3342,7 +3773,7 @@
         </p:nvSpPr>
         <p:spPr>
           <a:xfrm>
-            <a:off x="3759722" y="3507915"/>
+            <a:off x="1861210" y="4367739"/>
             <a:ext cx="1529460" cy="309521"/>
           </a:xfrm>
           <a:prstGeom prst="roundRect">
@@ -3385,7 +3816,7 @@
         </p:nvSpPr>
         <p:spPr>
           <a:xfrm>
-            <a:off x="3757931" y="4175071"/>
+            <a:off x="1859419" y="5034895"/>
             <a:ext cx="1529460" cy="309521"/>
           </a:xfrm>
           <a:prstGeom prst="roundRect">
@@ -3427,7 +3858,7 @@
         </p:nvSpPr>
         <p:spPr>
           <a:xfrm>
-            <a:off x="3757932" y="4793747"/>
+            <a:off x="1859420" y="5653571"/>
             <a:ext cx="1529460" cy="309521"/>
           </a:xfrm>
           <a:prstGeom prst="roundRect">
@@ -3470,7 +3901,7 @@
         </p:nvSpPr>
         <p:spPr>
           <a:xfrm>
-            <a:off x="3759722" y="2794777"/>
+            <a:off x="1861210" y="3654601"/>
             <a:ext cx="1529460" cy="309521"/>
           </a:xfrm>
           <a:prstGeom prst="roundRect">
@@ -3512,13 +3943,13 @@
         </p:nvSpPr>
         <p:spPr>
           <a:xfrm>
-            <a:off x="3757930" y="2089168"/>
+            <a:off x="1859418" y="2089168"/>
             <a:ext cx="1529460" cy="309521"/>
           </a:xfrm>
           <a:prstGeom prst="roundRect">
             <a:avLst/>
           </a:prstGeom>
-          <a:ln>
+          <a:ln w="19050">
             <a:solidFill>
               <a:schemeClr val="tx1"/>
             </a:solidFill>
@@ -3559,7 +3990,7 @@
         </p:nvSpPr>
         <p:spPr>
           <a:xfrm>
-            <a:off x="1773680" y="2396561"/>
+            <a:off x="-124832" y="3256385"/>
             <a:ext cx="1529460" cy="309521"/>
           </a:xfrm>
           <a:prstGeom prst="roundRect">
@@ -3602,7 +4033,7 @@
         </p:nvSpPr>
         <p:spPr>
           <a:xfrm>
-            <a:off x="34837" y="3173233"/>
+            <a:off x="-1863675" y="4033057"/>
             <a:ext cx="1529460" cy="309521"/>
           </a:xfrm>
           <a:prstGeom prst="roundRect">
@@ -3649,7 +4080,7 @@
         </p:nvSpPr>
         <p:spPr>
           <a:xfrm>
-            <a:off x="5520579" y="2794776"/>
+            <a:off x="3622067" y="3659925"/>
             <a:ext cx="1529460" cy="309521"/>
           </a:xfrm>
           <a:prstGeom prst="roundRect">
@@ -3692,13 +4123,13 @@
         </p:nvSpPr>
         <p:spPr>
           <a:xfrm>
-            <a:off x="5520580" y="2089166"/>
+            <a:off x="3622068" y="2089166"/>
             <a:ext cx="1529460" cy="309521"/>
           </a:xfrm>
           <a:prstGeom prst="roundRect">
             <a:avLst/>
           </a:prstGeom>
-          <a:ln>
+          <a:ln w="19050">
             <a:solidFill>
               <a:schemeClr val="tx1"/>
             </a:solidFill>
@@ -3739,7 +4170,7 @@
         </p:nvSpPr>
         <p:spPr>
           <a:xfrm>
-            <a:off x="34839" y="3957040"/>
+            <a:off x="-1863673" y="4816864"/>
             <a:ext cx="1529460" cy="309521"/>
           </a:xfrm>
           <a:prstGeom prst="roundRect">
@@ -3782,7 +4213,7 @@
         </p:nvSpPr>
         <p:spPr>
           <a:xfrm>
-            <a:off x="34840" y="4708797"/>
+            <a:off x="-1863672" y="5568621"/>
             <a:ext cx="1529460" cy="309521"/>
           </a:xfrm>
           <a:prstGeom prst="roundRect">
@@ -3827,7 +4258,7 @@
         </p:nvSpPr>
         <p:spPr>
           <a:xfrm>
-            <a:off x="5520579" y="733424"/>
+            <a:off x="3622069" y="739774"/>
             <a:ext cx="1529460" cy="309521"/>
           </a:xfrm>
           <a:prstGeom prst="roundRect">
@@ -3864,39 +4295,6 @@
       </p:sp>
       <p:cxnSp>
         <p:nvCxnSpPr>
-          <p:cNvPr id="27" name="Rechte verbindingslijn 26"/>
-          <p:cNvCxnSpPr>
-            <a:stCxn id="25" idx="2"/>
-            <a:endCxn id="8" idx="0"/>
-          </p:cNvCxnSpPr>
-          <p:nvPr/>
-        </p:nvCxnSpPr>
-        <p:spPr>
-          <a:xfrm flipH="1">
-            <a:off x="6278959" y="1042945"/>
-            <a:ext cx="6350" cy="311963"/>
-          </a:xfrm>
-          <a:prstGeom prst="line">
-            <a:avLst/>
-          </a:prstGeom>
-        </p:spPr>
-        <p:style>
-          <a:lnRef idx="2">
-            <a:schemeClr val="dk1"/>
-          </a:lnRef>
-          <a:fillRef idx="0">
-            <a:schemeClr val="dk1"/>
-          </a:fillRef>
-          <a:effectRef idx="1">
-            <a:schemeClr val="dk1"/>
-          </a:effectRef>
-          <a:fontRef idx="minor">
-            <a:schemeClr val="tx1"/>
-          </a:fontRef>
-        </p:style>
-      </p:cxnSp>
-      <p:cxnSp>
-        <p:nvCxnSpPr>
           <p:cNvPr id="33" name="Gebogen verbindingslijn 32"/>
           <p:cNvCxnSpPr>
             <a:stCxn id="8" idx="2"/>
@@ -3906,8 +4304,8 @@
         </p:nvCxnSpPr>
         <p:spPr>
           <a:xfrm rot="16200000" flipH="1">
-            <a:off x="6069766" y="1873621"/>
-            <a:ext cx="424737" cy="6351"/>
+            <a:off x="4174428" y="1876796"/>
+            <a:ext cx="424738" cy="1"/>
           </a:xfrm>
           <a:prstGeom prst="bentConnector3">
             <a:avLst>
@@ -3941,8 +4339,8 @@
         </p:nvCxnSpPr>
         <p:spPr>
           <a:xfrm rot="16200000" flipH="1">
-            <a:off x="4325512" y="2595837"/>
-            <a:ext cx="396088" cy="1792"/>
+            <a:off x="1997088" y="3025749"/>
+            <a:ext cx="1255912" cy="1792"/>
           </a:xfrm>
           <a:prstGeom prst="bentConnector3">
             <a:avLst>
@@ -3981,7 +4379,7 @@
         </p:nvCxnSpPr>
         <p:spPr>
           <a:xfrm flipV="1">
-            <a:off x="5287390" y="2243927"/>
+            <a:off x="3388878" y="2243927"/>
             <a:ext cx="233190" cy="2"/>
           </a:xfrm>
           <a:prstGeom prst="bentConnector3">
@@ -3989,15 +4387,16 @@
               <a:gd name="adj1" fmla="val 50000"/>
             </a:avLst>
           </a:prstGeom>
+          <a:ln w="28575"/>
         </p:spPr>
         <p:style>
-          <a:lnRef idx="2">
+          <a:lnRef idx="1">
             <a:schemeClr val="accent1"/>
           </a:lnRef>
           <a:fillRef idx="0">
             <a:schemeClr val="accent1"/>
           </a:fillRef>
-          <a:effectRef idx="1">
+          <a:effectRef idx="0">
             <a:schemeClr val="accent1"/>
           </a:effectRef>
           <a:fontRef idx="minor">
@@ -4016,8 +4415,8 @@
         </p:nvCxnSpPr>
         <p:spPr>
           <a:xfrm rot="10800000" flipH="1" flipV="1">
-            <a:off x="3757930" y="2243928"/>
-            <a:ext cx="2" cy="2704579"/>
+            <a:off x="1859418" y="2243928"/>
+            <a:ext cx="2" cy="3564403"/>
           </a:xfrm>
           <a:prstGeom prst="bentConnector3">
             <a:avLst>
@@ -4056,8 +4455,8 @@
         </p:nvCxnSpPr>
         <p:spPr>
           <a:xfrm rot="10800000" flipH="1" flipV="1">
-            <a:off x="3757929" y="2243928"/>
-            <a:ext cx="1" cy="2085903"/>
+            <a:off x="1859417" y="2243928"/>
+            <a:ext cx="1" cy="2945727"/>
           </a:xfrm>
           <a:prstGeom prst="bentConnector3">
             <a:avLst>
@@ -4096,7 +4495,7 @@
         </p:nvCxnSpPr>
         <p:spPr>
           <a:xfrm rot="16200000" flipH="1">
-            <a:off x="3027338" y="2217154"/>
+            <a:off x="1128826" y="3076978"/>
             <a:ext cx="243456" cy="1221312"/>
           </a:xfrm>
           <a:prstGeom prst="bentConnector2">
@@ -4129,7 +4528,7 @@
         </p:nvCxnSpPr>
         <p:spPr>
           <a:xfrm>
-            <a:off x="4524452" y="3104298"/>
+            <a:off x="2625940" y="3964122"/>
             <a:ext cx="0" cy="403617"/>
           </a:xfrm>
           <a:prstGeom prst="line">
@@ -4167,7 +4566,7 @@
         </p:nvCxnSpPr>
         <p:spPr>
           <a:xfrm rot="16200000" flipH="1">
-            <a:off x="562425" y="3719896"/>
+            <a:off x="-1336087" y="4579720"/>
             <a:ext cx="474286" cy="2"/>
           </a:xfrm>
           <a:prstGeom prst="bentConnector3">
@@ -4205,7 +4604,7 @@
         </p:nvCxnSpPr>
         <p:spPr>
           <a:xfrm flipV="1">
-            <a:off x="1564297" y="3327614"/>
+            <a:off x="-334215" y="4187438"/>
             <a:ext cx="209385" cy="380"/>
           </a:xfrm>
           <a:prstGeom prst="bentConnector3">
@@ -4245,7 +4644,7 @@
         </p:nvCxnSpPr>
         <p:spPr>
           <a:xfrm>
-            <a:off x="1564297" y="3327994"/>
+            <a:off x="-334215" y="4187818"/>
             <a:ext cx="209384" cy="784950"/>
           </a:xfrm>
           <a:prstGeom prst="bentConnector3">
@@ -4285,7 +4684,7 @@
         </p:nvCxnSpPr>
         <p:spPr>
           <a:xfrm flipV="1">
-            <a:off x="1564297" y="2551322"/>
+            <a:off x="-334215" y="3411146"/>
             <a:ext cx="209383" cy="776672"/>
           </a:xfrm>
           <a:prstGeom prst="bentConnector3">
@@ -4325,7 +4724,7 @@
         </p:nvCxnSpPr>
         <p:spPr>
           <a:xfrm rot="16200000" flipH="1">
-            <a:off x="2305026" y="2939466"/>
+            <a:off x="406514" y="3799290"/>
             <a:ext cx="466771" cy="2"/>
           </a:xfrm>
           <a:prstGeom prst="bentConnector3">
@@ -4365,8 +4764,8 @@
         </p:nvCxnSpPr>
         <p:spPr>
           <a:xfrm flipV="1">
-            <a:off x="5289182" y="3104297"/>
-            <a:ext cx="996127" cy="558379"/>
+            <a:off x="3390670" y="3969446"/>
+            <a:ext cx="996127" cy="553054"/>
           </a:xfrm>
           <a:prstGeom prst="bentConnector2">
             <a:avLst/>
@@ -4397,9 +4796,9 @@
           <p:nvPr/>
         </p:nvCxnSpPr>
         <p:spPr>
-          <a:xfrm rot="10800000" flipV="1">
-            <a:off x="5289183" y="2949536"/>
-            <a:ext cx="231397" cy="1"/>
+          <a:xfrm rot="10800000">
+            <a:off x="3390671" y="3809362"/>
+            <a:ext cx="231397" cy="5324"/>
           </a:xfrm>
           <a:prstGeom prst="bentConnector3">
             <a:avLst>
@@ -4433,7 +4832,7 @@
         </p:nvCxnSpPr>
         <p:spPr>
           <a:xfrm rot="5400000">
-            <a:off x="4344740" y="3995358"/>
+            <a:off x="2446228" y="4855182"/>
             <a:ext cx="357635" cy="1791"/>
           </a:xfrm>
           <a:prstGeom prst="bentConnector3">
@@ -4473,7 +4872,7 @@
         </p:nvCxnSpPr>
         <p:spPr>
           <a:xfrm rot="16200000" flipV="1">
-            <a:off x="578452" y="4487678"/>
+            <a:off x="-1320060" y="5347502"/>
             <a:ext cx="442236" cy="1"/>
           </a:xfrm>
           <a:prstGeom prst="bentConnector3">
@@ -4511,12 +4910,12 @@
         </p:nvCxnSpPr>
         <p:spPr>
           <a:xfrm rot="5400000">
-            <a:off x="3830157" y="1812551"/>
-            <a:ext cx="1163407" cy="3746898"/>
+            <a:off x="1934307" y="2675038"/>
+            <a:ext cx="1158082" cy="3746898"/>
           </a:xfrm>
           <a:prstGeom prst="bentConnector3">
             <a:avLst>
-              <a:gd name="adj1" fmla="val 119649"/>
+              <a:gd name="adj1" fmla="val 188170"/>
             </a:avLst>
           </a:prstGeom>
         </p:spPr>
@@ -4546,7 +4945,7 @@
         </p:nvCxnSpPr>
         <p:spPr>
           <a:xfrm rot="10800000" flipV="1">
-            <a:off x="2538412" y="2949537"/>
+            <a:off x="639900" y="3809361"/>
             <a:ext cx="1221310" cy="223315"/>
           </a:xfrm>
           <a:prstGeom prst="bentConnector2">
@@ -4579,8 +4978,8 @@
         </p:nvCxnSpPr>
         <p:spPr>
           <a:xfrm rot="5400000" flipH="1" flipV="1">
-            <a:off x="2325116" y="-15880"/>
-            <a:ext cx="1663564" cy="4714662"/>
+            <a:off x="-133" y="410857"/>
+            <a:ext cx="2523389" cy="4721012"/>
           </a:xfrm>
           <a:prstGeom prst="bentConnector2">
             <a:avLst/>
@@ -4613,7 +5012,7 @@
         </p:nvCxnSpPr>
         <p:spPr>
           <a:xfrm rot="16200000" flipH="1">
-            <a:off x="4368084" y="4639168"/>
+            <a:off x="2469572" y="5498992"/>
             <a:ext cx="309155" cy="1"/>
           </a:xfrm>
           <a:prstGeom prst="bentConnector3">
@@ -4653,8 +5052,8 @@
         </p:nvCxnSpPr>
         <p:spPr>
           <a:xfrm rot="5400000">
-            <a:off x="6087266" y="2596731"/>
-            <a:ext cx="396089" cy="1"/>
+            <a:off x="3756179" y="3029306"/>
+            <a:ext cx="1261238" cy="1"/>
           </a:xfrm>
           <a:prstGeom prst="bentConnector3">
             <a:avLst>
@@ -4690,7 +5089,7 @@
         </p:nvSpPr>
         <p:spPr>
           <a:xfrm>
-            <a:off x="7292806" y="2089168"/>
+            <a:off x="6545448" y="2089165"/>
             <a:ext cx="1529460" cy="309521"/>
           </a:xfrm>
           <a:prstGeom prst="roundRect">
@@ -4720,7 +5119,7 @@
             <a:lin ang="16200000" scaled="1"/>
             <a:tileRect/>
           </a:gradFill>
-          <a:ln>
+          <a:ln w="19050">
             <a:solidFill>
               <a:schemeClr val="tx1"/>
             </a:solidFill>
@@ -4763,24 +5162,25 @@
           <p:nvPr/>
         </p:nvCxnSpPr>
         <p:spPr>
-          <a:xfrm rot="10800000">
-            <a:off x="7050040" y="2243927"/>
-            <a:ext cx="242766" cy="2"/>
+          <a:xfrm rot="10800000" flipV="1">
+            <a:off x="5151528" y="2243925"/>
+            <a:ext cx="1393920" cy="1"/>
           </a:xfrm>
           <a:prstGeom prst="bentConnector3">
             <a:avLst>
               <a:gd name="adj1" fmla="val 50000"/>
             </a:avLst>
           </a:prstGeom>
+          <a:ln w="28575"/>
         </p:spPr>
         <p:style>
-          <a:lnRef idx="2">
+          <a:lnRef idx="1">
             <a:schemeClr val="accent1"/>
           </a:lnRef>
           <a:fillRef idx="0">
             <a:schemeClr val="accent1"/>
           </a:fillRef>
-          <a:effectRef idx="1">
+          <a:effectRef idx="0">
             <a:schemeClr val="accent1"/>
           </a:effectRef>
           <a:fontRef idx="minor">
@@ -4799,8 +5199,8 @@
         </p:nvCxnSpPr>
         <p:spPr>
           <a:xfrm>
-            <a:off x="7043689" y="1509669"/>
-            <a:ext cx="1013847" cy="579499"/>
+            <a:off x="5151527" y="1509668"/>
+            <a:ext cx="2158651" cy="579497"/>
           </a:xfrm>
           <a:prstGeom prst="bentConnector2">
             <a:avLst/>
@@ -4834,7 +5234,7 @@
         </p:nvSpPr>
         <p:spPr>
           <a:xfrm>
-            <a:off x="6934200" y="5150893"/>
+            <a:off x="9770992" y="6488668"/>
             <a:ext cx="1659192" cy="369332"/>
           </a:xfrm>
           <a:prstGeom prst="rect">
@@ -4865,7 +5265,7 @@
         </p:nvSpPr>
         <p:spPr>
           <a:xfrm>
-            <a:off x="34839" y="5150893"/>
+            <a:off x="-1863672" y="6488668"/>
             <a:ext cx="2295027" cy="369332"/>
           </a:xfrm>
           <a:prstGeom prst="rect">
@@ -4898,8 +5298,8 @@
         </p:nvCxnSpPr>
         <p:spPr>
           <a:xfrm rot="5400000" flipH="1" flipV="1">
-            <a:off x="4728695" y="1303635"/>
-            <a:ext cx="579499" cy="991569"/>
+            <a:off x="2833357" y="1300459"/>
+            <a:ext cx="579500" cy="997919"/>
           </a:xfrm>
           <a:prstGeom prst="bentConnector2">
             <a:avLst/>
@@ -4933,7 +5333,7 @@
         </p:nvSpPr>
         <p:spPr>
           <a:xfrm>
-            <a:off x="7292807" y="2794775"/>
+            <a:off x="7310178" y="3659925"/>
             <a:ext cx="1529460" cy="309521"/>
           </a:xfrm>
           <a:prstGeom prst="roundRect">
@@ -4998,48 +5398,6 @@
           </a:p>
         </p:txBody>
       </p:sp>
-      <p:cxnSp>
-        <p:nvCxnSpPr>
-          <p:cNvPr id="53" name="Elbow Connector 52"/>
-          <p:cNvCxnSpPr>
-            <a:stCxn id="49" idx="2"/>
-            <a:endCxn id="47" idx="0"/>
-          </p:cNvCxnSpPr>
-          <p:nvPr/>
-        </p:nvCxnSpPr>
-        <p:spPr>
-          <a:xfrm rot="16200000" flipH="1">
-            <a:off x="7859493" y="2596731"/>
-            <a:ext cx="396086" cy="1"/>
-          </a:xfrm>
-          <a:prstGeom prst="bentConnector3">
-            <a:avLst>
-              <a:gd name="adj1" fmla="val 50000"/>
-            </a:avLst>
-          </a:prstGeom>
-          <a:ln>
-            <a:solidFill>
-              <a:schemeClr val="accent3">
-                <a:lumMod val="50000"/>
-              </a:schemeClr>
-            </a:solidFill>
-          </a:ln>
-        </p:spPr>
-        <p:style>
-          <a:lnRef idx="2">
-            <a:schemeClr val="accent1"/>
-          </a:lnRef>
-          <a:fillRef idx="0">
-            <a:schemeClr val="accent1"/>
-          </a:fillRef>
-          <a:effectRef idx="1">
-            <a:schemeClr val="accent1"/>
-          </a:effectRef>
-          <a:fontRef idx="minor">
-            <a:schemeClr val="tx1"/>
-          </a:fontRef>
-        </p:style>
-      </p:cxnSp>
       <p:sp>
         <p:nvSpPr>
           <p:cNvPr id="57" name="Afgeronde rechthoek 19"/>
@@ -5048,7 +5406,7 @@
         </p:nvSpPr>
         <p:spPr>
           <a:xfrm>
-            <a:off x="8224160" y="3327613"/>
+            <a:off x="8241531" y="4192763"/>
             <a:ext cx="1529460" cy="309521"/>
           </a:xfrm>
           <a:prstGeom prst="roundRect">
@@ -5121,7 +5479,7 @@
         </p:nvSpPr>
         <p:spPr>
           <a:xfrm>
-            <a:off x="8224160" y="4267704"/>
+            <a:off x="8241531" y="5132854"/>
             <a:ext cx="1529460" cy="309521"/>
           </a:xfrm>
           <a:prstGeom prst="roundRect">
@@ -5194,7 +5552,7 @@
         </p:nvSpPr>
         <p:spPr>
           <a:xfrm>
-            <a:off x="8224160" y="3802279"/>
+            <a:off x="8241531" y="4667429"/>
             <a:ext cx="1529460" cy="309521"/>
           </a:xfrm>
           <a:prstGeom prst="roundRect">
@@ -5270,7 +5628,7 @@
         </p:nvCxnSpPr>
         <p:spPr>
           <a:xfrm rot="10800000">
-            <a:off x="8057538" y="3104296"/>
+            <a:off x="8074909" y="3969446"/>
             <a:ext cx="166623" cy="378078"/>
           </a:xfrm>
           <a:prstGeom prst="bentConnector2">
@@ -5311,7 +5669,7 @@
         </p:nvCxnSpPr>
         <p:spPr>
           <a:xfrm rot="10800000">
-            <a:off x="8057538" y="3104296"/>
+            <a:off x="8074909" y="3969446"/>
             <a:ext cx="166623" cy="852744"/>
           </a:xfrm>
           <a:prstGeom prst="bentConnector2">
@@ -5352,7 +5710,860 @@
         </p:nvCxnSpPr>
         <p:spPr>
           <a:xfrm rot="10800000">
-            <a:off x="8057538" y="3104297"/>
+            <a:off x="8074909" y="3969447"/>
+            <a:ext cx="166623" cy="1318169"/>
+          </a:xfrm>
+          <a:prstGeom prst="bentConnector2">
+            <a:avLst/>
+          </a:prstGeom>
+          <a:ln>
+            <a:solidFill>
+              <a:schemeClr val="accent3">
+                <a:lumMod val="50000"/>
+              </a:schemeClr>
+            </a:solidFill>
+            <a:tailEnd type="arrow"/>
+          </a:ln>
+        </p:spPr>
+        <p:style>
+          <a:lnRef idx="2">
+            <a:schemeClr val="accent1"/>
+          </a:lnRef>
+          <a:fillRef idx="0">
+            <a:schemeClr val="accent1"/>
+          </a:fillRef>
+          <a:effectRef idx="1">
+            <a:schemeClr val="accent1"/>
+          </a:effectRef>
+          <a:fontRef idx="minor">
+            <a:schemeClr val="tx1"/>
+          </a:fontRef>
+        </p:style>
+      </p:cxnSp>
+      <p:cxnSp>
+        <p:nvCxnSpPr>
+          <p:cNvPr id="88" name="Elbow Connector 87"/>
+          <p:cNvCxnSpPr>
+            <a:stCxn id="25" idx="2"/>
+            <a:endCxn id="8" idx="0"/>
+          </p:cNvCxnSpPr>
+          <p:nvPr/>
+        </p:nvCxnSpPr>
+        <p:spPr>
+          <a:xfrm rot="5400000">
+            <a:off x="4233992" y="1202100"/>
+            <a:ext cx="305612" cy="2"/>
+          </a:xfrm>
+          <a:prstGeom prst="bentConnector3">
+            <a:avLst>
+              <a:gd name="adj1" fmla="val 50000"/>
+            </a:avLst>
+          </a:prstGeom>
+          <a:ln>
+            <a:solidFill>
+              <a:schemeClr val="tx1"/>
+            </a:solidFill>
+          </a:ln>
+        </p:spPr>
+        <p:style>
+          <a:lnRef idx="2">
+            <a:schemeClr val="accent1"/>
+          </a:lnRef>
+          <a:fillRef idx="0">
+            <a:schemeClr val="accent1"/>
+          </a:fillRef>
+          <a:effectRef idx="1">
+            <a:schemeClr val="accent1"/>
+          </a:effectRef>
+          <a:fontRef idx="minor">
+            <a:schemeClr val="tx1"/>
+          </a:fontRef>
+        </p:style>
+      </p:cxnSp>
+      <p:cxnSp>
+        <p:nvCxnSpPr>
+          <p:cNvPr id="62" name="Shape 61"/>
+          <p:cNvCxnSpPr>
+            <a:stCxn id="47" idx="0"/>
+            <a:endCxn id="49" idx="2"/>
+          </p:cNvCxnSpPr>
+          <p:nvPr/>
+        </p:nvCxnSpPr>
+        <p:spPr>
+          <a:xfrm rot="16200000" flipV="1">
+            <a:off x="7061924" y="2646941"/>
+            <a:ext cx="1261239" cy="764730"/>
+          </a:xfrm>
+          <a:prstGeom prst="bentConnector3">
+            <a:avLst>
+              <a:gd name="adj1" fmla="val 50000"/>
+            </a:avLst>
+          </a:prstGeom>
+          <a:ln>
+            <a:solidFill>
+              <a:schemeClr val="accent3">
+                <a:lumMod val="50000"/>
+              </a:schemeClr>
+            </a:solidFill>
+          </a:ln>
+        </p:spPr>
+        <p:style>
+          <a:lnRef idx="2">
+            <a:schemeClr val="accent1"/>
+          </a:lnRef>
+          <a:fillRef idx="0">
+            <a:schemeClr val="accent1"/>
+          </a:fillRef>
+          <a:effectRef idx="1">
+            <a:schemeClr val="accent1"/>
+          </a:effectRef>
+          <a:fontRef idx="minor">
+            <a:schemeClr val="tx1"/>
+          </a:fontRef>
+        </p:style>
+      </p:cxnSp>
+      <p:sp>
+        <p:nvSpPr>
+          <p:cNvPr id="84" name="Afgeronde rechthoek 19"/>
+          <p:cNvSpPr/>
+          <p:nvPr/>
+        </p:nvSpPr>
+        <p:spPr>
+          <a:xfrm>
+            <a:off x="5394585" y="3657564"/>
+            <a:ext cx="1529460" cy="309521"/>
+          </a:xfrm>
+          <a:prstGeom prst="roundRect">
+            <a:avLst/>
+          </a:prstGeom>
+          <a:gradFill flip="none" rotWithShape="1">
+            <a:gsLst>
+              <a:gs pos="0">
+                <a:schemeClr val="accent3">
+                  <a:shade val="30000"/>
+                  <a:satMod val="115000"/>
+                </a:schemeClr>
+              </a:gs>
+              <a:gs pos="50000">
+                <a:schemeClr val="accent3">
+                  <a:shade val="67500"/>
+                  <a:satMod val="115000"/>
+                </a:schemeClr>
+              </a:gs>
+              <a:gs pos="100000">
+                <a:schemeClr val="accent3">
+                  <a:shade val="100000"/>
+                  <a:satMod val="115000"/>
+                </a:schemeClr>
+              </a:gs>
+            </a:gsLst>
+            <a:lin ang="16200000" scaled="1"/>
+            <a:tileRect/>
+          </a:gradFill>
+          <a:ln>
+            <a:solidFill>
+              <a:schemeClr val="accent3">
+                <a:lumMod val="50000"/>
+              </a:schemeClr>
+            </a:solidFill>
+          </a:ln>
+        </p:spPr>
+        <p:style>
+          <a:lnRef idx="1">
+            <a:schemeClr val="accent3"/>
+          </a:lnRef>
+          <a:fillRef idx="3">
+            <a:schemeClr val="accent3"/>
+          </a:fillRef>
+          <a:effectRef idx="2">
+            <a:schemeClr val="accent3"/>
+          </a:effectRef>
+          <a:fontRef idx="minor">
+            <a:schemeClr val="lt1"/>
+          </a:fontRef>
+        </p:style>
+        <p:txBody>
+          <a:bodyPr/>
+          <a:lstStyle/>
+          <a:p>
+            <a:pPr algn="ctr"/>
+            <a:r>
+              <a:rPr lang="nl-NL" sz="1400" dirty="0" err="1" smtClean="0"/>
+              <a:t>CodeGenerator</a:t>
+            </a:r>
+            <a:endParaRPr lang="nl-NL" sz="1400" dirty="0"/>
+          </a:p>
+        </p:txBody>
+      </p:sp>
+      <p:sp>
+        <p:nvSpPr>
+          <p:cNvPr id="86" name="Afgeronde rechthoek 19"/>
+          <p:cNvSpPr/>
+          <p:nvPr/>
+        </p:nvSpPr>
+        <p:spPr>
+          <a:xfrm>
+            <a:off x="6325938" y="4190402"/>
+            <a:ext cx="1529460" cy="309521"/>
+          </a:xfrm>
+          <a:prstGeom prst="roundRect">
+            <a:avLst/>
+          </a:prstGeom>
+          <a:gradFill flip="none" rotWithShape="1">
+            <a:gsLst>
+              <a:gs pos="0">
+                <a:schemeClr val="accent3">
+                  <a:shade val="30000"/>
+                  <a:satMod val="115000"/>
+                </a:schemeClr>
+              </a:gs>
+              <a:gs pos="50000">
+                <a:schemeClr val="accent3">
+                  <a:shade val="67500"/>
+                  <a:satMod val="115000"/>
+                </a:schemeClr>
+              </a:gs>
+              <a:gs pos="100000">
+                <a:schemeClr val="accent3">
+                  <a:shade val="100000"/>
+                  <a:satMod val="115000"/>
+                </a:schemeClr>
+              </a:gs>
+            </a:gsLst>
+            <a:lin ang="16200000" scaled="1"/>
+            <a:tileRect/>
+          </a:gradFill>
+          <a:ln>
+            <a:solidFill>
+              <a:schemeClr val="accent3">
+                <a:lumMod val="50000"/>
+              </a:schemeClr>
+            </a:solidFill>
+          </a:ln>
+        </p:spPr>
+        <p:style>
+          <a:lnRef idx="1">
+            <a:schemeClr val="accent3"/>
+          </a:lnRef>
+          <a:fillRef idx="3">
+            <a:schemeClr val="accent3"/>
+          </a:fillRef>
+          <a:effectRef idx="2">
+            <a:schemeClr val="accent3"/>
+          </a:effectRef>
+          <a:fontRef idx="minor">
+            <a:schemeClr val="lt1"/>
+          </a:fontRef>
+        </p:style>
+        <p:txBody>
+          <a:bodyPr/>
+          <a:lstStyle/>
+          <a:p>
+            <a:pPr algn="ctr"/>
+            <a:r>
+              <a:rPr lang="nl-NL" sz="1400" dirty="0" err="1" smtClean="0"/>
+              <a:t>MatlabGenerator</a:t>
+            </a:r>
+            <a:endParaRPr lang="nl-NL" sz="1400" dirty="0"/>
+          </a:p>
+        </p:txBody>
+      </p:sp>
+      <p:sp>
+        <p:nvSpPr>
+          <p:cNvPr id="90" name="Afgeronde rechthoek 19"/>
+          <p:cNvSpPr/>
+          <p:nvPr/>
+        </p:nvSpPr>
+        <p:spPr>
+          <a:xfrm>
+            <a:off x="6325938" y="5130493"/>
+            <a:ext cx="1529460" cy="309521"/>
+          </a:xfrm>
+          <a:prstGeom prst="roundRect">
+            <a:avLst/>
+          </a:prstGeom>
+          <a:gradFill flip="none" rotWithShape="1">
+            <a:gsLst>
+              <a:gs pos="0">
+                <a:schemeClr val="accent3">
+                  <a:shade val="30000"/>
+                  <a:satMod val="115000"/>
+                </a:schemeClr>
+              </a:gs>
+              <a:gs pos="50000">
+                <a:schemeClr val="accent3">
+                  <a:shade val="67500"/>
+                  <a:satMod val="115000"/>
+                </a:schemeClr>
+              </a:gs>
+              <a:gs pos="100000">
+                <a:schemeClr val="accent3">
+                  <a:shade val="100000"/>
+                  <a:satMod val="115000"/>
+                </a:schemeClr>
+              </a:gs>
+            </a:gsLst>
+            <a:lin ang="16200000" scaled="1"/>
+            <a:tileRect/>
+          </a:gradFill>
+          <a:ln>
+            <a:solidFill>
+              <a:schemeClr val="accent3">
+                <a:lumMod val="50000"/>
+              </a:schemeClr>
+            </a:solidFill>
+          </a:ln>
+        </p:spPr>
+        <p:style>
+          <a:lnRef idx="1">
+            <a:schemeClr val="accent3"/>
+          </a:lnRef>
+          <a:fillRef idx="3">
+            <a:schemeClr val="accent3"/>
+          </a:fillRef>
+          <a:effectRef idx="2">
+            <a:schemeClr val="accent3"/>
+          </a:effectRef>
+          <a:fontRef idx="minor">
+            <a:schemeClr val="lt1"/>
+          </a:fontRef>
+        </p:style>
+        <p:txBody>
+          <a:bodyPr/>
+          <a:lstStyle/>
+          <a:p>
+            <a:pPr algn="ctr"/>
+            <a:r>
+              <a:rPr lang="nl-NL" sz="1400" dirty="0" err="1" smtClean="0"/>
+              <a:t>BashGenerator</a:t>
+            </a:r>
+            <a:endParaRPr lang="nl-NL" sz="1400" dirty="0"/>
+          </a:p>
+        </p:txBody>
+      </p:sp>
+      <p:sp>
+        <p:nvSpPr>
+          <p:cNvPr id="91" name="Afgeronde rechthoek 19"/>
+          <p:cNvSpPr/>
+          <p:nvPr/>
+        </p:nvSpPr>
+        <p:spPr>
+          <a:xfrm>
+            <a:off x="6325938" y="4665068"/>
+            <a:ext cx="1529460" cy="309521"/>
+          </a:xfrm>
+          <a:prstGeom prst="roundRect">
+            <a:avLst/>
+          </a:prstGeom>
+          <a:gradFill flip="none" rotWithShape="1">
+            <a:gsLst>
+              <a:gs pos="0">
+                <a:schemeClr val="accent3">
+                  <a:shade val="30000"/>
+                  <a:satMod val="115000"/>
+                </a:schemeClr>
+              </a:gs>
+              <a:gs pos="50000">
+                <a:schemeClr val="accent3">
+                  <a:shade val="67500"/>
+                  <a:satMod val="115000"/>
+                </a:schemeClr>
+              </a:gs>
+              <a:gs pos="100000">
+                <a:schemeClr val="accent3">
+                  <a:shade val="100000"/>
+                  <a:satMod val="115000"/>
+                </a:schemeClr>
+              </a:gs>
+            </a:gsLst>
+            <a:lin ang="16200000" scaled="1"/>
+            <a:tileRect/>
+          </a:gradFill>
+          <a:ln>
+            <a:solidFill>
+              <a:schemeClr val="accent3">
+                <a:lumMod val="50000"/>
+              </a:schemeClr>
+            </a:solidFill>
+          </a:ln>
+        </p:spPr>
+        <p:style>
+          <a:lnRef idx="1">
+            <a:schemeClr val="accent3"/>
+          </a:lnRef>
+          <a:fillRef idx="3">
+            <a:schemeClr val="accent3"/>
+          </a:fillRef>
+          <a:effectRef idx="2">
+            <a:schemeClr val="accent3"/>
+          </a:effectRef>
+          <a:fontRef idx="minor">
+            <a:schemeClr val="lt1"/>
+          </a:fontRef>
+        </p:style>
+        <p:txBody>
+          <a:bodyPr/>
+          <a:lstStyle/>
+          <a:p>
+            <a:pPr algn="ctr"/>
+            <a:r>
+              <a:rPr lang="nl-NL" sz="1400" dirty="0" err="1" smtClean="0"/>
+              <a:t>PythonGenerator</a:t>
+            </a:r>
+            <a:endParaRPr lang="nl-NL" sz="1400" dirty="0"/>
+          </a:p>
+        </p:txBody>
+      </p:sp>
+      <p:cxnSp>
+        <p:nvCxnSpPr>
+          <p:cNvPr id="95" name="Elbow Connector 94"/>
+          <p:cNvCxnSpPr>
+            <a:stCxn id="49" idx="2"/>
+            <a:endCxn id="84" idx="0"/>
+          </p:cNvCxnSpPr>
+          <p:nvPr/>
+        </p:nvCxnSpPr>
+        <p:spPr>
+          <a:xfrm rot="5400000">
+            <a:off x="6105308" y="2452694"/>
+            <a:ext cx="1258878" cy="1150863"/>
+          </a:xfrm>
+          <a:prstGeom prst="bentConnector3">
+            <a:avLst>
+              <a:gd name="adj1" fmla="val 50000"/>
+            </a:avLst>
+          </a:prstGeom>
+          <a:ln>
+            <a:solidFill>
+              <a:schemeClr val="accent3">
+                <a:lumMod val="50000"/>
+              </a:schemeClr>
+            </a:solidFill>
+          </a:ln>
+        </p:spPr>
+        <p:style>
+          <a:lnRef idx="2">
+            <a:schemeClr val="accent1"/>
+          </a:lnRef>
+          <a:fillRef idx="0">
+            <a:schemeClr val="accent1"/>
+          </a:fillRef>
+          <a:effectRef idx="1">
+            <a:schemeClr val="accent1"/>
+          </a:effectRef>
+          <a:fontRef idx="minor">
+            <a:schemeClr val="tx1"/>
+          </a:fontRef>
+        </p:style>
+      </p:cxnSp>
+      <p:cxnSp>
+        <p:nvCxnSpPr>
+          <p:cNvPr id="76" name="Elbow Connector 75"/>
+          <p:cNvCxnSpPr>
+            <a:stCxn id="19" idx="3"/>
+            <a:endCxn id="84" idx="1"/>
+          </p:cNvCxnSpPr>
+          <p:nvPr/>
+        </p:nvCxnSpPr>
+        <p:spPr>
+          <a:xfrm flipV="1">
+            <a:off x="5151527" y="3812325"/>
+            <a:ext cx="243058" cy="2361"/>
+          </a:xfrm>
+          <a:prstGeom prst="bentConnector3">
+            <a:avLst>
+              <a:gd name="adj1" fmla="val 50000"/>
+            </a:avLst>
+          </a:prstGeom>
+        </p:spPr>
+        <p:style>
+          <a:lnRef idx="2">
+            <a:schemeClr val="accent1"/>
+          </a:lnRef>
+          <a:fillRef idx="0">
+            <a:schemeClr val="accent1"/>
+          </a:fillRef>
+          <a:effectRef idx="1">
+            <a:schemeClr val="accent1"/>
+          </a:effectRef>
+          <a:fontRef idx="minor">
+            <a:schemeClr val="tx1"/>
+          </a:fontRef>
+        </p:style>
+      </p:cxnSp>
+      <p:sp>
+        <p:nvSpPr>
+          <p:cNvPr id="98" name="TextBox 97"/>
+          <p:cNvSpPr txBox="1"/>
+          <p:nvPr/>
+        </p:nvSpPr>
+        <p:spPr>
+          <a:xfrm>
+            <a:off x="4353137" y="2573873"/>
+            <a:ext cx="1810111" cy="369332"/>
+          </a:xfrm>
+          <a:prstGeom prst="rect">
+            <a:avLst/>
+          </a:prstGeom>
+          <a:noFill/>
+        </p:spPr>
+        <p:txBody>
+          <a:bodyPr wrap="none" rtlCol="0">
+            <a:spAutoFit/>
+          </a:bodyPr>
+          <a:lstStyle/>
+          <a:p>
+            <a:r>
+              <a:rPr lang="en-US" i="1" dirty="0" smtClean="0"/>
+              <a:t>s</a:t>
+            </a:r>
+            <a:r>
+              <a:rPr lang="en-US" i="1" dirty="0" smtClean="0"/>
+              <a:t>ending (do this!)</a:t>
+            </a:r>
+            <a:endParaRPr lang="en-US" i="1" dirty="0"/>
+          </a:p>
+        </p:txBody>
+      </p:sp>
+      <p:sp>
+        <p:nvSpPr>
+          <p:cNvPr id="101" name="Afgeronde rechthoek 19"/>
+          <p:cNvSpPr/>
+          <p:nvPr/>
+        </p:nvSpPr>
+        <p:spPr>
+          <a:xfrm>
+            <a:off x="10117954" y="2089169"/>
+            <a:ext cx="1529460" cy="309521"/>
+          </a:xfrm>
+          <a:prstGeom prst="roundRect">
+            <a:avLst/>
+          </a:prstGeom>
+          <a:gradFill flip="none" rotWithShape="1">
+            <a:gsLst>
+              <a:gs pos="0">
+                <a:srgbClr val="D1CC00">
+                  <a:shade val="30000"/>
+                  <a:satMod val="115000"/>
+                </a:srgbClr>
+              </a:gs>
+              <a:gs pos="50000">
+                <a:srgbClr val="D1CC00">
+                  <a:shade val="67500"/>
+                  <a:satMod val="115000"/>
+                </a:srgbClr>
+              </a:gs>
+              <a:gs pos="100000">
+                <a:srgbClr val="D1CC00">
+                  <a:shade val="100000"/>
+                  <a:satMod val="115000"/>
+                </a:srgbClr>
+              </a:gs>
+            </a:gsLst>
+            <a:lin ang="16200000" scaled="1"/>
+            <a:tileRect/>
+          </a:gradFill>
+          <a:ln w="19050">
+            <a:solidFill>
+              <a:schemeClr val="tx1"/>
+            </a:solidFill>
+          </a:ln>
+        </p:spPr>
+        <p:style>
+          <a:lnRef idx="1">
+            <a:schemeClr val="accent3"/>
+          </a:lnRef>
+          <a:fillRef idx="3">
+            <a:schemeClr val="accent3"/>
+          </a:fillRef>
+          <a:effectRef idx="2">
+            <a:schemeClr val="accent3"/>
+          </a:effectRef>
+          <a:fontRef idx="minor">
+            <a:schemeClr val="lt1"/>
+          </a:fontRef>
+        </p:style>
+        <p:txBody>
+          <a:bodyPr/>
+          <a:lstStyle/>
+          <a:p>
+            <a:pPr algn="ctr"/>
+            <a:r>
+              <a:rPr lang="nl-NL" sz="1400" dirty="0" err="1" smtClean="0"/>
+              <a:t>CodeInterpreter</a:t>
+            </a:r>
+            <a:endParaRPr lang="nl-NL" sz="1400" dirty="0"/>
+          </a:p>
+        </p:txBody>
+      </p:sp>
+      <p:cxnSp>
+        <p:nvCxnSpPr>
+          <p:cNvPr id="104" name="Shape 103"/>
+          <p:cNvCxnSpPr>
+            <a:stCxn id="8" idx="3"/>
+            <a:endCxn id="101" idx="0"/>
+          </p:cNvCxnSpPr>
+          <p:nvPr/>
+        </p:nvCxnSpPr>
+        <p:spPr>
+          <a:xfrm>
+            <a:off x="5151527" y="1509668"/>
+            <a:ext cx="5731157" cy="579501"/>
+          </a:xfrm>
+          <a:prstGeom prst="bentConnector2">
+            <a:avLst/>
+          </a:prstGeom>
+        </p:spPr>
+        <p:style>
+          <a:lnRef idx="2">
+            <a:schemeClr val="dk1"/>
+          </a:lnRef>
+          <a:fillRef idx="0">
+            <a:schemeClr val="dk1"/>
+          </a:fillRef>
+          <a:effectRef idx="1">
+            <a:schemeClr val="dk1"/>
+          </a:effectRef>
+          <a:fontRef idx="minor">
+            <a:schemeClr val="tx1"/>
+          </a:fontRef>
+        </p:style>
+      </p:cxnSp>
+      <p:cxnSp>
+        <p:nvCxnSpPr>
+          <p:cNvPr id="106" name="Elbow Connector 105"/>
+          <p:cNvCxnSpPr>
+            <a:stCxn id="49" idx="3"/>
+            <a:endCxn id="101" idx="1"/>
+          </p:cNvCxnSpPr>
+          <p:nvPr/>
+        </p:nvCxnSpPr>
+        <p:spPr>
+          <a:xfrm>
+            <a:off x="8074908" y="2243926"/>
+            <a:ext cx="2043046" cy="4"/>
+          </a:xfrm>
+          <a:prstGeom prst="bentConnector3">
+            <a:avLst>
+              <a:gd name="adj1" fmla="val 50000"/>
+            </a:avLst>
+          </a:prstGeom>
+          <a:ln w="28575"/>
+        </p:spPr>
+        <p:style>
+          <a:lnRef idx="1">
+            <a:schemeClr val="accent1"/>
+          </a:lnRef>
+          <a:fillRef idx="0">
+            <a:schemeClr val="accent1"/>
+          </a:fillRef>
+          <a:effectRef idx="0">
+            <a:schemeClr val="accent1"/>
+          </a:effectRef>
+          <a:fontRef idx="minor">
+            <a:schemeClr val="tx1"/>
+          </a:fontRef>
+        </p:style>
+      </p:cxnSp>
+      <p:cxnSp>
+        <p:nvCxnSpPr>
+          <p:cNvPr id="165" name="Shape 164"/>
+          <p:cNvCxnSpPr>
+            <a:stCxn id="84" idx="2"/>
+            <a:endCxn id="18" idx="1"/>
+          </p:cNvCxnSpPr>
+          <p:nvPr/>
+        </p:nvCxnSpPr>
+        <p:spPr>
+          <a:xfrm rot="5400000">
+            <a:off x="2037454" y="65956"/>
+            <a:ext cx="220733" cy="8022990"/>
+          </a:xfrm>
+          <a:prstGeom prst="bentConnector4">
+            <a:avLst>
+              <a:gd name="adj1" fmla="val 1100581"/>
+              <a:gd name="adj2" fmla="val 101473"/>
+            </a:avLst>
+          </a:prstGeom>
+        </p:spPr>
+        <p:style>
+          <a:lnRef idx="2">
+            <a:schemeClr val="accent1"/>
+          </a:lnRef>
+          <a:fillRef idx="0">
+            <a:schemeClr val="accent1"/>
+          </a:fillRef>
+          <a:effectRef idx="1">
+            <a:schemeClr val="accent1"/>
+          </a:effectRef>
+          <a:fontRef idx="minor">
+            <a:schemeClr val="tx1"/>
+          </a:fontRef>
+        </p:style>
+      </p:cxnSp>
+      <p:cxnSp>
+        <p:nvCxnSpPr>
+          <p:cNvPr id="115" name="Elbow Connector 114"/>
+          <p:cNvCxnSpPr/>
+          <p:nvPr/>
+        </p:nvCxnSpPr>
+        <p:spPr>
+          <a:xfrm rot="10800000" flipV="1">
+            <a:off x="3122492" y="3467418"/>
+            <a:ext cx="2528608" cy="1"/>
+          </a:xfrm>
+          <a:prstGeom prst="bentConnector3">
+            <a:avLst>
+              <a:gd name="adj1" fmla="val 50000"/>
+            </a:avLst>
+          </a:prstGeom>
+          <a:ln>
+            <a:solidFill>
+              <a:schemeClr val="tx1"/>
+            </a:solidFill>
+            <a:tailEnd type="arrow"/>
+          </a:ln>
+        </p:spPr>
+        <p:style>
+          <a:lnRef idx="2">
+            <a:schemeClr val="accent1"/>
+          </a:lnRef>
+          <a:fillRef idx="0">
+            <a:schemeClr val="accent1"/>
+          </a:fillRef>
+          <a:effectRef idx="1">
+            <a:schemeClr val="accent1"/>
+          </a:effectRef>
+          <a:fontRef idx="minor">
+            <a:schemeClr val="tx1"/>
+          </a:fontRef>
+        </p:style>
+      </p:cxnSp>
+      <p:cxnSp>
+        <p:nvCxnSpPr>
+          <p:cNvPr id="150" name="Elbow Connector 149"/>
+          <p:cNvCxnSpPr/>
+          <p:nvPr/>
+        </p:nvCxnSpPr>
+        <p:spPr>
+          <a:xfrm>
+            <a:off x="3122491" y="2598004"/>
+            <a:ext cx="2528609" cy="1"/>
+          </a:xfrm>
+          <a:prstGeom prst="bentConnector3">
+            <a:avLst>
+              <a:gd name="adj1" fmla="val 50000"/>
+            </a:avLst>
+          </a:prstGeom>
+          <a:ln>
+            <a:solidFill>
+              <a:schemeClr val="tx1"/>
+            </a:solidFill>
+            <a:tailEnd type="arrow"/>
+          </a:ln>
+        </p:spPr>
+        <p:style>
+          <a:lnRef idx="2">
+            <a:schemeClr val="accent1"/>
+          </a:lnRef>
+          <a:fillRef idx="0">
+            <a:schemeClr val="accent1"/>
+          </a:fillRef>
+          <a:effectRef idx="1">
+            <a:schemeClr val="accent1"/>
+          </a:effectRef>
+          <a:fontRef idx="minor">
+            <a:schemeClr val="tx1"/>
+          </a:fontRef>
+        </p:style>
+      </p:cxnSp>
+      <p:sp>
+        <p:nvSpPr>
+          <p:cNvPr id="153" name="TextBox 152"/>
+          <p:cNvSpPr txBox="1"/>
+          <p:nvPr/>
+        </p:nvSpPr>
+        <p:spPr>
+          <a:xfrm>
+            <a:off x="3283819" y="3132827"/>
+            <a:ext cx="2190471" cy="369332"/>
+          </a:xfrm>
+          <a:prstGeom prst="rect">
+            <a:avLst/>
+          </a:prstGeom>
+          <a:noFill/>
+        </p:spPr>
+        <p:txBody>
+          <a:bodyPr wrap="none" rtlCol="0">
+            <a:spAutoFit/>
+          </a:bodyPr>
+          <a:lstStyle/>
+          <a:p>
+            <a:r>
+              <a:rPr lang="en-US" i="1" dirty="0" smtClean="0"/>
+              <a:t>a</a:t>
+            </a:r>
+            <a:r>
+              <a:rPr lang="en-US" i="1" dirty="0" smtClean="0"/>
+              <a:t>sking (ok, but how?)</a:t>
+            </a:r>
+            <a:endParaRPr lang="en-US" i="1" dirty="0"/>
+          </a:p>
+        </p:txBody>
+      </p:sp>
+      <p:cxnSp>
+        <p:nvCxnSpPr>
+          <p:cNvPr id="92" name="Shape 91"/>
+          <p:cNvCxnSpPr>
+            <a:stCxn id="86" idx="1"/>
+            <a:endCxn id="84" idx="2"/>
+          </p:cNvCxnSpPr>
+          <p:nvPr/>
+        </p:nvCxnSpPr>
+        <p:spPr>
+          <a:xfrm rot="10800000">
+            <a:off x="6159316" y="3967085"/>
+            <a:ext cx="166623" cy="378078"/>
+          </a:xfrm>
+          <a:prstGeom prst="bentConnector2">
+            <a:avLst/>
+          </a:prstGeom>
+          <a:ln>
+            <a:solidFill>
+              <a:schemeClr val="accent3">
+                <a:lumMod val="50000"/>
+              </a:schemeClr>
+            </a:solidFill>
+            <a:tailEnd type="arrow"/>
+          </a:ln>
+        </p:spPr>
+        <p:style>
+          <a:lnRef idx="2">
+            <a:schemeClr val="accent1"/>
+          </a:lnRef>
+          <a:fillRef idx="0">
+            <a:schemeClr val="accent1"/>
+          </a:fillRef>
+          <a:effectRef idx="1">
+            <a:schemeClr val="accent1"/>
+          </a:effectRef>
+          <a:fontRef idx="minor">
+            <a:schemeClr val="tx1"/>
+          </a:fontRef>
+        </p:style>
+      </p:cxnSp>
+      <p:cxnSp>
+        <p:nvCxnSpPr>
+          <p:cNvPr id="93" name="Shape 92"/>
+          <p:cNvCxnSpPr>
+            <a:stCxn id="90" idx="1"/>
+            <a:endCxn id="84" idx="2"/>
+          </p:cNvCxnSpPr>
+          <p:nvPr/>
+        </p:nvCxnSpPr>
+        <p:spPr>
+          <a:xfrm rot="10800000">
+            <a:off x="6159316" y="3967086"/>
             <a:ext cx="166623" cy="1318169"/>
           </a:xfrm>
           <a:prstGeom prst="bentConnector2">
@@ -5720,4 +6931,287 @@
   </a:objectDefaults>
   <a:extraClrSchemeLst/>
 </a:theme>
+</file>
+
+<file path=ppt/theme/theme2.xml><?xml version="1.0" encoding="utf-8"?>
+<a:theme xmlns:a="http://schemas.openxmlformats.org/drawingml/2006/main" name="Office Theme">
+  <a:themeElements>
+    <a:clrScheme name="Office">
+      <a:dk1>
+        <a:sysClr val="windowText" lastClr="000000"/>
+      </a:dk1>
+      <a:lt1>
+        <a:sysClr val="window" lastClr="FFFFFF"/>
+      </a:lt1>
+      <a:dk2>
+        <a:srgbClr val="1F497D"/>
+      </a:dk2>
+      <a:lt2>
+        <a:srgbClr val="EEECE1"/>
+      </a:lt2>
+      <a:accent1>
+        <a:srgbClr val="4F81BD"/>
+      </a:accent1>
+      <a:accent2>
+        <a:srgbClr val="C0504D"/>
+      </a:accent2>
+      <a:accent3>
+        <a:srgbClr val="9BBB59"/>
+      </a:accent3>
+      <a:accent4>
+        <a:srgbClr val="8064A2"/>
+      </a:accent4>
+      <a:accent5>
+        <a:srgbClr val="4BACC6"/>
+      </a:accent5>
+      <a:accent6>
+        <a:srgbClr val="F79646"/>
+      </a:accent6>
+      <a:hlink>
+        <a:srgbClr val="0000FF"/>
+      </a:hlink>
+      <a:folHlink>
+        <a:srgbClr val="800080"/>
+      </a:folHlink>
+    </a:clrScheme>
+    <a:fontScheme name="Office">
+      <a:majorFont>
+        <a:latin typeface="Calibri"/>
+        <a:ea typeface=""/>
+        <a:cs typeface=""/>
+        <a:font script="Jpan" typeface="ＭＳ Ｐゴシック"/>
+        <a:font script="Hang" typeface="맑은 고딕"/>
+        <a:font script="Hans" typeface="宋体"/>
+        <a:font script="Hant" typeface="新細明體"/>
+        <a:font script="Arab" typeface="Times New Roman"/>
+        <a:font script="Hebr" typeface="Times New Roman"/>
+        <a:font script="Thai" typeface="Angsana New"/>
+        <a:font script="Ethi" typeface="Nyala"/>
+        <a:font script="Beng" typeface="Vrinda"/>
+        <a:font script="Gujr" typeface="Shruti"/>
+        <a:font script="Khmr" typeface="MoolBoran"/>
+        <a:font script="Knda" typeface="Tunga"/>
+        <a:font script="Guru" typeface="Raavi"/>
+        <a:font script="Cans" typeface="Euphemia"/>
+        <a:font script="Cher" typeface="Plantagenet Cherokee"/>
+        <a:font script="Yiii" typeface="Microsoft Yi Baiti"/>
+        <a:font script="Tibt" typeface="Microsoft Himalaya"/>
+        <a:font script="Thaa" typeface="MV Boli"/>
+        <a:font script="Deva" typeface="Mangal"/>
+        <a:font script="Telu" typeface="Gautami"/>
+        <a:font script="Taml" typeface="Latha"/>
+        <a:font script="Syrc" typeface="Estrangelo Edessa"/>
+        <a:font script="Orya" typeface="Kalinga"/>
+        <a:font script="Mlym" typeface="Kartika"/>
+        <a:font script="Laoo" typeface="DokChampa"/>
+        <a:font script="Sinh" typeface="Iskoola Pota"/>
+        <a:font script="Mong" typeface="Mongolian Baiti"/>
+        <a:font script="Viet" typeface="Times New Roman"/>
+        <a:font script="Uigh" typeface="Microsoft Uighur"/>
+      </a:majorFont>
+      <a:minorFont>
+        <a:latin typeface="Calibri"/>
+        <a:ea typeface=""/>
+        <a:cs typeface=""/>
+        <a:font script="Jpan" typeface="ＭＳ Ｐゴシック"/>
+        <a:font script="Hang" typeface="맑은 고딕"/>
+        <a:font script="Hans" typeface="宋体"/>
+        <a:font script="Hant" typeface="新細明體"/>
+        <a:font script="Arab" typeface="Arial"/>
+        <a:font script="Hebr" typeface="Arial"/>
+        <a:font script="Thai" typeface="Cordia New"/>
+        <a:font script="Ethi" typeface="Nyala"/>
+        <a:font script="Beng" typeface="Vrinda"/>
+        <a:font script="Gujr" typeface="Shruti"/>
+        <a:font script="Khmr" typeface="DaunPenh"/>
+        <a:font script="Knda" typeface="Tunga"/>
+        <a:font script="Guru" typeface="Raavi"/>
+        <a:font script="Cans" typeface="Euphemia"/>
+        <a:font script="Cher" typeface="Plantagenet Cherokee"/>
+        <a:font script="Yiii" typeface="Microsoft Yi Baiti"/>
+        <a:font script="Tibt" typeface="Microsoft Himalaya"/>
+        <a:font script="Thaa" typeface="MV Boli"/>
+        <a:font script="Deva" typeface="Mangal"/>
+        <a:font script="Telu" typeface="Gautami"/>
+        <a:font script="Taml" typeface="Latha"/>
+        <a:font script="Syrc" typeface="Estrangelo Edessa"/>
+        <a:font script="Orya" typeface="Kalinga"/>
+        <a:font script="Mlym" typeface="Kartika"/>
+        <a:font script="Laoo" typeface="DokChampa"/>
+        <a:font script="Sinh" typeface="Iskoola Pota"/>
+        <a:font script="Mong" typeface="Mongolian Baiti"/>
+        <a:font script="Viet" typeface="Arial"/>
+        <a:font script="Uigh" typeface="Microsoft Uighur"/>
+      </a:minorFont>
+    </a:fontScheme>
+    <a:fmtScheme name="Office">
+      <a:fillStyleLst>
+        <a:solidFill>
+          <a:schemeClr val="phClr"/>
+        </a:solidFill>
+        <a:gradFill rotWithShape="1">
+          <a:gsLst>
+            <a:gs pos="0">
+              <a:schemeClr val="phClr">
+                <a:tint val="50000"/>
+                <a:satMod val="300000"/>
+              </a:schemeClr>
+            </a:gs>
+            <a:gs pos="35000">
+              <a:schemeClr val="phClr">
+                <a:tint val="37000"/>
+                <a:satMod val="300000"/>
+              </a:schemeClr>
+            </a:gs>
+            <a:gs pos="100000">
+              <a:schemeClr val="phClr">
+                <a:tint val="15000"/>
+                <a:satMod val="350000"/>
+              </a:schemeClr>
+            </a:gs>
+          </a:gsLst>
+          <a:lin ang="16200000" scaled="1"/>
+        </a:gradFill>
+        <a:gradFill rotWithShape="1">
+          <a:gsLst>
+            <a:gs pos="0">
+              <a:schemeClr val="phClr">
+                <a:shade val="51000"/>
+                <a:satMod val="130000"/>
+              </a:schemeClr>
+            </a:gs>
+            <a:gs pos="80000">
+              <a:schemeClr val="phClr">
+                <a:shade val="93000"/>
+                <a:satMod val="130000"/>
+              </a:schemeClr>
+            </a:gs>
+            <a:gs pos="100000">
+              <a:schemeClr val="phClr">
+                <a:shade val="94000"/>
+                <a:satMod val="135000"/>
+              </a:schemeClr>
+            </a:gs>
+          </a:gsLst>
+          <a:lin ang="16200000" scaled="0"/>
+        </a:gradFill>
+      </a:fillStyleLst>
+      <a:lnStyleLst>
+        <a:ln w="9525" cap="flat" cmpd="sng" algn="ctr">
+          <a:solidFill>
+            <a:schemeClr val="phClr">
+              <a:shade val="95000"/>
+              <a:satMod val="105000"/>
+            </a:schemeClr>
+          </a:solidFill>
+          <a:prstDash val="solid"/>
+        </a:ln>
+        <a:ln w="25400" cap="flat" cmpd="sng" algn="ctr">
+          <a:solidFill>
+            <a:schemeClr val="phClr"/>
+          </a:solidFill>
+          <a:prstDash val="solid"/>
+        </a:ln>
+        <a:ln w="38100" cap="flat" cmpd="sng" algn="ctr">
+          <a:solidFill>
+            <a:schemeClr val="phClr"/>
+          </a:solidFill>
+          <a:prstDash val="solid"/>
+        </a:ln>
+      </a:lnStyleLst>
+      <a:effectStyleLst>
+        <a:effectStyle>
+          <a:effectLst>
+            <a:outerShdw blurRad="40000" dist="20000" dir="5400000" rotWithShape="0">
+              <a:srgbClr val="000000">
+                <a:alpha val="38000"/>
+              </a:srgbClr>
+            </a:outerShdw>
+          </a:effectLst>
+        </a:effectStyle>
+        <a:effectStyle>
+          <a:effectLst>
+            <a:outerShdw blurRad="40000" dist="23000" dir="5400000" rotWithShape="0">
+              <a:srgbClr val="000000">
+                <a:alpha val="35000"/>
+              </a:srgbClr>
+            </a:outerShdw>
+          </a:effectLst>
+        </a:effectStyle>
+        <a:effectStyle>
+          <a:effectLst>
+            <a:outerShdw blurRad="40000" dist="23000" dir="5400000" rotWithShape="0">
+              <a:srgbClr val="000000">
+                <a:alpha val="35000"/>
+              </a:srgbClr>
+            </a:outerShdw>
+          </a:effectLst>
+          <a:scene3d>
+            <a:camera prst="orthographicFront">
+              <a:rot lat="0" lon="0" rev="0"/>
+            </a:camera>
+            <a:lightRig rig="threePt" dir="t">
+              <a:rot lat="0" lon="0" rev="1200000"/>
+            </a:lightRig>
+          </a:scene3d>
+          <a:sp3d>
+            <a:bevelT w="63500" h="25400"/>
+          </a:sp3d>
+        </a:effectStyle>
+      </a:effectStyleLst>
+      <a:bgFillStyleLst>
+        <a:solidFill>
+          <a:schemeClr val="phClr"/>
+        </a:solidFill>
+        <a:gradFill rotWithShape="1">
+          <a:gsLst>
+            <a:gs pos="0">
+              <a:schemeClr val="phClr">
+                <a:tint val="40000"/>
+                <a:satMod val="350000"/>
+              </a:schemeClr>
+            </a:gs>
+            <a:gs pos="40000">
+              <a:schemeClr val="phClr">
+                <a:tint val="45000"/>
+                <a:shade val="99000"/>
+                <a:satMod val="350000"/>
+              </a:schemeClr>
+            </a:gs>
+            <a:gs pos="100000">
+              <a:schemeClr val="phClr">
+                <a:shade val="20000"/>
+                <a:satMod val="255000"/>
+              </a:schemeClr>
+            </a:gs>
+          </a:gsLst>
+          <a:path path="circle">
+            <a:fillToRect l="50000" t="-80000" r="50000" b="180000"/>
+          </a:path>
+        </a:gradFill>
+        <a:gradFill rotWithShape="1">
+          <a:gsLst>
+            <a:gs pos="0">
+              <a:schemeClr val="phClr">
+                <a:tint val="80000"/>
+                <a:satMod val="300000"/>
+              </a:schemeClr>
+            </a:gs>
+            <a:gs pos="100000">
+              <a:schemeClr val="phClr">
+                <a:shade val="30000"/>
+                <a:satMod val="200000"/>
+              </a:schemeClr>
+            </a:gs>
+          </a:gsLst>
+          <a:path path="circle">
+            <a:fillToRect l="50000" t="50000" r="50000" b="50000"/>
+          </a:path>
+        </a:gradFill>
+      </a:bgFillStyleLst>
+    </a:fmtScheme>
+  </a:themeElements>
+  <a:objectDefaults/>
+  <a:extraClrSchemeLst/>
+</a:theme>
 </file>
--- a/Documents/ClassDiagram.pptx
+++ b/Documents/ClassDiagram.pptx
@@ -192,7 +192,7 @@
           <a:p>
             <a:fld id="{A72002C5-6DF6-4B8B-BFC0-4E59B96E6381}" type="datetimeFigureOut">
               <a:rPr lang="en-US" smtClean="0"/>
-              <a:t>7/14/2015</a:t>
+              <a:t>14/07/15</a:t>
             </a:fld>
             <a:endParaRPr lang="en-US"/>
           </a:p>
@@ -353,13 +353,18 @@
           <a:p>
             <a:fld id="{1921B5E6-572C-491E-ADA6-FA65FC48D33D}" type="slidenum">
               <a:rPr lang="en-US" smtClean="0"/>
-              <a:t>‹#›</a:t>
+              <a:t>‹nr.›</a:t>
             </a:fld>
             <a:endParaRPr lang="en-US"/>
           </a:p>
         </p:txBody>
       </p:sp>
     </p:spTree>
+    <p:extLst>
+      <p:ext uri="{BB962C8B-B14F-4D97-AF65-F5344CB8AC3E}">
+        <p14:creationId xmlns:p14="http://schemas.microsoft.com/office/powerpoint/2010/main" val="3911955616"/>
+      </p:ext>
+    </p:extLst>
   </p:cSld>
   <p:clrMap bg1="lt1" tx1="dk1" bg2="lt2" tx2="dk2" accent1="accent1" accent2="accent2" accent3="accent3" accent4="accent4" accent5="accent5" accent6="accent6" hlink="hlink" folHlink="folHlink"/>
   <p:notesStyle>
@@ -720,7 +725,7 @@
             <a:fld id="{BAF09E74-5774-F145-AC14-13E3AE904401}" type="datetimeFigureOut">
               <a:rPr lang="nl-NL" smtClean="0"/>
               <a:pPr/>
-              <a:t>14-7-2015</a:t>
+              <a:t>14/07/15</a:t>
             </a:fld>
             <a:endParaRPr lang="nl-NL"/>
           </a:p>
@@ -763,7 +768,7 @@
             <a:fld id="{6D59DADF-35B0-8442-AF3F-7D54891C5B27}" type="slidenum">
               <a:rPr lang="nl-NL" smtClean="0"/>
               <a:pPr/>
-              <a:t>‹#›</a:t>
+              <a:t>‹nr.›</a:t>
             </a:fld>
             <a:endParaRPr lang="nl-NL"/>
           </a:p>
@@ -772,7 +777,7 @@
     </p:spTree>
     <p:extLst>
       <p:ext uri="{BB962C8B-B14F-4D97-AF65-F5344CB8AC3E}">
-        <p14:creationId xmlns="" xmlns:p14="http://schemas.microsoft.com/office/powerpoint/2010/main" val="2833105150"/>
+        <p14:creationId xmlns:p14="http://schemas.microsoft.com/office/powerpoint/2010/main" val="2833105150"/>
       </p:ext>
     </p:extLst>
   </p:cSld>
@@ -892,7 +897,7 @@
             <a:fld id="{BAF09E74-5774-F145-AC14-13E3AE904401}" type="datetimeFigureOut">
               <a:rPr lang="nl-NL" smtClean="0"/>
               <a:pPr/>
-              <a:t>14-7-2015</a:t>
+              <a:t>14/07/15</a:t>
             </a:fld>
             <a:endParaRPr lang="nl-NL"/>
           </a:p>
@@ -935,7 +940,7 @@
             <a:fld id="{6D59DADF-35B0-8442-AF3F-7D54891C5B27}" type="slidenum">
               <a:rPr lang="nl-NL" smtClean="0"/>
               <a:pPr/>
-              <a:t>‹#›</a:t>
+              <a:t>‹nr.›</a:t>
             </a:fld>
             <a:endParaRPr lang="nl-NL"/>
           </a:p>
@@ -944,7 +949,7 @@
     </p:spTree>
     <p:extLst>
       <p:ext uri="{BB962C8B-B14F-4D97-AF65-F5344CB8AC3E}">
-        <p14:creationId xmlns="" xmlns:p14="http://schemas.microsoft.com/office/powerpoint/2010/main" val="547624687"/>
+        <p14:creationId xmlns:p14="http://schemas.microsoft.com/office/powerpoint/2010/main" val="547624687"/>
       </p:ext>
     </p:extLst>
   </p:cSld>
@@ -1074,7 +1079,7 @@
             <a:fld id="{BAF09E74-5774-F145-AC14-13E3AE904401}" type="datetimeFigureOut">
               <a:rPr lang="nl-NL" smtClean="0"/>
               <a:pPr/>
-              <a:t>14-7-2015</a:t>
+              <a:t>14/07/15</a:t>
             </a:fld>
             <a:endParaRPr lang="nl-NL"/>
           </a:p>
@@ -1117,7 +1122,7 @@
             <a:fld id="{6D59DADF-35B0-8442-AF3F-7D54891C5B27}" type="slidenum">
               <a:rPr lang="nl-NL" smtClean="0"/>
               <a:pPr/>
-              <a:t>‹#›</a:t>
+              <a:t>‹nr.›</a:t>
             </a:fld>
             <a:endParaRPr lang="nl-NL"/>
           </a:p>
@@ -1126,7 +1131,7 @@
     </p:spTree>
     <p:extLst>
       <p:ext uri="{BB962C8B-B14F-4D97-AF65-F5344CB8AC3E}">
-        <p14:creationId xmlns="" xmlns:p14="http://schemas.microsoft.com/office/powerpoint/2010/main" val="3832215252"/>
+        <p14:creationId xmlns:p14="http://schemas.microsoft.com/office/powerpoint/2010/main" val="3832215252"/>
       </p:ext>
     </p:extLst>
   </p:cSld>
@@ -1246,7 +1251,7 @@
             <a:fld id="{BAF09E74-5774-F145-AC14-13E3AE904401}" type="datetimeFigureOut">
               <a:rPr lang="nl-NL" smtClean="0"/>
               <a:pPr/>
-              <a:t>14-7-2015</a:t>
+              <a:t>14/07/15</a:t>
             </a:fld>
             <a:endParaRPr lang="nl-NL"/>
           </a:p>
@@ -1289,7 +1294,7 @@
             <a:fld id="{6D59DADF-35B0-8442-AF3F-7D54891C5B27}" type="slidenum">
               <a:rPr lang="nl-NL" smtClean="0"/>
               <a:pPr/>
-              <a:t>‹#›</a:t>
+              <a:t>‹nr.›</a:t>
             </a:fld>
             <a:endParaRPr lang="nl-NL"/>
           </a:p>
@@ -1298,7 +1303,7 @@
     </p:spTree>
     <p:extLst>
       <p:ext uri="{BB962C8B-B14F-4D97-AF65-F5344CB8AC3E}">
-        <p14:creationId xmlns="" xmlns:p14="http://schemas.microsoft.com/office/powerpoint/2010/main" val="406829104"/>
+        <p14:creationId xmlns:p14="http://schemas.microsoft.com/office/powerpoint/2010/main" val="406829104"/>
       </p:ext>
     </p:extLst>
   </p:cSld>
@@ -1494,7 +1499,7 @@
             <a:fld id="{BAF09E74-5774-F145-AC14-13E3AE904401}" type="datetimeFigureOut">
               <a:rPr lang="nl-NL" smtClean="0"/>
               <a:pPr/>
-              <a:t>14-7-2015</a:t>
+              <a:t>14/07/15</a:t>
             </a:fld>
             <a:endParaRPr lang="nl-NL"/>
           </a:p>
@@ -1537,7 +1542,7 @@
             <a:fld id="{6D59DADF-35B0-8442-AF3F-7D54891C5B27}" type="slidenum">
               <a:rPr lang="nl-NL" smtClean="0"/>
               <a:pPr/>
-              <a:t>‹#›</a:t>
+              <a:t>‹nr.›</a:t>
             </a:fld>
             <a:endParaRPr lang="nl-NL"/>
           </a:p>
@@ -1546,7 +1551,7 @@
     </p:spTree>
     <p:extLst>
       <p:ext uri="{BB962C8B-B14F-4D97-AF65-F5344CB8AC3E}">
-        <p14:creationId xmlns="" xmlns:p14="http://schemas.microsoft.com/office/powerpoint/2010/main" val="4032166571"/>
+        <p14:creationId xmlns:p14="http://schemas.microsoft.com/office/powerpoint/2010/main" val="4032166571"/>
       </p:ext>
     </p:extLst>
   </p:cSld>
@@ -1784,7 +1789,7 @@
             <a:fld id="{BAF09E74-5774-F145-AC14-13E3AE904401}" type="datetimeFigureOut">
               <a:rPr lang="nl-NL" smtClean="0"/>
               <a:pPr/>
-              <a:t>14-7-2015</a:t>
+              <a:t>14/07/15</a:t>
             </a:fld>
             <a:endParaRPr lang="nl-NL"/>
           </a:p>
@@ -1827,7 +1832,7 @@
             <a:fld id="{6D59DADF-35B0-8442-AF3F-7D54891C5B27}" type="slidenum">
               <a:rPr lang="nl-NL" smtClean="0"/>
               <a:pPr/>
-              <a:t>‹#›</a:t>
+              <a:t>‹nr.›</a:t>
             </a:fld>
             <a:endParaRPr lang="nl-NL"/>
           </a:p>
@@ -1836,7 +1841,7 @@
     </p:spTree>
     <p:extLst>
       <p:ext uri="{BB962C8B-B14F-4D97-AF65-F5344CB8AC3E}">
-        <p14:creationId xmlns="" xmlns:p14="http://schemas.microsoft.com/office/powerpoint/2010/main" val="1494689933"/>
+        <p14:creationId xmlns:p14="http://schemas.microsoft.com/office/powerpoint/2010/main" val="1494689933"/>
       </p:ext>
     </p:extLst>
   </p:cSld>
@@ -2208,7 +2213,7 @@
             <a:fld id="{BAF09E74-5774-F145-AC14-13E3AE904401}" type="datetimeFigureOut">
               <a:rPr lang="nl-NL" smtClean="0"/>
               <a:pPr/>
-              <a:t>14-7-2015</a:t>
+              <a:t>14/07/15</a:t>
             </a:fld>
             <a:endParaRPr lang="nl-NL"/>
           </a:p>
@@ -2251,7 +2256,7 @@
             <a:fld id="{6D59DADF-35B0-8442-AF3F-7D54891C5B27}" type="slidenum">
               <a:rPr lang="nl-NL" smtClean="0"/>
               <a:pPr/>
-              <a:t>‹#›</a:t>
+              <a:t>‹nr.›</a:t>
             </a:fld>
             <a:endParaRPr lang="nl-NL"/>
           </a:p>
@@ -2260,7 +2265,7 @@
     </p:spTree>
     <p:extLst>
       <p:ext uri="{BB962C8B-B14F-4D97-AF65-F5344CB8AC3E}">
-        <p14:creationId xmlns="" xmlns:p14="http://schemas.microsoft.com/office/powerpoint/2010/main" val="1221107075"/>
+        <p14:creationId xmlns:p14="http://schemas.microsoft.com/office/powerpoint/2010/main" val="1221107075"/>
       </p:ext>
     </p:extLst>
   </p:cSld>
@@ -2328,7 +2333,7 @@
             <a:fld id="{BAF09E74-5774-F145-AC14-13E3AE904401}" type="datetimeFigureOut">
               <a:rPr lang="nl-NL" smtClean="0"/>
               <a:pPr/>
-              <a:t>14-7-2015</a:t>
+              <a:t>14/07/15</a:t>
             </a:fld>
             <a:endParaRPr lang="nl-NL"/>
           </a:p>
@@ -2371,7 +2376,7 @@
             <a:fld id="{6D59DADF-35B0-8442-AF3F-7D54891C5B27}" type="slidenum">
               <a:rPr lang="nl-NL" smtClean="0"/>
               <a:pPr/>
-              <a:t>‹#›</a:t>
+              <a:t>‹nr.›</a:t>
             </a:fld>
             <a:endParaRPr lang="nl-NL"/>
           </a:p>
@@ -2380,7 +2385,7 @@
     </p:spTree>
     <p:extLst>
       <p:ext uri="{BB962C8B-B14F-4D97-AF65-F5344CB8AC3E}">
-        <p14:creationId xmlns="" xmlns:p14="http://schemas.microsoft.com/office/powerpoint/2010/main" val="23264191"/>
+        <p14:creationId xmlns:p14="http://schemas.microsoft.com/office/powerpoint/2010/main" val="23264191"/>
       </p:ext>
     </p:extLst>
   </p:cSld>
@@ -2425,7 +2430,7 @@
             <a:fld id="{BAF09E74-5774-F145-AC14-13E3AE904401}" type="datetimeFigureOut">
               <a:rPr lang="nl-NL" smtClean="0"/>
               <a:pPr/>
-              <a:t>14-7-2015</a:t>
+              <a:t>14/07/15</a:t>
             </a:fld>
             <a:endParaRPr lang="nl-NL"/>
           </a:p>
@@ -2468,7 +2473,7 @@
             <a:fld id="{6D59DADF-35B0-8442-AF3F-7D54891C5B27}" type="slidenum">
               <a:rPr lang="nl-NL" smtClean="0"/>
               <a:pPr/>
-              <a:t>‹#›</a:t>
+              <a:t>‹nr.›</a:t>
             </a:fld>
             <a:endParaRPr lang="nl-NL"/>
           </a:p>
@@ -2477,7 +2482,7 @@
     </p:spTree>
     <p:extLst>
       <p:ext uri="{BB962C8B-B14F-4D97-AF65-F5344CB8AC3E}">
-        <p14:creationId xmlns="" xmlns:p14="http://schemas.microsoft.com/office/powerpoint/2010/main" val="461564456"/>
+        <p14:creationId xmlns:p14="http://schemas.microsoft.com/office/powerpoint/2010/main" val="461564456"/>
       </p:ext>
     </p:extLst>
   </p:cSld>
@@ -2704,7 +2709,7 @@
             <a:fld id="{BAF09E74-5774-F145-AC14-13E3AE904401}" type="datetimeFigureOut">
               <a:rPr lang="nl-NL" smtClean="0"/>
               <a:pPr/>
-              <a:t>14-7-2015</a:t>
+              <a:t>14/07/15</a:t>
             </a:fld>
             <a:endParaRPr lang="nl-NL"/>
           </a:p>
@@ -2747,7 +2752,7 @@
             <a:fld id="{6D59DADF-35B0-8442-AF3F-7D54891C5B27}" type="slidenum">
               <a:rPr lang="nl-NL" smtClean="0"/>
               <a:pPr/>
-              <a:t>‹#›</a:t>
+              <a:t>‹nr.›</a:t>
             </a:fld>
             <a:endParaRPr lang="nl-NL"/>
           </a:p>
@@ -2756,7 +2761,7 @@
     </p:spTree>
     <p:extLst>
       <p:ext uri="{BB962C8B-B14F-4D97-AF65-F5344CB8AC3E}">
-        <p14:creationId xmlns="" xmlns:p14="http://schemas.microsoft.com/office/powerpoint/2010/main" val="3656418691"/>
+        <p14:creationId xmlns:p14="http://schemas.microsoft.com/office/powerpoint/2010/main" val="3656418691"/>
       </p:ext>
     </p:extLst>
   </p:cSld>
@@ -2959,7 +2964,7 @@
             <a:fld id="{BAF09E74-5774-F145-AC14-13E3AE904401}" type="datetimeFigureOut">
               <a:rPr lang="nl-NL" smtClean="0"/>
               <a:pPr/>
-              <a:t>14-7-2015</a:t>
+              <a:t>14/07/15</a:t>
             </a:fld>
             <a:endParaRPr lang="nl-NL"/>
           </a:p>
@@ -3002,7 +3007,7 @@
             <a:fld id="{6D59DADF-35B0-8442-AF3F-7D54891C5B27}" type="slidenum">
               <a:rPr lang="nl-NL" smtClean="0"/>
               <a:pPr/>
-              <a:t>‹#›</a:t>
+              <a:t>‹nr.›</a:t>
             </a:fld>
             <a:endParaRPr lang="nl-NL"/>
           </a:p>
@@ -3011,7 +3016,7 @@
     </p:spTree>
     <p:extLst>
       <p:ext uri="{BB962C8B-B14F-4D97-AF65-F5344CB8AC3E}">
-        <p14:creationId xmlns="" xmlns:p14="http://schemas.microsoft.com/office/powerpoint/2010/main" val="2512410003"/>
+        <p14:creationId xmlns:p14="http://schemas.microsoft.com/office/powerpoint/2010/main" val="2512410003"/>
       </p:ext>
     </p:extLst>
   </p:cSld>
@@ -3174,7 +3179,7 @@
             <a:fld id="{BAF09E74-5774-F145-AC14-13E3AE904401}" type="datetimeFigureOut">
               <a:rPr lang="nl-NL" smtClean="0"/>
               <a:pPr/>
-              <a:t>14-7-2015</a:t>
+              <a:t>14/07/15</a:t>
             </a:fld>
             <a:endParaRPr lang="nl-NL"/>
           </a:p>
@@ -3253,7 +3258,7 @@
             <a:fld id="{6D59DADF-35B0-8442-AF3F-7D54891C5B27}" type="slidenum">
               <a:rPr lang="nl-NL" smtClean="0"/>
               <a:pPr/>
-              <a:t>‹#›</a:t>
+              <a:t>‹nr.›</a:t>
             </a:fld>
             <a:endParaRPr lang="nl-NL"/>
           </a:p>
@@ -3262,7 +3267,7 @@
     </p:spTree>
     <p:extLst>
       <p:ext uri="{BB962C8B-B14F-4D97-AF65-F5344CB8AC3E}">
-        <p14:creationId xmlns="" xmlns:p14="http://schemas.microsoft.com/office/powerpoint/2010/main" val="3782918827"/>
+        <p14:creationId xmlns:p14="http://schemas.microsoft.com/office/powerpoint/2010/main" val="3782918827"/>
       </p:ext>
     </p:extLst>
   </p:cSld>
@@ -3681,13 +3686,13 @@
       </p:sp>
       <p:sp>
         <p:nvSpPr>
-          <p:cNvPr id="9" name="Afgeronde rechthoek 8"/>
+          <p:cNvPr id="10" name="Afgeronde rechthoek 9"/>
           <p:cNvSpPr/>
           <p:nvPr/>
         </p:nvSpPr>
         <p:spPr>
           <a:xfrm>
-            <a:off x="-124831" y="4818007"/>
+            <a:off x="-124830" y="4032677"/>
             <a:ext cx="1529460" cy="309521"/>
           </a:xfrm>
           <a:prstGeom prst="roundRect">
@@ -3715,8 +3720,8 @@
           <a:p>
             <a:pPr algn="ctr"/>
             <a:r>
-              <a:rPr lang="nl-NL" sz="1400" dirty="0" err="1" smtClean="0"/>
-              <a:t>DataType</a:t>
+              <a:rPr lang="nl-NL" sz="1400" dirty="0" smtClean="0"/>
+              <a:t>Argument</a:t>
             </a:r>
             <a:endParaRPr lang="nl-NL" sz="1400" dirty="0"/>
           </a:p>
@@ -3724,13 +3729,230 @@
       </p:sp>
       <p:sp>
         <p:nvSpPr>
-          <p:cNvPr id="10" name="Afgeronde rechthoek 9"/>
+          <p:cNvPr id="11" name="Afgeronde rechthoek 10"/>
           <p:cNvSpPr/>
           <p:nvPr/>
         </p:nvSpPr>
         <p:spPr>
           <a:xfrm>
-            <a:off x="-124830" y="4032677"/>
+            <a:off x="1861210" y="4367739"/>
+            <a:ext cx="1529460" cy="309521"/>
+          </a:xfrm>
+          <a:prstGeom prst="roundRect">
+            <a:avLst/>
+          </a:prstGeom>
+          <a:ln/>
+        </p:spPr>
+        <p:style>
+          <a:lnRef idx="1">
+            <a:schemeClr val="accent2"/>
+          </a:lnRef>
+          <a:fillRef idx="3">
+            <a:schemeClr val="accent2"/>
+          </a:fillRef>
+          <a:effectRef idx="2">
+            <a:schemeClr val="accent2"/>
+          </a:effectRef>
+          <a:fontRef idx="minor">
+            <a:schemeClr val="lt1"/>
+          </a:fontRef>
+        </p:style>
+        <p:txBody>
+          <a:bodyPr/>
+          <a:lstStyle/>
+          <a:p>
+            <a:pPr algn="ctr"/>
+            <a:r>
+              <a:rPr lang="nl-NL" sz="1400" dirty="0" err="1" smtClean="0"/>
+              <a:t>PortPair</a:t>
+            </a:r>
+            <a:endParaRPr lang="nl-NL" sz="1400" dirty="0"/>
+          </a:p>
+        </p:txBody>
+      </p:sp>
+      <p:sp>
+        <p:nvSpPr>
+          <p:cNvPr id="12" name="Afgeronde rechthoek 11"/>
+          <p:cNvSpPr/>
+          <p:nvPr/>
+        </p:nvSpPr>
+        <p:spPr>
+          <a:xfrm>
+            <a:off x="1859419" y="5034895"/>
+            <a:ext cx="1529460" cy="309521"/>
+          </a:xfrm>
+          <a:prstGeom prst="roundRect">
+            <a:avLst/>
+          </a:prstGeom>
+          <a:ln/>
+        </p:spPr>
+        <p:style>
+          <a:lnRef idx="1">
+            <a:schemeClr val="accent2"/>
+          </a:lnRef>
+          <a:fillRef idx="3">
+            <a:schemeClr val="accent2"/>
+          </a:fillRef>
+          <a:effectRef idx="2">
+            <a:schemeClr val="accent2"/>
+          </a:effectRef>
+          <a:fontRef idx="minor">
+            <a:schemeClr val="lt1"/>
+          </a:fontRef>
+        </p:style>
+        <p:txBody>
+          <a:bodyPr/>
+          <a:lstStyle/>
+          <a:p>
+            <a:pPr algn="ctr"/>
+            <a:r>
+              <a:rPr lang="nl-NL" sz="1400" dirty="0" smtClean="0"/>
+              <a:t>Port</a:t>
+            </a:r>
+          </a:p>
+        </p:txBody>
+      </p:sp>
+      <p:sp>
+        <p:nvSpPr>
+          <p:cNvPr id="13" name="Afgeronde rechthoek 12"/>
+          <p:cNvSpPr/>
+          <p:nvPr/>
+        </p:nvSpPr>
+        <p:spPr>
+          <a:xfrm>
+            <a:off x="1859420" y="5653571"/>
+            <a:ext cx="1529460" cy="309521"/>
+          </a:xfrm>
+          <a:prstGeom prst="roundRect">
+            <a:avLst/>
+          </a:prstGeom>
+          <a:ln/>
+        </p:spPr>
+        <p:style>
+          <a:lnRef idx="1">
+            <a:schemeClr val="accent2"/>
+          </a:lnRef>
+          <a:fillRef idx="3">
+            <a:schemeClr val="accent2"/>
+          </a:fillRef>
+          <a:effectRef idx="2">
+            <a:schemeClr val="accent2"/>
+          </a:effectRef>
+          <a:fontRef idx="minor">
+            <a:schemeClr val="lt1"/>
+          </a:fontRef>
+        </p:style>
+        <p:txBody>
+          <a:bodyPr/>
+          <a:lstStyle/>
+          <a:p>
+            <a:pPr algn="ctr"/>
+            <a:r>
+              <a:rPr lang="nl-NL" sz="1400" dirty="0" smtClean="0"/>
+              <a:t>Link</a:t>
+            </a:r>
+            <a:endParaRPr lang="nl-NL" sz="1400" dirty="0"/>
+          </a:p>
+        </p:txBody>
+      </p:sp>
+      <p:sp>
+        <p:nvSpPr>
+          <p:cNvPr id="14" name="Afgeronde rechthoek 13"/>
+          <p:cNvSpPr/>
+          <p:nvPr/>
+        </p:nvSpPr>
+        <p:spPr>
+          <a:xfrm>
+            <a:off x="1861210" y="3654601"/>
+            <a:ext cx="1529460" cy="309521"/>
+          </a:xfrm>
+          <a:prstGeom prst="roundRect">
+            <a:avLst/>
+          </a:prstGeom>
+          <a:ln/>
+        </p:spPr>
+        <p:style>
+          <a:lnRef idx="1">
+            <a:schemeClr val="accent2"/>
+          </a:lnRef>
+          <a:fillRef idx="3">
+            <a:schemeClr val="accent2"/>
+          </a:fillRef>
+          <a:effectRef idx="2">
+            <a:schemeClr val="accent2"/>
+          </a:effectRef>
+          <a:fontRef idx="minor">
+            <a:schemeClr val="lt1"/>
+          </a:fontRef>
+        </p:style>
+        <p:txBody>
+          <a:bodyPr/>
+          <a:lstStyle/>
+          <a:p>
+            <a:pPr algn="ctr"/>
+            <a:r>
+              <a:rPr lang="nl-NL" sz="1400" dirty="0" smtClean="0"/>
+              <a:t>Node</a:t>
+            </a:r>
+          </a:p>
+        </p:txBody>
+      </p:sp>
+      <p:sp>
+        <p:nvSpPr>
+          <p:cNvPr id="15" name="Afgeronde rechthoek 14"/>
+          <p:cNvSpPr/>
+          <p:nvPr/>
+        </p:nvSpPr>
+        <p:spPr>
+          <a:xfrm>
+            <a:off x="1859418" y="2089168"/>
+            <a:ext cx="1529460" cy="309521"/>
+          </a:xfrm>
+          <a:prstGeom prst="roundRect">
+            <a:avLst/>
+          </a:prstGeom>
+          <a:ln w="19050">
+            <a:solidFill>
+              <a:schemeClr val="tx1"/>
+            </a:solidFill>
+          </a:ln>
+        </p:spPr>
+        <p:style>
+          <a:lnRef idx="1">
+            <a:schemeClr val="accent2"/>
+          </a:lnRef>
+          <a:fillRef idx="3">
+            <a:schemeClr val="accent2"/>
+          </a:fillRef>
+          <a:effectRef idx="2">
+            <a:schemeClr val="accent2"/>
+          </a:effectRef>
+          <a:fontRef idx="minor">
+            <a:schemeClr val="lt1"/>
+          </a:fontRef>
+        </p:style>
+        <p:txBody>
+          <a:bodyPr/>
+          <a:lstStyle/>
+          <a:p>
+            <a:pPr algn="ctr"/>
+            <a:r>
+              <a:rPr lang="nl-NL" sz="1400" dirty="0" err="1" smtClean="0"/>
+              <a:t>NodeEditor</a:t>
+            </a:r>
+            <a:endParaRPr lang="nl-NL" sz="1400" dirty="0"/>
+          </a:p>
+        </p:txBody>
+      </p:sp>
+      <p:sp>
+        <p:nvSpPr>
+          <p:cNvPr id="16" name="Afgeronde rechthoek 15"/>
+          <p:cNvSpPr/>
+          <p:nvPr/>
+        </p:nvSpPr>
+        <p:spPr>
+          <a:xfrm>
+            <a:off x="-124832" y="3256385"/>
             <a:ext cx="1529460" cy="309521"/>
           </a:xfrm>
           <a:prstGeom prst="roundRect">
@@ -3758,266 +3980,6 @@
           <a:p>
             <a:pPr algn="ctr"/>
             <a:r>
-              <a:rPr lang="nl-NL" sz="1400" dirty="0" smtClean="0"/>
-              <a:t>Argument</a:t>
-            </a:r>
-            <a:endParaRPr lang="nl-NL" sz="1400" dirty="0"/>
-          </a:p>
-        </p:txBody>
-      </p:sp>
-      <p:sp>
-        <p:nvSpPr>
-          <p:cNvPr id="11" name="Afgeronde rechthoek 10"/>
-          <p:cNvSpPr/>
-          <p:nvPr/>
-        </p:nvSpPr>
-        <p:spPr>
-          <a:xfrm>
-            <a:off x="1861210" y="4367739"/>
-            <a:ext cx="1529460" cy="309521"/>
-          </a:xfrm>
-          <a:prstGeom prst="roundRect">
-            <a:avLst/>
-          </a:prstGeom>
-          <a:ln/>
-        </p:spPr>
-        <p:style>
-          <a:lnRef idx="1">
-            <a:schemeClr val="accent2"/>
-          </a:lnRef>
-          <a:fillRef idx="3">
-            <a:schemeClr val="accent2"/>
-          </a:fillRef>
-          <a:effectRef idx="2">
-            <a:schemeClr val="accent2"/>
-          </a:effectRef>
-          <a:fontRef idx="minor">
-            <a:schemeClr val="lt1"/>
-          </a:fontRef>
-        </p:style>
-        <p:txBody>
-          <a:bodyPr/>
-          <a:lstStyle/>
-          <a:p>
-            <a:pPr algn="ctr"/>
-            <a:r>
-              <a:rPr lang="nl-NL" sz="1400" dirty="0" err="1" smtClean="0"/>
-              <a:t>PortPair</a:t>
-            </a:r>
-            <a:endParaRPr lang="nl-NL" sz="1400" dirty="0"/>
-          </a:p>
-        </p:txBody>
-      </p:sp>
-      <p:sp>
-        <p:nvSpPr>
-          <p:cNvPr id="12" name="Afgeronde rechthoek 11"/>
-          <p:cNvSpPr/>
-          <p:nvPr/>
-        </p:nvSpPr>
-        <p:spPr>
-          <a:xfrm>
-            <a:off x="1859419" y="5034895"/>
-            <a:ext cx="1529460" cy="309521"/>
-          </a:xfrm>
-          <a:prstGeom prst="roundRect">
-            <a:avLst/>
-          </a:prstGeom>
-          <a:ln/>
-        </p:spPr>
-        <p:style>
-          <a:lnRef idx="1">
-            <a:schemeClr val="accent2"/>
-          </a:lnRef>
-          <a:fillRef idx="3">
-            <a:schemeClr val="accent2"/>
-          </a:fillRef>
-          <a:effectRef idx="2">
-            <a:schemeClr val="accent2"/>
-          </a:effectRef>
-          <a:fontRef idx="minor">
-            <a:schemeClr val="lt1"/>
-          </a:fontRef>
-        </p:style>
-        <p:txBody>
-          <a:bodyPr/>
-          <a:lstStyle/>
-          <a:p>
-            <a:pPr algn="ctr"/>
-            <a:r>
-              <a:rPr lang="nl-NL" sz="1400" dirty="0" smtClean="0"/>
-              <a:t>Port</a:t>
-            </a:r>
-          </a:p>
-        </p:txBody>
-      </p:sp>
-      <p:sp>
-        <p:nvSpPr>
-          <p:cNvPr id="13" name="Afgeronde rechthoek 12"/>
-          <p:cNvSpPr/>
-          <p:nvPr/>
-        </p:nvSpPr>
-        <p:spPr>
-          <a:xfrm>
-            <a:off x="1859420" y="5653571"/>
-            <a:ext cx="1529460" cy="309521"/>
-          </a:xfrm>
-          <a:prstGeom prst="roundRect">
-            <a:avLst/>
-          </a:prstGeom>
-          <a:ln/>
-        </p:spPr>
-        <p:style>
-          <a:lnRef idx="1">
-            <a:schemeClr val="accent2"/>
-          </a:lnRef>
-          <a:fillRef idx="3">
-            <a:schemeClr val="accent2"/>
-          </a:fillRef>
-          <a:effectRef idx="2">
-            <a:schemeClr val="accent2"/>
-          </a:effectRef>
-          <a:fontRef idx="minor">
-            <a:schemeClr val="lt1"/>
-          </a:fontRef>
-        </p:style>
-        <p:txBody>
-          <a:bodyPr/>
-          <a:lstStyle/>
-          <a:p>
-            <a:pPr algn="ctr"/>
-            <a:r>
-              <a:rPr lang="nl-NL" sz="1400" dirty="0" smtClean="0"/>
-              <a:t>Link</a:t>
-            </a:r>
-            <a:endParaRPr lang="nl-NL" sz="1400" dirty="0"/>
-          </a:p>
-        </p:txBody>
-      </p:sp>
-      <p:sp>
-        <p:nvSpPr>
-          <p:cNvPr id="14" name="Afgeronde rechthoek 13"/>
-          <p:cNvSpPr/>
-          <p:nvPr/>
-        </p:nvSpPr>
-        <p:spPr>
-          <a:xfrm>
-            <a:off x="1861210" y="3654601"/>
-            <a:ext cx="1529460" cy="309521"/>
-          </a:xfrm>
-          <a:prstGeom prst="roundRect">
-            <a:avLst/>
-          </a:prstGeom>
-          <a:ln/>
-        </p:spPr>
-        <p:style>
-          <a:lnRef idx="1">
-            <a:schemeClr val="accent2"/>
-          </a:lnRef>
-          <a:fillRef idx="3">
-            <a:schemeClr val="accent2"/>
-          </a:fillRef>
-          <a:effectRef idx="2">
-            <a:schemeClr val="accent2"/>
-          </a:effectRef>
-          <a:fontRef idx="minor">
-            <a:schemeClr val="lt1"/>
-          </a:fontRef>
-        </p:style>
-        <p:txBody>
-          <a:bodyPr/>
-          <a:lstStyle/>
-          <a:p>
-            <a:pPr algn="ctr"/>
-            <a:r>
-              <a:rPr lang="nl-NL" sz="1400" dirty="0" smtClean="0"/>
-              <a:t>Node</a:t>
-            </a:r>
-          </a:p>
-        </p:txBody>
-      </p:sp>
-      <p:sp>
-        <p:nvSpPr>
-          <p:cNvPr id="15" name="Afgeronde rechthoek 14"/>
-          <p:cNvSpPr/>
-          <p:nvPr/>
-        </p:nvSpPr>
-        <p:spPr>
-          <a:xfrm>
-            <a:off x="1859418" y="2089168"/>
-            <a:ext cx="1529460" cy="309521"/>
-          </a:xfrm>
-          <a:prstGeom prst="roundRect">
-            <a:avLst/>
-          </a:prstGeom>
-          <a:ln w="19050">
-            <a:solidFill>
-              <a:schemeClr val="tx1"/>
-            </a:solidFill>
-          </a:ln>
-        </p:spPr>
-        <p:style>
-          <a:lnRef idx="1">
-            <a:schemeClr val="accent2"/>
-          </a:lnRef>
-          <a:fillRef idx="3">
-            <a:schemeClr val="accent2"/>
-          </a:fillRef>
-          <a:effectRef idx="2">
-            <a:schemeClr val="accent2"/>
-          </a:effectRef>
-          <a:fontRef idx="minor">
-            <a:schemeClr val="lt1"/>
-          </a:fontRef>
-        </p:style>
-        <p:txBody>
-          <a:bodyPr/>
-          <a:lstStyle/>
-          <a:p>
-            <a:pPr algn="ctr"/>
-            <a:r>
-              <a:rPr lang="nl-NL" sz="1400" dirty="0" err="1" smtClean="0"/>
-              <a:t>NodeEditor</a:t>
-            </a:r>
-            <a:endParaRPr lang="nl-NL" sz="1400" dirty="0"/>
-          </a:p>
-        </p:txBody>
-      </p:sp>
-      <p:sp>
-        <p:nvSpPr>
-          <p:cNvPr id="16" name="Afgeronde rechthoek 15"/>
-          <p:cNvSpPr/>
-          <p:nvPr/>
-        </p:nvSpPr>
-        <p:spPr>
-          <a:xfrm>
-            <a:off x="-124832" y="3256385"/>
-            <a:ext cx="1529460" cy="309521"/>
-          </a:xfrm>
-          <a:prstGeom prst="roundRect">
-            <a:avLst/>
-          </a:prstGeom>
-          <a:ln/>
-        </p:spPr>
-        <p:style>
-          <a:lnRef idx="1">
-            <a:schemeClr val="accent6"/>
-          </a:lnRef>
-          <a:fillRef idx="3">
-            <a:schemeClr val="accent6"/>
-          </a:fillRef>
-          <a:effectRef idx="2">
-            <a:schemeClr val="accent6"/>
-          </a:effectRef>
-          <a:fontRef idx="minor">
-            <a:schemeClr val="lt1"/>
-          </a:fontRef>
-        </p:style>
-        <p:txBody>
-          <a:bodyPr/>
-          <a:lstStyle/>
-          <a:p>
-            <a:pPr algn="ctr"/>
-            <a:r>
               <a:rPr lang="nl-NL" sz="1400" dirty="0" err="1" smtClean="0"/>
               <a:t>NodeSetting</a:t>
             </a:r>
@@ -4033,7 +3995,7 @@
         </p:nvSpPr>
         <p:spPr>
           <a:xfrm>
-            <a:off x="-1863675" y="4033057"/>
+            <a:off x="-1863678" y="3608962"/>
             <a:ext cx="1529460" cy="309521"/>
           </a:xfrm>
           <a:prstGeom prst="roundRect">
@@ -4170,7 +4132,7 @@
         </p:nvSpPr>
         <p:spPr>
           <a:xfrm>
-            <a:off x="-1863673" y="4816864"/>
+            <a:off x="-1863676" y="4392769"/>
             <a:ext cx="1529460" cy="309521"/>
           </a:xfrm>
           <a:prstGeom prst="roundRect">
@@ -4213,7 +4175,7 @@
         </p:nvSpPr>
         <p:spPr>
           <a:xfrm>
-            <a:off x="-1863672" y="5568621"/>
+            <a:off x="-1863675" y="5144526"/>
             <a:ext cx="1529460" cy="309521"/>
           </a:xfrm>
           <a:prstGeom prst="roundRect">
@@ -4566,7 +4528,7 @@
         </p:nvCxnSpPr>
         <p:spPr>
           <a:xfrm rot="16200000" flipH="1">
-            <a:off x="-1336087" y="4579720"/>
+            <a:off x="-1336090" y="4155625"/>
             <a:ext cx="474286" cy="2"/>
           </a:xfrm>
           <a:prstGeom prst="bentConnector3">
@@ -4603,49 +4565,9 @@
           <p:nvPr/>
         </p:nvCxnSpPr>
         <p:spPr>
-          <a:xfrm flipV="1">
-            <a:off x="-334215" y="4187438"/>
-            <a:ext cx="209385" cy="380"/>
-          </a:xfrm>
-          <a:prstGeom prst="bentConnector3">
-            <a:avLst>
-              <a:gd name="adj1" fmla="val 50000"/>
-            </a:avLst>
-          </a:prstGeom>
-          <a:ln>
-            <a:solidFill>
-              <a:srgbClr val="4F81BD"/>
-            </a:solidFill>
-          </a:ln>
-        </p:spPr>
-        <p:style>
-          <a:lnRef idx="2">
-            <a:schemeClr val="accent1"/>
-          </a:lnRef>
-          <a:fillRef idx="0">
-            <a:schemeClr val="accent1"/>
-          </a:fillRef>
-          <a:effectRef idx="1">
-            <a:schemeClr val="accent1"/>
-          </a:effectRef>
-          <a:fontRef idx="minor">
-            <a:schemeClr val="tx1"/>
-          </a:fontRef>
-        </p:style>
-      </p:cxnSp>
-      <p:cxnSp>
-        <p:nvCxnSpPr>
-          <p:cNvPr id="87" name="Gebogen verbindingslijn 86"/>
-          <p:cNvCxnSpPr>
-            <a:stCxn id="18" idx="3"/>
-            <a:endCxn id="9" idx="1"/>
-          </p:cNvCxnSpPr>
-          <p:nvPr/>
-        </p:nvCxnSpPr>
-        <p:spPr>
           <a:xfrm>
-            <a:off x="-334215" y="4187818"/>
-            <a:ext cx="209384" cy="784950"/>
+            <a:off x="-334218" y="3763723"/>
+            <a:ext cx="209388" cy="423715"/>
           </a:xfrm>
           <a:prstGeom prst="bentConnector3">
             <a:avLst>
@@ -4684,8 +4606,8 @@
         </p:nvCxnSpPr>
         <p:spPr>
           <a:xfrm flipV="1">
-            <a:off x="-334215" y="3411146"/>
-            <a:ext cx="209383" cy="776672"/>
+            <a:off x="-334218" y="3411146"/>
+            <a:ext cx="209386" cy="352577"/>
           </a:xfrm>
           <a:prstGeom prst="bentConnector3">
             <a:avLst>
@@ -4872,7 +4794,7 @@
         </p:nvCxnSpPr>
         <p:spPr>
           <a:xfrm rot="16200000" flipV="1">
-            <a:off x="-1320060" y="5347502"/>
+            <a:off x="-1320063" y="4923407"/>
             <a:ext cx="442236" cy="1"/>
           </a:xfrm>
           <a:prstGeom prst="bentConnector3">
@@ -4883,41 +4805,6 @@
           <a:ln>
             <a:tailEnd type="arrow"/>
           </a:ln>
-        </p:spPr>
-        <p:style>
-          <a:lnRef idx="2">
-            <a:schemeClr val="accent1"/>
-          </a:lnRef>
-          <a:fillRef idx="0">
-            <a:schemeClr val="accent1"/>
-          </a:fillRef>
-          <a:effectRef idx="1">
-            <a:schemeClr val="accent1"/>
-          </a:effectRef>
-          <a:fontRef idx="minor">
-            <a:schemeClr val="tx1"/>
-          </a:fontRef>
-        </p:style>
-      </p:cxnSp>
-      <p:cxnSp>
-        <p:nvCxnSpPr>
-          <p:cNvPr id="28" name="Gebogen verbindingslijn 27"/>
-          <p:cNvCxnSpPr>
-            <a:stCxn id="19" idx="2"/>
-            <a:endCxn id="9" idx="2"/>
-          </p:cNvCxnSpPr>
-          <p:nvPr/>
-        </p:nvCxnSpPr>
-        <p:spPr>
-          <a:xfrm rot="5400000">
-            <a:off x="1934307" y="2675038"/>
-            <a:ext cx="1158082" cy="3746898"/>
-          </a:xfrm>
-          <a:prstGeom prst="bentConnector3">
-            <a:avLst>
-              <a:gd name="adj1" fmla="val 188170"/>
-            </a:avLst>
-          </a:prstGeom>
         </p:spPr>
         <p:style>
           <a:lnRef idx="2">
@@ -4978,8 +4865,8 @@
         </p:nvCxnSpPr>
         <p:spPr>
           <a:xfrm rot="5400000" flipH="1" flipV="1">
-            <a:off x="-133" y="410857"/>
-            <a:ext cx="2523389" cy="4721012"/>
+            <a:off x="211912" y="198808"/>
+            <a:ext cx="2099294" cy="4721015"/>
           </a:xfrm>
           <a:prstGeom prst="bentConnector2">
             <a:avLst/>
@@ -6215,11 +6102,7 @@
           <a:p>
             <a:r>
               <a:rPr lang="en-US" i="1" dirty="0" smtClean="0"/>
-              <a:t>s</a:t>
-            </a:r>
-            <a:r>
-              <a:rPr lang="en-US" i="1" dirty="0" smtClean="0"/>
-              <a:t>ending (do this!)</a:t>
+              <a:t>sending (do this!)</a:t>
             </a:r>
             <a:endParaRPr lang="en-US" i="1" dirty="0"/>
           </a:p>
@@ -6375,14 +6258,14 @@
           <p:nvPr/>
         </p:nvCxnSpPr>
         <p:spPr>
-          <a:xfrm rot="5400000">
-            <a:off x="2037454" y="65956"/>
-            <a:ext cx="220733" cy="8022990"/>
+          <a:xfrm rot="5400000" flipH="1">
+            <a:off x="2046138" y="-146092"/>
+            <a:ext cx="203362" cy="8022993"/>
           </a:xfrm>
           <a:prstGeom prst="bentConnector4">
             <a:avLst>
-              <a:gd name="adj1" fmla="val 1100581"/>
-              <a:gd name="adj2" fmla="val 101473"/>
+              <a:gd name="adj1" fmla="val -1165289"/>
+              <a:gd name="adj2" fmla="val 101226"/>
             </a:avLst>
           </a:prstGeom>
         </p:spPr>
@@ -6501,11 +6384,7 @@
           <a:p>
             <a:r>
               <a:rPr lang="en-US" i="1" dirty="0" smtClean="0"/>
-              <a:t>a</a:t>
-            </a:r>
-            <a:r>
-              <a:rPr lang="en-US" i="1" dirty="0" smtClean="0"/>
-              <a:t>sking (ok, but how?)</a:t>
+              <a:t>asking (ok, but how?)</a:t>
             </a:r>
             <a:endParaRPr lang="en-US" i="1" dirty="0"/>
           </a:p>
@@ -6596,7 +6475,7 @@
     </p:spTree>
     <p:extLst>
       <p:ext uri="{BB962C8B-B14F-4D97-AF65-F5344CB8AC3E}">
-        <p14:creationId xmlns="" xmlns:p14="http://schemas.microsoft.com/office/powerpoint/2010/main" val="907461295"/>
+        <p14:creationId xmlns:p14="http://schemas.microsoft.com/office/powerpoint/2010/main" val="907461295"/>
       </p:ext>
     </p:extLst>
   </p:cSld>
@@ -6606,7 +6485,7 @@
   <p:timing>
     <p:tnLst>
       <p:par>
-        <p:cTn id="1" dur="indefinite" restart="never" nodeType="tmRoot"/>
+        <p:cTn xmlns:p14="http://schemas.microsoft.com/office/powerpoint/2010/main" id="1" dur="indefinite" restart="never" nodeType="tmRoot"/>
       </p:par>
     </p:tnLst>
   </p:timing>

--- a/Documents/ClassDiagram.pptx
+++ b/Documents/ClassDiagram.pptx
@@ -3563,8 +3563,8 @@
         </p:nvSpPr>
         <p:spPr>
           <a:xfrm>
-            <a:off x="-2076997" y="1939925"/>
-            <a:ext cx="3582521" cy="5170559"/>
+            <a:off x="-2303807" y="1939925"/>
+            <a:ext cx="3809332" cy="5170559"/>
           </a:xfrm>
           <a:prstGeom prst="rect">
             <a:avLst/>
@@ -3692,7 +3692,7 @@
         </p:nvSpPr>
         <p:spPr>
           <a:xfrm>
-            <a:off x="-124830" y="4032677"/>
+            <a:off x="-320215" y="3378582"/>
             <a:ext cx="1529460" cy="309521"/>
           </a:xfrm>
           <a:prstGeom prst="roundRect">
@@ -3952,7 +3952,7 @@
         </p:nvSpPr>
         <p:spPr>
           <a:xfrm>
-            <a:off x="-124832" y="3256385"/>
+            <a:off x="-315197" y="3895369"/>
             <a:ext cx="1529460" cy="309521"/>
           </a:xfrm>
           <a:prstGeom prst="roundRect">
@@ -3995,7 +3995,7 @@
         </p:nvSpPr>
         <p:spPr>
           <a:xfrm>
-            <a:off x="-1863678" y="3608962"/>
+            <a:off x="-2059062" y="3641526"/>
             <a:ext cx="1529460" cy="309521"/>
           </a:xfrm>
           <a:prstGeom prst="roundRect">
@@ -4132,7 +4132,7 @@
         </p:nvSpPr>
         <p:spPr>
           <a:xfrm>
-            <a:off x="-1863676" y="4392769"/>
+            <a:off x="-2059060" y="4425333"/>
             <a:ext cx="1529460" cy="309521"/>
           </a:xfrm>
           <a:prstGeom prst="roundRect">
@@ -4175,7 +4175,7 @@
         </p:nvSpPr>
         <p:spPr>
           <a:xfrm>
-            <a:off x="-1863675" y="5144526"/>
+            <a:off x="-2059059" y="5177090"/>
             <a:ext cx="1529460" cy="309521"/>
           </a:xfrm>
           <a:prstGeom prst="roundRect">
@@ -4450,18 +4450,20 @@
         <p:nvCxnSpPr>
           <p:cNvPr id="68" name="Gebogen verbindingslijn 67"/>
           <p:cNvCxnSpPr>
-            <a:stCxn id="16" idx="2"/>
+            <a:stCxn id="16" idx="3"/>
             <a:endCxn id="14" idx="1"/>
           </p:cNvCxnSpPr>
           <p:nvPr/>
         </p:nvCxnSpPr>
         <p:spPr>
-          <a:xfrm rot="16200000" flipH="1">
-            <a:off x="1128826" y="3076978"/>
-            <a:ext cx="243456" cy="1221312"/>
-          </a:xfrm>
-          <a:prstGeom prst="bentConnector2">
-            <a:avLst/>
+          <a:xfrm flipV="1">
+            <a:off x="1214263" y="3809362"/>
+            <a:ext cx="646947" cy="240768"/>
+          </a:xfrm>
+          <a:prstGeom prst="bentConnector3">
+            <a:avLst>
+              <a:gd name="adj1" fmla="val 17284"/>
+            </a:avLst>
           </a:prstGeom>
         </p:spPr>
         <p:style>
@@ -4528,7 +4530,7 @@
         </p:nvCxnSpPr>
         <p:spPr>
           <a:xfrm rot="16200000" flipH="1">
-            <a:off x="-1336090" y="4155625"/>
+            <a:off x="-1531474" y="4188189"/>
             <a:ext cx="474286" cy="2"/>
           </a:xfrm>
           <a:prstGeom prst="bentConnector3">
@@ -4565,9 +4567,9 @@
           <p:nvPr/>
         </p:nvCxnSpPr>
         <p:spPr>
-          <a:xfrm>
-            <a:off x="-334218" y="3763723"/>
-            <a:ext cx="209388" cy="423715"/>
+          <a:xfrm flipV="1">
+            <a:off x="-529602" y="3533343"/>
+            <a:ext cx="209387" cy="262944"/>
           </a:xfrm>
           <a:prstGeom prst="bentConnector3">
             <a:avLst>
@@ -4605,49 +4607,9 @@
           <p:nvPr/>
         </p:nvCxnSpPr>
         <p:spPr>
-          <a:xfrm flipV="1">
-            <a:off x="-334218" y="3411146"/>
-            <a:ext cx="209386" cy="352577"/>
-          </a:xfrm>
-          <a:prstGeom prst="bentConnector3">
-            <a:avLst>
-              <a:gd name="adj1" fmla="val 50000"/>
-            </a:avLst>
-          </a:prstGeom>
-          <a:ln>
-            <a:solidFill>
-              <a:srgbClr val="4F81BD"/>
-            </a:solidFill>
-          </a:ln>
-        </p:spPr>
-        <p:style>
-          <a:lnRef idx="2">
-            <a:schemeClr val="accent1"/>
-          </a:lnRef>
-          <a:fillRef idx="0">
-            <a:schemeClr val="accent1"/>
-          </a:fillRef>
-          <a:effectRef idx="1">
-            <a:schemeClr val="accent1"/>
-          </a:effectRef>
-          <a:fontRef idx="minor">
-            <a:schemeClr val="tx1"/>
-          </a:fontRef>
-        </p:style>
-      </p:cxnSp>
-      <p:cxnSp>
-        <p:nvCxnSpPr>
-          <p:cNvPr id="102" name="Gebogen verbindingslijn 101"/>
-          <p:cNvCxnSpPr>
-            <a:stCxn id="16" idx="2"/>
-            <a:endCxn id="10" idx="0"/>
-          </p:cNvCxnSpPr>
-          <p:nvPr/>
-        </p:nvCxnSpPr>
-        <p:spPr>
-          <a:xfrm rot="16200000" flipH="1">
-            <a:off x="406514" y="3799290"/>
-            <a:ext cx="466771" cy="2"/>
+          <a:xfrm>
+            <a:off x="-529602" y="3796287"/>
+            <a:ext cx="214405" cy="253843"/>
           </a:xfrm>
           <a:prstGeom prst="bentConnector3">
             <a:avLst>
@@ -4794,7 +4756,7 @@
         </p:nvCxnSpPr>
         <p:spPr>
           <a:xfrm rot="16200000" flipV="1">
-            <a:off x="-1320063" y="4923407"/>
+            <a:off x="-1515447" y="4955971"/>
             <a:ext cx="442236" cy="1"/>
           </a:xfrm>
           <a:prstGeom prst="bentConnector3">
@@ -4826,17 +4788,19 @@
           <p:cNvPr id="35" name="Gebogen verbindingslijn 34"/>
           <p:cNvCxnSpPr>
             <a:stCxn id="14" idx="1"/>
-            <a:endCxn id="10" idx="0"/>
+            <a:endCxn id="10" idx="3"/>
           </p:cNvCxnSpPr>
           <p:nvPr/>
         </p:nvCxnSpPr>
         <p:spPr>
-          <a:xfrm rot="10800000" flipV="1">
-            <a:off x="639900" y="3809361"/>
-            <a:ext cx="1221310" cy="223315"/>
-          </a:xfrm>
-          <a:prstGeom prst="bentConnector2">
-            <a:avLst/>
+          <a:xfrm rot="10800000">
+            <a:off x="1209246" y="3533344"/>
+            <a:ext cx="651965" cy="276019"/>
+          </a:xfrm>
+          <a:prstGeom prst="bentConnector3">
+            <a:avLst>
+              <a:gd name="adj1" fmla="val 82465"/>
+            </a:avLst>
           </a:prstGeom>
         </p:spPr>
         <p:style>
@@ -4865,8 +4829,8 @@
         </p:nvCxnSpPr>
         <p:spPr>
           <a:xfrm rot="5400000" flipH="1" flipV="1">
-            <a:off x="211912" y="198808"/>
-            <a:ext cx="2099294" cy="4721015"/>
+            <a:off x="97938" y="117398"/>
+            <a:ext cx="2131858" cy="4916399"/>
           </a:xfrm>
           <a:prstGeom prst="bentConnector2">
             <a:avLst/>
@@ -6250,42 +6214,6 @@
       </p:cxnSp>
       <p:cxnSp>
         <p:nvCxnSpPr>
-          <p:cNvPr id="165" name="Shape 164"/>
-          <p:cNvCxnSpPr>
-            <a:stCxn id="84" idx="2"/>
-            <a:endCxn id="18" idx="1"/>
-          </p:cNvCxnSpPr>
-          <p:nvPr/>
-        </p:nvCxnSpPr>
-        <p:spPr>
-          <a:xfrm rot="5400000" flipH="1">
-            <a:off x="2046138" y="-146092"/>
-            <a:ext cx="203362" cy="8022993"/>
-          </a:xfrm>
-          <a:prstGeom prst="bentConnector4">
-            <a:avLst>
-              <a:gd name="adj1" fmla="val -1165289"/>
-              <a:gd name="adj2" fmla="val 101226"/>
-            </a:avLst>
-          </a:prstGeom>
-        </p:spPr>
-        <p:style>
-          <a:lnRef idx="2">
-            <a:schemeClr val="accent1"/>
-          </a:lnRef>
-          <a:fillRef idx="0">
-            <a:schemeClr val="accent1"/>
-          </a:fillRef>
-          <a:effectRef idx="1">
-            <a:schemeClr val="accent1"/>
-          </a:effectRef>
-          <a:fontRef idx="minor">
-            <a:schemeClr val="tx1"/>
-          </a:fontRef>
-        </p:style>
-      </p:cxnSp>
-      <p:cxnSp>
-        <p:nvCxnSpPr>
           <p:cNvPr id="115" name="Elbow Connector 114"/>
           <p:cNvCxnSpPr/>
           <p:nvPr/>
@@ -6456,6 +6384,73 @@
             </a:solidFill>
             <a:tailEnd type="arrow"/>
           </a:ln>
+        </p:spPr>
+        <p:style>
+          <a:lnRef idx="2">
+            <a:schemeClr val="accent1"/>
+          </a:lnRef>
+          <a:fillRef idx="0">
+            <a:schemeClr val="accent1"/>
+          </a:fillRef>
+          <a:effectRef idx="1">
+            <a:schemeClr val="accent1"/>
+          </a:effectRef>
+          <a:fontRef idx="minor">
+            <a:schemeClr val="tx1"/>
+          </a:fontRef>
+        </p:style>
+      </p:cxnSp>
+      <p:cxnSp>
+        <p:nvCxnSpPr>
+          <p:cNvPr id="94" name="Gebogen verbindingslijn 93"/>
+          <p:cNvCxnSpPr>
+            <a:stCxn id="16" idx="0"/>
+            <a:endCxn id="10" idx="2"/>
+          </p:cNvCxnSpPr>
+          <p:nvPr/>
+        </p:nvCxnSpPr>
+        <p:spPr>
+          <a:xfrm rot="16200000" flipV="1">
+            <a:off x="343391" y="3789227"/>
+            <a:ext cx="207266" cy="5018"/>
+          </a:xfrm>
+          <a:prstGeom prst="bentConnector3">
+            <a:avLst>
+              <a:gd name="adj1" fmla="val 50000"/>
+            </a:avLst>
+          </a:prstGeom>
+        </p:spPr>
+        <p:style>
+          <a:lnRef idx="2">
+            <a:schemeClr val="accent1"/>
+          </a:lnRef>
+          <a:fillRef idx="0">
+            <a:schemeClr val="accent1"/>
+          </a:fillRef>
+          <a:effectRef idx="1">
+            <a:schemeClr val="accent1"/>
+          </a:effectRef>
+          <a:fontRef idx="minor">
+            <a:schemeClr val="tx1"/>
+          </a:fontRef>
+        </p:style>
+      </p:cxnSp>
+      <p:cxnSp>
+        <p:nvCxnSpPr>
+          <p:cNvPr id="112" name="Gebogen verbindingslijn 111"/>
+          <p:cNvCxnSpPr/>
+          <p:nvPr/>
+        </p:nvCxnSpPr>
+        <p:spPr>
+          <a:xfrm rot="5400000">
+            <a:off x="3003588" y="1237529"/>
+            <a:ext cx="237805" cy="5701641"/>
+          </a:xfrm>
+          <a:prstGeom prst="bentConnector3">
+            <a:avLst>
+              <a:gd name="adj1" fmla="val 962994"/>
+            </a:avLst>
+          </a:prstGeom>
         </p:spPr>
         <p:style>
           <a:lnRef idx="2">

--- a/Documents/ClassDiagram.pptx
+++ b/Documents/ClassDiagram.pptx
@@ -192,7 +192,7 @@
           <a:p>
             <a:fld id="{A72002C5-6DF6-4B8B-BFC0-4E59B96E6381}" type="datetimeFigureOut">
               <a:rPr lang="en-US" smtClean="0"/>
-              <a:t>14/07/15</a:t>
+              <a:t>19/07/15</a:t>
             </a:fld>
             <a:endParaRPr lang="en-US"/>
           </a:p>
@@ -725,7 +725,7 @@
             <a:fld id="{BAF09E74-5774-F145-AC14-13E3AE904401}" type="datetimeFigureOut">
               <a:rPr lang="nl-NL" smtClean="0"/>
               <a:pPr/>
-              <a:t>14/07/15</a:t>
+              <a:t>19/07/15</a:t>
             </a:fld>
             <a:endParaRPr lang="nl-NL"/>
           </a:p>
@@ -897,7 +897,7 @@
             <a:fld id="{BAF09E74-5774-F145-AC14-13E3AE904401}" type="datetimeFigureOut">
               <a:rPr lang="nl-NL" smtClean="0"/>
               <a:pPr/>
-              <a:t>14/07/15</a:t>
+              <a:t>19/07/15</a:t>
             </a:fld>
             <a:endParaRPr lang="nl-NL"/>
           </a:p>
@@ -1079,7 +1079,7 @@
             <a:fld id="{BAF09E74-5774-F145-AC14-13E3AE904401}" type="datetimeFigureOut">
               <a:rPr lang="nl-NL" smtClean="0"/>
               <a:pPr/>
-              <a:t>14/07/15</a:t>
+              <a:t>19/07/15</a:t>
             </a:fld>
             <a:endParaRPr lang="nl-NL"/>
           </a:p>
@@ -1251,7 +1251,7 @@
             <a:fld id="{BAF09E74-5774-F145-AC14-13E3AE904401}" type="datetimeFigureOut">
               <a:rPr lang="nl-NL" smtClean="0"/>
               <a:pPr/>
-              <a:t>14/07/15</a:t>
+              <a:t>19/07/15</a:t>
             </a:fld>
             <a:endParaRPr lang="nl-NL"/>
           </a:p>
@@ -1499,7 +1499,7 @@
             <a:fld id="{BAF09E74-5774-F145-AC14-13E3AE904401}" type="datetimeFigureOut">
               <a:rPr lang="nl-NL" smtClean="0"/>
               <a:pPr/>
-              <a:t>14/07/15</a:t>
+              <a:t>19/07/15</a:t>
             </a:fld>
             <a:endParaRPr lang="nl-NL"/>
           </a:p>
@@ -1789,7 +1789,7 @@
             <a:fld id="{BAF09E74-5774-F145-AC14-13E3AE904401}" type="datetimeFigureOut">
               <a:rPr lang="nl-NL" smtClean="0"/>
               <a:pPr/>
-              <a:t>14/07/15</a:t>
+              <a:t>19/07/15</a:t>
             </a:fld>
             <a:endParaRPr lang="nl-NL"/>
           </a:p>
@@ -2213,7 +2213,7 @@
             <a:fld id="{BAF09E74-5774-F145-AC14-13E3AE904401}" type="datetimeFigureOut">
               <a:rPr lang="nl-NL" smtClean="0"/>
               <a:pPr/>
-              <a:t>14/07/15</a:t>
+              <a:t>19/07/15</a:t>
             </a:fld>
             <a:endParaRPr lang="nl-NL"/>
           </a:p>
@@ -2333,7 +2333,7 @@
             <a:fld id="{BAF09E74-5774-F145-AC14-13E3AE904401}" type="datetimeFigureOut">
               <a:rPr lang="nl-NL" smtClean="0"/>
               <a:pPr/>
-              <a:t>14/07/15</a:t>
+              <a:t>19/07/15</a:t>
             </a:fld>
             <a:endParaRPr lang="nl-NL"/>
           </a:p>
@@ -2430,7 +2430,7 @@
             <a:fld id="{BAF09E74-5774-F145-AC14-13E3AE904401}" type="datetimeFigureOut">
               <a:rPr lang="nl-NL" smtClean="0"/>
               <a:pPr/>
-              <a:t>14/07/15</a:t>
+              <a:t>19/07/15</a:t>
             </a:fld>
             <a:endParaRPr lang="nl-NL"/>
           </a:p>
@@ -2709,7 +2709,7 @@
             <a:fld id="{BAF09E74-5774-F145-AC14-13E3AE904401}" type="datetimeFigureOut">
               <a:rPr lang="nl-NL" smtClean="0"/>
               <a:pPr/>
-              <a:t>14/07/15</a:t>
+              <a:t>19/07/15</a:t>
             </a:fld>
             <a:endParaRPr lang="nl-NL"/>
           </a:p>
@@ -2964,7 +2964,7 @@
             <a:fld id="{BAF09E74-5774-F145-AC14-13E3AE904401}" type="datetimeFigureOut">
               <a:rPr lang="nl-NL" smtClean="0"/>
               <a:pPr/>
-              <a:t>14/07/15</a:t>
+              <a:t>19/07/15</a:t>
             </a:fld>
             <a:endParaRPr lang="nl-NL"/>
           </a:p>
@@ -3179,7 +3179,7 @@
             <a:fld id="{BAF09E74-5774-F145-AC14-13E3AE904401}" type="datetimeFigureOut">
               <a:rPr lang="nl-NL" smtClean="0"/>
               <a:pPr/>
-              <a:t>14/07/15</a:t>
+              <a:t>19/07/15</a:t>
             </a:fld>
             <a:endParaRPr lang="nl-NL"/>
           </a:p>
@@ -4940,7 +4940,7 @@
         </p:nvSpPr>
         <p:spPr>
           <a:xfrm>
-            <a:off x="6545448" y="2089165"/>
+            <a:off x="5398518" y="2089165"/>
             <a:ext cx="1529460" cy="309521"/>
           </a:xfrm>
           <a:prstGeom prst="roundRect">
@@ -5015,7 +5015,7 @@
         <p:spPr>
           <a:xfrm rot="10800000" flipV="1">
             <a:off x="5151528" y="2243925"/>
-            <a:ext cx="1393920" cy="1"/>
+            <a:ext cx="246990" cy="1"/>
           </a:xfrm>
           <a:prstGeom prst="bentConnector3">
             <a:avLst>
@@ -5051,7 +5051,7 @@
         <p:spPr>
           <a:xfrm>
             <a:off x="5151527" y="1509668"/>
-            <a:ext cx="2158651" cy="579497"/>
+            <a:ext cx="1011721" cy="579497"/>
           </a:xfrm>
           <a:prstGeom prst="bentConnector2">
             <a:avLst/>
@@ -5184,7 +5184,7 @@
         </p:nvSpPr>
         <p:spPr>
           <a:xfrm>
-            <a:off x="7310178" y="3659925"/>
+            <a:off x="7314111" y="3660169"/>
             <a:ext cx="1529460" cy="309521"/>
           </a:xfrm>
           <a:prstGeom prst="roundRect">
@@ -5257,7 +5257,7 @@
         </p:nvSpPr>
         <p:spPr>
           <a:xfrm>
-            <a:off x="8241531" y="4192763"/>
+            <a:off x="8245464" y="4193007"/>
             <a:ext cx="1529460" cy="309521"/>
           </a:xfrm>
           <a:prstGeom prst="roundRect">
@@ -5330,7 +5330,7 @@
         </p:nvSpPr>
         <p:spPr>
           <a:xfrm>
-            <a:off x="8241531" y="5132854"/>
+            <a:off x="8245464" y="5133098"/>
             <a:ext cx="1529460" cy="309521"/>
           </a:xfrm>
           <a:prstGeom prst="roundRect">
@@ -5403,7 +5403,7 @@
         </p:nvSpPr>
         <p:spPr>
           <a:xfrm>
-            <a:off x="8241531" y="4667429"/>
+            <a:off x="8245464" y="4667673"/>
             <a:ext cx="1529460" cy="309521"/>
           </a:xfrm>
           <a:prstGeom prst="roundRect">
@@ -5479,7 +5479,7 @@
         </p:nvCxnSpPr>
         <p:spPr>
           <a:xfrm rot="10800000">
-            <a:off x="8074909" y="3969446"/>
+            <a:off x="8078842" y="3969690"/>
             <a:ext cx="166623" cy="378078"/>
           </a:xfrm>
           <a:prstGeom prst="bentConnector2">
@@ -5520,7 +5520,7 @@
         </p:nvCxnSpPr>
         <p:spPr>
           <a:xfrm rot="10800000">
-            <a:off x="8074909" y="3969446"/>
+            <a:off x="8078842" y="3969690"/>
             <a:ext cx="166623" cy="852744"/>
           </a:xfrm>
           <a:prstGeom prst="bentConnector2">
@@ -5561,7 +5561,7 @@
         </p:nvCxnSpPr>
         <p:spPr>
           <a:xfrm rot="10800000">
-            <a:off x="8074909" y="3969447"/>
+            <a:off x="8078842" y="3969691"/>
             <a:ext cx="166623" cy="1318169"/>
           </a:xfrm>
           <a:prstGeom prst="bentConnector2">
@@ -5642,8 +5642,8 @@
         </p:nvCxnSpPr>
         <p:spPr>
           <a:xfrm rot="16200000" flipV="1">
-            <a:off x="7061924" y="2646941"/>
-            <a:ext cx="1261239" cy="764730"/>
+            <a:off x="6490304" y="2071631"/>
+            <a:ext cx="1261483" cy="1915593"/>
           </a:xfrm>
           <a:prstGeom prst="bentConnector3">
             <a:avLst>
@@ -5681,7 +5681,7 @@
         </p:nvSpPr>
         <p:spPr>
           <a:xfrm>
-            <a:off x="5394585" y="3657564"/>
+            <a:off x="5398518" y="3657808"/>
             <a:ext cx="1529460" cy="309521"/>
           </a:xfrm>
           <a:prstGeom prst="roundRect">
@@ -5754,7 +5754,7 @@
         </p:nvSpPr>
         <p:spPr>
           <a:xfrm>
-            <a:off x="6325938" y="4190402"/>
+            <a:off x="6329871" y="4190646"/>
             <a:ext cx="1529460" cy="309521"/>
           </a:xfrm>
           <a:prstGeom prst="roundRect">
@@ -5827,7 +5827,7 @@
         </p:nvSpPr>
         <p:spPr>
           <a:xfrm>
-            <a:off x="6325938" y="5130493"/>
+            <a:off x="6329871" y="5130737"/>
             <a:ext cx="1529460" cy="309521"/>
           </a:xfrm>
           <a:prstGeom prst="roundRect">
@@ -5900,7 +5900,7 @@
         </p:nvSpPr>
         <p:spPr>
           <a:xfrm>
-            <a:off x="6325938" y="4665068"/>
+            <a:off x="6329871" y="4665312"/>
             <a:ext cx="1529460" cy="309521"/>
           </a:xfrm>
           <a:prstGeom prst="roundRect">
@@ -5976,8 +5976,8 @@
         </p:nvCxnSpPr>
         <p:spPr>
           <a:xfrm rot="5400000">
-            <a:off x="6105308" y="2452694"/>
-            <a:ext cx="1258878" cy="1150863"/>
+            <a:off x="5533687" y="3028247"/>
+            <a:ext cx="1259122" cy="12700"/>
           </a:xfrm>
           <a:prstGeom prst="bentConnector3">
             <a:avLst>
@@ -6018,8 +6018,8 @@
         </p:nvCxnSpPr>
         <p:spPr>
           <a:xfrm flipV="1">
-            <a:off x="5151527" y="3812325"/>
-            <a:ext cx="243058" cy="2361"/>
+            <a:off x="5151527" y="3812569"/>
+            <a:ext cx="246991" cy="2117"/>
           </a:xfrm>
           <a:prstGeom prst="bentConnector3">
             <a:avLst>
@@ -6080,7 +6080,7 @@
         </p:nvSpPr>
         <p:spPr>
           <a:xfrm>
-            <a:off x="10117954" y="2089169"/>
+            <a:off x="8971024" y="2089169"/>
             <a:ext cx="1529460" cy="309521"/>
           </a:xfrm>
           <a:prstGeom prst="roundRect">
@@ -6155,7 +6155,7 @@
         <p:spPr>
           <a:xfrm>
             <a:off x="5151527" y="1509668"/>
-            <a:ext cx="5731157" cy="579501"/>
+            <a:ext cx="4584227" cy="579501"/>
           </a:xfrm>
           <a:prstGeom prst="bentConnector2">
             <a:avLst/>
@@ -6187,7 +6187,7 @@
         </p:nvCxnSpPr>
         <p:spPr>
           <a:xfrm>
-            <a:off x="8074908" y="2243926"/>
+            <a:off x="6927978" y="2243926"/>
             <a:ext cx="2043046" cy="4"/>
           </a:xfrm>
           <a:prstGeom prst="bentConnector3">
@@ -6320,6 +6320,76 @@
       </p:sp>
       <p:cxnSp>
         <p:nvCxnSpPr>
+          <p:cNvPr id="94" name="Gebogen verbindingslijn 93"/>
+          <p:cNvCxnSpPr>
+            <a:stCxn id="16" idx="0"/>
+            <a:endCxn id="10" idx="2"/>
+          </p:cNvCxnSpPr>
+          <p:nvPr/>
+        </p:nvCxnSpPr>
+        <p:spPr>
+          <a:xfrm rot="16200000" flipV="1">
+            <a:off x="343391" y="3789227"/>
+            <a:ext cx="207266" cy="5018"/>
+          </a:xfrm>
+          <a:prstGeom prst="bentConnector3">
+            <a:avLst>
+              <a:gd name="adj1" fmla="val 50000"/>
+            </a:avLst>
+          </a:prstGeom>
+        </p:spPr>
+        <p:style>
+          <a:lnRef idx="2">
+            <a:schemeClr val="accent1"/>
+          </a:lnRef>
+          <a:fillRef idx="0">
+            <a:schemeClr val="accent1"/>
+          </a:fillRef>
+          <a:effectRef idx="1">
+            <a:schemeClr val="accent1"/>
+          </a:effectRef>
+          <a:fontRef idx="minor">
+            <a:schemeClr val="tx1"/>
+          </a:fontRef>
+        </p:style>
+      </p:cxnSp>
+      <p:cxnSp>
+        <p:nvCxnSpPr>
+          <p:cNvPr id="23" name="Gebogen verbindingslijn 22"/>
+          <p:cNvCxnSpPr>
+            <a:stCxn id="16" idx="2"/>
+            <a:endCxn id="84" idx="2"/>
+          </p:cNvCxnSpPr>
+          <p:nvPr/>
+        </p:nvCxnSpPr>
+        <p:spPr>
+          <a:xfrm rot="5400000" flipH="1" flipV="1">
+            <a:off x="3187609" y="1229252"/>
+            <a:ext cx="237561" cy="5713715"/>
+          </a:xfrm>
+          <a:prstGeom prst="bentConnector3">
+            <a:avLst>
+              <a:gd name="adj1" fmla="val -874162"/>
+            </a:avLst>
+          </a:prstGeom>
+        </p:spPr>
+        <p:style>
+          <a:lnRef idx="2">
+            <a:schemeClr val="accent1"/>
+          </a:lnRef>
+          <a:fillRef idx="0">
+            <a:schemeClr val="accent1"/>
+          </a:fillRef>
+          <a:effectRef idx="1">
+            <a:schemeClr val="accent1"/>
+          </a:effectRef>
+          <a:fontRef idx="minor">
+            <a:schemeClr val="tx1"/>
+          </a:fontRef>
+        </p:style>
+      </p:cxnSp>
+      <p:cxnSp>
+        <p:nvCxnSpPr>
           <p:cNvPr id="92" name="Shape 91"/>
           <p:cNvCxnSpPr>
             <a:stCxn id="86" idx="1"/>
@@ -6329,7 +6399,7 @@
         </p:nvCxnSpPr>
         <p:spPr>
           <a:xfrm rot="10800000">
-            <a:off x="6159316" y="3967085"/>
+            <a:off x="6163249" y="3967329"/>
             <a:ext cx="166623" cy="378078"/>
           </a:xfrm>
           <a:prstGeom prst="bentConnector2">
@@ -6370,7 +6440,7 @@
         </p:nvCxnSpPr>
         <p:spPr>
           <a:xfrm rot="10800000">
-            <a:off x="6159316" y="3967086"/>
+            <a:off x="6163249" y="3967330"/>
             <a:ext cx="166623" cy="1318169"/>
           </a:xfrm>
           <a:prstGeom prst="bentConnector2">
@@ -6384,73 +6454,6 @@
             </a:solidFill>
             <a:tailEnd type="arrow"/>
           </a:ln>
-        </p:spPr>
-        <p:style>
-          <a:lnRef idx="2">
-            <a:schemeClr val="accent1"/>
-          </a:lnRef>
-          <a:fillRef idx="0">
-            <a:schemeClr val="accent1"/>
-          </a:fillRef>
-          <a:effectRef idx="1">
-            <a:schemeClr val="accent1"/>
-          </a:effectRef>
-          <a:fontRef idx="minor">
-            <a:schemeClr val="tx1"/>
-          </a:fontRef>
-        </p:style>
-      </p:cxnSp>
-      <p:cxnSp>
-        <p:nvCxnSpPr>
-          <p:cNvPr id="94" name="Gebogen verbindingslijn 93"/>
-          <p:cNvCxnSpPr>
-            <a:stCxn id="16" idx="0"/>
-            <a:endCxn id="10" idx="2"/>
-          </p:cNvCxnSpPr>
-          <p:nvPr/>
-        </p:nvCxnSpPr>
-        <p:spPr>
-          <a:xfrm rot="16200000" flipV="1">
-            <a:off x="343391" y="3789227"/>
-            <a:ext cx="207266" cy="5018"/>
-          </a:xfrm>
-          <a:prstGeom prst="bentConnector3">
-            <a:avLst>
-              <a:gd name="adj1" fmla="val 50000"/>
-            </a:avLst>
-          </a:prstGeom>
-        </p:spPr>
-        <p:style>
-          <a:lnRef idx="2">
-            <a:schemeClr val="accent1"/>
-          </a:lnRef>
-          <a:fillRef idx="0">
-            <a:schemeClr val="accent1"/>
-          </a:fillRef>
-          <a:effectRef idx="1">
-            <a:schemeClr val="accent1"/>
-          </a:effectRef>
-          <a:fontRef idx="minor">
-            <a:schemeClr val="tx1"/>
-          </a:fontRef>
-        </p:style>
-      </p:cxnSp>
-      <p:cxnSp>
-        <p:nvCxnSpPr>
-          <p:cNvPr id="112" name="Gebogen verbindingslijn 111"/>
-          <p:cNvCxnSpPr/>
-          <p:nvPr/>
-        </p:nvCxnSpPr>
-        <p:spPr>
-          <a:xfrm rot="5400000">
-            <a:off x="3003588" y="1237529"/>
-            <a:ext cx="237805" cy="5701641"/>
-          </a:xfrm>
-          <a:prstGeom prst="bentConnector3">
-            <a:avLst>
-              <a:gd name="adj1" fmla="val 962994"/>
-            </a:avLst>
-          </a:prstGeom>
         </p:spPr>
         <p:style>
           <a:lnRef idx="2">
